--- a/trunk/ tsp01-contratos-clientes/ITERACION01_TP01/AUDITORIA01/PPT AUDITORIA01.pptx
+++ b/trunk/ tsp01-contratos-clientes/ITERACION01_TP01/AUDITORIA01/PPT AUDITORIA01.pptx
@@ -5,32 +5,38 @@
     <p:sldMasterId id="2147483660" r:id="rId1"/>
   </p:sldMasterIdLst>
   <p:notesMasterIdLst>
-    <p:notesMasterId r:id="rId25"/>
+    <p:notesMasterId r:id="rId31"/>
   </p:notesMasterIdLst>
   <p:sldIdLst>
     <p:sldId id="256" r:id="rId2"/>
-    <p:sldId id="275" r:id="rId3"/>
-    <p:sldId id="284" r:id="rId4"/>
+    <p:sldId id="284" r:id="rId3"/>
+    <p:sldId id="313" r:id="rId4"/>
     <p:sldId id="285" r:id="rId5"/>
-    <p:sldId id="286" r:id="rId6"/>
-    <p:sldId id="287" r:id="rId7"/>
-    <p:sldId id="288" r:id="rId8"/>
-    <p:sldId id="289" r:id="rId9"/>
-    <p:sldId id="290" r:id="rId10"/>
-    <p:sldId id="291" r:id="rId11"/>
-    <p:sldId id="292" r:id="rId12"/>
-    <p:sldId id="293" r:id="rId13"/>
-    <p:sldId id="279" r:id="rId14"/>
-    <p:sldId id="294" r:id="rId15"/>
-    <p:sldId id="296" r:id="rId16"/>
-    <p:sldId id="295" r:id="rId17"/>
-    <p:sldId id="297" r:id="rId18"/>
-    <p:sldId id="263" r:id="rId19"/>
-    <p:sldId id="298" r:id="rId20"/>
-    <p:sldId id="299" r:id="rId21"/>
-    <p:sldId id="277" r:id="rId22"/>
-    <p:sldId id="300" r:id="rId23"/>
-    <p:sldId id="260" r:id="rId24"/>
+    <p:sldId id="311" r:id="rId6"/>
+    <p:sldId id="286" r:id="rId7"/>
+    <p:sldId id="312" r:id="rId8"/>
+    <p:sldId id="287" r:id="rId9"/>
+    <p:sldId id="288" r:id="rId10"/>
+    <p:sldId id="301" r:id="rId11"/>
+    <p:sldId id="302" r:id="rId12"/>
+    <p:sldId id="289" r:id="rId13"/>
+    <p:sldId id="290" r:id="rId14"/>
+    <p:sldId id="291" r:id="rId15"/>
+    <p:sldId id="292" r:id="rId16"/>
+    <p:sldId id="293" r:id="rId17"/>
+    <p:sldId id="303" r:id="rId18"/>
+    <p:sldId id="294" r:id="rId19"/>
+    <p:sldId id="306" r:id="rId20"/>
+    <p:sldId id="307" r:id="rId21"/>
+    <p:sldId id="297" r:id="rId22"/>
+    <p:sldId id="308" r:id="rId23"/>
+    <p:sldId id="309" r:id="rId24"/>
+    <p:sldId id="310" r:id="rId25"/>
+    <p:sldId id="277" r:id="rId26"/>
+    <p:sldId id="300" r:id="rId27"/>
+    <p:sldId id="314" r:id="rId28"/>
+    <p:sldId id="305" r:id="rId29"/>
+    <p:sldId id="260" r:id="rId30"/>
   </p:sldIdLst>
   <p:sldSz cx="9144000" cy="6858000" type="screen4x3"/>
   <p:notesSz cx="6858000" cy="9144000"/>
@@ -264,12 +270,12 @@
             <a:pPr>
               <a:defRPr/>
             </a:pPr>
-            <a:fld id="{3383CBA4-CE7D-4A0E-96CA-42B422DCF8D1}" type="datetimeFigureOut">
+            <a:fld id="{323FDCD3-4566-4CD4-B5BF-66DA12597090}" type="datetimeFigureOut">
               <a:rPr lang="es-PE"/>
               <a:pPr>
                 <a:defRPr/>
               </a:pPr>
-              <a:t>22/05/2012</a:t>
+              <a:t>24/05/2012</a:t>
             </a:fld>
             <a:endParaRPr lang="es-PE"/>
           </a:p>
@@ -451,7 +457,7 @@
             <a:pPr>
               <a:defRPr/>
             </a:pPr>
-            <a:fld id="{CF93671A-2865-4D30-980D-64E86AD8BE72}" type="slidenum">
+            <a:fld id="{5F8B548B-B270-42EB-A27B-B90CCF8F09CC}" type="slidenum">
               <a:rPr lang="es-PE"/>
               <a:pPr>
                 <a:defRPr/>
@@ -609,7 +615,7 @@
       </p:grpSpPr>
       <p:sp>
         <p:nvSpPr>
-          <p:cNvPr id="40962" name="1 Marcador de imagen de diapositiva"/>
+          <p:cNvPr id="22529" name="1 Marcador de imagen de diapositiva"/>
           <p:cNvSpPr>
             <a:spLocks noGrp="1" noRot="1" noChangeAspect="1" noTextEdit="1"/>
           </p:cNvSpPr>
@@ -631,7 +637,7 @@
       </p:sp>
       <p:sp>
         <p:nvSpPr>
-          <p:cNvPr id="40963" name="2 Marcador de notas"/>
+          <p:cNvPr id="22530" name="2 Marcador de notas"/>
           <p:cNvSpPr>
             <a:spLocks noGrp="1"/>
           </p:cNvSpPr>
@@ -689,14 +695,14 @@
             <a:pPr algn="r">
               <a:defRPr/>
             </a:pPr>
-            <a:fld id="{64A2A110-8BA9-4769-B17E-10E427E64A95}" type="slidenum">
+            <a:fld id="{62BC7B02-F842-48BE-92CB-D4ECBCDA1B8E}" type="slidenum">
               <a:rPr lang="es-PE" sz="1200">
                 <a:latin typeface="+mn-lt"/>
               </a:rPr>
               <a:pPr algn="r">
                 <a:defRPr/>
               </a:pPr>
-              <a:t>7</a:t>
+              <a:t>9</a:t>
             </a:fld>
             <a:endParaRPr lang="es-PE" sz="1200">
               <a:latin typeface="+mn-lt"/>
@@ -731,7 +737,7 @@
       </p:grpSpPr>
       <p:sp>
         <p:nvSpPr>
-          <p:cNvPr id="43010" name="1 Marcador de imagen de diapositiva"/>
+          <p:cNvPr id="53250" name="1 Marcador de imagen de diapositiva"/>
           <p:cNvSpPr>
             <a:spLocks noGrp="1" noRot="1" noChangeAspect="1" noTextEdit="1"/>
           </p:cNvSpPr>
@@ -753,7 +759,7 @@
       </p:sp>
       <p:sp>
         <p:nvSpPr>
-          <p:cNvPr id="43011" name="2 Marcador de notas"/>
+          <p:cNvPr id="53251" name="2 Marcador de notas"/>
           <p:cNvSpPr>
             <a:spLocks noGrp="1"/>
           </p:cNvSpPr>
@@ -811,251 +817,7 @@
             <a:pPr algn="r">
               <a:defRPr/>
             </a:pPr>
-            <a:fld id="{B539F422-CE1C-436A-A640-21E052A9DC84}" type="slidenum">
-              <a:rPr lang="es-PE" sz="1200">
-                <a:latin typeface="+mn-lt"/>
-              </a:rPr>
-              <a:pPr algn="r">
-                <a:defRPr/>
-              </a:pPr>
-              <a:t>8</a:t>
-            </a:fld>
-            <a:endParaRPr lang="es-PE" sz="1200">
-              <a:latin typeface="+mn-lt"/>
-            </a:endParaRPr>
-          </a:p>
-        </p:txBody>
-      </p:sp>
-    </p:spTree>
-  </p:cSld>
-  <p:clrMapOvr>
-    <a:masterClrMapping/>
-  </p:clrMapOvr>
-</p:notes>
-</file>
-
-<file path=ppt/notesSlides/notesSlide3.xml><?xml version="1.0" encoding="utf-8"?>
-<p:notes xmlns:a="http://schemas.openxmlformats.org/drawingml/2006/main" xmlns:r="http://schemas.openxmlformats.org/officeDocument/2006/relationships" xmlns:p="http://schemas.openxmlformats.org/presentationml/2006/main">
-  <p:cSld>
-    <p:spTree>
-      <p:nvGrpSpPr>
-        <p:cNvPr id="1" name=""/>
-        <p:cNvGrpSpPr/>
-        <p:nvPr/>
-      </p:nvGrpSpPr>
-      <p:grpSpPr>
-        <a:xfrm>
-          <a:off x="0" y="0"/>
-          <a:ext cx="0" cy="0"/>
-          <a:chOff x="0" y="0"/>
-          <a:chExt cx="0" cy="0"/>
-        </a:xfrm>
-      </p:grpSpPr>
-      <p:sp>
-        <p:nvSpPr>
-          <p:cNvPr id="45058" name="1 Marcador de imagen de diapositiva"/>
-          <p:cNvSpPr>
-            <a:spLocks noGrp="1" noRot="1" noChangeAspect="1" noTextEdit="1"/>
-          </p:cNvSpPr>
-          <p:nvPr>
-            <p:ph type="sldImg"/>
-          </p:nvPr>
-        </p:nvSpPr>
-        <p:spPr bwMode="auto">
-          <a:noFill/>
-          <a:ln>
-            <a:solidFill>
-              <a:srgbClr val="000000"/>
-            </a:solidFill>
-            <a:miter lim="800000"/>
-            <a:headEnd/>
-            <a:tailEnd/>
-          </a:ln>
-        </p:spPr>
-      </p:sp>
-      <p:sp>
-        <p:nvSpPr>
-          <p:cNvPr id="45059" name="2 Marcador de notas"/>
-          <p:cNvSpPr>
-            <a:spLocks noGrp="1"/>
-          </p:cNvSpPr>
-          <p:nvPr>
-            <p:ph type="body" idx="1"/>
-          </p:nvPr>
-        </p:nvSpPr>
-        <p:spPr bwMode="auto">
-          <a:noFill/>
-        </p:spPr>
-        <p:txBody>
-          <a:bodyPr wrap="square" numCol="1" anchor="t" anchorCtr="0" compatLnSpc="1">
-            <a:prstTxWarp prst="textNoShape">
-              <a:avLst/>
-            </a:prstTxWarp>
-          </a:bodyPr>
-          <a:lstStyle/>
-          <a:p>
-            <a:pPr eaLnBrk="1" hangingPunct="1">
-              <a:spcBef>
-                <a:spcPct val="0"/>
-              </a:spcBef>
-            </a:pPr>
-            <a:endParaRPr lang="es-ES" smtClean="0"/>
-          </a:p>
-        </p:txBody>
-      </p:sp>
-      <p:sp>
-        <p:nvSpPr>
-          <p:cNvPr id="23555" name="3 Marcador de número de diapositiva"/>
-          <p:cNvSpPr txBox="1">
-            <a:spLocks noGrp="1"/>
-          </p:cNvSpPr>
-          <p:nvPr/>
-        </p:nvSpPr>
-        <p:spPr bwMode="auto">
-          <a:xfrm>
-            <a:off x="3884613" y="8685213"/>
-            <a:ext cx="2971800" cy="457200"/>
-          </a:xfrm>
-          <a:prstGeom prst="rect">
-            <a:avLst/>
-          </a:prstGeom>
-          <a:noFill/>
-          <a:ln>
-            <a:miter lim="800000"/>
-            <a:headEnd/>
-            <a:tailEnd/>
-          </a:ln>
-        </p:spPr>
-        <p:txBody>
-          <a:bodyPr anchor="b"/>
-          <a:lstStyle/>
-          <a:p>
-            <a:pPr algn="r">
-              <a:defRPr/>
-            </a:pPr>
-            <a:fld id="{79FF59C4-BE9B-4291-85D2-AC99E7BCC13F}" type="slidenum">
-              <a:rPr lang="es-PE" sz="1200">
-                <a:latin typeface="+mn-lt"/>
-              </a:rPr>
-              <a:pPr algn="r">
-                <a:defRPr/>
-              </a:pPr>
-              <a:t>9</a:t>
-            </a:fld>
-            <a:endParaRPr lang="es-PE" sz="1200">
-              <a:latin typeface="+mn-lt"/>
-            </a:endParaRPr>
-          </a:p>
-        </p:txBody>
-      </p:sp>
-    </p:spTree>
-  </p:cSld>
-  <p:clrMapOvr>
-    <a:masterClrMapping/>
-  </p:clrMapOvr>
-</p:notes>
-</file>
-
-<file path=ppt/notesSlides/notesSlide4.xml><?xml version="1.0" encoding="utf-8"?>
-<p:notes xmlns:a="http://schemas.openxmlformats.org/drawingml/2006/main" xmlns:r="http://schemas.openxmlformats.org/officeDocument/2006/relationships" xmlns:p="http://schemas.openxmlformats.org/presentationml/2006/main">
-  <p:cSld>
-    <p:spTree>
-      <p:nvGrpSpPr>
-        <p:cNvPr id="1" name=""/>
-        <p:cNvGrpSpPr/>
-        <p:nvPr/>
-      </p:nvGrpSpPr>
-      <p:grpSpPr>
-        <a:xfrm>
-          <a:off x="0" y="0"/>
-          <a:ext cx="0" cy="0"/>
-          <a:chOff x="0" y="0"/>
-          <a:chExt cx="0" cy="0"/>
-        </a:xfrm>
-      </p:grpSpPr>
-      <p:sp>
-        <p:nvSpPr>
-          <p:cNvPr id="47106" name="1 Marcador de imagen de diapositiva"/>
-          <p:cNvSpPr>
-            <a:spLocks noGrp="1" noRot="1" noChangeAspect="1" noTextEdit="1"/>
-          </p:cNvSpPr>
-          <p:nvPr>
-            <p:ph type="sldImg"/>
-          </p:nvPr>
-        </p:nvSpPr>
-        <p:spPr bwMode="auto">
-          <a:noFill/>
-          <a:ln>
-            <a:solidFill>
-              <a:srgbClr val="000000"/>
-            </a:solidFill>
-            <a:miter lim="800000"/>
-            <a:headEnd/>
-            <a:tailEnd/>
-          </a:ln>
-        </p:spPr>
-      </p:sp>
-      <p:sp>
-        <p:nvSpPr>
-          <p:cNvPr id="47107" name="2 Marcador de notas"/>
-          <p:cNvSpPr>
-            <a:spLocks noGrp="1"/>
-          </p:cNvSpPr>
-          <p:nvPr>
-            <p:ph type="body" idx="1"/>
-          </p:nvPr>
-        </p:nvSpPr>
-        <p:spPr bwMode="auto">
-          <a:noFill/>
-        </p:spPr>
-        <p:txBody>
-          <a:bodyPr wrap="square" numCol="1" anchor="t" anchorCtr="0" compatLnSpc="1">
-            <a:prstTxWarp prst="textNoShape">
-              <a:avLst/>
-            </a:prstTxWarp>
-          </a:bodyPr>
-          <a:lstStyle/>
-          <a:p>
-            <a:pPr eaLnBrk="1" hangingPunct="1">
-              <a:spcBef>
-                <a:spcPct val="0"/>
-              </a:spcBef>
-            </a:pPr>
-            <a:endParaRPr lang="es-ES" smtClean="0"/>
-          </a:p>
-        </p:txBody>
-      </p:sp>
-      <p:sp>
-        <p:nvSpPr>
-          <p:cNvPr id="23555" name="3 Marcador de número de diapositiva"/>
-          <p:cNvSpPr txBox="1">
-            <a:spLocks noGrp="1"/>
-          </p:cNvSpPr>
-          <p:nvPr/>
-        </p:nvSpPr>
-        <p:spPr bwMode="auto">
-          <a:xfrm>
-            <a:off x="3884613" y="8685213"/>
-            <a:ext cx="2971800" cy="457200"/>
-          </a:xfrm>
-          <a:prstGeom prst="rect">
-            <a:avLst/>
-          </a:prstGeom>
-          <a:noFill/>
-          <a:ln>
-            <a:miter lim="800000"/>
-            <a:headEnd/>
-            <a:tailEnd/>
-          </a:ln>
-        </p:spPr>
-        <p:txBody>
-          <a:bodyPr anchor="b"/>
-          <a:lstStyle/>
-          <a:p>
-            <a:pPr algn="r">
-              <a:defRPr/>
-            </a:pPr>
-            <a:fld id="{A565BE02-102B-4923-822E-A2E1575829FB}" type="slidenum">
+            <a:fld id="{3861994D-6730-49D4-9383-79E27E5849E2}" type="slidenum">
               <a:rPr lang="es-PE" sz="1200">
                 <a:latin typeface="+mn-lt"/>
               </a:rPr>
@@ -1078,129 +840,7 @@
 </p:notes>
 </file>
 
-<file path=ppt/notesSlides/notesSlide5.xml><?xml version="1.0" encoding="utf-8"?>
-<p:notes xmlns:a="http://schemas.openxmlformats.org/drawingml/2006/main" xmlns:r="http://schemas.openxmlformats.org/officeDocument/2006/relationships" xmlns:p="http://schemas.openxmlformats.org/presentationml/2006/main">
-  <p:cSld>
-    <p:spTree>
-      <p:nvGrpSpPr>
-        <p:cNvPr id="1" name=""/>
-        <p:cNvGrpSpPr/>
-        <p:nvPr/>
-      </p:nvGrpSpPr>
-      <p:grpSpPr>
-        <a:xfrm>
-          <a:off x="0" y="0"/>
-          <a:ext cx="0" cy="0"/>
-          <a:chOff x="0" y="0"/>
-          <a:chExt cx="0" cy="0"/>
-        </a:xfrm>
-      </p:grpSpPr>
-      <p:sp>
-        <p:nvSpPr>
-          <p:cNvPr id="49154" name="1 Marcador de imagen de diapositiva"/>
-          <p:cNvSpPr>
-            <a:spLocks noGrp="1" noRot="1" noChangeAspect="1" noTextEdit="1"/>
-          </p:cNvSpPr>
-          <p:nvPr>
-            <p:ph type="sldImg"/>
-          </p:nvPr>
-        </p:nvSpPr>
-        <p:spPr bwMode="auto">
-          <a:noFill/>
-          <a:ln>
-            <a:solidFill>
-              <a:srgbClr val="000000"/>
-            </a:solidFill>
-            <a:miter lim="800000"/>
-            <a:headEnd/>
-            <a:tailEnd/>
-          </a:ln>
-        </p:spPr>
-      </p:sp>
-      <p:sp>
-        <p:nvSpPr>
-          <p:cNvPr id="49155" name="2 Marcador de notas"/>
-          <p:cNvSpPr>
-            <a:spLocks noGrp="1"/>
-          </p:cNvSpPr>
-          <p:nvPr>
-            <p:ph type="body" idx="1"/>
-          </p:nvPr>
-        </p:nvSpPr>
-        <p:spPr bwMode="auto">
-          <a:noFill/>
-        </p:spPr>
-        <p:txBody>
-          <a:bodyPr wrap="square" numCol="1" anchor="t" anchorCtr="0" compatLnSpc="1">
-            <a:prstTxWarp prst="textNoShape">
-              <a:avLst/>
-            </a:prstTxWarp>
-          </a:bodyPr>
-          <a:lstStyle/>
-          <a:p>
-            <a:pPr eaLnBrk="1" hangingPunct="1">
-              <a:spcBef>
-                <a:spcPct val="0"/>
-              </a:spcBef>
-            </a:pPr>
-            <a:endParaRPr lang="es-ES" smtClean="0"/>
-          </a:p>
-        </p:txBody>
-      </p:sp>
-      <p:sp>
-        <p:nvSpPr>
-          <p:cNvPr id="23555" name="3 Marcador de número de diapositiva"/>
-          <p:cNvSpPr txBox="1">
-            <a:spLocks noGrp="1"/>
-          </p:cNvSpPr>
-          <p:nvPr/>
-        </p:nvSpPr>
-        <p:spPr bwMode="auto">
-          <a:xfrm>
-            <a:off x="3884613" y="8685213"/>
-            <a:ext cx="2971800" cy="457200"/>
-          </a:xfrm>
-          <a:prstGeom prst="rect">
-            <a:avLst/>
-          </a:prstGeom>
-          <a:noFill/>
-          <a:ln>
-            <a:miter lim="800000"/>
-            <a:headEnd/>
-            <a:tailEnd/>
-          </a:ln>
-        </p:spPr>
-        <p:txBody>
-          <a:bodyPr anchor="b"/>
-          <a:lstStyle/>
-          <a:p>
-            <a:pPr algn="r">
-              <a:defRPr/>
-            </a:pPr>
-            <a:fld id="{BF03D598-0A90-4B14-A10B-CD68A2D94D18}" type="slidenum">
-              <a:rPr lang="es-PE" sz="1200">
-                <a:latin typeface="+mn-lt"/>
-              </a:rPr>
-              <a:pPr algn="r">
-                <a:defRPr/>
-              </a:pPr>
-              <a:t>11</a:t>
-            </a:fld>
-            <a:endParaRPr lang="es-PE" sz="1200">
-              <a:latin typeface="+mn-lt"/>
-            </a:endParaRPr>
-          </a:p>
-        </p:txBody>
-      </p:sp>
-    </p:spTree>
-  </p:cSld>
-  <p:clrMapOvr>
-    <a:masterClrMapping/>
-  </p:clrMapOvr>
-</p:notes>
-</file>
-
-<file path=ppt/notesSlides/notesSlide6.xml><?xml version="1.0" encoding="utf-8"?>
+<file path=ppt/notesSlides/notesSlide3.xml><?xml version="1.0" encoding="utf-8"?>
 <p:notes xmlns:a="http://schemas.openxmlformats.org/drawingml/2006/main" xmlns:r="http://schemas.openxmlformats.org/officeDocument/2006/relationships" xmlns:p="http://schemas.openxmlformats.org/presentationml/2006/main">
   <p:cSld>
     <p:spTree>
@@ -1299,14 +939,14 @@
             <a:pPr algn="r">
               <a:defRPr/>
             </a:pPr>
-            <a:fld id="{465C6188-98B4-4B98-BA08-5D1BA958E9DB}" type="slidenum">
+            <a:fld id="{3101CDC7-64F5-41FE-BD90-714168F35B35}" type="slidenum">
               <a:rPr lang="es-PE" sz="1200">
                 <a:latin typeface="+mn-lt"/>
               </a:rPr>
               <a:pPr algn="r">
                 <a:defRPr/>
               </a:pPr>
-              <a:t>15</a:t>
+              <a:t>11</a:t>
             </a:fld>
             <a:endParaRPr lang="es-PE" sz="1200">
               <a:latin typeface="+mn-lt"/>
@@ -1322,7 +962,7 @@
 </p:notes>
 </file>
 
-<file path=ppt/notesSlides/notesSlide7.xml><?xml version="1.0" encoding="utf-8"?>
+<file path=ppt/notesSlides/notesSlide4.xml><?xml version="1.0" encoding="utf-8"?>
 <p:notes xmlns:a="http://schemas.openxmlformats.org/drawingml/2006/main" xmlns:r="http://schemas.openxmlformats.org/officeDocument/2006/relationships" xmlns:p="http://schemas.openxmlformats.org/presentationml/2006/main">
   <p:cSld>
     <p:spTree>
@@ -1341,7 +981,7 @@
       </p:grpSpPr>
       <p:sp>
         <p:nvSpPr>
-          <p:cNvPr id="53250" name="1 Marcador de imagen de diapositiva"/>
+          <p:cNvPr id="24577" name="1 Marcador de imagen de diapositiva"/>
           <p:cNvSpPr>
             <a:spLocks noGrp="1" noRot="1" noChangeAspect="1" noTextEdit="1"/>
           </p:cNvSpPr>
@@ -1363,7 +1003,7 @@
       </p:sp>
       <p:sp>
         <p:nvSpPr>
-          <p:cNvPr id="53251" name="2 Marcador de notas"/>
+          <p:cNvPr id="24578" name="2 Marcador de notas"/>
           <p:cNvSpPr>
             <a:spLocks noGrp="1"/>
           </p:cNvSpPr>
@@ -1421,14 +1061,624 @@
             <a:pPr algn="r">
               <a:defRPr/>
             </a:pPr>
-            <a:fld id="{81E13BEE-474A-4724-8809-5144641D83A9}" type="slidenum">
+            <a:fld id="{B2D68497-C846-43C2-9C7A-ADC184F24F55}" type="slidenum">
               <a:rPr lang="es-PE" sz="1200">
                 <a:latin typeface="+mn-lt"/>
               </a:rPr>
               <a:pPr algn="r">
                 <a:defRPr/>
               </a:pPr>
-              <a:t>16</a:t>
+              <a:t>12</a:t>
+            </a:fld>
+            <a:endParaRPr lang="es-PE" sz="1200">
+              <a:latin typeface="+mn-lt"/>
+            </a:endParaRPr>
+          </a:p>
+        </p:txBody>
+      </p:sp>
+    </p:spTree>
+  </p:cSld>
+  <p:clrMapOvr>
+    <a:masterClrMapping/>
+  </p:clrMapOvr>
+</p:notes>
+</file>
+
+<file path=ppt/notesSlides/notesSlide5.xml><?xml version="1.0" encoding="utf-8"?>
+<p:notes xmlns:a="http://schemas.openxmlformats.org/drawingml/2006/main" xmlns:r="http://schemas.openxmlformats.org/officeDocument/2006/relationships" xmlns:p="http://schemas.openxmlformats.org/presentationml/2006/main">
+  <p:cSld>
+    <p:spTree>
+      <p:nvGrpSpPr>
+        <p:cNvPr id="1" name=""/>
+        <p:cNvGrpSpPr/>
+        <p:nvPr/>
+      </p:nvGrpSpPr>
+      <p:grpSpPr>
+        <a:xfrm>
+          <a:off x="0" y="0"/>
+          <a:ext cx="0" cy="0"/>
+          <a:chOff x="0" y="0"/>
+          <a:chExt cx="0" cy="0"/>
+        </a:xfrm>
+      </p:grpSpPr>
+      <p:sp>
+        <p:nvSpPr>
+          <p:cNvPr id="26625" name="1 Marcador de imagen de diapositiva"/>
+          <p:cNvSpPr>
+            <a:spLocks noGrp="1" noRot="1" noChangeAspect="1" noTextEdit="1"/>
+          </p:cNvSpPr>
+          <p:nvPr>
+            <p:ph type="sldImg"/>
+          </p:nvPr>
+        </p:nvSpPr>
+        <p:spPr bwMode="auto">
+          <a:noFill/>
+          <a:ln>
+            <a:solidFill>
+              <a:srgbClr val="000000"/>
+            </a:solidFill>
+            <a:miter lim="800000"/>
+            <a:headEnd/>
+            <a:tailEnd/>
+          </a:ln>
+        </p:spPr>
+      </p:sp>
+      <p:sp>
+        <p:nvSpPr>
+          <p:cNvPr id="26626" name="2 Marcador de notas"/>
+          <p:cNvSpPr>
+            <a:spLocks noGrp="1"/>
+          </p:cNvSpPr>
+          <p:nvPr>
+            <p:ph type="body" idx="1"/>
+          </p:nvPr>
+        </p:nvSpPr>
+        <p:spPr bwMode="auto">
+          <a:noFill/>
+        </p:spPr>
+        <p:txBody>
+          <a:bodyPr wrap="square" numCol="1" anchor="t" anchorCtr="0" compatLnSpc="1">
+            <a:prstTxWarp prst="textNoShape">
+              <a:avLst/>
+            </a:prstTxWarp>
+          </a:bodyPr>
+          <a:lstStyle/>
+          <a:p>
+            <a:pPr eaLnBrk="1" hangingPunct="1">
+              <a:spcBef>
+                <a:spcPct val="0"/>
+              </a:spcBef>
+            </a:pPr>
+            <a:endParaRPr lang="es-ES" smtClean="0"/>
+          </a:p>
+        </p:txBody>
+      </p:sp>
+      <p:sp>
+        <p:nvSpPr>
+          <p:cNvPr id="23555" name="3 Marcador de número de diapositiva"/>
+          <p:cNvSpPr txBox="1">
+            <a:spLocks noGrp="1"/>
+          </p:cNvSpPr>
+          <p:nvPr/>
+        </p:nvSpPr>
+        <p:spPr bwMode="auto">
+          <a:xfrm>
+            <a:off x="3884613" y="8685213"/>
+            <a:ext cx="2971800" cy="457200"/>
+          </a:xfrm>
+          <a:prstGeom prst="rect">
+            <a:avLst/>
+          </a:prstGeom>
+          <a:noFill/>
+          <a:ln>
+            <a:miter lim="800000"/>
+            <a:headEnd/>
+            <a:tailEnd/>
+          </a:ln>
+        </p:spPr>
+        <p:txBody>
+          <a:bodyPr anchor="b"/>
+          <a:lstStyle/>
+          <a:p>
+            <a:pPr algn="r">
+              <a:defRPr/>
+            </a:pPr>
+            <a:fld id="{93837123-54B4-415D-ACB9-AAB5C8AB3E33}" type="slidenum">
+              <a:rPr lang="es-PE" sz="1200">
+                <a:latin typeface="+mn-lt"/>
+              </a:rPr>
+              <a:pPr algn="r">
+                <a:defRPr/>
+              </a:pPr>
+              <a:t>13</a:t>
+            </a:fld>
+            <a:endParaRPr lang="es-PE" sz="1200">
+              <a:latin typeface="+mn-lt"/>
+            </a:endParaRPr>
+          </a:p>
+        </p:txBody>
+      </p:sp>
+    </p:spTree>
+  </p:cSld>
+  <p:clrMapOvr>
+    <a:masterClrMapping/>
+  </p:clrMapOvr>
+</p:notes>
+</file>
+
+<file path=ppt/notesSlides/notesSlide6.xml><?xml version="1.0" encoding="utf-8"?>
+<p:notes xmlns:a="http://schemas.openxmlformats.org/drawingml/2006/main" xmlns:r="http://schemas.openxmlformats.org/officeDocument/2006/relationships" xmlns:p="http://schemas.openxmlformats.org/presentationml/2006/main">
+  <p:cSld>
+    <p:spTree>
+      <p:nvGrpSpPr>
+        <p:cNvPr id="1" name=""/>
+        <p:cNvGrpSpPr/>
+        <p:nvPr/>
+      </p:nvGrpSpPr>
+      <p:grpSpPr>
+        <a:xfrm>
+          <a:off x="0" y="0"/>
+          <a:ext cx="0" cy="0"/>
+          <a:chOff x="0" y="0"/>
+          <a:chExt cx="0" cy="0"/>
+        </a:xfrm>
+      </p:grpSpPr>
+      <p:sp>
+        <p:nvSpPr>
+          <p:cNvPr id="28673" name="1 Marcador de imagen de diapositiva"/>
+          <p:cNvSpPr>
+            <a:spLocks noGrp="1" noRot="1" noChangeAspect="1" noTextEdit="1"/>
+          </p:cNvSpPr>
+          <p:nvPr>
+            <p:ph type="sldImg"/>
+          </p:nvPr>
+        </p:nvSpPr>
+        <p:spPr bwMode="auto">
+          <a:noFill/>
+          <a:ln>
+            <a:solidFill>
+              <a:srgbClr val="000000"/>
+            </a:solidFill>
+            <a:miter lim="800000"/>
+            <a:headEnd/>
+            <a:tailEnd/>
+          </a:ln>
+        </p:spPr>
+      </p:sp>
+      <p:sp>
+        <p:nvSpPr>
+          <p:cNvPr id="28674" name="2 Marcador de notas"/>
+          <p:cNvSpPr>
+            <a:spLocks noGrp="1"/>
+          </p:cNvSpPr>
+          <p:nvPr>
+            <p:ph type="body" idx="1"/>
+          </p:nvPr>
+        </p:nvSpPr>
+        <p:spPr bwMode="auto">
+          <a:noFill/>
+        </p:spPr>
+        <p:txBody>
+          <a:bodyPr wrap="square" numCol="1" anchor="t" anchorCtr="0" compatLnSpc="1">
+            <a:prstTxWarp prst="textNoShape">
+              <a:avLst/>
+            </a:prstTxWarp>
+          </a:bodyPr>
+          <a:lstStyle/>
+          <a:p>
+            <a:pPr eaLnBrk="1" hangingPunct="1">
+              <a:spcBef>
+                <a:spcPct val="0"/>
+              </a:spcBef>
+            </a:pPr>
+            <a:endParaRPr lang="es-ES" smtClean="0"/>
+          </a:p>
+        </p:txBody>
+      </p:sp>
+      <p:sp>
+        <p:nvSpPr>
+          <p:cNvPr id="23555" name="3 Marcador de número de diapositiva"/>
+          <p:cNvSpPr txBox="1">
+            <a:spLocks noGrp="1"/>
+          </p:cNvSpPr>
+          <p:nvPr/>
+        </p:nvSpPr>
+        <p:spPr bwMode="auto">
+          <a:xfrm>
+            <a:off x="3884613" y="8685213"/>
+            <a:ext cx="2971800" cy="457200"/>
+          </a:xfrm>
+          <a:prstGeom prst="rect">
+            <a:avLst/>
+          </a:prstGeom>
+          <a:noFill/>
+          <a:ln>
+            <a:miter lim="800000"/>
+            <a:headEnd/>
+            <a:tailEnd/>
+          </a:ln>
+        </p:spPr>
+        <p:txBody>
+          <a:bodyPr anchor="b"/>
+          <a:lstStyle/>
+          <a:p>
+            <a:pPr algn="r">
+              <a:defRPr/>
+            </a:pPr>
+            <a:fld id="{159478B1-FDA7-4F61-BDA0-A00BFBFFD1C4}" type="slidenum">
+              <a:rPr lang="es-PE" sz="1200">
+                <a:latin typeface="+mn-lt"/>
+              </a:rPr>
+              <a:pPr algn="r">
+                <a:defRPr/>
+              </a:pPr>
+              <a:t>14</a:t>
+            </a:fld>
+            <a:endParaRPr lang="es-PE" sz="1200">
+              <a:latin typeface="+mn-lt"/>
+            </a:endParaRPr>
+          </a:p>
+        </p:txBody>
+      </p:sp>
+    </p:spTree>
+  </p:cSld>
+  <p:clrMapOvr>
+    <a:masterClrMapping/>
+  </p:clrMapOvr>
+</p:notes>
+</file>
+
+<file path=ppt/notesSlides/notesSlide7.xml><?xml version="1.0" encoding="utf-8"?>
+<p:notes xmlns:a="http://schemas.openxmlformats.org/drawingml/2006/main" xmlns:r="http://schemas.openxmlformats.org/officeDocument/2006/relationships" xmlns:p="http://schemas.openxmlformats.org/presentationml/2006/main">
+  <p:cSld>
+    <p:spTree>
+      <p:nvGrpSpPr>
+        <p:cNvPr id="1" name=""/>
+        <p:cNvGrpSpPr/>
+        <p:nvPr/>
+      </p:nvGrpSpPr>
+      <p:grpSpPr>
+        <a:xfrm>
+          <a:off x="0" y="0"/>
+          <a:ext cx="0" cy="0"/>
+          <a:chOff x="0" y="0"/>
+          <a:chExt cx="0" cy="0"/>
+        </a:xfrm>
+      </p:grpSpPr>
+      <p:sp>
+        <p:nvSpPr>
+          <p:cNvPr id="30721" name="1 Marcador de imagen de diapositiva"/>
+          <p:cNvSpPr>
+            <a:spLocks noGrp="1" noRot="1" noChangeAspect="1" noTextEdit="1"/>
+          </p:cNvSpPr>
+          <p:nvPr>
+            <p:ph type="sldImg"/>
+          </p:nvPr>
+        </p:nvSpPr>
+        <p:spPr bwMode="auto">
+          <a:noFill/>
+          <a:ln>
+            <a:solidFill>
+              <a:srgbClr val="000000"/>
+            </a:solidFill>
+            <a:miter lim="800000"/>
+            <a:headEnd/>
+            <a:tailEnd/>
+          </a:ln>
+        </p:spPr>
+      </p:sp>
+      <p:sp>
+        <p:nvSpPr>
+          <p:cNvPr id="30722" name="2 Marcador de notas"/>
+          <p:cNvSpPr>
+            <a:spLocks noGrp="1"/>
+          </p:cNvSpPr>
+          <p:nvPr>
+            <p:ph type="body" idx="1"/>
+          </p:nvPr>
+        </p:nvSpPr>
+        <p:spPr bwMode="auto">
+          <a:noFill/>
+        </p:spPr>
+        <p:txBody>
+          <a:bodyPr wrap="square" numCol="1" anchor="t" anchorCtr="0" compatLnSpc="1">
+            <a:prstTxWarp prst="textNoShape">
+              <a:avLst/>
+            </a:prstTxWarp>
+          </a:bodyPr>
+          <a:lstStyle/>
+          <a:p>
+            <a:pPr eaLnBrk="1" hangingPunct="1">
+              <a:spcBef>
+                <a:spcPct val="0"/>
+              </a:spcBef>
+            </a:pPr>
+            <a:endParaRPr lang="es-ES" smtClean="0"/>
+          </a:p>
+        </p:txBody>
+      </p:sp>
+      <p:sp>
+        <p:nvSpPr>
+          <p:cNvPr id="23555" name="3 Marcador de número de diapositiva"/>
+          <p:cNvSpPr txBox="1">
+            <a:spLocks noGrp="1"/>
+          </p:cNvSpPr>
+          <p:nvPr/>
+        </p:nvSpPr>
+        <p:spPr bwMode="auto">
+          <a:xfrm>
+            <a:off x="3884613" y="8685213"/>
+            <a:ext cx="2971800" cy="457200"/>
+          </a:xfrm>
+          <a:prstGeom prst="rect">
+            <a:avLst/>
+          </a:prstGeom>
+          <a:noFill/>
+          <a:ln>
+            <a:miter lim="800000"/>
+            <a:headEnd/>
+            <a:tailEnd/>
+          </a:ln>
+        </p:spPr>
+        <p:txBody>
+          <a:bodyPr anchor="b"/>
+          <a:lstStyle/>
+          <a:p>
+            <a:pPr algn="r">
+              <a:defRPr/>
+            </a:pPr>
+            <a:fld id="{F6166E3C-5D60-45AC-81FC-7D6C1C0ECEFA}" type="slidenum">
+              <a:rPr lang="es-PE" sz="1200">
+                <a:latin typeface="+mn-lt"/>
+              </a:rPr>
+              <a:pPr algn="r">
+                <a:defRPr/>
+              </a:pPr>
+              <a:t>15</a:t>
+            </a:fld>
+            <a:endParaRPr lang="es-PE" sz="1200">
+              <a:latin typeface="+mn-lt"/>
+            </a:endParaRPr>
+          </a:p>
+        </p:txBody>
+      </p:sp>
+    </p:spTree>
+  </p:cSld>
+  <p:clrMapOvr>
+    <a:masterClrMapping/>
+  </p:clrMapOvr>
+</p:notes>
+</file>
+
+<file path=ppt/notesSlides/notesSlide8.xml><?xml version="1.0" encoding="utf-8"?>
+<p:notes xmlns:a="http://schemas.openxmlformats.org/drawingml/2006/main" xmlns:r="http://schemas.openxmlformats.org/officeDocument/2006/relationships" xmlns:p="http://schemas.openxmlformats.org/presentationml/2006/main">
+  <p:cSld>
+    <p:spTree>
+      <p:nvGrpSpPr>
+        <p:cNvPr id="1" name=""/>
+        <p:cNvGrpSpPr/>
+        <p:nvPr/>
+      </p:nvGrpSpPr>
+      <p:grpSpPr>
+        <a:xfrm>
+          <a:off x="0" y="0"/>
+          <a:ext cx="0" cy="0"/>
+          <a:chOff x="0" y="0"/>
+          <a:chExt cx="0" cy="0"/>
+        </a:xfrm>
+      </p:grpSpPr>
+      <p:sp>
+        <p:nvSpPr>
+          <p:cNvPr id="60418" name="1 Marcador de imagen de diapositiva"/>
+          <p:cNvSpPr>
+            <a:spLocks noGrp="1" noRot="1" noChangeAspect="1" noTextEdit="1"/>
+          </p:cNvSpPr>
+          <p:nvPr>
+            <p:ph type="sldImg"/>
+          </p:nvPr>
+        </p:nvSpPr>
+        <p:spPr bwMode="auto">
+          <a:noFill/>
+          <a:ln>
+            <a:solidFill>
+              <a:srgbClr val="000000"/>
+            </a:solidFill>
+            <a:miter lim="800000"/>
+            <a:headEnd/>
+            <a:tailEnd/>
+          </a:ln>
+        </p:spPr>
+      </p:sp>
+      <p:sp>
+        <p:nvSpPr>
+          <p:cNvPr id="60419" name="2 Marcador de notas"/>
+          <p:cNvSpPr>
+            <a:spLocks noGrp="1"/>
+          </p:cNvSpPr>
+          <p:nvPr>
+            <p:ph type="body" idx="1"/>
+          </p:nvPr>
+        </p:nvSpPr>
+        <p:spPr bwMode="auto">
+          <a:noFill/>
+        </p:spPr>
+        <p:txBody>
+          <a:bodyPr wrap="square" numCol="1" anchor="t" anchorCtr="0" compatLnSpc="1">
+            <a:prstTxWarp prst="textNoShape">
+              <a:avLst/>
+            </a:prstTxWarp>
+          </a:bodyPr>
+          <a:lstStyle/>
+          <a:p>
+            <a:pPr eaLnBrk="1" hangingPunct="1">
+              <a:spcBef>
+                <a:spcPct val="0"/>
+              </a:spcBef>
+            </a:pPr>
+            <a:endParaRPr lang="es-ES" smtClean="0"/>
+          </a:p>
+        </p:txBody>
+      </p:sp>
+      <p:sp>
+        <p:nvSpPr>
+          <p:cNvPr id="23555" name="3 Marcador de número de diapositiva"/>
+          <p:cNvSpPr txBox="1">
+            <a:spLocks noGrp="1"/>
+          </p:cNvSpPr>
+          <p:nvPr/>
+        </p:nvSpPr>
+        <p:spPr bwMode="auto">
+          <a:xfrm>
+            <a:off x="3884613" y="8685213"/>
+            <a:ext cx="2971800" cy="457200"/>
+          </a:xfrm>
+          <a:prstGeom prst="rect">
+            <a:avLst/>
+          </a:prstGeom>
+          <a:noFill/>
+          <a:ln>
+            <a:miter lim="800000"/>
+            <a:headEnd/>
+            <a:tailEnd/>
+          </a:ln>
+        </p:spPr>
+        <p:txBody>
+          <a:bodyPr anchor="b"/>
+          <a:lstStyle/>
+          <a:p>
+            <a:pPr algn="r">
+              <a:defRPr/>
+            </a:pPr>
+            <a:fld id="{ECAC1B54-5D13-4AE3-A942-15BE6BE2E9DC}" type="slidenum">
+              <a:rPr lang="es-PE" sz="1200">
+                <a:latin typeface="+mn-lt"/>
+              </a:rPr>
+              <a:pPr algn="r">
+                <a:defRPr/>
+              </a:pPr>
+              <a:t>19</a:t>
+            </a:fld>
+            <a:endParaRPr lang="es-PE" sz="1200">
+              <a:latin typeface="+mn-lt"/>
+            </a:endParaRPr>
+          </a:p>
+        </p:txBody>
+      </p:sp>
+    </p:spTree>
+  </p:cSld>
+  <p:clrMapOvr>
+    <a:masterClrMapping/>
+  </p:clrMapOvr>
+</p:notes>
+</file>
+
+<file path=ppt/notesSlides/notesSlide9.xml><?xml version="1.0" encoding="utf-8"?>
+<p:notes xmlns:a="http://schemas.openxmlformats.org/drawingml/2006/main" xmlns:r="http://schemas.openxmlformats.org/officeDocument/2006/relationships" xmlns:p="http://schemas.openxmlformats.org/presentationml/2006/main">
+  <p:cSld>
+    <p:spTree>
+      <p:nvGrpSpPr>
+        <p:cNvPr id="1" name=""/>
+        <p:cNvGrpSpPr/>
+        <p:nvPr/>
+      </p:nvGrpSpPr>
+      <p:grpSpPr>
+        <a:xfrm>
+          <a:off x="0" y="0"/>
+          <a:ext cx="0" cy="0"/>
+          <a:chOff x="0" y="0"/>
+          <a:chExt cx="0" cy="0"/>
+        </a:xfrm>
+      </p:grpSpPr>
+      <p:sp>
+        <p:nvSpPr>
+          <p:cNvPr id="62466" name="1 Marcador de imagen de diapositiva"/>
+          <p:cNvSpPr>
+            <a:spLocks noGrp="1" noRot="1" noChangeAspect="1" noTextEdit="1"/>
+          </p:cNvSpPr>
+          <p:nvPr>
+            <p:ph type="sldImg"/>
+          </p:nvPr>
+        </p:nvSpPr>
+        <p:spPr bwMode="auto">
+          <a:noFill/>
+          <a:ln>
+            <a:solidFill>
+              <a:srgbClr val="000000"/>
+            </a:solidFill>
+            <a:miter lim="800000"/>
+            <a:headEnd/>
+            <a:tailEnd/>
+          </a:ln>
+        </p:spPr>
+      </p:sp>
+      <p:sp>
+        <p:nvSpPr>
+          <p:cNvPr id="62467" name="2 Marcador de notas"/>
+          <p:cNvSpPr>
+            <a:spLocks noGrp="1"/>
+          </p:cNvSpPr>
+          <p:nvPr>
+            <p:ph type="body" idx="1"/>
+          </p:nvPr>
+        </p:nvSpPr>
+        <p:spPr bwMode="auto">
+          <a:noFill/>
+        </p:spPr>
+        <p:txBody>
+          <a:bodyPr wrap="square" numCol="1" anchor="t" anchorCtr="0" compatLnSpc="1">
+            <a:prstTxWarp prst="textNoShape">
+              <a:avLst/>
+            </a:prstTxWarp>
+          </a:bodyPr>
+          <a:lstStyle/>
+          <a:p>
+            <a:pPr eaLnBrk="1" hangingPunct="1">
+              <a:spcBef>
+                <a:spcPct val="0"/>
+              </a:spcBef>
+            </a:pPr>
+            <a:endParaRPr lang="es-ES" smtClean="0"/>
+          </a:p>
+        </p:txBody>
+      </p:sp>
+      <p:sp>
+        <p:nvSpPr>
+          <p:cNvPr id="23555" name="3 Marcador de número de diapositiva"/>
+          <p:cNvSpPr txBox="1">
+            <a:spLocks noGrp="1"/>
+          </p:cNvSpPr>
+          <p:nvPr/>
+        </p:nvSpPr>
+        <p:spPr bwMode="auto">
+          <a:xfrm>
+            <a:off x="3884613" y="8685213"/>
+            <a:ext cx="2971800" cy="457200"/>
+          </a:xfrm>
+          <a:prstGeom prst="rect">
+            <a:avLst/>
+          </a:prstGeom>
+          <a:noFill/>
+          <a:ln>
+            <a:miter lim="800000"/>
+            <a:headEnd/>
+            <a:tailEnd/>
+          </a:ln>
+        </p:spPr>
+        <p:txBody>
+          <a:bodyPr anchor="b"/>
+          <a:lstStyle/>
+          <a:p>
+            <a:pPr algn="r">
+              <a:defRPr/>
+            </a:pPr>
+            <a:fld id="{C8BB33CC-BFCA-434D-86B9-90FC8DDF0384}" type="slidenum">
+              <a:rPr lang="es-PE" sz="1200">
+                <a:latin typeface="+mn-lt"/>
+              </a:rPr>
+              <a:pPr algn="r">
+                <a:defRPr/>
+              </a:pPr>
+              <a:t>20</a:t>
             </a:fld>
             <a:endParaRPr lang="es-PE" sz="1200">
               <a:latin typeface="+mn-lt"/>
@@ -3304,12 +3554,12 @@
             <a:pPr>
               <a:defRPr/>
             </a:pPr>
-            <a:fld id="{6649C292-2829-494C-9BBA-B93C61AC35BF}" type="datetimeFigureOut">
+            <a:fld id="{517299F3-045D-4371-9AB2-905AC944D0B6}" type="datetimeFigureOut">
               <a:rPr lang="es-PE"/>
               <a:pPr>
                 <a:defRPr/>
               </a:pPr>
-              <a:t>22/05/2012</a:t>
+              <a:t>24/05/2012</a:t>
             </a:fld>
             <a:endParaRPr lang="es-PE"/>
           </a:p>
@@ -3363,7 +3613,7 @@
             <a:pPr>
               <a:defRPr/>
             </a:pPr>
-            <a:fld id="{FB665A8E-DBAC-4425-8E90-A7A46F8E2E4E}" type="slidenum">
+            <a:fld id="{3128AE09-7BC0-4116-A3C6-DB6054D9F016}" type="slidenum">
               <a:rPr lang="es-PE"/>
               <a:pPr>
                 <a:defRPr/>
@@ -3512,12 +3762,12 @@
             <a:pPr>
               <a:defRPr/>
             </a:pPr>
-            <a:fld id="{5F3A1298-7E71-4088-9D52-CAE98FA890E7}" type="datetimeFigureOut">
+            <a:fld id="{E89A831E-379F-4203-93CF-427BEC3D5DB0}" type="datetimeFigureOut">
               <a:rPr lang="es-PE"/>
               <a:pPr>
                 <a:defRPr/>
               </a:pPr>
-              <a:t>22/05/2012</a:t>
+              <a:t>24/05/2012</a:t>
             </a:fld>
             <a:endParaRPr lang="es-PE"/>
           </a:p>
@@ -3571,7 +3821,7 @@
             <a:pPr>
               <a:defRPr/>
             </a:pPr>
-            <a:fld id="{2F36266E-8596-4C4F-82F6-B66CEBF4405B}" type="slidenum">
+            <a:fld id="{CC2DA1B1-1E93-448D-A64E-B57B7BBC6799}" type="slidenum">
               <a:rPr lang="es-PE"/>
               <a:pPr>
                 <a:defRPr/>
@@ -5417,12 +5667,12 @@
             <a:pPr>
               <a:defRPr/>
             </a:pPr>
-            <a:fld id="{FDFD2DF9-A3F2-4B01-BFAE-B39C79D9FFD8}" type="datetimeFigureOut">
+            <a:fld id="{C9BD767E-84B0-4C22-BE3B-09192FB0AAFF}" type="datetimeFigureOut">
               <a:rPr lang="es-PE"/>
               <a:pPr>
                 <a:defRPr/>
               </a:pPr>
-              <a:t>22/05/2012</a:t>
+              <a:t>24/05/2012</a:t>
             </a:fld>
             <a:endParaRPr lang="es-PE"/>
           </a:p>
@@ -5476,7 +5726,7 @@
             <a:pPr>
               <a:defRPr/>
             </a:pPr>
-            <a:fld id="{625FF1BA-DCB5-4F43-A56E-A348F8909C77}" type="slidenum">
+            <a:fld id="{6EC2FFD2-3255-48BD-9FF0-F2E8CF96079F}" type="slidenum">
               <a:rPr lang="es-PE"/>
               <a:pPr>
                 <a:defRPr/>
@@ -5534,12 +5784,12 @@
             <a:pPr>
               <a:defRPr/>
             </a:pPr>
-            <a:fld id="{557F4F46-C0C6-4C43-B92B-B5FA5FB0A761}" type="datetimeFigureOut">
+            <a:fld id="{19A75D6A-DB8B-4B2F-8CBB-2DDB7B415909}" type="datetimeFigureOut">
               <a:rPr lang="es-PE"/>
               <a:pPr>
                 <a:defRPr/>
               </a:pPr>
-              <a:t>22/05/2012</a:t>
+              <a:t>24/05/2012</a:t>
             </a:fld>
             <a:endParaRPr lang="es-PE"/>
           </a:p>
@@ -5593,7 +5843,7 @@
             <a:pPr>
               <a:defRPr/>
             </a:pPr>
-            <a:fld id="{45BBAE62-5B10-47F6-A592-AAD21480FFF9}" type="slidenum">
+            <a:fld id="{853097C8-608D-4D31-843D-6748ADC970A3}" type="slidenum">
               <a:rPr lang="es-PE"/>
               <a:pPr>
                 <a:defRPr/>
@@ -5726,12 +5976,12 @@
             <a:pPr>
               <a:defRPr/>
             </a:pPr>
-            <a:fld id="{8EFC3289-B7F3-42DB-AE3B-90845EEBD1C1}" type="datetimeFigureOut">
+            <a:fld id="{8C0DCBA8-7C0D-44D7-8420-B146FD266EE6}" type="datetimeFigureOut">
               <a:rPr lang="es-PE"/>
               <a:pPr>
                 <a:defRPr/>
               </a:pPr>
-              <a:t>22/05/2012</a:t>
+              <a:t>24/05/2012</a:t>
             </a:fld>
             <a:endParaRPr lang="es-PE"/>
           </a:p>
@@ -5785,7 +6035,7 @@
             <a:pPr>
               <a:defRPr/>
             </a:pPr>
-            <a:fld id="{CAA6D989-5BAF-4F53-81B5-6BBDDDBD89B2}" type="slidenum">
+            <a:fld id="{D0B0814F-F191-4471-826A-DEA4D6CF5731}" type="slidenum">
               <a:rPr lang="es-PE"/>
               <a:pPr>
                 <a:defRPr/>
@@ -7643,12 +7893,12 @@
             <a:pPr>
               <a:defRPr/>
             </a:pPr>
-            <a:fld id="{4C9B83FA-97E3-4CAC-9B18-C63EDEE2D113}" type="datetimeFigureOut">
+            <a:fld id="{1B878239-E8E5-4F2C-94C4-5C89BF456EA4}" type="datetimeFigureOut">
               <a:rPr lang="es-PE"/>
               <a:pPr>
                 <a:defRPr/>
               </a:pPr>
-              <a:t>22/05/2012</a:t>
+              <a:t>24/05/2012</a:t>
             </a:fld>
             <a:endParaRPr lang="es-PE"/>
           </a:p>
@@ -7702,7 +7952,7 @@
             <a:pPr>
               <a:defRPr/>
             </a:pPr>
-            <a:fld id="{50A8F468-64C6-46F6-9449-1A8D873591C1}" type="slidenum">
+            <a:fld id="{ECC1FD1C-5CD7-4585-A7A0-0B56C958A0E6}" type="slidenum">
               <a:rPr lang="es-PE"/>
               <a:pPr>
                 <a:defRPr/>
@@ -7897,12 +8147,12 @@
             <a:pPr>
               <a:defRPr/>
             </a:pPr>
-            <a:fld id="{90047D07-34BB-4B24-906A-C360F17B9E22}" type="datetimeFigureOut">
+            <a:fld id="{03B6ACCF-F1F7-4B2C-AC42-3F03657E5E7F}" type="datetimeFigureOut">
               <a:rPr lang="es-PE"/>
               <a:pPr>
                 <a:defRPr/>
               </a:pPr>
-              <a:t>22/05/2012</a:t>
+              <a:t>24/05/2012</a:t>
             </a:fld>
             <a:endParaRPr lang="es-PE"/>
           </a:p>
@@ -7956,7 +8206,7 @@
             <a:pPr>
               <a:defRPr/>
             </a:pPr>
-            <a:fld id="{205D1ED6-9A1F-43BA-B92A-62F09C2BB78D}" type="slidenum">
+            <a:fld id="{FF858B42-3664-45D3-A5DE-A158C00EC468}" type="slidenum">
               <a:rPr lang="es-PE"/>
               <a:pPr>
                 <a:defRPr/>
@@ -8351,12 +8601,12 @@
             <a:pPr>
               <a:defRPr/>
             </a:pPr>
-            <a:fld id="{CF1D95CC-115A-4719-90C2-4E4CD99D2D5C}" type="datetimeFigureOut">
+            <a:fld id="{93825AFB-6E36-47C0-AB77-2EBA83398CF5}" type="datetimeFigureOut">
               <a:rPr lang="es-PE"/>
               <a:pPr>
                 <a:defRPr/>
               </a:pPr>
-              <a:t>22/05/2012</a:t>
+              <a:t>24/05/2012</a:t>
             </a:fld>
             <a:endParaRPr lang="es-PE"/>
           </a:p>
@@ -8410,7 +8660,7 @@
             <a:pPr>
               <a:defRPr/>
             </a:pPr>
-            <a:fld id="{AFC56B11-9BB4-4876-9852-5D673911889B}" type="slidenum">
+            <a:fld id="{38C41A3D-969F-4299-AFAB-E94FE591777C}" type="slidenum">
               <a:rPr lang="es-PE"/>
               <a:pPr>
                 <a:defRPr/>
@@ -8491,12 +8741,12 @@
             <a:pPr>
               <a:defRPr/>
             </a:pPr>
-            <a:fld id="{6C375CF8-6AC2-4389-B5A1-C705EA20FF0D}" type="datetimeFigureOut">
+            <a:fld id="{0E64ED69-832F-4727-8CBB-A8A678E99314}" type="datetimeFigureOut">
               <a:rPr lang="es-PE"/>
               <a:pPr>
                 <a:defRPr/>
               </a:pPr>
-              <a:t>22/05/2012</a:t>
+              <a:t>24/05/2012</a:t>
             </a:fld>
             <a:endParaRPr lang="es-PE"/>
           </a:p>
@@ -8550,7 +8800,7 @@
             <a:pPr>
               <a:defRPr/>
             </a:pPr>
-            <a:fld id="{321C6404-C4A7-4BAC-91F0-EDA1937963E1}" type="slidenum">
+            <a:fld id="{A242F7FE-3452-48FA-9B7F-836F66EB5DF6}" type="slidenum">
               <a:rPr lang="es-PE"/>
               <a:pPr>
                 <a:defRPr/>
@@ -10272,12 +10522,12 @@
             <a:pPr>
               <a:defRPr/>
             </a:pPr>
-            <a:fld id="{86533D70-91F9-4AF6-B10E-E345FFCDDD8D}" type="datetimeFigureOut">
+            <a:fld id="{D899F907-9C25-4283-A497-70F239498D48}" type="datetimeFigureOut">
               <a:rPr lang="es-PE"/>
               <a:pPr>
                 <a:defRPr/>
               </a:pPr>
-              <a:t>22/05/2012</a:t>
+              <a:t>24/05/2012</a:t>
             </a:fld>
             <a:endParaRPr lang="es-PE"/>
           </a:p>
@@ -10331,7 +10581,7 @@
             <a:pPr>
               <a:defRPr/>
             </a:pPr>
-            <a:fld id="{E8CF1F0C-703C-4B4F-9756-242F517E64A8}" type="slidenum">
+            <a:fld id="{DE3BE379-124E-40A4-BC85-22E27BE5CBA9}" type="slidenum">
               <a:rPr lang="es-PE"/>
               <a:pPr>
                 <a:defRPr/>
@@ -12288,12 +12538,12 @@
             <a:pPr>
               <a:defRPr/>
             </a:pPr>
-            <a:fld id="{BA7908D1-B802-4D69-ACFF-A8B78456EC5A}" type="datetimeFigureOut">
+            <a:fld id="{A836321C-699A-4873-AA45-14DF158D99AB}" type="datetimeFigureOut">
               <a:rPr lang="es-PE"/>
               <a:pPr>
                 <a:defRPr/>
               </a:pPr>
-              <a:t>22/05/2012</a:t>
+              <a:t>24/05/2012</a:t>
             </a:fld>
             <a:endParaRPr lang="es-PE"/>
           </a:p>
@@ -12347,7 +12597,7 @@
             <a:pPr>
               <a:defRPr/>
             </a:pPr>
-            <a:fld id="{BE879314-753C-4EC2-9132-B00716C06B86}" type="slidenum">
+            <a:fld id="{64DF41D0-0D83-4EEF-9657-7BEBCC9D4A59}" type="slidenum">
               <a:rPr lang="es-PE"/>
               <a:pPr>
                 <a:defRPr/>
@@ -14275,12 +14525,12 @@
             <a:pPr>
               <a:defRPr/>
             </a:pPr>
-            <a:fld id="{6DA6884C-4742-4CA9-B5AA-DF5DFDEA055D}" type="datetimeFigureOut">
+            <a:fld id="{61272F26-5DE3-4F6E-9394-3325174839B4}" type="datetimeFigureOut">
               <a:rPr lang="es-PE"/>
               <a:pPr>
                 <a:defRPr/>
               </a:pPr>
-              <a:t>22/05/2012</a:t>
+              <a:t>24/05/2012</a:t>
             </a:fld>
             <a:endParaRPr lang="es-PE"/>
           </a:p>
@@ -14334,7 +14584,7 @@
             <a:pPr>
               <a:defRPr/>
             </a:pPr>
-            <a:fld id="{B5A08DBC-561C-45E9-BF2F-92CB3FAA24D4}" type="slidenum">
+            <a:fld id="{A3F0D016-E694-46B9-AB5C-AEF01A00A79A}" type="slidenum">
               <a:rPr lang="es-PE"/>
               <a:pPr>
                 <a:defRPr/>
@@ -16123,12 +16373,12 @@
             <a:pPr>
               <a:defRPr/>
             </a:pPr>
-            <a:fld id="{1773C274-9A1E-4CD6-A587-99B009844FDF}" type="datetimeFigureOut">
+            <a:fld id="{C83F47BD-43CD-4B1A-8877-10A3BBE4B3B7}" type="datetimeFigureOut">
               <a:rPr lang="es-PE"/>
               <a:pPr>
                 <a:defRPr/>
               </a:pPr>
-              <a:t>22/05/2012</a:t>
+              <a:t>24/05/2012</a:t>
             </a:fld>
             <a:endParaRPr lang="es-PE"/>
           </a:p>
@@ -16220,7 +16470,7 @@
             <a:pPr>
               <a:defRPr/>
             </a:pPr>
-            <a:fld id="{B2A31388-E2AB-4907-B966-010226265926}" type="slidenum">
+            <a:fld id="{20307624-CD32-4AF4-8F42-9FACB3262EDA}" type="slidenum">
               <a:rPr lang="es-PE"/>
               <a:pPr>
                 <a:defRPr/>
@@ -16753,7 +17003,7 @@
       </p:sp>
       <p:sp>
         <p:nvSpPr>
-          <p:cNvPr id="15363" name="3 CuadroTexto"/>
+          <p:cNvPr id="15362" name="3 CuadroTexto"/>
           <p:cNvSpPr txBox="1">
             <a:spLocks noChangeArrowheads="1"/>
           </p:cNvSpPr>
@@ -16905,7 +17155,1671 @@
       </p:sp>
       <p:graphicFrame>
         <p:nvGraphicFramePr>
-          <p:cNvPr id="46083" name="Group 3"/>
+          <p:cNvPr id="52245" name="Group 21"/>
+          <p:cNvGraphicFramePr>
+            <a:graphicFrameLocks noGrp="1"/>
+          </p:cNvGraphicFramePr>
+          <p:nvPr/>
+        </p:nvGraphicFramePr>
+        <p:xfrm>
+          <a:off x="323850" y="2060575"/>
+          <a:ext cx="8496300" cy="4662488"/>
+        </p:xfrm>
+        <a:graphic>
+          <a:graphicData uri="http://schemas.openxmlformats.org/drawingml/2006/table">
+            <a:tbl>
+              <a:tblPr/>
+              <a:tblGrid>
+                <a:gridCol w="2447925"/>
+                <a:gridCol w="6048375"/>
+              </a:tblGrid>
+              <a:tr h="1152525">
+                <a:tc>
+                  <a:txBody>
+                    <a:bodyPr/>
+                    <a:lstStyle/>
+                    <a:p>
+                      <a:pPr marL="0" marR="0" lvl="0" indent="0" algn="l" defTabSz="914400" rtl="0" eaLnBrk="1" fontAlgn="base" latinLnBrk="0" hangingPunct="1">
+                        <a:lnSpc>
+                          <a:spcPct val="100000"/>
+                        </a:lnSpc>
+                        <a:spcBef>
+                          <a:spcPct val="0"/>
+                        </a:spcBef>
+                        <a:spcAft>
+                          <a:spcPct val="0"/>
+                        </a:spcAft>
+                        <a:buClrTx/>
+                        <a:buSzTx/>
+                        <a:buFontTx/>
+                        <a:buNone/>
+                        <a:tabLst/>
+                      </a:pPr>
+                      <a:endParaRPr kumimoji="0" lang="es-ES" sz="1800" b="1" i="0" u="none" strike="noStrike" cap="none" normalizeH="0" baseline="0" smtClean="0">
+                        <a:ln>
+                          <a:noFill/>
+                        </a:ln>
+                        <a:solidFill>
+                          <a:schemeClr val="tx1"/>
+                        </a:solidFill>
+                        <a:effectLst/>
+                        <a:latin typeface="Candara" pitchFamily="34" charset="0"/>
+                      </a:endParaRPr>
+                    </a:p>
+                  </a:txBody>
+                  <a:tcPr horzOverflow="overflow">
+                    <a:lnL w="12700" cap="flat" cmpd="sng" algn="ctr">
+                      <a:solidFill>
+                        <a:schemeClr val="accent1"/>
+                      </a:solidFill>
+                      <a:prstDash val="solid"/>
+                      <a:round/>
+                      <a:headEnd type="none" w="med" len="med"/>
+                      <a:tailEnd type="none" w="med" len="med"/>
+                    </a:lnL>
+                    <a:lnR w="12700" cap="flat" cmpd="sng" algn="ctr">
+                      <a:solidFill>
+                        <a:schemeClr val="accent1"/>
+                      </a:solidFill>
+                      <a:prstDash val="solid"/>
+                      <a:round/>
+                      <a:headEnd type="none" w="med" len="med"/>
+                      <a:tailEnd type="none" w="med" len="med"/>
+                    </a:lnR>
+                    <a:lnT w="12700" cap="flat" cmpd="sng" algn="ctr">
+                      <a:solidFill>
+                        <a:schemeClr val="accent1"/>
+                      </a:solidFill>
+                      <a:prstDash val="solid"/>
+                      <a:round/>
+                      <a:headEnd type="none" w="med" len="med"/>
+                      <a:tailEnd type="none" w="med" len="med"/>
+                    </a:lnT>
+                    <a:lnB w="12700" cap="flat" cmpd="sng" algn="ctr">
+                      <a:solidFill>
+                        <a:schemeClr val="accent1"/>
+                      </a:solidFill>
+                      <a:prstDash val="solid"/>
+                      <a:round/>
+                      <a:headEnd type="none" w="med" len="med"/>
+                      <a:tailEnd type="none" w="med" len="med"/>
+                    </a:lnB>
+                    <a:lnTlToBr>
+                      <a:noFill/>
+                    </a:lnTlToBr>
+                    <a:lnBlToTr>
+                      <a:noFill/>
+                    </a:lnBlToTr>
+                    <a:noFill/>
+                  </a:tcPr>
+                </a:tc>
+                <a:tc>
+                  <a:txBody>
+                    <a:bodyPr/>
+                    <a:lstStyle/>
+                    <a:p>
+                      <a:pPr marL="0" marR="0" lvl="0" indent="0" algn="l" defTabSz="914400" rtl="0" eaLnBrk="1" fontAlgn="base" latinLnBrk="0" hangingPunct="1">
+                        <a:lnSpc>
+                          <a:spcPct val="100000"/>
+                        </a:lnSpc>
+                        <a:spcBef>
+                          <a:spcPct val="0"/>
+                        </a:spcBef>
+                        <a:spcAft>
+                          <a:spcPct val="0"/>
+                        </a:spcAft>
+                        <a:buClrTx/>
+                        <a:buSzTx/>
+                        <a:buFontTx/>
+                        <a:buNone/>
+                        <a:tabLst/>
+                      </a:pPr>
+                      <a:r>
+                        <a:rPr kumimoji="0" lang="es-PE" sz="2000" b="0" i="1" u="none" strike="noStrike" cap="none" normalizeH="0" baseline="0" smtClean="0">
+                          <a:ln>
+                            <a:noFill/>
+                          </a:ln>
+                          <a:solidFill>
+                            <a:schemeClr val="tx2"/>
+                          </a:solidFill>
+                          <a:effectLst/>
+                          <a:latin typeface="Candara" pitchFamily="34" charset="0"/>
+                        </a:rPr>
+                        <a:t>Para la generación del Contrato se estableció el siguiente formato:</a:t>
+                      </a:r>
+                    </a:p>
+                    <a:p>
+                      <a:pPr marL="0" marR="0" lvl="0" indent="0" algn="l" defTabSz="914400" rtl="0" eaLnBrk="1" fontAlgn="base" latinLnBrk="0" hangingPunct="1">
+                        <a:lnSpc>
+                          <a:spcPct val="100000"/>
+                        </a:lnSpc>
+                        <a:spcBef>
+                          <a:spcPct val="0"/>
+                        </a:spcBef>
+                        <a:spcAft>
+                          <a:spcPct val="0"/>
+                        </a:spcAft>
+                        <a:buClrTx/>
+                        <a:buSzTx/>
+                        <a:buFontTx/>
+                        <a:buNone/>
+                        <a:tabLst/>
+                      </a:pPr>
+                      <a:endParaRPr kumimoji="0" lang="es-PE" sz="2000" b="0" i="1" u="none" strike="noStrike" cap="none" normalizeH="0" baseline="0" smtClean="0">
+                        <a:ln>
+                          <a:noFill/>
+                        </a:ln>
+                        <a:solidFill>
+                          <a:schemeClr val="tx2"/>
+                        </a:solidFill>
+                        <a:effectLst/>
+                        <a:latin typeface="Candara" pitchFamily="34" charset="0"/>
+                      </a:endParaRPr>
+                    </a:p>
+                    <a:p>
+                      <a:pPr marL="0" marR="0" lvl="0" indent="0" algn="l" defTabSz="914400" rtl="0" eaLnBrk="1" fontAlgn="base" latinLnBrk="0" hangingPunct="1">
+                        <a:lnSpc>
+                          <a:spcPct val="100000"/>
+                        </a:lnSpc>
+                        <a:spcBef>
+                          <a:spcPct val="0"/>
+                        </a:spcBef>
+                        <a:spcAft>
+                          <a:spcPct val="0"/>
+                        </a:spcAft>
+                        <a:buClrTx/>
+                        <a:buSzTx/>
+                        <a:buFontTx/>
+                        <a:buNone/>
+                        <a:tabLst/>
+                      </a:pPr>
+                      <a:endParaRPr kumimoji="0" lang="es-PE" sz="2000" b="0" i="1" u="none" strike="noStrike" cap="none" normalizeH="0" baseline="0" smtClean="0">
+                        <a:ln>
+                          <a:noFill/>
+                        </a:ln>
+                        <a:solidFill>
+                          <a:schemeClr val="tx2"/>
+                        </a:solidFill>
+                        <a:effectLst/>
+                        <a:latin typeface="Candara" pitchFamily="34" charset="0"/>
+                      </a:endParaRPr>
+                    </a:p>
+                    <a:p>
+                      <a:pPr marL="0" marR="0" lvl="0" indent="0" algn="l" defTabSz="914400" rtl="0" eaLnBrk="1" fontAlgn="base" latinLnBrk="0" hangingPunct="1">
+                        <a:lnSpc>
+                          <a:spcPct val="100000"/>
+                        </a:lnSpc>
+                        <a:spcBef>
+                          <a:spcPct val="0"/>
+                        </a:spcBef>
+                        <a:spcAft>
+                          <a:spcPct val="0"/>
+                        </a:spcAft>
+                        <a:buClrTx/>
+                        <a:buSzTx/>
+                        <a:buFontTx/>
+                        <a:buNone/>
+                        <a:tabLst/>
+                      </a:pPr>
+                      <a:endParaRPr kumimoji="0" lang="es-PE" sz="2000" b="0" i="1" u="none" strike="noStrike" cap="none" normalizeH="0" baseline="0" smtClean="0">
+                        <a:ln>
+                          <a:noFill/>
+                        </a:ln>
+                        <a:solidFill>
+                          <a:schemeClr val="tx2"/>
+                        </a:solidFill>
+                        <a:effectLst/>
+                        <a:latin typeface="Candara" pitchFamily="34" charset="0"/>
+                      </a:endParaRPr>
+                    </a:p>
+                    <a:p>
+                      <a:pPr marL="0" marR="0" lvl="0" indent="0" algn="l" defTabSz="914400" rtl="0" eaLnBrk="1" fontAlgn="base" latinLnBrk="0" hangingPunct="1">
+                        <a:lnSpc>
+                          <a:spcPct val="100000"/>
+                        </a:lnSpc>
+                        <a:spcBef>
+                          <a:spcPct val="0"/>
+                        </a:spcBef>
+                        <a:spcAft>
+                          <a:spcPct val="0"/>
+                        </a:spcAft>
+                        <a:buClrTx/>
+                        <a:buSzTx/>
+                        <a:buFontTx/>
+                        <a:buNone/>
+                        <a:tabLst/>
+                      </a:pPr>
+                      <a:endParaRPr kumimoji="0" lang="es-PE" sz="2000" b="0" i="1" u="none" strike="noStrike" cap="none" normalizeH="0" baseline="0" smtClean="0">
+                        <a:ln>
+                          <a:noFill/>
+                        </a:ln>
+                        <a:solidFill>
+                          <a:schemeClr val="tx2"/>
+                        </a:solidFill>
+                        <a:effectLst/>
+                        <a:latin typeface="Candara" pitchFamily="34" charset="0"/>
+                      </a:endParaRPr>
+                    </a:p>
+                    <a:p>
+                      <a:pPr marL="0" marR="0" lvl="0" indent="0" algn="l" defTabSz="914400" rtl="0" eaLnBrk="1" fontAlgn="base" latinLnBrk="0" hangingPunct="1">
+                        <a:lnSpc>
+                          <a:spcPct val="100000"/>
+                        </a:lnSpc>
+                        <a:spcBef>
+                          <a:spcPct val="0"/>
+                        </a:spcBef>
+                        <a:spcAft>
+                          <a:spcPct val="0"/>
+                        </a:spcAft>
+                        <a:buClrTx/>
+                        <a:buSzTx/>
+                        <a:buFontTx/>
+                        <a:buNone/>
+                        <a:tabLst/>
+                      </a:pPr>
+                      <a:endParaRPr kumimoji="0" lang="es-PE" sz="2000" b="0" i="1" u="none" strike="noStrike" cap="none" normalizeH="0" baseline="0" smtClean="0">
+                        <a:ln>
+                          <a:noFill/>
+                        </a:ln>
+                        <a:solidFill>
+                          <a:schemeClr val="tx2"/>
+                        </a:solidFill>
+                        <a:effectLst/>
+                        <a:latin typeface="Candara" pitchFamily="34" charset="0"/>
+                      </a:endParaRPr>
+                    </a:p>
+                    <a:p>
+                      <a:pPr marL="0" marR="0" lvl="0" indent="0" algn="l" defTabSz="914400" rtl="0" eaLnBrk="1" fontAlgn="base" latinLnBrk="0" hangingPunct="1">
+                        <a:lnSpc>
+                          <a:spcPct val="100000"/>
+                        </a:lnSpc>
+                        <a:spcBef>
+                          <a:spcPct val="0"/>
+                        </a:spcBef>
+                        <a:spcAft>
+                          <a:spcPct val="0"/>
+                        </a:spcAft>
+                        <a:buClrTx/>
+                        <a:buSzTx/>
+                        <a:buFontTx/>
+                        <a:buNone/>
+                        <a:tabLst/>
+                      </a:pPr>
+                      <a:endParaRPr kumimoji="0" lang="es-PE" sz="2000" b="0" i="1" u="none" strike="noStrike" cap="none" normalizeH="0" baseline="0" smtClean="0">
+                        <a:ln>
+                          <a:noFill/>
+                        </a:ln>
+                        <a:solidFill>
+                          <a:schemeClr val="tx2"/>
+                        </a:solidFill>
+                        <a:effectLst/>
+                        <a:latin typeface="Candara" pitchFamily="34" charset="0"/>
+                      </a:endParaRPr>
+                    </a:p>
+                    <a:p>
+                      <a:pPr marL="0" marR="0" lvl="0" indent="0" algn="l" defTabSz="914400" rtl="0" eaLnBrk="1" fontAlgn="base" latinLnBrk="0" hangingPunct="1">
+                        <a:lnSpc>
+                          <a:spcPct val="100000"/>
+                        </a:lnSpc>
+                        <a:spcBef>
+                          <a:spcPct val="0"/>
+                        </a:spcBef>
+                        <a:spcAft>
+                          <a:spcPct val="0"/>
+                        </a:spcAft>
+                        <a:buClrTx/>
+                        <a:buSzTx/>
+                        <a:buFontTx/>
+                        <a:buNone/>
+                        <a:tabLst/>
+                      </a:pPr>
+                      <a:endParaRPr kumimoji="0" lang="es-PE" sz="2000" b="0" i="1" u="none" strike="noStrike" cap="none" normalizeH="0" baseline="0" smtClean="0">
+                        <a:ln>
+                          <a:noFill/>
+                        </a:ln>
+                        <a:solidFill>
+                          <a:schemeClr val="tx2"/>
+                        </a:solidFill>
+                        <a:effectLst/>
+                        <a:latin typeface="Candara" pitchFamily="34" charset="0"/>
+                      </a:endParaRPr>
+                    </a:p>
+                    <a:p>
+                      <a:pPr marL="0" marR="0" lvl="0" indent="0" algn="l" defTabSz="914400" rtl="0" eaLnBrk="1" fontAlgn="base" latinLnBrk="0" hangingPunct="1">
+                        <a:lnSpc>
+                          <a:spcPct val="100000"/>
+                        </a:lnSpc>
+                        <a:spcBef>
+                          <a:spcPct val="0"/>
+                        </a:spcBef>
+                        <a:spcAft>
+                          <a:spcPct val="0"/>
+                        </a:spcAft>
+                        <a:buClrTx/>
+                        <a:buSzTx/>
+                        <a:buFontTx/>
+                        <a:buNone/>
+                        <a:tabLst/>
+                      </a:pPr>
+                      <a:endParaRPr kumimoji="0" lang="es-PE" sz="2000" b="0" i="1" u="none" strike="noStrike" cap="none" normalizeH="0" baseline="0" smtClean="0">
+                        <a:ln>
+                          <a:noFill/>
+                        </a:ln>
+                        <a:solidFill>
+                          <a:schemeClr val="tx2"/>
+                        </a:solidFill>
+                        <a:effectLst/>
+                        <a:latin typeface="Candara" pitchFamily="34" charset="0"/>
+                      </a:endParaRPr>
+                    </a:p>
+                    <a:p>
+                      <a:pPr marL="0" marR="0" lvl="0" indent="0" algn="l" defTabSz="914400" rtl="0" eaLnBrk="1" fontAlgn="base" latinLnBrk="0" hangingPunct="1">
+                        <a:lnSpc>
+                          <a:spcPct val="100000"/>
+                        </a:lnSpc>
+                        <a:spcBef>
+                          <a:spcPct val="0"/>
+                        </a:spcBef>
+                        <a:spcAft>
+                          <a:spcPct val="0"/>
+                        </a:spcAft>
+                        <a:buClrTx/>
+                        <a:buSzTx/>
+                        <a:buFontTx/>
+                        <a:buNone/>
+                        <a:tabLst/>
+                      </a:pPr>
+                      <a:endParaRPr kumimoji="0" lang="es-PE" sz="2000" b="0" i="1" u="none" strike="noStrike" cap="none" normalizeH="0" baseline="0" smtClean="0">
+                        <a:ln>
+                          <a:noFill/>
+                        </a:ln>
+                        <a:solidFill>
+                          <a:schemeClr val="tx2"/>
+                        </a:solidFill>
+                        <a:effectLst/>
+                        <a:latin typeface="Candara" pitchFamily="34" charset="0"/>
+                      </a:endParaRPr>
+                    </a:p>
+                    <a:p>
+                      <a:pPr marL="0" marR="0" lvl="0" indent="0" algn="l" defTabSz="914400" rtl="0" eaLnBrk="1" fontAlgn="base" latinLnBrk="0" hangingPunct="1">
+                        <a:lnSpc>
+                          <a:spcPct val="100000"/>
+                        </a:lnSpc>
+                        <a:spcBef>
+                          <a:spcPct val="0"/>
+                        </a:spcBef>
+                        <a:spcAft>
+                          <a:spcPct val="0"/>
+                        </a:spcAft>
+                        <a:buClrTx/>
+                        <a:buSzTx/>
+                        <a:buFontTx/>
+                        <a:buNone/>
+                        <a:tabLst/>
+                      </a:pPr>
+                      <a:endParaRPr kumimoji="0" lang="es-PE" sz="2000" b="0" i="1" u="none" strike="noStrike" cap="none" normalizeH="0" baseline="0" smtClean="0">
+                        <a:ln>
+                          <a:noFill/>
+                        </a:ln>
+                        <a:solidFill>
+                          <a:schemeClr val="tx2"/>
+                        </a:solidFill>
+                        <a:effectLst/>
+                        <a:latin typeface="Candara" pitchFamily="34" charset="0"/>
+                      </a:endParaRPr>
+                    </a:p>
+                    <a:p>
+                      <a:pPr marL="0" marR="0" lvl="0" indent="0" algn="l" defTabSz="914400" rtl="0" eaLnBrk="1" fontAlgn="base" latinLnBrk="0" hangingPunct="1">
+                        <a:lnSpc>
+                          <a:spcPct val="100000"/>
+                        </a:lnSpc>
+                        <a:spcBef>
+                          <a:spcPct val="0"/>
+                        </a:spcBef>
+                        <a:spcAft>
+                          <a:spcPct val="0"/>
+                        </a:spcAft>
+                        <a:buClrTx/>
+                        <a:buSzTx/>
+                        <a:buFontTx/>
+                        <a:buNone/>
+                        <a:tabLst/>
+                      </a:pPr>
+                      <a:endParaRPr kumimoji="0" lang="es-PE" sz="2000" b="0" i="1" u="none" strike="noStrike" cap="none" normalizeH="0" baseline="0" smtClean="0">
+                        <a:ln>
+                          <a:noFill/>
+                        </a:ln>
+                        <a:solidFill>
+                          <a:schemeClr val="tx2"/>
+                        </a:solidFill>
+                        <a:effectLst/>
+                        <a:latin typeface="Candara" pitchFamily="34" charset="0"/>
+                      </a:endParaRPr>
+                    </a:p>
+                    <a:p>
+                      <a:pPr marL="0" marR="0" lvl="0" indent="0" algn="l" defTabSz="914400" rtl="0" eaLnBrk="1" fontAlgn="base" latinLnBrk="0" hangingPunct="1">
+                        <a:lnSpc>
+                          <a:spcPct val="100000"/>
+                        </a:lnSpc>
+                        <a:spcBef>
+                          <a:spcPct val="0"/>
+                        </a:spcBef>
+                        <a:spcAft>
+                          <a:spcPct val="0"/>
+                        </a:spcAft>
+                        <a:buClrTx/>
+                        <a:buSzTx/>
+                        <a:buFontTx/>
+                        <a:buNone/>
+                        <a:tabLst/>
+                      </a:pPr>
+                      <a:endParaRPr kumimoji="0" lang="es-PE" sz="2000" b="0" i="1" u="none" strike="noStrike" cap="none" normalizeH="0" baseline="0" smtClean="0">
+                        <a:ln>
+                          <a:noFill/>
+                        </a:ln>
+                        <a:solidFill>
+                          <a:schemeClr val="tx2"/>
+                        </a:solidFill>
+                        <a:effectLst/>
+                        <a:latin typeface="Candara" pitchFamily="34" charset="0"/>
+                      </a:endParaRPr>
+                    </a:p>
+                    <a:p>
+                      <a:pPr marL="0" marR="0" lvl="0" indent="0" algn="l" defTabSz="914400" rtl="0" eaLnBrk="1" fontAlgn="base" latinLnBrk="0" hangingPunct="1">
+                        <a:lnSpc>
+                          <a:spcPct val="100000"/>
+                        </a:lnSpc>
+                        <a:spcBef>
+                          <a:spcPct val="0"/>
+                        </a:spcBef>
+                        <a:spcAft>
+                          <a:spcPct val="0"/>
+                        </a:spcAft>
+                        <a:buClrTx/>
+                        <a:buSzTx/>
+                        <a:buFontTx/>
+                        <a:buNone/>
+                        <a:tabLst/>
+                      </a:pPr>
+                      <a:endParaRPr kumimoji="0" lang="es-PE" sz="2000" b="0" i="1" u="none" strike="noStrike" cap="none" normalizeH="0" baseline="0" smtClean="0">
+                        <a:ln>
+                          <a:noFill/>
+                        </a:ln>
+                        <a:solidFill>
+                          <a:schemeClr val="tx2"/>
+                        </a:solidFill>
+                        <a:effectLst/>
+                        <a:latin typeface="Candara" pitchFamily="34" charset="0"/>
+                      </a:endParaRPr>
+                    </a:p>
+                  </a:txBody>
+                  <a:tcPr horzOverflow="overflow">
+                    <a:lnL w="12700" cap="flat" cmpd="sng" algn="ctr">
+                      <a:solidFill>
+                        <a:schemeClr val="accent1"/>
+                      </a:solidFill>
+                      <a:prstDash val="solid"/>
+                      <a:round/>
+                      <a:headEnd type="none" w="med" len="med"/>
+                      <a:tailEnd type="none" w="med" len="med"/>
+                    </a:lnL>
+                    <a:lnR w="12700" cap="flat" cmpd="sng" algn="ctr">
+                      <a:solidFill>
+                        <a:schemeClr val="accent1"/>
+                      </a:solidFill>
+                      <a:prstDash val="solid"/>
+                      <a:round/>
+                      <a:headEnd type="none" w="med" len="med"/>
+                      <a:tailEnd type="none" w="med" len="med"/>
+                    </a:lnR>
+                    <a:lnT w="12700" cap="flat" cmpd="sng" algn="ctr">
+                      <a:solidFill>
+                        <a:schemeClr val="accent1"/>
+                      </a:solidFill>
+                      <a:prstDash val="solid"/>
+                      <a:round/>
+                      <a:headEnd type="none" w="med" len="med"/>
+                      <a:tailEnd type="none" w="med" len="med"/>
+                    </a:lnT>
+                    <a:lnB w="12700" cap="flat" cmpd="sng" algn="ctr">
+                      <a:solidFill>
+                        <a:schemeClr val="accent1"/>
+                      </a:solidFill>
+                      <a:prstDash val="solid"/>
+                      <a:round/>
+                      <a:headEnd type="none" w="med" len="med"/>
+                      <a:tailEnd type="none" w="med" len="med"/>
+                    </a:lnB>
+                    <a:lnTlToBr>
+                      <a:noFill/>
+                    </a:lnTlToBr>
+                    <a:lnBlToTr>
+                      <a:noFill/>
+                    </a:lnBlToTr>
+                    <a:noFill/>
+                  </a:tcPr>
+                </a:tc>
+              </a:tr>
+            </a:tbl>
+          </a:graphicData>
+        </a:graphic>
+      </p:graphicFrame>
+      <p:pic>
+        <p:nvPicPr>
+          <p:cNvPr id="52241" name="Picture 17"/>
+          <p:cNvPicPr>
+            <a:picLocks noChangeAspect="1" noChangeArrowheads="1"/>
+          </p:cNvPicPr>
+          <p:nvPr/>
+        </p:nvPicPr>
+        <p:blipFill>
+          <a:blip r:embed="rId3"/>
+          <a:srcRect/>
+          <a:stretch>
+            <a:fillRect/>
+          </a:stretch>
+        </p:blipFill>
+        <p:spPr bwMode="auto">
+          <a:xfrm>
+            <a:off x="323850" y="3716338"/>
+            <a:ext cx="2833688" cy="1447800"/>
+          </a:xfrm>
+          <a:prstGeom prst="rect">
+            <a:avLst/>
+          </a:prstGeom>
+          <a:noFill/>
+          <a:ln w="9525">
+            <a:noFill/>
+            <a:miter lim="800000"/>
+            <a:headEnd/>
+            <a:tailEnd/>
+          </a:ln>
+          <a:effectLst/>
+        </p:spPr>
+      </p:pic>
+      <p:pic>
+        <p:nvPicPr>
+          <p:cNvPr id="52244" name="Picture 20"/>
+          <p:cNvPicPr>
+            <a:picLocks noChangeAspect="1" noChangeArrowheads="1"/>
+          </p:cNvPicPr>
+          <p:nvPr/>
+        </p:nvPicPr>
+        <p:blipFill>
+          <a:blip r:embed="rId4"/>
+          <a:srcRect/>
+          <a:stretch>
+            <a:fillRect/>
+          </a:stretch>
+        </p:blipFill>
+        <p:spPr bwMode="auto">
+          <a:xfrm>
+            <a:off x="3924300" y="3068638"/>
+            <a:ext cx="3867150" cy="3105150"/>
+          </a:xfrm>
+          <a:prstGeom prst="rect">
+            <a:avLst/>
+          </a:prstGeom>
+          <a:noFill/>
+          <a:ln w="9525">
+            <a:noFill/>
+            <a:miter lim="800000"/>
+            <a:headEnd/>
+            <a:tailEnd/>
+          </a:ln>
+          <a:effectLst/>
+        </p:spPr>
+      </p:pic>
+    </p:spTree>
+  </p:cSld>
+  <p:clrMapOvr>
+    <a:masterClrMapping/>
+  </p:clrMapOvr>
+  <p:timing>
+    <p:tnLst>
+      <p:par>
+        <p:cTn id="1" dur="indefinite" restart="never" nodeType="tmRoot"/>
+      </p:par>
+    </p:tnLst>
+  </p:timing>
+</p:sld>
+</file>
+
+<file path=ppt/slides/slide11.xml><?xml version="1.0" encoding="utf-8"?>
+<p:sld xmlns:a="http://schemas.openxmlformats.org/drawingml/2006/main" xmlns:r="http://schemas.openxmlformats.org/officeDocument/2006/relationships" xmlns:p="http://schemas.openxmlformats.org/presentationml/2006/main">
+  <p:cSld>
+    <p:spTree>
+      <p:nvGrpSpPr>
+        <p:cNvPr id="1" name=""/>
+        <p:cNvGrpSpPr/>
+        <p:nvPr/>
+      </p:nvGrpSpPr>
+      <p:grpSpPr>
+        <a:xfrm>
+          <a:off x="0" y="0"/>
+          <a:ext cx="0" cy="0"/>
+          <a:chOff x="0" y="0"/>
+          <a:chExt cx="0" cy="0"/>
+        </a:xfrm>
+      </p:grpSpPr>
+      <p:sp>
+        <p:nvSpPr>
+          <p:cNvPr id="3" name="2 Título"/>
+          <p:cNvSpPr>
+            <a:spLocks noGrp="1"/>
+          </p:cNvSpPr>
+          <p:nvPr>
+            <p:ph type="title" idx="4294967295"/>
+          </p:nvPr>
+        </p:nvSpPr>
+        <p:spPr/>
+        <p:txBody>
+          <a:bodyPr rtlCol="0">
+            <a:normAutofit fontScale="90000"/>
+          </a:bodyPr>
+          <a:lstStyle/>
+          <a:p>
+            <a:pPr eaLnBrk="1" fontAlgn="auto" hangingPunct="1">
+              <a:spcAft>
+                <a:spcPts val="0"/>
+              </a:spcAft>
+              <a:defRPr/>
+            </a:pPr>
+            <a:r>
+              <a:rPr lang="es-PE" dirty="0"/>
+              <a:t>ESPECIFICACION DE REGLAS DE </a:t>
+            </a:r>
+            <a:r>
+              <a:rPr lang="es-PE" dirty="0" smtClean="0"/>
+              <a:t>NEGOCIO (Contratos de Clientes)</a:t>
+            </a:r>
+            <a:endParaRPr lang="es-PE" dirty="0"/>
+          </a:p>
+        </p:txBody>
+      </p:sp>
+      <p:graphicFrame>
+        <p:nvGraphicFramePr>
+          <p:cNvPr id="54275" name="Group 3"/>
+          <p:cNvGraphicFramePr>
+            <a:graphicFrameLocks noGrp="1"/>
+          </p:cNvGraphicFramePr>
+          <p:nvPr/>
+        </p:nvGraphicFramePr>
+        <p:xfrm>
+          <a:off x="323850" y="2060575"/>
+          <a:ext cx="8496300" cy="4662488"/>
+        </p:xfrm>
+        <a:graphic>
+          <a:graphicData uri="http://schemas.openxmlformats.org/drawingml/2006/table">
+            <a:tbl>
+              <a:tblPr/>
+              <a:tblGrid>
+                <a:gridCol w="2447925"/>
+                <a:gridCol w="6048375"/>
+              </a:tblGrid>
+              <a:tr h="1152525">
+                <a:tc>
+                  <a:txBody>
+                    <a:bodyPr/>
+                    <a:lstStyle/>
+                    <a:p>
+                      <a:pPr marL="0" marR="0" lvl="0" indent="0" algn="l" defTabSz="914400" rtl="0" eaLnBrk="1" fontAlgn="base" latinLnBrk="0" hangingPunct="1">
+                        <a:lnSpc>
+                          <a:spcPct val="100000"/>
+                        </a:lnSpc>
+                        <a:spcBef>
+                          <a:spcPct val="0"/>
+                        </a:spcBef>
+                        <a:spcAft>
+                          <a:spcPct val="0"/>
+                        </a:spcAft>
+                        <a:buClrTx/>
+                        <a:buSzTx/>
+                        <a:buFontTx/>
+                        <a:buNone/>
+                        <a:tabLst/>
+                      </a:pPr>
+                      <a:endParaRPr kumimoji="0" lang="es-ES" sz="1800" b="1" i="0" u="none" strike="noStrike" cap="none" normalizeH="0" baseline="0" smtClean="0">
+                        <a:ln>
+                          <a:noFill/>
+                        </a:ln>
+                        <a:solidFill>
+                          <a:schemeClr val="tx1"/>
+                        </a:solidFill>
+                        <a:effectLst/>
+                        <a:latin typeface="Candara" pitchFamily="34" charset="0"/>
+                      </a:endParaRPr>
+                    </a:p>
+                  </a:txBody>
+                  <a:tcPr horzOverflow="overflow">
+                    <a:lnL w="12700" cap="flat" cmpd="sng" algn="ctr">
+                      <a:solidFill>
+                        <a:schemeClr val="accent1"/>
+                      </a:solidFill>
+                      <a:prstDash val="solid"/>
+                      <a:round/>
+                      <a:headEnd type="none" w="med" len="med"/>
+                      <a:tailEnd type="none" w="med" len="med"/>
+                    </a:lnL>
+                    <a:lnR w="12700" cap="flat" cmpd="sng" algn="ctr">
+                      <a:solidFill>
+                        <a:schemeClr val="accent1"/>
+                      </a:solidFill>
+                      <a:prstDash val="solid"/>
+                      <a:round/>
+                      <a:headEnd type="none" w="med" len="med"/>
+                      <a:tailEnd type="none" w="med" len="med"/>
+                    </a:lnR>
+                    <a:lnT w="12700" cap="flat" cmpd="sng" algn="ctr">
+                      <a:solidFill>
+                        <a:schemeClr val="accent1"/>
+                      </a:solidFill>
+                      <a:prstDash val="solid"/>
+                      <a:round/>
+                      <a:headEnd type="none" w="med" len="med"/>
+                      <a:tailEnd type="none" w="med" len="med"/>
+                    </a:lnT>
+                    <a:lnB w="12700" cap="flat" cmpd="sng" algn="ctr">
+                      <a:solidFill>
+                        <a:schemeClr val="accent1"/>
+                      </a:solidFill>
+                      <a:prstDash val="solid"/>
+                      <a:round/>
+                      <a:headEnd type="none" w="med" len="med"/>
+                      <a:tailEnd type="none" w="med" len="med"/>
+                    </a:lnB>
+                    <a:lnTlToBr>
+                      <a:noFill/>
+                    </a:lnTlToBr>
+                    <a:lnBlToTr>
+                      <a:noFill/>
+                    </a:lnBlToTr>
+                    <a:noFill/>
+                  </a:tcPr>
+                </a:tc>
+                <a:tc>
+                  <a:txBody>
+                    <a:bodyPr/>
+                    <a:lstStyle/>
+                    <a:p>
+                      <a:pPr marL="0" marR="0" lvl="0" indent="0" algn="l" defTabSz="914400" rtl="0" eaLnBrk="1" fontAlgn="base" latinLnBrk="0" hangingPunct="1">
+                        <a:lnSpc>
+                          <a:spcPct val="100000"/>
+                        </a:lnSpc>
+                        <a:spcBef>
+                          <a:spcPct val="0"/>
+                        </a:spcBef>
+                        <a:spcAft>
+                          <a:spcPct val="0"/>
+                        </a:spcAft>
+                        <a:buClrTx/>
+                        <a:buSzTx/>
+                        <a:buFontTx/>
+                        <a:buNone/>
+                        <a:tabLst/>
+                      </a:pPr>
+                      <a:r>
+                        <a:rPr kumimoji="0" lang="es-PE" sz="2000" b="0" i="1" u="none" strike="noStrike" cap="none" normalizeH="0" baseline="0" smtClean="0">
+                          <a:ln>
+                            <a:noFill/>
+                          </a:ln>
+                          <a:solidFill>
+                            <a:schemeClr val="tx2"/>
+                          </a:solidFill>
+                          <a:effectLst/>
+                          <a:latin typeface="Candara" pitchFamily="34" charset="0"/>
+                        </a:rPr>
+                        <a:t>Para la generación del Adenda se estableció el siguiente formato:</a:t>
+                      </a:r>
+                    </a:p>
+                    <a:p>
+                      <a:pPr marL="0" marR="0" lvl="0" indent="0" algn="l" defTabSz="914400" rtl="0" eaLnBrk="1" fontAlgn="base" latinLnBrk="0" hangingPunct="1">
+                        <a:lnSpc>
+                          <a:spcPct val="100000"/>
+                        </a:lnSpc>
+                        <a:spcBef>
+                          <a:spcPct val="0"/>
+                        </a:spcBef>
+                        <a:spcAft>
+                          <a:spcPct val="0"/>
+                        </a:spcAft>
+                        <a:buClrTx/>
+                        <a:buSzTx/>
+                        <a:buFontTx/>
+                        <a:buNone/>
+                        <a:tabLst/>
+                      </a:pPr>
+                      <a:endParaRPr kumimoji="0" lang="es-PE" sz="2000" b="0" i="1" u="none" strike="noStrike" cap="none" normalizeH="0" baseline="0" smtClean="0">
+                        <a:ln>
+                          <a:noFill/>
+                        </a:ln>
+                        <a:solidFill>
+                          <a:schemeClr val="tx2"/>
+                        </a:solidFill>
+                        <a:effectLst/>
+                        <a:latin typeface="Candara" pitchFamily="34" charset="0"/>
+                      </a:endParaRPr>
+                    </a:p>
+                    <a:p>
+                      <a:pPr marL="0" marR="0" lvl="0" indent="0" algn="l" defTabSz="914400" rtl="0" eaLnBrk="1" fontAlgn="base" latinLnBrk="0" hangingPunct="1">
+                        <a:lnSpc>
+                          <a:spcPct val="100000"/>
+                        </a:lnSpc>
+                        <a:spcBef>
+                          <a:spcPct val="0"/>
+                        </a:spcBef>
+                        <a:spcAft>
+                          <a:spcPct val="0"/>
+                        </a:spcAft>
+                        <a:buClrTx/>
+                        <a:buSzTx/>
+                        <a:buFontTx/>
+                        <a:buNone/>
+                        <a:tabLst/>
+                      </a:pPr>
+                      <a:endParaRPr kumimoji="0" lang="es-PE" sz="2000" b="0" i="1" u="none" strike="noStrike" cap="none" normalizeH="0" baseline="0" smtClean="0">
+                        <a:ln>
+                          <a:noFill/>
+                        </a:ln>
+                        <a:solidFill>
+                          <a:schemeClr val="tx2"/>
+                        </a:solidFill>
+                        <a:effectLst/>
+                        <a:latin typeface="Candara" pitchFamily="34" charset="0"/>
+                      </a:endParaRPr>
+                    </a:p>
+                    <a:p>
+                      <a:pPr marL="0" marR="0" lvl="0" indent="0" algn="l" defTabSz="914400" rtl="0" eaLnBrk="1" fontAlgn="base" latinLnBrk="0" hangingPunct="1">
+                        <a:lnSpc>
+                          <a:spcPct val="100000"/>
+                        </a:lnSpc>
+                        <a:spcBef>
+                          <a:spcPct val="0"/>
+                        </a:spcBef>
+                        <a:spcAft>
+                          <a:spcPct val="0"/>
+                        </a:spcAft>
+                        <a:buClrTx/>
+                        <a:buSzTx/>
+                        <a:buFontTx/>
+                        <a:buNone/>
+                        <a:tabLst/>
+                      </a:pPr>
+                      <a:endParaRPr kumimoji="0" lang="es-PE" sz="2000" b="0" i="1" u="none" strike="noStrike" cap="none" normalizeH="0" baseline="0" smtClean="0">
+                        <a:ln>
+                          <a:noFill/>
+                        </a:ln>
+                        <a:solidFill>
+                          <a:schemeClr val="tx2"/>
+                        </a:solidFill>
+                        <a:effectLst/>
+                        <a:latin typeface="Candara" pitchFamily="34" charset="0"/>
+                      </a:endParaRPr>
+                    </a:p>
+                    <a:p>
+                      <a:pPr marL="0" marR="0" lvl="0" indent="0" algn="l" defTabSz="914400" rtl="0" eaLnBrk="1" fontAlgn="base" latinLnBrk="0" hangingPunct="1">
+                        <a:lnSpc>
+                          <a:spcPct val="100000"/>
+                        </a:lnSpc>
+                        <a:spcBef>
+                          <a:spcPct val="0"/>
+                        </a:spcBef>
+                        <a:spcAft>
+                          <a:spcPct val="0"/>
+                        </a:spcAft>
+                        <a:buClrTx/>
+                        <a:buSzTx/>
+                        <a:buFontTx/>
+                        <a:buNone/>
+                        <a:tabLst/>
+                      </a:pPr>
+                      <a:endParaRPr kumimoji="0" lang="es-PE" sz="2000" b="0" i="1" u="none" strike="noStrike" cap="none" normalizeH="0" baseline="0" smtClean="0">
+                        <a:ln>
+                          <a:noFill/>
+                        </a:ln>
+                        <a:solidFill>
+                          <a:schemeClr val="tx2"/>
+                        </a:solidFill>
+                        <a:effectLst/>
+                        <a:latin typeface="Candara" pitchFamily="34" charset="0"/>
+                      </a:endParaRPr>
+                    </a:p>
+                    <a:p>
+                      <a:pPr marL="0" marR="0" lvl="0" indent="0" algn="l" defTabSz="914400" rtl="0" eaLnBrk="1" fontAlgn="base" latinLnBrk="0" hangingPunct="1">
+                        <a:lnSpc>
+                          <a:spcPct val="100000"/>
+                        </a:lnSpc>
+                        <a:spcBef>
+                          <a:spcPct val="0"/>
+                        </a:spcBef>
+                        <a:spcAft>
+                          <a:spcPct val="0"/>
+                        </a:spcAft>
+                        <a:buClrTx/>
+                        <a:buSzTx/>
+                        <a:buFontTx/>
+                        <a:buNone/>
+                        <a:tabLst/>
+                      </a:pPr>
+                      <a:endParaRPr kumimoji="0" lang="es-PE" sz="2000" b="0" i="1" u="none" strike="noStrike" cap="none" normalizeH="0" baseline="0" smtClean="0">
+                        <a:ln>
+                          <a:noFill/>
+                        </a:ln>
+                        <a:solidFill>
+                          <a:schemeClr val="tx2"/>
+                        </a:solidFill>
+                        <a:effectLst/>
+                        <a:latin typeface="Candara" pitchFamily="34" charset="0"/>
+                      </a:endParaRPr>
+                    </a:p>
+                    <a:p>
+                      <a:pPr marL="0" marR="0" lvl="0" indent="0" algn="l" defTabSz="914400" rtl="0" eaLnBrk="1" fontAlgn="base" latinLnBrk="0" hangingPunct="1">
+                        <a:lnSpc>
+                          <a:spcPct val="100000"/>
+                        </a:lnSpc>
+                        <a:spcBef>
+                          <a:spcPct val="0"/>
+                        </a:spcBef>
+                        <a:spcAft>
+                          <a:spcPct val="0"/>
+                        </a:spcAft>
+                        <a:buClrTx/>
+                        <a:buSzTx/>
+                        <a:buFontTx/>
+                        <a:buNone/>
+                        <a:tabLst/>
+                      </a:pPr>
+                      <a:endParaRPr kumimoji="0" lang="es-PE" sz="2000" b="0" i="1" u="none" strike="noStrike" cap="none" normalizeH="0" baseline="0" smtClean="0">
+                        <a:ln>
+                          <a:noFill/>
+                        </a:ln>
+                        <a:solidFill>
+                          <a:schemeClr val="tx2"/>
+                        </a:solidFill>
+                        <a:effectLst/>
+                        <a:latin typeface="Candara" pitchFamily="34" charset="0"/>
+                      </a:endParaRPr>
+                    </a:p>
+                    <a:p>
+                      <a:pPr marL="0" marR="0" lvl="0" indent="0" algn="l" defTabSz="914400" rtl="0" eaLnBrk="1" fontAlgn="base" latinLnBrk="0" hangingPunct="1">
+                        <a:lnSpc>
+                          <a:spcPct val="100000"/>
+                        </a:lnSpc>
+                        <a:spcBef>
+                          <a:spcPct val="0"/>
+                        </a:spcBef>
+                        <a:spcAft>
+                          <a:spcPct val="0"/>
+                        </a:spcAft>
+                        <a:buClrTx/>
+                        <a:buSzTx/>
+                        <a:buFontTx/>
+                        <a:buNone/>
+                        <a:tabLst/>
+                      </a:pPr>
+                      <a:endParaRPr kumimoji="0" lang="es-PE" sz="2000" b="0" i="1" u="none" strike="noStrike" cap="none" normalizeH="0" baseline="0" smtClean="0">
+                        <a:ln>
+                          <a:noFill/>
+                        </a:ln>
+                        <a:solidFill>
+                          <a:schemeClr val="tx2"/>
+                        </a:solidFill>
+                        <a:effectLst/>
+                        <a:latin typeface="Candara" pitchFamily="34" charset="0"/>
+                      </a:endParaRPr>
+                    </a:p>
+                    <a:p>
+                      <a:pPr marL="0" marR="0" lvl="0" indent="0" algn="l" defTabSz="914400" rtl="0" eaLnBrk="1" fontAlgn="base" latinLnBrk="0" hangingPunct="1">
+                        <a:lnSpc>
+                          <a:spcPct val="100000"/>
+                        </a:lnSpc>
+                        <a:spcBef>
+                          <a:spcPct val="0"/>
+                        </a:spcBef>
+                        <a:spcAft>
+                          <a:spcPct val="0"/>
+                        </a:spcAft>
+                        <a:buClrTx/>
+                        <a:buSzTx/>
+                        <a:buFontTx/>
+                        <a:buNone/>
+                        <a:tabLst/>
+                      </a:pPr>
+                      <a:endParaRPr kumimoji="0" lang="es-PE" sz="2000" b="0" i="1" u="none" strike="noStrike" cap="none" normalizeH="0" baseline="0" smtClean="0">
+                        <a:ln>
+                          <a:noFill/>
+                        </a:ln>
+                        <a:solidFill>
+                          <a:schemeClr val="tx2"/>
+                        </a:solidFill>
+                        <a:effectLst/>
+                        <a:latin typeface="Candara" pitchFamily="34" charset="0"/>
+                      </a:endParaRPr>
+                    </a:p>
+                    <a:p>
+                      <a:pPr marL="0" marR="0" lvl="0" indent="0" algn="l" defTabSz="914400" rtl="0" eaLnBrk="1" fontAlgn="base" latinLnBrk="0" hangingPunct="1">
+                        <a:lnSpc>
+                          <a:spcPct val="100000"/>
+                        </a:lnSpc>
+                        <a:spcBef>
+                          <a:spcPct val="0"/>
+                        </a:spcBef>
+                        <a:spcAft>
+                          <a:spcPct val="0"/>
+                        </a:spcAft>
+                        <a:buClrTx/>
+                        <a:buSzTx/>
+                        <a:buFontTx/>
+                        <a:buNone/>
+                        <a:tabLst/>
+                      </a:pPr>
+                      <a:endParaRPr kumimoji="0" lang="es-PE" sz="2000" b="0" i="1" u="none" strike="noStrike" cap="none" normalizeH="0" baseline="0" smtClean="0">
+                        <a:ln>
+                          <a:noFill/>
+                        </a:ln>
+                        <a:solidFill>
+                          <a:schemeClr val="tx2"/>
+                        </a:solidFill>
+                        <a:effectLst/>
+                        <a:latin typeface="Candara" pitchFamily="34" charset="0"/>
+                      </a:endParaRPr>
+                    </a:p>
+                    <a:p>
+                      <a:pPr marL="0" marR="0" lvl="0" indent="0" algn="l" defTabSz="914400" rtl="0" eaLnBrk="1" fontAlgn="base" latinLnBrk="0" hangingPunct="1">
+                        <a:lnSpc>
+                          <a:spcPct val="100000"/>
+                        </a:lnSpc>
+                        <a:spcBef>
+                          <a:spcPct val="0"/>
+                        </a:spcBef>
+                        <a:spcAft>
+                          <a:spcPct val="0"/>
+                        </a:spcAft>
+                        <a:buClrTx/>
+                        <a:buSzTx/>
+                        <a:buFontTx/>
+                        <a:buNone/>
+                        <a:tabLst/>
+                      </a:pPr>
+                      <a:endParaRPr kumimoji="0" lang="es-PE" sz="2000" b="0" i="1" u="none" strike="noStrike" cap="none" normalizeH="0" baseline="0" smtClean="0">
+                        <a:ln>
+                          <a:noFill/>
+                        </a:ln>
+                        <a:solidFill>
+                          <a:schemeClr val="tx2"/>
+                        </a:solidFill>
+                        <a:effectLst/>
+                        <a:latin typeface="Candara" pitchFamily="34" charset="0"/>
+                      </a:endParaRPr>
+                    </a:p>
+                    <a:p>
+                      <a:pPr marL="0" marR="0" lvl="0" indent="0" algn="l" defTabSz="914400" rtl="0" eaLnBrk="1" fontAlgn="base" latinLnBrk="0" hangingPunct="1">
+                        <a:lnSpc>
+                          <a:spcPct val="100000"/>
+                        </a:lnSpc>
+                        <a:spcBef>
+                          <a:spcPct val="0"/>
+                        </a:spcBef>
+                        <a:spcAft>
+                          <a:spcPct val="0"/>
+                        </a:spcAft>
+                        <a:buClrTx/>
+                        <a:buSzTx/>
+                        <a:buFontTx/>
+                        <a:buNone/>
+                        <a:tabLst/>
+                      </a:pPr>
+                      <a:endParaRPr kumimoji="0" lang="es-PE" sz="2000" b="0" i="1" u="none" strike="noStrike" cap="none" normalizeH="0" baseline="0" smtClean="0">
+                        <a:ln>
+                          <a:noFill/>
+                        </a:ln>
+                        <a:solidFill>
+                          <a:schemeClr val="tx2"/>
+                        </a:solidFill>
+                        <a:effectLst/>
+                        <a:latin typeface="Candara" pitchFamily="34" charset="0"/>
+                      </a:endParaRPr>
+                    </a:p>
+                    <a:p>
+                      <a:pPr marL="0" marR="0" lvl="0" indent="0" algn="l" defTabSz="914400" rtl="0" eaLnBrk="1" fontAlgn="base" latinLnBrk="0" hangingPunct="1">
+                        <a:lnSpc>
+                          <a:spcPct val="100000"/>
+                        </a:lnSpc>
+                        <a:spcBef>
+                          <a:spcPct val="0"/>
+                        </a:spcBef>
+                        <a:spcAft>
+                          <a:spcPct val="0"/>
+                        </a:spcAft>
+                        <a:buClrTx/>
+                        <a:buSzTx/>
+                        <a:buFontTx/>
+                        <a:buNone/>
+                        <a:tabLst/>
+                      </a:pPr>
+                      <a:endParaRPr kumimoji="0" lang="es-PE" sz="2000" b="0" i="1" u="none" strike="noStrike" cap="none" normalizeH="0" baseline="0" smtClean="0">
+                        <a:ln>
+                          <a:noFill/>
+                        </a:ln>
+                        <a:solidFill>
+                          <a:schemeClr val="tx2"/>
+                        </a:solidFill>
+                        <a:effectLst/>
+                        <a:latin typeface="Candara" pitchFamily="34" charset="0"/>
+                      </a:endParaRPr>
+                    </a:p>
+                    <a:p>
+                      <a:pPr marL="0" marR="0" lvl="0" indent="0" algn="l" defTabSz="914400" rtl="0" eaLnBrk="1" fontAlgn="base" latinLnBrk="0" hangingPunct="1">
+                        <a:lnSpc>
+                          <a:spcPct val="100000"/>
+                        </a:lnSpc>
+                        <a:spcBef>
+                          <a:spcPct val="0"/>
+                        </a:spcBef>
+                        <a:spcAft>
+                          <a:spcPct val="0"/>
+                        </a:spcAft>
+                        <a:buClrTx/>
+                        <a:buSzTx/>
+                        <a:buFontTx/>
+                        <a:buNone/>
+                        <a:tabLst/>
+                      </a:pPr>
+                      <a:endParaRPr kumimoji="0" lang="es-PE" sz="2000" b="0" i="1" u="none" strike="noStrike" cap="none" normalizeH="0" baseline="0" smtClean="0">
+                        <a:ln>
+                          <a:noFill/>
+                        </a:ln>
+                        <a:solidFill>
+                          <a:schemeClr val="tx2"/>
+                        </a:solidFill>
+                        <a:effectLst/>
+                        <a:latin typeface="Candara" pitchFamily="34" charset="0"/>
+                      </a:endParaRPr>
+                    </a:p>
+                  </a:txBody>
+                  <a:tcPr horzOverflow="overflow">
+                    <a:lnL w="12700" cap="flat" cmpd="sng" algn="ctr">
+                      <a:solidFill>
+                        <a:schemeClr val="accent1"/>
+                      </a:solidFill>
+                      <a:prstDash val="solid"/>
+                      <a:round/>
+                      <a:headEnd type="none" w="med" len="med"/>
+                      <a:tailEnd type="none" w="med" len="med"/>
+                    </a:lnL>
+                    <a:lnR w="12700" cap="flat" cmpd="sng" algn="ctr">
+                      <a:solidFill>
+                        <a:schemeClr val="accent1"/>
+                      </a:solidFill>
+                      <a:prstDash val="solid"/>
+                      <a:round/>
+                      <a:headEnd type="none" w="med" len="med"/>
+                      <a:tailEnd type="none" w="med" len="med"/>
+                    </a:lnR>
+                    <a:lnT w="12700" cap="flat" cmpd="sng" algn="ctr">
+                      <a:solidFill>
+                        <a:schemeClr val="accent1"/>
+                      </a:solidFill>
+                      <a:prstDash val="solid"/>
+                      <a:round/>
+                      <a:headEnd type="none" w="med" len="med"/>
+                      <a:tailEnd type="none" w="med" len="med"/>
+                    </a:lnT>
+                    <a:lnB w="12700" cap="flat" cmpd="sng" algn="ctr">
+                      <a:solidFill>
+                        <a:schemeClr val="accent1"/>
+                      </a:solidFill>
+                      <a:prstDash val="solid"/>
+                      <a:round/>
+                      <a:headEnd type="none" w="med" len="med"/>
+                      <a:tailEnd type="none" w="med" len="med"/>
+                    </a:lnB>
+                    <a:lnTlToBr>
+                      <a:noFill/>
+                    </a:lnTlToBr>
+                    <a:lnBlToTr>
+                      <a:noFill/>
+                    </a:lnBlToTr>
+                    <a:noFill/>
+                  </a:tcPr>
+                </a:tc>
+              </a:tr>
+            </a:tbl>
+          </a:graphicData>
+        </a:graphic>
+      </p:graphicFrame>
+      <p:pic>
+        <p:nvPicPr>
+          <p:cNvPr id="54285" name="Imagen 4" descr="http://www.cdti.es/recursos/img/Servicios/Red_PIDi/Tutorial_BMP/Incentivos_N1/9323_1311312010115741.JPG"/>
+          <p:cNvPicPr>
+            <a:picLocks noChangeAspect="1" noChangeArrowheads="1"/>
+          </p:cNvPicPr>
+          <p:nvPr/>
+        </p:nvPicPr>
+        <p:blipFill>
+          <a:blip r:embed="rId3"/>
+          <a:srcRect t="8000"/>
+          <a:stretch>
+            <a:fillRect/>
+          </a:stretch>
+        </p:blipFill>
+        <p:spPr bwMode="auto">
+          <a:xfrm>
+            <a:off x="4140200" y="2781300"/>
+            <a:ext cx="2601913" cy="3744913"/>
+          </a:xfrm>
+          <a:prstGeom prst="rect">
+            <a:avLst/>
+          </a:prstGeom>
+          <a:noFill/>
+          <a:ln w="9525">
+            <a:noFill/>
+            <a:miter lim="800000"/>
+            <a:headEnd/>
+            <a:tailEnd/>
+          </a:ln>
+        </p:spPr>
+      </p:pic>
+      <p:pic>
+        <p:nvPicPr>
+          <p:cNvPr id="54286" name="Picture 14"/>
+          <p:cNvPicPr>
+            <a:picLocks noChangeAspect="1" noChangeArrowheads="1"/>
+          </p:cNvPicPr>
+          <p:nvPr/>
+        </p:nvPicPr>
+        <p:blipFill>
+          <a:blip r:embed="rId4"/>
+          <a:srcRect/>
+          <a:stretch>
+            <a:fillRect/>
+          </a:stretch>
+        </p:blipFill>
+        <p:spPr bwMode="auto">
+          <a:xfrm>
+            <a:off x="250825" y="3716338"/>
+            <a:ext cx="2840038" cy="1447800"/>
+          </a:xfrm>
+          <a:prstGeom prst="rect">
+            <a:avLst/>
+          </a:prstGeom>
+          <a:noFill/>
+          <a:ln w="9525">
+            <a:noFill/>
+            <a:miter lim="800000"/>
+            <a:headEnd/>
+            <a:tailEnd/>
+          </a:ln>
+          <a:effectLst/>
+        </p:spPr>
+      </p:pic>
+    </p:spTree>
+  </p:cSld>
+  <p:clrMapOvr>
+    <a:masterClrMapping/>
+  </p:clrMapOvr>
+  <p:timing>
+    <p:tnLst>
+      <p:par>
+        <p:cTn id="1" dur="indefinite" restart="never" nodeType="tmRoot"/>
+      </p:par>
+    </p:tnLst>
+  </p:timing>
+</p:sld>
+</file>
+
+<file path=ppt/slides/slide12.xml><?xml version="1.0" encoding="utf-8"?>
+<p:sld xmlns:a="http://schemas.openxmlformats.org/drawingml/2006/main" xmlns:r="http://schemas.openxmlformats.org/officeDocument/2006/relationships" xmlns:p="http://schemas.openxmlformats.org/presentationml/2006/main">
+  <p:cSld>
+    <p:spTree>
+      <p:nvGrpSpPr>
+        <p:cNvPr id="1" name=""/>
+        <p:cNvGrpSpPr/>
+        <p:nvPr/>
+      </p:nvGrpSpPr>
+      <p:grpSpPr>
+        <a:xfrm>
+          <a:off x="0" y="0"/>
+          <a:ext cx="0" cy="0"/>
+          <a:chOff x="0" y="0"/>
+          <a:chExt cx="0" cy="0"/>
+        </a:xfrm>
+      </p:grpSpPr>
+      <p:sp>
+        <p:nvSpPr>
+          <p:cNvPr id="3" name="2 Título"/>
+          <p:cNvSpPr>
+            <a:spLocks noGrp="1"/>
+          </p:cNvSpPr>
+          <p:nvPr>
+            <p:ph type="title" idx="4294967295"/>
+          </p:nvPr>
+        </p:nvSpPr>
+        <p:spPr/>
+        <p:txBody>
+          <a:bodyPr rtlCol="0">
+            <a:normAutofit fontScale="90000"/>
+          </a:bodyPr>
+          <a:lstStyle/>
+          <a:p>
+            <a:pPr eaLnBrk="1" fontAlgn="auto" hangingPunct="1">
+              <a:spcAft>
+                <a:spcPts val="0"/>
+              </a:spcAft>
+              <a:defRPr/>
+            </a:pPr>
+            <a:r>
+              <a:rPr lang="es-PE" dirty="0"/>
+              <a:t>ESPECIFICACION DE REGLAS DE </a:t>
+            </a:r>
+            <a:r>
+              <a:rPr lang="es-PE" dirty="0" smtClean="0"/>
+              <a:t>NEGOCIO (Contratos de Clientes)</a:t>
+            </a:r>
+            <a:endParaRPr lang="es-PE" dirty="0"/>
+          </a:p>
+        </p:txBody>
+      </p:sp>
+      <p:graphicFrame>
+        <p:nvGraphicFramePr>
+          <p:cNvPr id="23590" name="Group 38"/>
+          <p:cNvGraphicFramePr>
+            <a:graphicFrameLocks noGrp="1"/>
+          </p:cNvGraphicFramePr>
+          <p:nvPr/>
+        </p:nvGraphicFramePr>
+        <p:xfrm>
+          <a:off x="323850" y="2349500"/>
+          <a:ext cx="8496300" cy="1565275"/>
+        </p:xfrm>
+        <a:graphic>
+          <a:graphicData uri="http://schemas.openxmlformats.org/drawingml/2006/table">
+            <a:tbl>
+              <a:tblPr/>
+              <a:tblGrid>
+                <a:gridCol w="2447925"/>
+                <a:gridCol w="6048375"/>
+              </a:tblGrid>
+              <a:tr h="1565275">
+                <a:tc>
+                  <a:txBody>
+                    <a:bodyPr/>
+                    <a:lstStyle/>
+                    <a:p>
+                      <a:pPr marL="0" marR="0" lvl="0" indent="0" algn="l" defTabSz="914400" rtl="0" eaLnBrk="1" fontAlgn="base" latinLnBrk="0" hangingPunct="1">
+                        <a:lnSpc>
+                          <a:spcPct val="100000"/>
+                        </a:lnSpc>
+                        <a:spcBef>
+                          <a:spcPct val="0"/>
+                        </a:spcBef>
+                        <a:spcAft>
+                          <a:spcPct val="0"/>
+                        </a:spcAft>
+                        <a:buClrTx/>
+                        <a:buSzTx/>
+                        <a:buFontTx/>
+                        <a:buNone/>
+                        <a:tabLst/>
+                      </a:pPr>
+                      <a:endParaRPr kumimoji="0" lang="es-ES" sz="1800" b="0" i="0" u="none" strike="noStrike" cap="none" normalizeH="0" baseline="0" smtClean="0">
+                        <a:ln>
+                          <a:noFill/>
+                        </a:ln>
+                        <a:solidFill>
+                          <a:schemeClr val="tx1"/>
+                        </a:solidFill>
+                        <a:effectLst/>
+                        <a:latin typeface="Candara" pitchFamily="34" charset="0"/>
+                      </a:endParaRPr>
+                    </a:p>
+                  </a:txBody>
+                  <a:tcPr horzOverflow="overflow">
+                    <a:lnL w="12700" cap="flat" cmpd="sng" algn="ctr">
+                      <a:solidFill>
+                        <a:schemeClr val="accent1"/>
+                      </a:solidFill>
+                      <a:prstDash val="solid"/>
+                      <a:round/>
+                      <a:headEnd type="none" w="med" len="med"/>
+                      <a:tailEnd type="none" w="med" len="med"/>
+                    </a:lnL>
+                    <a:lnR w="12700" cap="flat" cmpd="sng" algn="ctr">
+                      <a:solidFill>
+                        <a:schemeClr val="accent1"/>
+                      </a:solidFill>
+                      <a:prstDash val="solid"/>
+                      <a:round/>
+                      <a:headEnd type="none" w="med" len="med"/>
+                      <a:tailEnd type="none" w="med" len="med"/>
+                    </a:lnR>
+                    <a:lnT w="12700" cap="flat" cmpd="sng" algn="ctr">
+                      <a:solidFill>
+                        <a:schemeClr val="accent1"/>
+                      </a:solidFill>
+                      <a:prstDash val="solid"/>
+                      <a:round/>
+                      <a:headEnd type="none" w="med" len="med"/>
+                      <a:tailEnd type="none" w="med" len="med"/>
+                    </a:lnT>
+                    <a:lnB w="12700" cap="flat" cmpd="sng" algn="ctr">
+                      <a:solidFill>
+                        <a:schemeClr val="accent1"/>
+                      </a:solidFill>
+                      <a:prstDash val="solid"/>
+                      <a:round/>
+                      <a:headEnd type="none" w="med" len="med"/>
+                      <a:tailEnd type="none" w="med" len="med"/>
+                    </a:lnB>
+                    <a:lnTlToBr>
+                      <a:noFill/>
+                    </a:lnTlToBr>
+                    <a:lnBlToTr>
+                      <a:noFill/>
+                    </a:lnBlToTr>
+                    <a:noFill/>
+                  </a:tcPr>
+                </a:tc>
+                <a:tc>
+                  <a:txBody>
+                    <a:bodyPr/>
+                    <a:lstStyle/>
+                    <a:p>
+                      <a:pPr marL="0" marR="0" lvl="0" indent="0" algn="l" defTabSz="914400" rtl="0" eaLnBrk="1" fontAlgn="base" latinLnBrk="0" hangingPunct="1">
+                        <a:lnSpc>
+                          <a:spcPct val="100000"/>
+                        </a:lnSpc>
+                        <a:spcBef>
+                          <a:spcPct val="0"/>
+                        </a:spcBef>
+                        <a:spcAft>
+                          <a:spcPct val="0"/>
+                        </a:spcAft>
+                        <a:buClrTx/>
+                        <a:buSzTx/>
+                        <a:buFontTx/>
+                        <a:buNone/>
+                        <a:tabLst/>
+                      </a:pPr>
+                      <a:r>
+                        <a:rPr kumimoji="0" lang="es-PE" sz="2000" b="0" i="1" u="none" strike="noStrike" cap="none" normalizeH="0" baseline="0" smtClean="0">
+                          <a:ln>
+                            <a:noFill/>
+                          </a:ln>
+                          <a:solidFill>
+                            <a:schemeClr val="tx2"/>
+                          </a:solidFill>
+                          <a:effectLst/>
+                          <a:latin typeface="Candara" pitchFamily="34" charset="0"/>
+                        </a:rPr>
+                        <a:t>La frecuencia de Seguimiento individual a los contratos se debe realizar de manera mensual.</a:t>
+                      </a:r>
+                      <a:endParaRPr kumimoji="0" lang="es-ES" sz="2000" b="0" i="1" u="none" strike="noStrike" cap="none" normalizeH="0" baseline="0" smtClean="0">
+                        <a:ln>
+                          <a:noFill/>
+                        </a:ln>
+                        <a:solidFill>
+                          <a:schemeClr val="tx2"/>
+                        </a:solidFill>
+                        <a:effectLst/>
+                        <a:latin typeface="Candara" pitchFamily="34" charset="0"/>
+                      </a:endParaRPr>
+                    </a:p>
+                  </a:txBody>
+                  <a:tcPr horzOverflow="overflow">
+                    <a:lnL w="12700" cap="flat" cmpd="sng" algn="ctr">
+                      <a:solidFill>
+                        <a:schemeClr val="accent1"/>
+                      </a:solidFill>
+                      <a:prstDash val="solid"/>
+                      <a:round/>
+                      <a:headEnd type="none" w="med" len="med"/>
+                      <a:tailEnd type="none" w="med" len="med"/>
+                    </a:lnL>
+                    <a:lnR w="12700" cap="flat" cmpd="sng" algn="ctr">
+                      <a:solidFill>
+                        <a:schemeClr val="accent1"/>
+                      </a:solidFill>
+                      <a:prstDash val="solid"/>
+                      <a:round/>
+                      <a:headEnd type="none" w="med" len="med"/>
+                      <a:tailEnd type="none" w="med" len="med"/>
+                    </a:lnR>
+                    <a:lnT w="12700" cap="flat" cmpd="sng" algn="ctr">
+                      <a:solidFill>
+                        <a:schemeClr val="accent1"/>
+                      </a:solidFill>
+                      <a:prstDash val="solid"/>
+                      <a:round/>
+                      <a:headEnd type="none" w="med" len="med"/>
+                      <a:tailEnd type="none" w="med" len="med"/>
+                    </a:lnT>
+                    <a:lnB w="12700" cap="flat" cmpd="sng" algn="ctr">
+                      <a:solidFill>
+                        <a:schemeClr val="accent1"/>
+                      </a:solidFill>
+                      <a:prstDash val="solid"/>
+                      <a:round/>
+                      <a:headEnd type="none" w="med" len="med"/>
+                      <a:tailEnd type="none" w="med" len="med"/>
+                    </a:lnB>
+                    <a:lnTlToBr>
+                      <a:noFill/>
+                    </a:lnTlToBr>
+                    <a:lnBlToTr>
+                      <a:noFill/>
+                    </a:lnBlToTr>
+                    <a:noFill/>
+                  </a:tcPr>
+                </a:tc>
+              </a:tr>
+            </a:tbl>
+          </a:graphicData>
+        </a:graphic>
+      </p:graphicFrame>
+      <p:pic>
+        <p:nvPicPr>
+          <p:cNvPr id="23588" name="Picture 36"/>
+          <p:cNvPicPr>
+            <a:picLocks noChangeAspect="1" noChangeArrowheads="1"/>
+          </p:cNvPicPr>
+          <p:nvPr/>
+        </p:nvPicPr>
+        <p:blipFill>
+          <a:blip r:embed="rId3"/>
+          <a:srcRect/>
+          <a:stretch>
+            <a:fillRect/>
+          </a:stretch>
+        </p:blipFill>
+        <p:spPr bwMode="auto">
+          <a:xfrm>
+            <a:off x="0" y="2492375"/>
+            <a:ext cx="3616325" cy="1447800"/>
+          </a:xfrm>
+          <a:prstGeom prst="rect">
+            <a:avLst/>
+          </a:prstGeom>
+          <a:noFill/>
+          <a:ln w="9525">
+            <a:noFill/>
+            <a:miter lim="800000"/>
+            <a:headEnd/>
+            <a:tailEnd/>
+          </a:ln>
+          <a:effectLst/>
+        </p:spPr>
+      </p:pic>
+    </p:spTree>
+  </p:cSld>
+  <p:clrMapOvr>
+    <a:masterClrMapping/>
+  </p:clrMapOvr>
+  <p:timing>
+    <p:tnLst>
+      <p:par>
+        <p:cTn id="1" dur="indefinite" restart="never" nodeType="tmRoot"/>
+      </p:par>
+    </p:tnLst>
+  </p:timing>
+</p:sld>
+</file>
+
+<file path=ppt/slides/slide13.xml><?xml version="1.0" encoding="utf-8"?>
+<p:sld xmlns:a="http://schemas.openxmlformats.org/drawingml/2006/main" xmlns:r="http://schemas.openxmlformats.org/officeDocument/2006/relationships" xmlns:p="http://schemas.openxmlformats.org/presentationml/2006/main">
+  <p:cSld>
+    <p:spTree>
+      <p:nvGrpSpPr>
+        <p:cNvPr id="1" name=""/>
+        <p:cNvGrpSpPr/>
+        <p:nvPr/>
+      </p:nvGrpSpPr>
+      <p:grpSpPr>
+        <a:xfrm>
+          <a:off x="0" y="0"/>
+          <a:ext cx="0" cy="0"/>
+          <a:chOff x="0" y="0"/>
+          <a:chExt cx="0" cy="0"/>
+        </a:xfrm>
+      </p:grpSpPr>
+      <p:sp>
+        <p:nvSpPr>
+          <p:cNvPr id="3" name="2 Título"/>
+          <p:cNvSpPr>
+            <a:spLocks noGrp="1"/>
+          </p:cNvSpPr>
+          <p:nvPr>
+            <p:ph type="title" idx="4294967295"/>
+          </p:nvPr>
+        </p:nvSpPr>
+        <p:spPr/>
+        <p:txBody>
+          <a:bodyPr rtlCol="0">
+            <a:normAutofit fontScale="90000"/>
+          </a:bodyPr>
+          <a:lstStyle/>
+          <a:p>
+            <a:pPr eaLnBrk="1" fontAlgn="auto" hangingPunct="1">
+              <a:spcAft>
+                <a:spcPts val="0"/>
+              </a:spcAft>
+              <a:defRPr/>
+            </a:pPr>
+            <a:r>
+              <a:rPr lang="es-PE" dirty="0"/>
+              <a:t>ESPECIFICACION DE REGLAS DE </a:t>
+            </a:r>
+            <a:r>
+              <a:rPr lang="es-PE" dirty="0" smtClean="0"/>
+              <a:t>NEGOCIO (Contratos de Clientes)</a:t>
+            </a:r>
+            <a:endParaRPr lang="es-PE" dirty="0"/>
+          </a:p>
+        </p:txBody>
+      </p:sp>
+      <p:graphicFrame>
+        <p:nvGraphicFramePr>
+          <p:cNvPr id="44035" name="Group 3"/>
           <p:cNvGraphicFramePr>
             <a:graphicFrameLocks noGrp="1"/>
           </p:cNvGraphicFramePr>
@@ -17024,12 +18938,25 @@
                         <a:buNone/>
                         <a:tabLst/>
                       </a:pPr>
-                      <a:endParaRPr kumimoji="0" lang="es-ES" sz="1800" b="1" i="0" u="none" strike="noStrike" cap="none" normalizeH="0" baseline="0" smtClean="0">
+                      <a:r>
+                        <a:rPr kumimoji="0" lang="es-PE" sz="1800" b="0" i="1" u="none" strike="noStrike" cap="none" normalizeH="0" baseline="0" smtClean="0">
+                          <a:ln>
+                            <a:noFill/>
+                          </a:ln>
+                          <a:solidFill>
+                            <a:schemeClr val="tx2"/>
+                          </a:solidFill>
+                          <a:effectLst/>
+                          <a:latin typeface="Candara" pitchFamily="34" charset="0"/>
+                        </a:rPr>
+                        <a:t>Si un cliente tiene un contrato por un servicio, no se deberá generar otro contrato por el mismo servicio mientras haya uno vigente.</a:t>
+                      </a:r>
+                      <a:endParaRPr kumimoji="0" lang="es-ES" sz="1800" b="0" i="1" u="none" strike="noStrike" cap="none" normalizeH="0" baseline="0" smtClean="0">
                         <a:ln>
                           <a:noFill/>
                         </a:ln>
                         <a:solidFill>
-                          <a:schemeClr val="tx1"/>
+                          <a:schemeClr val="tx2"/>
                         </a:solidFill>
                         <a:effectLst/>
                         <a:latin typeface="Candara" pitchFamily="34" charset="0"/>
@@ -17188,12 +19115,25 @@
                         <a:buNone/>
                         <a:tabLst/>
                       </a:pPr>
+                      <a:r>
+                        <a:rPr kumimoji="0" lang="es-PE" sz="1800" b="0" i="1" u="none" strike="noStrike" cap="none" normalizeH="0" baseline="0" smtClean="0">
+                          <a:ln>
+                            <a:noFill/>
+                          </a:ln>
+                          <a:solidFill>
+                            <a:schemeClr val="tx2"/>
+                          </a:solidFill>
+                          <a:effectLst/>
+                          <a:latin typeface="Candara" pitchFamily="34" charset="0"/>
+                        </a:rPr>
+                        <a:t>Se genera una Adenda sólo si el Contrato se encuentra vigente.</a:t>
+                      </a:r>
                       <a:endParaRPr kumimoji="0" lang="es-ES" sz="1800" b="0" i="1" u="none" strike="noStrike" cap="none" normalizeH="0" baseline="0" smtClean="0">
                         <a:ln>
                           <a:noFill/>
                         </a:ln>
                         <a:solidFill>
-                          <a:schemeClr val="tx1"/>
+                          <a:schemeClr val="tx2"/>
                         </a:solidFill>
                         <a:effectLst/>
                         <a:latin typeface="Candara" pitchFamily="34" charset="0"/>
@@ -17352,7 +19292,814 @@
                         <a:buNone/>
                         <a:tabLst/>
                       </a:pPr>
+                      <a:r>
+                        <a:rPr kumimoji="0" lang="es-PE" sz="1800" b="0" i="1" u="none" strike="noStrike" cap="none" normalizeH="0" baseline="0" smtClean="0">
+                          <a:ln>
+                            <a:noFill/>
+                          </a:ln>
+                          <a:solidFill>
+                            <a:schemeClr val="tx2"/>
+                          </a:solidFill>
+                          <a:effectLst/>
+                          <a:latin typeface="Candara" pitchFamily="34" charset="0"/>
+                        </a:rPr>
+                        <a:t>Si existe una polémica con el contrato de un cliente no se deberá generar ningún otro contrato al mismo cliente hasta solucionar la polémica.</a:t>
+                      </a:r>
                       <a:endParaRPr kumimoji="0" lang="es-ES" sz="1800" b="0" i="1" u="none" strike="noStrike" cap="none" normalizeH="0" baseline="0" smtClean="0">
+                        <a:ln>
+                          <a:noFill/>
+                        </a:ln>
+                        <a:solidFill>
+                          <a:schemeClr val="tx2"/>
+                        </a:solidFill>
+                        <a:effectLst/>
+                        <a:latin typeface="Candara" pitchFamily="34" charset="0"/>
+                      </a:endParaRPr>
+                    </a:p>
+                  </a:txBody>
+                  <a:tcPr horzOverflow="overflow">
+                    <a:lnL w="12700" cap="flat" cmpd="sng" algn="ctr">
+                      <a:solidFill>
+                        <a:schemeClr val="accent1"/>
+                      </a:solidFill>
+                      <a:prstDash val="solid"/>
+                      <a:round/>
+                      <a:headEnd type="none" w="med" len="med"/>
+                      <a:tailEnd type="none" w="med" len="med"/>
+                    </a:lnL>
+                    <a:lnR w="12700" cap="flat" cmpd="sng" algn="ctr">
+                      <a:solidFill>
+                        <a:schemeClr val="accent1"/>
+                      </a:solidFill>
+                      <a:prstDash val="solid"/>
+                      <a:round/>
+                      <a:headEnd type="none" w="med" len="med"/>
+                      <a:tailEnd type="none" w="med" len="med"/>
+                    </a:lnR>
+                    <a:lnT w="12700" cap="flat" cmpd="sng" algn="ctr">
+                      <a:solidFill>
+                        <a:schemeClr val="accent1"/>
+                      </a:solidFill>
+                      <a:prstDash val="solid"/>
+                      <a:round/>
+                      <a:headEnd type="none" w="med" len="med"/>
+                      <a:tailEnd type="none" w="med" len="med"/>
+                    </a:lnT>
+                    <a:lnB w="12700" cap="flat" cmpd="sng" algn="ctr">
+                      <a:solidFill>
+                        <a:schemeClr val="accent1"/>
+                      </a:solidFill>
+                      <a:prstDash val="solid"/>
+                      <a:round/>
+                      <a:headEnd type="none" w="med" len="med"/>
+                      <a:tailEnd type="none" w="med" len="med"/>
+                    </a:lnB>
+                    <a:lnTlToBr>
+                      <a:noFill/>
+                    </a:lnTlToBr>
+                    <a:lnBlToTr>
+                      <a:noFill/>
+                    </a:lnBlToTr>
+                    <a:noFill/>
+                  </a:tcPr>
+                </a:tc>
+              </a:tr>
+            </a:tbl>
+          </a:graphicData>
+        </a:graphic>
+      </p:graphicFrame>
+      <p:pic>
+        <p:nvPicPr>
+          <p:cNvPr id="25617" name="Picture 17"/>
+          <p:cNvPicPr>
+            <a:picLocks noChangeAspect="1" noChangeArrowheads="1"/>
+          </p:cNvPicPr>
+          <p:nvPr/>
+        </p:nvPicPr>
+        <p:blipFill>
+          <a:blip r:embed="rId3"/>
+          <a:srcRect/>
+          <a:stretch>
+            <a:fillRect/>
+          </a:stretch>
+        </p:blipFill>
+        <p:spPr bwMode="auto">
+          <a:xfrm>
+            <a:off x="179388" y="2276475"/>
+            <a:ext cx="2857500" cy="1447800"/>
+          </a:xfrm>
+          <a:prstGeom prst="rect">
+            <a:avLst/>
+          </a:prstGeom>
+          <a:noFill/>
+          <a:ln w="9525">
+            <a:noFill/>
+            <a:miter lim="800000"/>
+            <a:headEnd/>
+            <a:tailEnd/>
+          </a:ln>
+          <a:effectLst/>
+        </p:spPr>
+      </p:pic>
+      <p:pic>
+        <p:nvPicPr>
+          <p:cNvPr id="25618" name="Picture 18"/>
+          <p:cNvPicPr>
+            <a:picLocks noChangeAspect="1" noChangeArrowheads="1"/>
+          </p:cNvPicPr>
+          <p:nvPr/>
+        </p:nvPicPr>
+        <p:blipFill>
+          <a:blip r:embed="rId4"/>
+          <a:srcRect/>
+          <a:stretch>
+            <a:fillRect/>
+          </a:stretch>
+        </p:blipFill>
+        <p:spPr bwMode="auto">
+          <a:xfrm>
+            <a:off x="179388" y="3500438"/>
+            <a:ext cx="2863850" cy="1371600"/>
+          </a:xfrm>
+          <a:prstGeom prst="rect">
+            <a:avLst/>
+          </a:prstGeom>
+          <a:noFill/>
+          <a:ln w="9525">
+            <a:noFill/>
+            <a:miter lim="800000"/>
+            <a:headEnd/>
+            <a:tailEnd/>
+          </a:ln>
+          <a:effectLst/>
+        </p:spPr>
+      </p:pic>
+      <p:pic>
+        <p:nvPicPr>
+          <p:cNvPr id="25620" name="Picture 20"/>
+          <p:cNvPicPr>
+            <a:picLocks noChangeAspect="1" noChangeArrowheads="1"/>
+          </p:cNvPicPr>
+          <p:nvPr/>
+        </p:nvPicPr>
+        <p:blipFill>
+          <a:blip r:embed="rId5"/>
+          <a:srcRect/>
+          <a:stretch>
+            <a:fillRect/>
+          </a:stretch>
+        </p:blipFill>
+        <p:spPr bwMode="auto">
+          <a:xfrm>
+            <a:off x="179388" y="5013325"/>
+            <a:ext cx="2906712" cy="1447800"/>
+          </a:xfrm>
+          <a:prstGeom prst="rect">
+            <a:avLst/>
+          </a:prstGeom>
+          <a:noFill/>
+          <a:ln w="9525">
+            <a:noFill/>
+            <a:miter lim="800000"/>
+            <a:headEnd/>
+            <a:tailEnd/>
+          </a:ln>
+          <a:effectLst/>
+        </p:spPr>
+      </p:pic>
+    </p:spTree>
+  </p:cSld>
+  <p:clrMapOvr>
+    <a:masterClrMapping/>
+  </p:clrMapOvr>
+  <p:timing>
+    <p:tnLst>
+      <p:par>
+        <p:cTn id="1" dur="indefinite" restart="never" nodeType="tmRoot"/>
+      </p:par>
+    </p:tnLst>
+  </p:timing>
+</p:sld>
+</file>
+
+<file path=ppt/slides/slide14.xml><?xml version="1.0" encoding="utf-8"?>
+<p:sld xmlns:a="http://schemas.openxmlformats.org/drawingml/2006/main" xmlns:r="http://schemas.openxmlformats.org/officeDocument/2006/relationships" xmlns:p="http://schemas.openxmlformats.org/presentationml/2006/main">
+  <p:cSld>
+    <p:spTree>
+      <p:nvGrpSpPr>
+        <p:cNvPr id="1" name=""/>
+        <p:cNvGrpSpPr/>
+        <p:nvPr/>
+      </p:nvGrpSpPr>
+      <p:grpSpPr>
+        <a:xfrm>
+          <a:off x="0" y="0"/>
+          <a:ext cx="0" cy="0"/>
+          <a:chOff x="0" y="0"/>
+          <a:chExt cx="0" cy="0"/>
+        </a:xfrm>
+      </p:grpSpPr>
+      <p:sp>
+        <p:nvSpPr>
+          <p:cNvPr id="3" name="2 Título"/>
+          <p:cNvSpPr>
+            <a:spLocks noGrp="1"/>
+          </p:cNvSpPr>
+          <p:nvPr>
+            <p:ph type="title" idx="4294967295"/>
+          </p:nvPr>
+        </p:nvSpPr>
+        <p:spPr/>
+        <p:txBody>
+          <a:bodyPr rtlCol="0">
+            <a:normAutofit fontScale="90000"/>
+          </a:bodyPr>
+          <a:lstStyle/>
+          <a:p>
+            <a:pPr eaLnBrk="1" fontAlgn="auto" hangingPunct="1">
+              <a:spcAft>
+                <a:spcPts val="0"/>
+              </a:spcAft>
+              <a:defRPr/>
+            </a:pPr>
+            <a:r>
+              <a:rPr lang="es-PE" dirty="0"/>
+              <a:t>ESPECIFICACION DE REGLAS DE </a:t>
+            </a:r>
+            <a:r>
+              <a:rPr lang="es-PE" dirty="0" smtClean="0"/>
+              <a:t>NEGOCIO (Contratos de Clientes)</a:t>
+            </a:r>
+            <a:endParaRPr lang="es-PE" dirty="0"/>
+          </a:p>
+        </p:txBody>
+      </p:sp>
+      <p:graphicFrame>
+        <p:nvGraphicFramePr>
+          <p:cNvPr id="27676" name="Group 28"/>
+          <p:cNvGraphicFramePr>
+            <a:graphicFrameLocks noGrp="1"/>
+          </p:cNvGraphicFramePr>
+          <p:nvPr/>
+        </p:nvGraphicFramePr>
+        <p:xfrm>
+          <a:off x="250825" y="1916113"/>
+          <a:ext cx="8496300" cy="4770437"/>
+        </p:xfrm>
+        <a:graphic>
+          <a:graphicData uri="http://schemas.openxmlformats.org/drawingml/2006/table">
+            <a:tbl>
+              <a:tblPr/>
+              <a:tblGrid>
+                <a:gridCol w="2447925"/>
+                <a:gridCol w="6048375"/>
+              </a:tblGrid>
+              <a:tr h="1368425">
+                <a:tc>
+                  <a:txBody>
+                    <a:bodyPr/>
+                    <a:lstStyle/>
+                    <a:p>
+                      <a:pPr marL="0" marR="0" lvl="0" indent="0" algn="l" defTabSz="914400" rtl="0" eaLnBrk="1" fontAlgn="base" latinLnBrk="0" hangingPunct="1">
+                        <a:lnSpc>
+                          <a:spcPct val="100000"/>
+                        </a:lnSpc>
+                        <a:spcBef>
+                          <a:spcPct val="0"/>
+                        </a:spcBef>
+                        <a:spcAft>
+                          <a:spcPct val="0"/>
+                        </a:spcAft>
+                        <a:buClrTx/>
+                        <a:buSzTx/>
+                        <a:buFontTx/>
+                        <a:buNone/>
+                        <a:tabLst/>
+                      </a:pPr>
+                      <a:endParaRPr kumimoji="0" lang="es-ES" sz="1800" b="1" i="0" u="none" strike="noStrike" cap="none" normalizeH="0" baseline="0" smtClean="0">
+                        <a:ln>
+                          <a:noFill/>
+                        </a:ln>
+                        <a:solidFill>
+                          <a:schemeClr val="tx1"/>
+                        </a:solidFill>
+                        <a:effectLst/>
+                        <a:latin typeface="Candara" pitchFamily="34" charset="0"/>
+                      </a:endParaRPr>
+                    </a:p>
+                  </a:txBody>
+                  <a:tcPr horzOverflow="overflow">
+                    <a:lnL w="12700" cap="flat" cmpd="sng" algn="ctr">
+                      <a:solidFill>
+                        <a:schemeClr val="accent1"/>
+                      </a:solidFill>
+                      <a:prstDash val="solid"/>
+                      <a:round/>
+                      <a:headEnd type="none" w="med" len="med"/>
+                      <a:tailEnd type="none" w="med" len="med"/>
+                    </a:lnL>
+                    <a:lnR w="12700" cap="flat" cmpd="sng" algn="ctr">
+                      <a:solidFill>
+                        <a:schemeClr val="accent1"/>
+                      </a:solidFill>
+                      <a:prstDash val="solid"/>
+                      <a:round/>
+                      <a:headEnd type="none" w="med" len="med"/>
+                      <a:tailEnd type="none" w="med" len="med"/>
+                    </a:lnR>
+                    <a:lnT w="12700" cap="flat" cmpd="sng" algn="ctr">
+                      <a:solidFill>
+                        <a:schemeClr val="accent1"/>
+                      </a:solidFill>
+                      <a:prstDash val="solid"/>
+                      <a:round/>
+                      <a:headEnd type="none" w="med" len="med"/>
+                      <a:tailEnd type="none" w="med" len="med"/>
+                    </a:lnT>
+                    <a:lnB w="25400" cap="flat" cmpd="sng" algn="ctr">
+                      <a:solidFill>
+                        <a:schemeClr val="accent1"/>
+                      </a:solidFill>
+                      <a:prstDash val="solid"/>
+                      <a:round/>
+                      <a:headEnd type="none" w="med" len="med"/>
+                      <a:tailEnd type="none" w="med" len="med"/>
+                    </a:lnB>
+                    <a:lnTlToBr>
+                      <a:noFill/>
+                    </a:lnTlToBr>
+                    <a:lnBlToTr>
+                      <a:noFill/>
+                    </a:lnBlToTr>
+                    <a:noFill/>
+                  </a:tcPr>
+                </a:tc>
+                <a:tc>
+                  <a:txBody>
+                    <a:bodyPr/>
+                    <a:lstStyle/>
+                    <a:p>
+                      <a:pPr marL="0" marR="0" lvl="0" indent="0" algn="l" defTabSz="914400" rtl="0" eaLnBrk="0" fontAlgn="base" latinLnBrk="0" hangingPunct="0">
+                        <a:lnSpc>
+                          <a:spcPct val="100000"/>
+                        </a:lnSpc>
+                        <a:spcBef>
+                          <a:spcPct val="20000"/>
+                        </a:spcBef>
+                        <a:spcAft>
+                          <a:spcPct val="0"/>
+                        </a:spcAft>
+                        <a:buClr>
+                          <a:schemeClr val="accent1"/>
+                        </a:buClr>
+                        <a:buSzPct val="100000"/>
+                        <a:buFont typeface="Symbol" pitchFamily="18" charset="2"/>
+                        <a:buNone/>
+                        <a:tabLst/>
+                      </a:pPr>
+                      <a:r>
+                        <a:rPr kumimoji="0" lang="es-PE" sz="1800" b="0" i="1" u="none" strike="noStrike" cap="none" normalizeH="0" baseline="0" smtClean="0">
+                          <a:ln>
+                            <a:noFill/>
+                          </a:ln>
+                          <a:solidFill>
+                            <a:schemeClr val="tx2"/>
+                          </a:solidFill>
+                          <a:effectLst/>
+                          <a:latin typeface="Candara" pitchFamily="34" charset="0"/>
+                        </a:rPr>
+                        <a:t>Se definen los siguientes Tipos de Contrato:</a:t>
+                      </a:r>
+                    </a:p>
+                    <a:p>
+                      <a:pPr marL="0" marR="0" lvl="0" indent="0" algn="l" defTabSz="914400" rtl="0" eaLnBrk="0" fontAlgn="base" latinLnBrk="0" hangingPunct="0">
+                        <a:lnSpc>
+                          <a:spcPct val="100000"/>
+                        </a:lnSpc>
+                        <a:spcBef>
+                          <a:spcPct val="20000"/>
+                        </a:spcBef>
+                        <a:spcAft>
+                          <a:spcPct val="0"/>
+                        </a:spcAft>
+                        <a:buClr>
+                          <a:schemeClr val="accent1"/>
+                        </a:buClr>
+                        <a:buSzPct val="100000"/>
+                        <a:buFont typeface="Symbol" pitchFamily="18" charset="2"/>
+                        <a:buNone/>
+                        <a:tabLst/>
+                      </a:pPr>
+                      <a:r>
+                        <a:rPr kumimoji="0" lang="es-PE" sz="1800" b="0" i="1" u="none" strike="noStrike" cap="none" normalizeH="0" baseline="0" smtClean="0">
+                          <a:ln>
+                            <a:noFill/>
+                          </a:ln>
+                          <a:solidFill>
+                            <a:schemeClr val="tx2"/>
+                          </a:solidFill>
+                          <a:effectLst/>
+                          <a:latin typeface="Candara" pitchFamily="34" charset="0"/>
+                        </a:rPr>
+                        <a:t>Prestación de servicio sin suministro de repuestos.</a:t>
+                      </a:r>
+                    </a:p>
+                    <a:p>
+                      <a:pPr marL="0" marR="0" lvl="0" indent="0" algn="l" defTabSz="914400" rtl="0" eaLnBrk="0" fontAlgn="base" latinLnBrk="0" hangingPunct="0">
+                        <a:lnSpc>
+                          <a:spcPct val="100000"/>
+                        </a:lnSpc>
+                        <a:spcBef>
+                          <a:spcPct val="20000"/>
+                        </a:spcBef>
+                        <a:spcAft>
+                          <a:spcPct val="0"/>
+                        </a:spcAft>
+                        <a:buClr>
+                          <a:schemeClr val="accent1"/>
+                        </a:buClr>
+                        <a:buSzPct val="100000"/>
+                        <a:buFont typeface="Symbol" pitchFamily="18" charset="2"/>
+                        <a:buNone/>
+                        <a:tabLst/>
+                      </a:pPr>
+                      <a:r>
+                        <a:rPr kumimoji="0" lang="es-PE" sz="1800" b="0" i="1" u="none" strike="noStrike" cap="none" normalizeH="0" baseline="0" smtClean="0">
+                          <a:ln>
+                            <a:noFill/>
+                          </a:ln>
+                          <a:solidFill>
+                            <a:schemeClr val="tx2"/>
+                          </a:solidFill>
+                          <a:effectLst/>
+                          <a:latin typeface="Candara" pitchFamily="34" charset="0"/>
+                        </a:rPr>
+                        <a:t>Prestación de servicio con suministro de repuestos, Servicio prestado, Mantenimiento Integral, Mantenimiento preventivo, Mantenimiento correctivo y Outsourcing.</a:t>
+                      </a:r>
+                      <a:endParaRPr kumimoji="0" lang="es-ES" sz="1800" b="0" i="1" u="none" strike="noStrike" cap="none" normalizeH="0" baseline="0" smtClean="0">
+                        <a:ln>
+                          <a:noFill/>
+                        </a:ln>
+                        <a:solidFill>
+                          <a:schemeClr val="tx2"/>
+                        </a:solidFill>
+                        <a:effectLst/>
+                        <a:latin typeface="Candara" pitchFamily="34" charset="0"/>
+                      </a:endParaRPr>
+                    </a:p>
+                  </a:txBody>
+                  <a:tcPr horzOverflow="overflow">
+                    <a:lnL w="12700" cap="flat" cmpd="sng" algn="ctr">
+                      <a:solidFill>
+                        <a:schemeClr val="accent1"/>
+                      </a:solidFill>
+                      <a:prstDash val="solid"/>
+                      <a:round/>
+                      <a:headEnd type="none" w="med" len="med"/>
+                      <a:tailEnd type="none" w="med" len="med"/>
+                    </a:lnL>
+                    <a:lnR w="12700" cap="flat" cmpd="sng" algn="ctr">
+                      <a:solidFill>
+                        <a:schemeClr val="accent1"/>
+                      </a:solidFill>
+                      <a:prstDash val="solid"/>
+                      <a:round/>
+                      <a:headEnd type="none" w="med" len="med"/>
+                      <a:tailEnd type="none" w="med" len="med"/>
+                    </a:lnR>
+                    <a:lnT w="12700" cap="flat" cmpd="sng" algn="ctr">
+                      <a:solidFill>
+                        <a:schemeClr val="accent1"/>
+                      </a:solidFill>
+                      <a:prstDash val="solid"/>
+                      <a:round/>
+                      <a:headEnd type="none" w="med" len="med"/>
+                      <a:tailEnd type="none" w="med" len="med"/>
+                    </a:lnT>
+                    <a:lnB w="25400" cap="flat" cmpd="sng" algn="ctr">
+                      <a:solidFill>
+                        <a:schemeClr val="accent1"/>
+                      </a:solidFill>
+                      <a:prstDash val="solid"/>
+                      <a:round/>
+                      <a:headEnd type="none" w="med" len="med"/>
+                      <a:tailEnd type="none" w="med" len="med"/>
+                    </a:lnB>
+                    <a:lnTlToBr>
+                      <a:noFill/>
+                    </a:lnTlToBr>
+                    <a:lnBlToTr>
+                      <a:noFill/>
+                    </a:lnBlToTr>
+                    <a:noFill/>
+                  </a:tcPr>
+                </a:tc>
+              </a:tr>
+              <a:tr h="1493838">
+                <a:tc>
+                  <a:txBody>
+                    <a:bodyPr/>
+                    <a:lstStyle/>
+                    <a:p>
+                      <a:pPr marL="0" marR="0" lvl="0" indent="0" algn="l" defTabSz="914400" rtl="0" eaLnBrk="1" fontAlgn="base" latinLnBrk="0" hangingPunct="1">
+                        <a:lnSpc>
+                          <a:spcPct val="100000"/>
+                        </a:lnSpc>
+                        <a:spcBef>
+                          <a:spcPct val="0"/>
+                        </a:spcBef>
+                        <a:spcAft>
+                          <a:spcPct val="0"/>
+                        </a:spcAft>
+                        <a:buClrTx/>
+                        <a:buSzTx/>
+                        <a:buFontTx/>
+                        <a:buNone/>
+                        <a:tabLst/>
+                      </a:pPr>
+                      <a:endParaRPr kumimoji="0" lang="es-ES" sz="1800" b="0" i="0" u="none" strike="noStrike" cap="none" normalizeH="0" baseline="0" smtClean="0">
+                        <a:ln>
+                          <a:noFill/>
+                        </a:ln>
+                        <a:solidFill>
+                          <a:schemeClr val="tx1"/>
+                        </a:solidFill>
+                        <a:effectLst/>
+                        <a:latin typeface="Candara" pitchFamily="34" charset="0"/>
+                      </a:endParaRPr>
+                    </a:p>
+                  </a:txBody>
+                  <a:tcPr horzOverflow="overflow">
+                    <a:lnL w="12700" cap="flat" cmpd="sng" algn="ctr">
+                      <a:solidFill>
+                        <a:schemeClr val="accent1"/>
+                      </a:solidFill>
+                      <a:prstDash val="solid"/>
+                      <a:round/>
+                      <a:headEnd type="none" w="med" len="med"/>
+                      <a:tailEnd type="none" w="med" len="med"/>
+                    </a:lnL>
+                    <a:lnR w="12700" cap="flat" cmpd="sng" algn="ctr">
+                      <a:solidFill>
+                        <a:schemeClr val="accent1"/>
+                      </a:solidFill>
+                      <a:prstDash val="solid"/>
+                      <a:round/>
+                      <a:headEnd type="none" w="med" len="med"/>
+                      <a:tailEnd type="none" w="med" len="med"/>
+                    </a:lnR>
+                    <a:lnT w="25400" cap="flat" cmpd="sng" algn="ctr">
+                      <a:solidFill>
+                        <a:schemeClr val="accent1"/>
+                      </a:solidFill>
+                      <a:prstDash val="solid"/>
+                      <a:round/>
+                      <a:headEnd type="none" w="med" len="med"/>
+                      <a:tailEnd type="none" w="med" len="med"/>
+                    </a:lnT>
+                    <a:lnB w="12700" cap="flat" cmpd="sng" algn="ctr">
+                      <a:solidFill>
+                        <a:schemeClr val="accent1"/>
+                      </a:solidFill>
+                      <a:prstDash val="solid"/>
+                      <a:round/>
+                      <a:headEnd type="none" w="med" len="med"/>
+                      <a:tailEnd type="none" w="med" len="med"/>
+                    </a:lnB>
+                    <a:lnTlToBr>
+                      <a:noFill/>
+                    </a:lnTlToBr>
+                    <a:lnBlToTr>
+                      <a:noFill/>
+                    </a:lnBlToTr>
+                    <a:solidFill>
+                      <a:schemeClr val="accent1">
+                        <a:alpha val="20000"/>
+                      </a:schemeClr>
+                    </a:solidFill>
+                  </a:tcPr>
+                </a:tc>
+                <a:tc>
+                  <a:txBody>
+                    <a:bodyPr/>
+                    <a:lstStyle/>
+                    <a:p>
+                      <a:pPr marL="0" marR="0" lvl="0" indent="0" algn="l" defTabSz="914400" rtl="0" eaLnBrk="0" fontAlgn="base" latinLnBrk="0" hangingPunct="0">
+                        <a:lnSpc>
+                          <a:spcPct val="100000"/>
+                        </a:lnSpc>
+                        <a:spcBef>
+                          <a:spcPct val="20000"/>
+                        </a:spcBef>
+                        <a:spcAft>
+                          <a:spcPct val="0"/>
+                        </a:spcAft>
+                        <a:buClr>
+                          <a:schemeClr val="accent1"/>
+                        </a:buClr>
+                        <a:buSzPct val="100000"/>
+                        <a:buFont typeface="Symbol" pitchFamily="18" charset="2"/>
+                        <a:buNone/>
+                        <a:tabLst/>
+                      </a:pPr>
+                      <a:r>
+                        <a:rPr kumimoji="0" lang="es-PE" sz="1800" b="0" i="1" u="none" strike="noStrike" cap="none" normalizeH="0" baseline="0" smtClean="0">
+                          <a:ln>
+                            <a:noFill/>
+                          </a:ln>
+                          <a:solidFill>
+                            <a:schemeClr val="tx2"/>
+                          </a:solidFill>
+                          <a:effectLst/>
+                          <a:latin typeface="Candara" pitchFamily="34" charset="0"/>
+                        </a:rPr>
+                        <a:t>Las penalidades se determinarán según el tipo de contrato y son los siguientes: </a:t>
+                      </a:r>
+                    </a:p>
+                    <a:p>
+                      <a:pPr marL="0" marR="0" lvl="0" indent="0" algn="l" defTabSz="914400" rtl="0" eaLnBrk="0" fontAlgn="base" latinLnBrk="0" hangingPunct="0">
+                        <a:lnSpc>
+                          <a:spcPct val="100000"/>
+                        </a:lnSpc>
+                        <a:spcBef>
+                          <a:spcPct val="20000"/>
+                        </a:spcBef>
+                        <a:spcAft>
+                          <a:spcPct val="0"/>
+                        </a:spcAft>
+                        <a:buClr>
+                          <a:schemeClr val="accent1"/>
+                        </a:buClr>
+                        <a:buSzPct val="100000"/>
+                        <a:buFont typeface="Symbol" pitchFamily="18" charset="2"/>
+                        <a:buNone/>
+                        <a:tabLst/>
+                      </a:pPr>
+                      <a:r>
+                        <a:rPr kumimoji="0" lang="es-PE" sz="1800" b="0" i="1" u="none" strike="noStrike" cap="none" normalizeH="0" baseline="0" smtClean="0">
+                          <a:ln>
+                            <a:noFill/>
+                          </a:ln>
+                          <a:solidFill>
+                            <a:schemeClr val="tx2"/>
+                          </a:solidFill>
+                          <a:effectLst/>
+                          <a:latin typeface="Candara" pitchFamily="34" charset="0"/>
+                        </a:rPr>
+                        <a:t>Incumplimiento.</a:t>
+                      </a:r>
+                    </a:p>
+                    <a:p>
+                      <a:pPr marL="0" marR="0" lvl="0" indent="0" algn="l" defTabSz="914400" rtl="0" eaLnBrk="0" fontAlgn="base" latinLnBrk="0" hangingPunct="0">
+                        <a:lnSpc>
+                          <a:spcPct val="100000"/>
+                        </a:lnSpc>
+                        <a:spcBef>
+                          <a:spcPct val="20000"/>
+                        </a:spcBef>
+                        <a:spcAft>
+                          <a:spcPct val="0"/>
+                        </a:spcAft>
+                        <a:buClr>
+                          <a:schemeClr val="accent1"/>
+                        </a:buClr>
+                        <a:buSzPct val="100000"/>
+                        <a:buFont typeface="Symbol" pitchFamily="18" charset="2"/>
+                        <a:buNone/>
+                        <a:tabLst/>
+                      </a:pPr>
+                      <a:r>
+                        <a:rPr kumimoji="0" lang="es-PE" sz="1800" b="0" i="1" u="none" strike="noStrike" cap="none" normalizeH="0" baseline="0" smtClean="0">
+                          <a:ln>
+                            <a:noFill/>
+                          </a:ln>
+                          <a:solidFill>
+                            <a:schemeClr val="tx2"/>
+                          </a:solidFill>
+                          <a:effectLst/>
+                          <a:latin typeface="Candara" pitchFamily="34" charset="0"/>
+                        </a:rPr>
+                        <a:t>Deficiencia.</a:t>
+                      </a:r>
+                    </a:p>
+                    <a:p>
+                      <a:pPr marL="0" marR="0" lvl="0" indent="0" algn="l" defTabSz="914400" rtl="0" eaLnBrk="0" fontAlgn="base" latinLnBrk="0" hangingPunct="0">
+                        <a:lnSpc>
+                          <a:spcPct val="100000"/>
+                        </a:lnSpc>
+                        <a:spcBef>
+                          <a:spcPct val="20000"/>
+                        </a:spcBef>
+                        <a:spcAft>
+                          <a:spcPct val="0"/>
+                        </a:spcAft>
+                        <a:buClr>
+                          <a:schemeClr val="accent1"/>
+                        </a:buClr>
+                        <a:buSzPct val="100000"/>
+                        <a:buFont typeface="Symbol" pitchFamily="18" charset="2"/>
+                        <a:buNone/>
+                        <a:tabLst/>
+                      </a:pPr>
+                      <a:r>
+                        <a:rPr kumimoji="0" lang="es-PE" sz="1800" b="0" i="1" u="none" strike="noStrike" cap="none" normalizeH="0" baseline="0" smtClean="0">
+                          <a:ln>
+                            <a:noFill/>
+                          </a:ln>
+                          <a:solidFill>
+                            <a:schemeClr val="tx2"/>
+                          </a:solidFill>
+                          <a:effectLst/>
+                          <a:latin typeface="Candara" pitchFamily="34" charset="0"/>
+                        </a:rPr>
+                        <a:t>Confidencialidad.</a:t>
+                      </a:r>
+                      <a:endParaRPr kumimoji="0" lang="es-ES" sz="1800" b="0" i="1" u="none" strike="noStrike" cap="none" normalizeH="0" baseline="0" smtClean="0">
+                        <a:ln>
+                          <a:noFill/>
+                        </a:ln>
+                        <a:solidFill>
+                          <a:schemeClr val="tx2"/>
+                        </a:solidFill>
+                        <a:effectLst/>
+                        <a:latin typeface="Candara" pitchFamily="34" charset="0"/>
+                      </a:endParaRPr>
+                    </a:p>
+                  </a:txBody>
+                  <a:tcPr horzOverflow="overflow">
+                    <a:lnL w="12700" cap="flat" cmpd="sng" algn="ctr">
+                      <a:solidFill>
+                        <a:schemeClr val="accent1"/>
+                      </a:solidFill>
+                      <a:prstDash val="solid"/>
+                      <a:round/>
+                      <a:headEnd type="none" w="med" len="med"/>
+                      <a:tailEnd type="none" w="med" len="med"/>
+                    </a:lnL>
+                    <a:lnR w="12700" cap="flat" cmpd="sng" algn="ctr">
+                      <a:solidFill>
+                        <a:schemeClr val="accent1"/>
+                      </a:solidFill>
+                      <a:prstDash val="solid"/>
+                      <a:round/>
+                      <a:headEnd type="none" w="med" len="med"/>
+                      <a:tailEnd type="none" w="med" len="med"/>
+                    </a:lnR>
+                    <a:lnT w="25400" cap="flat" cmpd="sng" algn="ctr">
+                      <a:solidFill>
+                        <a:schemeClr val="accent1"/>
+                      </a:solidFill>
+                      <a:prstDash val="solid"/>
+                      <a:round/>
+                      <a:headEnd type="none" w="med" len="med"/>
+                      <a:tailEnd type="none" w="med" len="med"/>
+                    </a:lnT>
+                    <a:lnB w="12700" cap="flat" cmpd="sng" algn="ctr">
+                      <a:solidFill>
+                        <a:schemeClr val="accent1"/>
+                      </a:solidFill>
+                      <a:prstDash val="solid"/>
+                      <a:round/>
+                      <a:headEnd type="none" w="med" len="med"/>
+                      <a:tailEnd type="none" w="med" len="med"/>
+                    </a:lnB>
+                    <a:lnTlToBr>
+                      <a:noFill/>
+                    </a:lnTlToBr>
+                    <a:lnBlToTr>
+                      <a:noFill/>
+                    </a:lnBlToTr>
+                    <a:solidFill>
+                      <a:schemeClr val="accent1">
+                        <a:alpha val="20000"/>
+                      </a:schemeClr>
+                    </a:solidFill>
+                  </a:tcPr>
+                </a:tc>
+              </a:tr>
+              <a:tr h="1565275">
+                <a:tc>
+                  <a:txBody>
+                    <a:bodyPr/>
+                    <a:lstStyle/>
+                    <a:p>
+                      <a:pPr marL="0" marR="0" lvl="0" indent="0" algn="l" defTabSz="914400" rtl="0" eaLnBrk="1" fontAlgn="base" latinLnBrk="0" hangingPunct="1">
+                        <a:lnSpc>
+                          <a:spcPct val="100000"/>
+                        </a:lnSpc>
+                        <a:spcBef>
+                          <a:spcPct val="0"/>
+                        </a:spcBef>
+                        <a:spcAft>
+                          <a:spcPct val="0"/>
+                        </a:spcAft>
+                        <a:buClrTx/>
+                        <a:buSzTx/>
+                        <a:buFontTx/>
+                        <a:buNone/>
+                        <a:tabLst/>
+                      </a:pPr>
+                      <a:endParaRPr kumimoji="0" lang="es-ES" sz="1800" b="0" i="0" u="none" strike="noStrike" cap="none" normalizeH="0" baseline="0" smtClean="0">
                         <a:ln>
                           <a:noFill/>
                         </a:ln>
@@ -17410,11 +20157,202 @@
                     <a:noFill/>
                   </a:tcPr>
                 </a:tc>
+                <a:tc>
+                  <a:txBody>
+                    <a:bodyPr/>
+                    <a:lstStyle/>
+                    <a:p>
+                      <a:pPr marL="0" marR="0" lvl="0" indent="0" algn="l" defTabSz="914400" rtl="0" eaLnBrk="1" fontAlgn="base" latinLnBrk="0" hangingPunct="1">
+                        <a:lnSpc>
+                          <a:spcPct val="100000"/>
+                        </a:lnSpc>
+                        <a:spcBef>
+                          <a:spcPct val="0"/>
+                        </a:spcBef>
+                        <a:spcAft>
+                          <a:spcPct val="0"/>
+                        </a:spcAft>
+                        <a:buClrTx/>
+                        <a:buSzTx/>
+                        <a:buFontTx/>
+                        <a:buNone/>
+                        <a:tabLst/>
+                      </a:pPr>
+                      <a:r>
+                        <a:rPr kumimoji="0" lang="es-PE" sz="1800" b="0" i="1" u="none" strike="noStrike" cap="none" normalizeH="0" baseline="0" smtClean="0">
+                          <a:ln>
+                            <a:noFill/>
+                          </a:ln>
+                          <a:solidFill>
+                            <a:schemeClr val="tx2"/>
+                          </a:solidFill>
+                          <a:effectLst/>
+                          <a:latin typeface="Candara" pitchFamily="34" charset="0"/>
+                        </a:rPr>
+                        <a:t>El número de Adendas a generarse dependerán del Tipo de Contrato.</a:t>
+                      </a:r>
+                      <a:endParaRPr kumimoji="0" lang="es-ES" sz="1800" b="0" i="1" u="none" strike="noStrike" cap="none" normalizeH="0" baseline="0" smtClean="0">
+                        <a:ln>
+                          <a:noFill/>
+                        </a:ln>
+                        <a:solidFill>
+                          <a:schemeClr val="tx2"/>
+                        </a:solidFill>
+                        <a:effectLst/>
+                        <a:latin typeface="Candara" pitchFamily="34" charset="0"/>
+                      </a:endParaRPr>
+                    </a:p>
+                  </a:txBody>
+                  <a:tcPr horzOverflow="overflow">
+                    <a:lnL w="12700" cap="flat" cmpd="sng" algn="ctr">
+                      <a:solidFill>
+                        <a:schemeClr val="accent1"/>
+                      </a:solidFill>
+                      <a:prstDash val="solid"/>
+                      <a:round/>
+                      <a:headEnd type="none" w="med" len="med"/>
+                      <a:tailEnd type="none" w="med" len="med"/>
+                    </a:lnL>
+                    <a:lnR w="12700" cap="flat" cmpd="sng" algn="ctr">
+                      <a:solidFill>
+                        <a:schemeClr val="accent1"/>
+                      </a:solidFill>
+                      <a:prstDash val="solid"/>
+                      <a:round/>
+                      <a:headEnd type="none" w="med" len="med"/>
+                      <a:tailEnd type="none" w="med" len="med"/>
+                    </a:lnR>
+                    <a:lnT w="12700" cap="flat" cmpd="sng" algn="ctr">
+                      <a:solidFill>
+                        <a:schemeClr val="accent1"/>
+                      </a:solidFill>
+                      <a:prstDash val="solid"/>
+                      <a:round/>
+                      <a:headEnd type="none" w="med" len="med"/>
+                      <a:tailEnd type="none" w="med" len="med"/>
+                    </a:lnT>
+                    <a:lnB w="12700" cap="flat" cmpd="sng" algn="ctr">
+                      <a:solidFill>
+                        <a:schemeClr val="accent1"/>
+                      </a:solidFill>
+                      <a:prstDash val="solid"/>
+                      <a:round/>
+                      <a:headEnd type="none" w="med" len="med"/>
+                      <a:tailEnd type="none" w="med" len="med"/>
+                    </a:lnB>
+                    <a:lnTlToBr>
+                      <a:noFill/>
+                    </a:lnTlToBr>
+                    <a:lnBlToTr>
+                      <a:noFill/>
+                    </a:lnBlToTr>
+                    <a:noFill/>
+                  </a:tcPr>
+                </a:tc>
               </a:tr>
             </a:tbl>
           </a:graphicData>
         </a:graphic>
       </p:graphicFrame>
+      <p:pic>
+        <p:nvPicPr>
+          <p:cNvPr id="27665" name="Picture 17"/>
+          <p:cNvPicPr>
+            <a:picLocks noChangeAspect="1" noChangeArrowheads="1"/>
+          </p:cNvPicPr>
+          <p:nvPr/>
+        </p:nvPicPr>
+        <p:blipFill>
+          <a:blip r:embed="rId3"/>
+          <a:srcRect/>
+          <a:stretch>
+            <a:fillRect/>
+          </a:stretch>
+        </p:blipFill>
+        <p:spPr bwMode="auto">
+          <a:xfrm>
+            <a:off x="250825" y="2205038"/>
+            <a:ext cx="2919413" cy="1447800"/>
+          </a:xfrm>
+          <a:prstGeom prst="rect">
+            <a:avLst/>
+          </a:prstGeom>
+          <a:noFill/>
+          <a:ln w="9525">
+            <a:noFill/>
+            <a:miter lim="800000"/>
+            <a:headEnd/>
+            <a:tailEnd/>
+          </a:ln>
+          <a:effectLst/>
+        </p:spPr>
+      </p:pic>
+      <p:pic>
+        <p:nvPicPr>
+          <p:cNvPr id="27666" name="Picture 18"/>
+          <p:cNvPicPr>
+            <a:picLocks noChangeAspect="1" noChangeArrowheads="1"/>
+          </p:cNvPicPr>
+          <p:nvPr/>
+        </p:nvPicPr>
+        <p:blipFill>
+          <a:blip r:embed="rId4"/>
+          <a:srcRect/>
+          <a:stretch>
+            <a:fillRect/>
+          </a:stretch>
+        </p:blipFill>
+        <p:spPr bwMode="auto">
+          <a:xfrm>
+            <a:off x="250825" y="3500438"/>
+            <a:ext cx="2925763" cy="1447800"/>
+          </a:xfrm>
+          <a:prstGeom prst="rect">
+            <a:avLst/>
+          </a:prstGeom>
+          <a:noFill/>
+          <a:ln w="9525">
+            <a:noFill/>
+            <a:miter lim="800000"/>
+            <a:headEnd/>
+            <a:tailEnd/>
+          </a:ln>
+          <a:effectLst/>
+        </p:spPr>
+      </p:pic>
+      <p:pic>
+        <p:nvPicPr>
+          <p:cNvPr id="27667" name="Picture 19"/>
+          <p:cNvPicPr>
+            <a:picLocks noChangeAspect="1" noChangeArrowheads="1"/>
+          </p:cNvPicPr>
+          <p:nvPr/>
+        </p:nvPicPr>
+        <p:blipFill>
+          <a:blip r:embed="rId5"/>
+          <a:srcRect/>
+          <a:stretch>
+            <a:fillRect/>
+          </a:stretch>
+        </p:blipFill>
+        <p:spPr bwMode="auto">
+          <a:xfrm>
+            <a:off x="0" y="5013325"/>
+            <a:ext cx="3200400" cy="1447800"/>
+          </a:xfrm>
+          <a:prstGeom prst="rect">
+            <a:avLst/>
+          </a:prstGeom>
+          <a:noFill/>
+          <a:ln w="9525">
+            <a:noFill/>
+            <a:miter lim="800000"/>
+            <a:headEnd/>
+            <a:tailEnd/>
+          </a:ln>
+          <a:effectLst/>
+        </p:spPr>
+      </p:pic>
     </p:spTree>
   </p:cSld>
   <p:clrMapOvr>
@@ -17430,7 +20368,7 @@
 </p:sld>
 </file>
 
-<file path=ppt/slides/slide11.xml><?xml version="1.0" encoding="utf-8"?>
+<file path=ppt/slides/slide15.xml><?xml version="1.0" encoding="utf-8"?>
 <p:sld xmlns:a="http://schemas.openxmlformats.org/drawingml/2006/main" xmlns:r="http://schemas.openxmlformats.org/officeDocument/2006/relationships" xmlns:p="http://schemas.openxmlformats.org/presentationml/2006/main">
   <p:cSld>
     <p:spTree>
@@ -17603,12 +20541,25 @@
                         <a:buNone/>
                         <a:tabLst/>
                       </a:pPr>
-                      <a:endParaRPr kumimoji="0" lang="es-ES" sz="1800" b="1" i="0" u="none" strike="noStrike" cap="none" normalizeH="0" baseline="0" smtClean="0">
+                      <a:r>
+                        <a:rPr kumimoji="0" lang="es-PE" sz="1800" b="0" i="1" u="none" strike="noStrike" cap="none" normalizeH="0" baseline="0" smtClean="0">
+                          <a:ln>
+                            <a:noFill/>
+                          </a:ln>
+                          <a:solidFill>
+                            <a:schemeClr val="tx2"/>
+                          </a:solidFill>
+                          <a:effectLst/>
+                          <a:latin typeface="Candara" pitchFamily="34" charset="0"/>
+                        </a:rPr>
+                        <a:t>El contrato se origina a partir de un requerimiento, el cual será gestionado por el Gestor de Requerimientos.</a:t>
+                      </a:r>
+                      <a:endParaRPr kumimoji="0" lang="es-ES" sz="1800" b="0" i="1" u="none" strike="noStrike" cap="none" normalizeH="0" baseline="0" smtClean="0">
                         <a:ln>
                           <a:noFill/>
                         </a:ln>
                         <a:solidFill>
-                          <a:schemeClr val="tx1"/>
+                          <a:schemeClr val="tx2"/>
                         </a:solidFill>
                         <a:effectLst/>
                         <a:latin typeface="Candara" pitchFamily="34" charset="0"/>
@@ -17767,12 +20718,25 @@
                         <a:buNone/>
                         <a:tabLst/>
                       </a:pPr>
+                      <a:r>
+                        <a:rPr kumimoji="0" lang="es-PE" sz="1800" b="0" i="1" u="none" strike="noStrike" cap="none" normalizeH="0" baseline="0" smtClean="0">
+                          <a:ln>
+                            <a:noFill/>
+                          </a:ln>
+                          <a:solidFill>
+                            <a:schemeClr val="tx2"/>
+                          </a:solidFill>
+                          <a:effectLst/>
+                          <a:latin typeface="Candara" pitchFamily="34" charset="0"/>
+                        </a:rPr>
+                        <a:t>El cliente puede solicitar regenerar las cláusulas del contrato por un máximo de 5 iteraciones.</a:t>
+                      </a:r>
                       <a:endParaRPr kumimoji="0" lang="es-ES" sz="1800" b="0" i="1" u="none" strike="noStrike" cap="none" normalizeH="0" baseline="0" smtClean="0">
                         <a:ln>
                           <a:noFill/>
                         </a:ln>
                         <a:solidFill>
-                          <a:schemeClr val="tx1"/>
+                          <a:schemeClr val="tx2"/>
                         </a:solidFill>
                         <a:effectLst/>
                         <a:latin typeface="Candara" pitchFamily="34" charset="0"/>
@@ -17931,12 +20895,25 @@
                         <a:buNone/>
                         <a:tabLst/>
                       </a:pPr>
+                      <a:r>
+                        <a:rPr kumimoji="0" lang="es-PE" sz="1800" b="0" i="1" u="none" strike="noStrike" cap="none" normalizeH="0" baseline="0" smtClean="0">
+                          <a:ln>
+                            <a:noFill/>
+                          </a:ln>
+                          <a:solidFill>
+                            <a:schemeClr val="tx2"/>
+                          </a:solidFill>
+                          <a:effectLst/>
+                          <a:latin typeface="Candara" pitchFamily="34" charset="0"/>
+                        </a:rPr>
+                        <a:t>El cliente puede solicitar pruebas de concepto del producto por un máximo de 3 iteraciones.</a:t>
+                      </a:r>
                       <a:endParaRPr kumimoji="0" lang="es-ES" sz="1800" b="0" i="1" u="none" strike="noStrike" cap="none" normalizeH="0" baseline="0" smtClean="0">
                         <a:ln>
                           <a:noFill/>
                         </a:ln>
                         <a:solidFill>
-                          <a:schemeClr val="tx1"/>
+                          <a:schemeClr val="tx2"/>
                         </a:solidFill>
                         <a:effectLst/>
                         <a:latin typeface="Candara" pitchFamily="34" charset="0"/>
@@ -17994,6 +20971,105 @@
           </a:graphicData>
         </a:graphic>
       </p:graphicFrame>
+      <p:pic>
+        <p:nvPicPr>
+          <p:cNvPr id="29713" name="Picture 17"/>
+          <p:cNvPicPr>
+            <a:picLocks noChangeAspect="1" noChangeArrowheads="1"/>
+          </p:cNvPicPr>
+          <p:nvPr/>
+        </p:nvPicPr>
+        <p:blipFill>
+          <a:blip r:embed="rId3"/>
+          <a:srcRect/>
+          <a:stretch>
+            <a:fillRect/>
+          </a:stretch>
+        </p:blipFill>
+        <p:spPr bwMode="auto">
+          <a:xfrm>
+            <a:off x="34925" y="2276475"/>
+            <a:ext cx="2943225" cy="1447800"/>
+          </a:xfrm>
+          <a:prstGeom prst="rect">
+            <a:avLst/>
+          </a:prstGeom>
+          <a:noFill/>
+          <a:ln w="9525">
+            <a:noFill/>
+            <a:miter lim="800000"/>
+            <a:headEnd/>
+            <a:tailEnd/>
+          </a:ln>
+          <a:effectLst/>
+        </p:spPr>
+      </p:pic>
+      <p:pic>
+        <p:nvPicPr>
+          <p:cNvPr id="29714" name="Picture 18"/>
+          <p:cNvPicPr>
+            <a:picLocks noChangeAspect="1" noChangeArrowheads="1"/>
+          </p:cNvPicPr>
+          <p:nvPr/>
+        </p:nvPicPr>
+        <p:blipFill>
+          <a:blip r:embed="rId4"/>
+          <a:srcRect/>
+          <a:stretch>
+            <a:fillRect/>
+          </a:stretch>
+        </p:blipFill>
+        <p:spPr bwMode="auto">
+          <a:xfrm>
+            <a:off x="179388" y="3573463"/>
+            <a:ext cx="2913062" cy="1447800"/>
+          </a:xfrm>
+          <a:prstGeom prst="rect">
+            <a:avLst/>
+          </a:prstGeom>
+          <a:noFill/>
+          <a:ln w="9525">
+            <a:noFill/>
+            <a:miter lim="800000"/>
+            <a:headEnd/>
+            <a:tailEnd/>
+          </a:ln>
+          <a:effectLst/>
+        </p:spPr>
+      </p:pic>
+      <p:pic>
+        <p:nvPicPr>
+          <p:cNvPr id="29715" name="Picture 19"/>
+          <p:cNvPicPr>
+            <a:picLocks noChangeAspect="1" noChangeArrowheads="1"/>
+          </p:cNvPicPr>
+          <p:nvPr/>
+        </p:nvPicPr>
+        <p:blipFill>
+          <a:blip r:embed="rId5"/>
+          <a:srcRect/>
+          <a:stretch>
+            <a:fillRect/>
+          </a:stretch>
+        </p:blipFill>
+        <p:spPr bwMode="auto">
+          <a:xfrm>
+            <a:off x="250825" y="5084763"/>
+            <a:ext cx="2778125" cy="1447800"/>
+          </a:xfrm>
+          <a:prstGeom prst="rect">
+            <a:avLst/>
+          </a:prstGeom>
+          <a:noFill/>
+          <a:ln w="9525">
+            <a:noFill/>
+            <a:miter lim="800000"/>
+            <a:headEnd/>
+            <a:tailEnd/>
+          </a:ln>
+          <a:effectLst/>
+        </p:spPr>
+      </p:pic>
     </p:spTree>
   </p:cSld>
   <p:clrMapOvr>
@@ -18009,7 +21085,7 @@
 </p:sld>
 </file>
 
-<file path=ppt/slides/slide12.xml><?xml version="1.0" encoding="utf-8"?>
+<file path=ppt/slides/slide16.xml><?xml version="1.0" encoding="utf-8"?>
 <p:sld xmlns:a="http://schemas.openxmlformats.org/drawingml/2006/main" xmlns:r="http://schemas.openxmlformats.org/officeDocument/2006/relationships" xmlns:p="http://schemas.openxmlformats.org/presentationml/2006/main">
   <p:cSld>
     <p:spTree>
@@ -18028,7 +21104,7 @@
       </p:grpSpPr>
       <p:sp>
         <p:nvSpPr>
-          <p:cNvPr id="3" name="2 Título"/>
+          <p:cNvPr id="31745" name="2 Título"/>
           <p:cNvSpPr>
             <a:spLocks noGrp="1"/>
           </p:cNvSpPr>
@@ -18043,16 +21119,14 @@
           </a:xfrm>
         </p:spPr>
         <p:txBody>
-          <a:bodyPr>
-            <a:normAutofit/>
-          </a:bodyPr>
+          <a:bodyPr/>
           <a:lstStyle/>
           <a:p>
             <a:pPr eaLnBrk="1" hangingPunct="1"/>
             <a:r>
               <a:rPr lang="es-PE" sz="4000" b="1" smtClean="0">
                 <a:solidFill>
-                  <a:schemeClr val="tx1"/>
+                  <a:schemeClr val="tx2"/>
                 </a:solidFill>
               </a:rPr>
               <a:t>DIAGRAMA DE CASOS DE USO DE NEGOCIO</a:t>
@@ -18068,7 +21142,65 @@
 </p:sld>
 </file>
 
-<file path=ppt/slides/slide13.xml><?xml version="1.0" encoding="utf-8"?>
+<file path=ppt/slides/slide17.xml><?xml version="1.0" encoding="utf-8"?>
+<p:sld xmlns:a="http://schemas.openxmlformats.org/drawingml/2006/main" xmlns:r="http://schemas.openxmlformats.org/officeDocument/2006/relationships" xmlns:p="http://schemas.openxmlformats.org/presentationml/2006/main">
+  <p:cSld>
+    <p:spTree>
+      <p:nvGrpSpPr>
+        <p:cNvPr id="1" name=""/>
+        <p:cNvGrpSpPr/>
+        <p:nvPr/>
+      </p:nvGrpSpPr>
+      <p:grpSpPr>
+        <a:xfrm>
+          <a:off x="0" y="0"/>
+          <a:ext cx="0" cy="0"/>
+          <a:chOff x="0" y="0"/>
+          <a:chExt cx="0" cy="0"/>
+        </a:xfrm>
+      </p:grpSpPr>
+      <p:pic>
+        <p:nvPicPr>
+          <p:cNvPr id="56324" name="Picture 4"/>
+          <p:cNvPicPr>
+            <a:picLocks noChangeAspect="1" noChangeArrowheads="1"/>
+          </p:cNvPicPr>
+          <p:nvPr/>
+        </p:nvPicPr>
+        <p:blipFill>
+          <a:blip r:embed="rId2"/>
+          <a:srcRect/>
+          <a:stretch>
+            <a:fillRect/>
+          </a:stretch>
+        </p:blipFill>
+        <p:spPr bwMode="auto">
+          <a:xfrm>
+            <a:off x="1470025" y="944563"/>
+            <a:ext cx="6202363" cy="4975225"/>
+          </a:xfrm>
+          <a:prstGeom prst="rect">
+            <a:avLst/>
+          </a:prstGeom>
+          <a:noFill/>
+          <a:ln w="9525">
+            <a:noFill/>
+            <a:miter lim="800000"/>
+            <a:headEnd/>
+            <a:tailEnd/>
+          </a:ln>
+          <a:effectLst/>
+        </p:spPr>
+      </p:pic>
+    </p:spTree>
+  </p:cSld>
+  <p:clrMapOvr>
+    <a:masterClrMapping/>
+  </p:clrMapOvr>
+</p:sld>
+</file>
+
+<file path=ppt/slides/slide18.xml><?xml version="1.0" encoding="utf-8"?>
 <p:sld xmlns:a="http://schemas.openxmlformats.org/drawingml/2006/main" xmlns:r="http://schemas.openxmlformats.org/officeDocument/2006/relationships" xmlns:p="http://schemas.openxmlformats.org/presentationml/2006/main">
   <p:cSld>
     <p:spTree>
@@ -18087,64 +21219,7 @@
       </p:grpSpPr>
       <p:sp>
         <p:nvSpPr>
-          <p:cNvPr id="21505" name="2 Título"/>
-          <p:cNvSpPr>
-            <a:spLocks noGrp="1"/>
-          </p:cNvSpPr>
-          <p:nvPr>
-            <p:ph type="title"/>
-          </p:nvPr>
-        </p:nvSpPr>
-        <p:spPr>
-          <a:xfrm>
-            <a:off x="611188" y="2852738"/>
-            <a:ext cx="8229600" cy="1252537"/>
-          </a:xfrm>
-        </p:spPr>
-        <p:txBody>
-          <a:bodyPr/>
-          <a:lstStyle/>
-          <a:p>
-            <a:pPr eaLnBrk="1" hangingPunct="1"/>
-            <a:r>
-              <a:rPr lang="es-PE" b="1" smtClean="0">
-                <a:solidFill>
-                  <a:schemeClr val="tx1"/>
-                </a:solidFill>
-              </a:rPr>
-              <a:t>ENTIDADES DEL NEGOCIO</a:t>
-            </a:r>
-          </a:p>
-        </p:txBody>
-      </p:sp>
-    </p:spTree>
-  </p:cSld>
-  <p:clrMapOvr>
-    <a:masterClrMapping/>
-  </p:clrMapOvr>
-</p:sld>
-</file>
-
-<file path=ppt/slides/slide14.xml><?xml version="1.0" encoding="utf-8"?>
-<p:sld xmlns:a="http://schemas.openxmlformats.org/drawingml/2006/main" xmlns:r="http://schemas.openxmlformats.org/officeDocument/2006/relationships" xmlns:p="http://schemas.openxmlformats.org/presentationml/2006/main">
-  <p:cSld>
-    <p:spTree>
-      <p:nvGrpSpPr>
-        <p:cNvPr id="1" name=""/>
-        <p:cNvGrpSpPr/>
-        <p:nvPr/>
-      </p:nvGrpSpPr>
-      <p:grpSpPr>
-        <a:xfrm>
-          <a:off x="0" y="0"/>
-          <a:ext cx="0" cy="0"/>
-          <a:chOff x="0" y="0"/>
-          <a:chExt cx="0" cy="0"/>
-        </a:xfrm>
-      </p:grpSpPr>
-      <p:sp>
-        <p:nvSpPr>
-          <p:cNvPr id="51202" name="2 Título"/>
+          <p:cNvPr id="33793" name="2 Título"/>
           <p:cNvSpPr>
             <a:spLocks noGrp="1"/>
           </p:cNvSpPr>
@@ -18182,7 +21257,7 @@
 </p:sld>
 </file>
 
-<file path=ppt/slides/slide15.xml><?xml version="1.0" encoding="utf-8"?>
+<file path=ppt/slides/slide19.xml><?xml version="1.0" encoding="utf-8"?>
 <p:sld xmlns:a="http://schemas.openxmlformats.org/drawingml/2006/main" xmlns:r="http://schemas.openxmlformats.org/officeDocument/2006/relationships" xmlns:p="http://schemas.openxmlformats.org/presentationml/2006/main">
   <p:cSld>
     <p:spTree>
@@ -18211,40 +21286,30 @@
         </p:nvSpPr>
         <p:spPr/>
         <p:txBody>
-          <a:bodyPr rtlCol="0">
-            <a:normAutofit fontScale="90000"/>
+          <a:bodyPr>
+            <a:normAutofit/>
           </a:bodyPr>
           <a:lstStyle/>
           <a:p>
-            <a:pPr eaLnBrk="1" fontAlgn="auto" hangingPunct="1">
-              <a:spcAft>
-                <a:spcPts val="0"/>
-              </a:spcAft>
-              <a:defRPr/>
-            </a:pPr>
+            <a:pPr eaLnBrk="1" hangingPunct="1"/>
             <a:r>
-              <a:rPr lang="es-PE" dirty="0"/>
-              <a:t>ESPECIFICACION DE </a:t>
+              <a:rPr lang="es-PE" sz="4000" smtClean="0"/>
+              <a:t>ESPECIFICACION DE TRABAJADORES DE NEGOCIO (Contratos de Clientes)</a:t>
             </a:r>
-            <a:r>
-              <a:rPr lang="es-PE" dirty="0" smtClean="0"/>
-              <a:t>TRABAJADORES DEL NEGOCIO</a:t>
-            </a:r>
-            <a:endParaRPr lang="es-PE" dirty="0"/>
           </a:p>
         </p:txBody>
       </p:sp>
       <p:graphicFrame>
         <p:nvGraphicFramePr>
-          <p:cNvPr id="19476" name="Group 20"/>
+          <p:cNvPr id="59413" name="Group 21"/>
           <p:cNvGraphicFramePr>
             <a:graphicFrameLocks noGrp="1"/>
           </p:cNvGraphicFramePr>
           <p:nvPr/>
         </p:nvGraphicFramePr>
         <p:xfrm>
-          <a:off x="323850" y="2276475"/>
-          <a:ext cx="8496300" cy="4276725"/>
+          <a:off x="323850" y="2349500"/>
+          <a:ext cx="8496300" cy="3816350"/>
         </p:xfrm>
         <a:graphic>
           <a:graphicData uri="http://schemas.openxmlformats.org/drawingml/2006/table">
@@ -18254,7 +21319,7 @@
                 <a:gridCol w="2447925"/>
                 <a:gridCol w="6048375"/>
               </a:tblGrid>
-              <a:tr h="1295400">
+              <a:tr h="1662113">
                 <a:tc>
                   <a:txBody>
                     <a:bodyPr/>
@@ -18355,12 +21420,25 @@
                         <a:buNone/>
                         <a:tabLst/>
                       </a:pPr>
-                      <a:endParaRPr kumimoji="0" lang="es-ES" sz="1800" b="0" i="0" u="none" strike="noStrike" cap="none" normalizeH="0" baseline="0" smtClean="0">
+                      <a:r>
+                        <a:rPr kumimoji="0" lang="es-PE" sz="2000" b="0" i="1" u="none" strike="noStrike" cap="none" normalizeH="0" baseline="0" smtClean="0">
+                          <a:ln>
+                            <a:noFill/>
+                          </a:ln>
+                          <a:solidFill>
+                            <a:schemeClr val="tx2"/>
+                          </a:solidFill>
+                          <a:effectLst/>
+                          <a:latin typeface="Candara" pitchFamily="34" charset="0"/>
+                        </a:rPr>
+                        <a:t>Responsable de realizar las actividades comerciales de la Organización. Como: Elaboración de Propuesta (s) económica(s), y participa en la elaboración de Hojas de Requerimientos Cotización(es) así como dar mantenimiento a la información de los Clientes.</a:t>
+                      </a:r>
+                      <a:endParaRPr kumimoji="0" lang="es-ES" sz="2000" b="0" i="1" u="none" strike="noStrike" cap="none" normalizeH="0" baseline="0" smtClean="0">
                         <a:ln>
                           <a:noFill/>
                         </a:ln>
                         <a:solidFill>
-                          <a:schemeClr val="tx1"/>
+                          <a:schemeClr val="tx2"/>
                         </a:solidFill>
                         <a:effectLst/>
                         <a:latin typeface="Candara" pitchFamily="34" charset="0"/>
@@ -18414,7 +21492,7 @@
                   </a:tcPr>
                 </a:tc>
               </a:tr>
-              <a:tr h="1439863">
+              <a:tr h="2154238">
                 <a:tc>
                   <a:txBody>
                     <a:bodyPr/>
@@ -18519,12 +21597,25 @@
                         <a:buNone/>
                         <a:tabLst/>
                       </a:pPr>
-                      <a:endParaRPr kumimoji="0" lang="es-ES" sz="1800" b="0" i="1" u="none" strike="noStrike" cap="none" normalizeH="0" baseline="0" smtClean="0">
+                      <a:r>
+                        <a:rPr kumimoji="0" lang="es-PE" sz="2000" b="0" i="0" u="none" strike="noStrike" cap="none" normalizeH="0" baseline="0" smtClean="0">
+                          <a:ln>
+                            <a:noFill/>
+                          </a:ln>
+                          <a:solidFill>
+                            <a:schemeClr val="tx2"/>
+                          </a:solidFill>
+                          <a:effectLst/>
+                          <a:latin typeface="Candara" pitchFamily="34" charset="0"/>
+                        </a:rPr>
+                        <a:t>Responsable de Generar las establecerlas cláusulas del Contrato, los roles y responsabilidades, analizar los Riesgos Contractuales, generar el contrato y la revisión del cumplimientos de los acuerdos establecidos.</a:t>
+                      </a:r>
+                      <a:endParaRPr kumimoji="0" lang="es-ES" sz="2000" b="0" i="0" u="none" strike="noStrike" cap="none" normalizeH="0" baseline="0" smtClean="0">
                         <a:ln>
                           <a:noFill/>
                         </a:ln>
                         <a:solidFill>
-                          <a:schemeClr val="tx1"/>
+                          <a:schemeClr val="tx2"/>
                         </a:solidFill>
                         <a:effectLst/>
                         <a:latin typeface="Candara" pitchFamily="34" charset="0"/>
@@ -18582,170 +21673,76 @@
                   </a:tcPr>
                 </a:tc>
               </a:tr>
-              <a:tr h="1541463">
-                <a:tc>
-                  <a:txBody>
-                    <a:bodyPr/>
-                    <a:lstStyle/>
-                    <a:p>
-                      <a:pPr marL="0" marR="0" lvl="0" indent="0" algn="l" defTabSz="914400" rtl="0" eaLnBrk="1" fontAlgn="base" latinLnBrk="0" hangingPunct="1">
-                        <a:lnSpc>
-                          <a:spcPct val="100000"/>
-                        </a:lnSpc>
-                        <a:spcBef>
-                          <a:spcPct val="0"/>
-                        </a:spcBef>
-                        <a:spcAft>
-                          <a:spcPct val="0"/>
-                        </a:spcAft>
-                        <a:buClrTx/>
-                        <a:buSzTx/>
-                        <a:buFontTx/>
-                        <a:buNone/>
-                        <a:tabLst/>
-                      </a:pPr>
-                      <a:endParaRPr kumimoji="0" lang="es-ES" sz="1800" b="0" i="0" u="none" strike="noStrike" cap="none" normalizeH="0" baseline="0" smtClean="0">
-                        <a:ln>
-                          <a:noFill/>
-                        </a:ln>
-                        <a:solidFill>
-                          <a:schemeClr val="tx1"/>
-                        </a:solidFill>
-                        <a:effectLst/>
-                        <a:latin typeface="Candara" pitchFamily="34" charset="0"/>
-                      </a:endParaRPr>
-                    </a:p>
-                  </a:txBody>
-                  <a:tcPr horzOverflow="overflow">
-                    <a:lnL w="12700" cap="flat" cmpd="sng" algn="ctr">
-                      <a:solidFill>
-                        <a:schemeClr val="accent1"/>
-                      </a:solidFill>
-                      <a:prstDash val="solid"/>
-                      <a:round/>
-                      <a:headEnd type="none" w="med" len="med"/>
-                      <a:tailEnd type="none" w="med" len="med"/>
-                    </a:lnL>
-                    <a:lnR w="12700" cap="flat" cmpd="sng" algn="ctr">
-                      <a:solidFill>
-                        <a:schemeClr val="accent1"/>
-                      </a:solidFill>
-                      <a:prstDash val="solid"/>
-                      <a:round/>
-                      <a:headEnd type="none" w="med" len="med"/>
-                      <a:tailEnd type="none" w="med" len="med"/>
-                    </a:lnR>
-                    <a:lnT w="12700" cap="flat" cmpd="sng" algn="ctr">
-                      <a:solidFill>
-                        <a:schemeClr val="accent1"/>
-                      </a:solidFill>
-                      <a:prstDash val="solid"/>
-                      <a:round/>
-                      <a:headEnd type="none" w="med" len="med"/>
-                      <a:tailEnd type="none" w="med" len="med"/>
-                    </a:lnT>
-                    <a:lnB w="12700" cap="flat" cmpd="sng" algn="ctr">
-                      <a:solidFill>
-                        <a:schemeClr val="accent1"/>
-                      </a:solidFill>
-                      <a:prstDash val="solid"/>
-                      <a:round/>
-                      <a:headEnd type="none" w="med" len="med"/>
-                      <a:tailEnd type="none" w="med" len="med"/>
-                    </a:lnB>
-                    <a:lnTlToBr>
-                      <a:noFill/>
-                    </a:lnTlToBr>
-                    <a:lnBlToTr>
-                      <a:noFill/>
-                    </a:lnBlToTr>
-                    <a:noFill/>
-                  </a:tcPr>
-                </a:tc>
-                <a:tc>
-                  <a:txBody>
-                    <a:bodyPr/>
-                    <a:lstStyle/>
-                    <a:p>
-                      <a:pPr marL="0" marR="0" lvl="0" indent="0" algn="l" defTabSz="914400" rtl="0" eaLnBrk="1" fontAlgn="base" latinLnBrk="0" hangingPunct="1">
-                        <a:lnSpc>
-                          <a:spcPct val="100000"/>
-                        </a:lnSpc>
-                        <a:spcBef>
-                          <a:spcPct val="0"/>
-                        </a:spcBef>
-                        <a:spcAft>
-                          <a:spcPct val="0"/>
-                        </a:spcAft>
-                        <a:buClrTx/>
-                        <a:buSzTx/>
-                        <a:buFontTx/>
-                        <a:buNone/>
-                        <a:tabLst/>
-                      </a:pPr>
-                      <a:endParaRPr kumimoji="0" lang="es-ES" sz="1800" b="0" i="0" u="none" strike="noStrike" cap="none" normalizeH="0" baseline="0" smtClean="0">
-                        <a:ln>
-                          <a:noFill/>
-                        </a:ln>
-                        <a:solidFill>
-                          <a:schemeClr val="tx1"/>
-                        </a:solidFill>
-                        <a:effectLst/>
-                        <a:latin typeface="Candara" pitchFamily="34" charset="0"/>
-                      </a:endParaRPr>
-                    </a:p>
-                  </a:txBody>
-                  <a:tcPr horzOverflow="overflow">
-                    <a:lnL w="12700" cap="flat" cmpd="sng" algn="ctr">
-                      <a:solidFill>
-                        <a:schemeClr val="accent1"/>
-                      </a:solidFill>
-                      <a:prstDash val="solid"/>
-                      <a:round/>
-                      <a:headEnd type="none" w="med" len="med"/>
-                      <a:tailEnd type="none" w="med" len="med"/>
-                    </a:lnL>
-                    <a:lnR w="12700" cap="flat" cmpd="sng" algn="ctr">
-                      <a:solidFill>
-                        <a:schemeClr val="accent1"/>
-                      </a:solidFill>
-                      <a:prstDash val="solid"/>
-                      <a:round/>
-                      <a:headEnd type="none" w="med" len="med"/>
-                      <a:tailEnd type="none" w="med" len="med"/>
-                    </a:lnR>
-                    <a:lnT w="12700" cap="flat" cmpd="sng" algn="ctr">
-                      <a:solidFill>
-                        <a:schemeClr val="accent1"/>
-                      </a:solidFill>
-                      <a:prstDash val="solid"/>
-                      <a:round/>
-                      <a:headEnd type="none" w="med" len="med"/>
-                      <a:tailEnd type="none" w="med" len="med"/>
-                    </a:lnT>
-                    <a:lnB w="12700" cap="flat" cmpd="sng" algn="ctr">
-                      <a:solidFill>
-                        <a:schemeClr val="accent1"/>
-                      </a:solidFill>
-                      <a:prstDash val="solid"/>
-                      <a:round/>
-                      <a:headEnd type="none" w="med" len="med"/>
-                      <a:tailEnd type="none" w="med" len="med"/>
-                    </a:lnB>
-                    <a:lnTlToBr>
-                      <a:noFill/>
-                    </a:lnTlToBr>
-                    <a:lnBlToTr>
-                      <a:noFill/>
-                    </a:lnBlToTr>
-                    <a:noFill/>
-                  </a:tcPr>
-                </a:tc>
-              </a:tr>
             </a:tbl>
           </a:graphicData>
         </a:graphic>
       </p:graphicFrame>
+      <p:pic>
+        <p:nvPicPr>
+          <p:cNvPr id="59412" name="Picture 20"/>
+          <p:cNvPicPr>
+            <a:picLocks noChangeAspect="1" noChangeArrowheads="1"/>
+          </p:cNvPicPr>
+          <p:nvPr/>
+        </p:nvPicPr>
+        <p:blipFill>
+          <a:blip r:embed="rId3"/>
+          <a:srcRect/>
+          <a:stretch>
+            <a:fillRect/>
+          </a:stretch>
+        </p:blipFill>
+        <p:spPr bwMode="auto">
+          <a:xfrm>
+            <a:off x="0" y="2276475"/>
+            <a:ext cx="3325813" cy="2008188"/>
+          </a:xfrm>
+          <a:prstGeom prst="rect">
+            <a:avLst/>
+          </a:prstGeom>
+          <a:noFill/>
+          <a:ln w="9525">
+            <a:noFill/>
+            <a:miter lim="800000"/>
+            <a:headEnd/>
+            <a:tailEnd/>
+          </a:ln>
+          <a:effectLst/>
+        </p:spPr>
+      </p:pic>
+      <p:pic>
+        <p:nvPicPr>
+          <p:cNvPr id="59414" name="Picture 22"/>
+          <p:cNvPicPr>
+            <a:picLocks noChangeAspect="1" noChangeArrowheads="1"/>
+          </p:cNvPicPr>
+          <p:nvPr/>
+        </p:nvPicPr>
+        <p:blipFill>
+          <a:blip r:embed="rId4"/>
+          <a:srcRect/>
+          <a:stretch>
+            <a:fillRect/>
+          </a:stretch>
+        </p:blipFill>
+        <p:spPr bwMode="auto">
+          <a:xfrm>
+            <a:off x="0" y="4149725"/>
+            <a:ext cx="3340100" cy="2008188"/>
+          </a:xfrm>
+          <a:prstGeom prst="rect">
+            <a:avLst/>
+          </a:prstGeom>
+          <a:noFill/>
+          <a:ln w="9525">
+            <a:noFill/>
+            <a:miter lim="800000"/>
+            <a:headEnd/>
+            <a:tailEnd/>
+          </a:ln>
+          <a:effectLst/>
+        </p:spPr>
+      </p:pic>
     </p:spTree>
   </p:cSld>
   <p:clrMapOvr>
@@ -18761,7 +21758,64 @@
 </p:sld>
 </file>
 
-<file path=ppt/slides/slide16.xml><?xml version="1.0" encoding="utf-8"?>
+<file path=ppt/slides/slide2.xml><?xml version="1.0" encoding="utf-8"?>
+<p:sld xmlns:a="http://schemas.openxmlformats.org/drawingml/2006/main" xmlns:r="http://schemas.openxmlformats.org/officeDocument/2006/relationships" xmlns:p="http://schemas.openxmlformats.org/presentationml/2006/main">
+  <p:cSld>
+    <p:spTree>
+      <p:nvGrpSpPr>
+        <p:cNvPr id="1" name=""/>
+        <p:cNvGrpSpPr/>
+        <p:nvPr/>
+      </p:nvGrpSpPr>
+      <p:grpSpPr>
+        <a:xfrm>
+          <a:off x="0" y="0"/>
+          <a:ext cx="0" cy="0"/>
+          <a:chOff x="0" y="0"/>
+          <a:chExt cx="0" cy="0"/>
+        </a:xfrm>
+      </p:grpSpPr>
+      <p:sp>
+        <p:nvSpPr>
+          <p:cNvPr id="17409" name="2 Título"/>
+          <p:cNvSpPr>
+            <a:spLocks noGrp="1"/>
+          </p:cNvSpPr>
+          <p:nvPr>
+            <p:ph type="title" idx="4294967295"/>
+          </p:nvPr>
+        </p:nvSpPr>
+        <p:spPr>
+          <a:xfrm>
+            <a:off x="611188" y="2852738"/>
+            <a:ext cx="8229600" cy="1252537"/>
+          </a:xfrm>
+        </p:spPr>
+        <p:txBody>
+          <a:bodyPr/>
+          <a:lstStyle/>
+          <a:p>
+            <a:pPr eaLnBrk="1" hangingPunct="1"/>
+            <a:r>
+              <a:rPr lang="es-PE" b="1" smtClean="0">
+                <a:solidFill>
+                  <a:schemeClr val="tx2"/>
+                </a:solidFill>
+              </a:rPr>
+              <a:t>INTRODUCCION</a:t>
+            </a:r>
+          </a:p>
+        </p:txBody>
+      </p:sp>
+    </p:spTree>
+  </p:cSld>
+  <p:clrMapOvr>
+    <a:masterClrMapping/>
+  </p:clrMapOvr>
+</p:sld>
+</file>
+
+<file path=ppt/slides/slide20.xml><?xml version="1.0" encoding="utf-8"?>
 <p:sld xmlns:a="http://schemas.openxmlformats.org/drawingml/2006/main" xmlns:r="http://schemas.openxmlformats.org/officeDocument/2006/relationships" xmlns:p="http://schemas.openxmlformats.org/presentationml/2006/main">
   <p:cSld>
     <p:spTree>
@@ -18790,40 +21844,30 @@
         </p:nvSpPr>
         <p:spPr/>
         <p:txBody>
-          <a:bodyPr rtlCol="0">
-            <a:normAutofit fontScale="90000"/>
+          <a:bodyPr>
+            <a:normAutofit/>
           </a:bodyPr>
           <a:lstStyle/>
           <a:p>
-            <a:pPr eaLnBrk="1" fontAlgn="auto" hangingPunct="1">
-              <a:spcAft>
-                <a:spcPts val="0"/>
-              </a:spcAft>
-              <a:defRPr/>
-            </a:pPr>
+            <a:pPr eaLnBrk="1" hangingPunct="1"/>
             <a:r>
-              <a:rPr lang="es-PE" dirty="0"/>
-              <a:t>ESPECIFICACION DE </a:t>
+              <a:rPr lang="es-PE" sz="4000" smtClean="0"/>
+              <a:t>ESPECIFICACION DE TRABAJADORES DE NEGOCIO (Contratos de Clientes)</a:t>
             </a:r>
-            <a:r>
-              <a:rPr lang="es-PE" dirty="0" smtClean="0"/>
-              <a:t>TRABAJADORES DEL NEGOCIO</a:t>
-            </a:r>
-            <a:endParaRPr lang="es-PE" dirty="0"/>
           </a:p>
         </p:txBody>
       </p:sp>
       <p:graphicFrame>
         <p:nvGraphicFramePr>
-          <p:cNvPr id="19476" name="Group 20"/>
+          <p:cNvPr id="61468" name="Group 28"/>
           <p:cNvGraphicFramePr>
             <a:graphicFrameLocks noGrp="1"/>
           </p:cNvGraphicFramePr>
           <p:nvPr/>
         </p:nvGraphicFramePr>
         <p:xfrm>
-          <a:off x="323850" y="2276475"/>
-          <a:ext cx="8496300" cy="4276725"/>
+          <a:off x="323850" y="2349500"/>
+          <a:ext cx="8496300" cy="3687763"/>
         </p:xfrm>
         <a:graphic>
           <a:graphicData uri="http://schemas.openxmlformats.org/drawingml/2006/table">
@@ -18833,7 +21877,7 @@
                 <a:gridCol w="2447925"/>
                 <a:gridCol w="6048375"/>
               </a:tblGrid>
-              <a:tr h="1295400">
+              <a:tr h="1598613">
                 <a:tc>
                   <a:txBody>
                     <a:bodyPr/>
@@ -18934,12 +21978,56 @@
                         <a:buNone/>
                         <a:tabLst/>
                       </a:pPr>
-                      <a:endParaRPr kumimoji="0" lang="es-ES" sz="1800" b="0" i="0" u="none" strike="noStrike" cap="none" normalizeH="0" baseline="0" smtClean="0">
+                      <a:r>
+                        <a:rPr kumimoji="0" lang="es-PE" sz="2000" b="0" i="1" u="none" strike="noStrike" cap="none" normalizeH="0" baseline="0" smtClean="0">
+                          <a:ln>
+                            <a:noFill/>
+                          </a:ln>
+                          <a:solidFill>
+                            <a:schemeClr val="tx2"/>
+                          </a:solidFill>
+                          <a:effectLst/>
+                          <a:latin typeface="Candara" pitchFamily="34" charset="0"/>
+                        </a:rPr>
+                        <a:t>Responsable de revisar las cláusulas de los Contratos y Adendas y dar su conformidad sobre ellas, así como también la revisión y aprobación de las cotizaciones que se le presente cuando es un cliente privado.</a:t>
+                      </a:r>
+                      <a:r>
+                        <a:rPr kumimoji="0" lang="es-ES" sz="2000" b="0" i="0" u="none" strike="noStrike" cap="none" normalizeH="0" baseline="0" smtClean="0">
+                          <a:ln>
+                            <a:noFill/>
+                          </a:ln>
+                          <a:solidFill>
+                            <a:schemeClr val="tx2"/>
+                          </a:solidFill>
+                          <a:effectLst/>
+                          <a:latin typeface="Candara" pitchFamily="34" charset="0"/>
+                        </a:rPr>
+                        <a:t> </a:t>
+                      </a:r>
+                    </a:p>
+                    <a:p>
+                      <a:pPr marL="0" marR="0" lvl="0" indent="0" algn="l" defTabSz="914400" rtl="0" eaLnBrk="1" fontAlgn="base" latinLnBrk="0" hangingPunct="1">
+                        <a:lnSpc>
+                          <a:spcPct val="100000"/>
+                        </a:lnSpc>
+                        <a:spcBef>
+                          <a:spcPct val="0"/>
+                        </a:spcBef>
+                        <a:spcAft>
+                          <a:spcPct val="0"/>
+                        </a:spcAft>
+                        <a:buClrTx/>
+                        <a:buSzTx/>
+                        <a:buFontTx/>
+                        <a:buNone/>
+                        <a:tabLst/>
+                      </a:pPr>
+                      <a:endParaRPr kumimoji="0" lang="es-ES" sz="2000" b="0" i="1" u="none" strike="noStrike" cap="none" normalizeH="0" baseline="0" smtClean="0">
                         <a:ln>
                           <a:noFill/>
                         </a:ln>
                         <a:solidFill>
-                          <a:schemeClr val="tx1"/>
+                          <a:schemeClr val="tx2"/>
                         </a:solidFill>
                         <a:effectLst/>
                         <a:latin typeface="Candara" pitchFamily="34" charset="0"/>
@@ -18993,7 +22081,7 @@
                   </a:tcPr>
                 </a:tc>
               </a:tr>
-              <a:tr h="1439863">
+              <a:tr h="2073275">
                 <a:tc>
                   <a:txBody>
                     <a:bodyPr/>
@@ -19098,12 +22186,25 @@
                         <a:buNone/>
                         <a:tabLst/>
                       </a:pPr>
-                      <a:endParaRPr kumimoji="0" lang="es-ES" sz="1800" b="0" i="1" u="none" strike="noStrike" cap="none" normalizeH="0" baseline="0" smtClean="0">
+                      <a:r>
+                        <a:rPr kumimoji="0" lang="es-PE" sz="2000" b="0" i="1" u="none" strike="noStrike" cap="none" normalizeH="0" baseline="0" smtClean="0">
+                          <a:ln>
+                            <a:noFill/>
+                          </a:ln>
+                          <a:solidFill>
+                            <a:schemeClr val="tx2"/>
+                          </a:solidFill>
+                          <a:effectLst/>
+                          <a:latin typeface="Candara" pitchFamily="34" charset="0"/>
+                        </a:rPr>
+                        <a:t>Responsable de evaluar la Hoja de requerimientos y Solicitud de Adenda a fin de generar el Contrato y/o Adenda.</a:t>
+                      </a:r>
+                      <a:endParaRPr kumimoji="0" lang="es-ES" sz="2000" b="0" i="1" u="none" strike="noStrike" cap="none" normalizeH="0" baseline="0" smtClean="0">
                         <a:ln>
                           <a:noFill/>
                         </a:ln>
                         <a:solidFill>
-                          <a:schemeClr val="tx1"/>
+                          <a:schemeClr val="tx2"/>
                         </a:solidFill>
                         <a:effectLst/>
                         <a:latin typeface="Candara" pitchFamily="34" charset="0"/>
@@ -19161,170 +22262,76 @@
                   </a:tcPr>
                 </a:tc>
               </a:tr>
-              <a:tr h="1541463">
-                <a:tc>
-                  <a:txBody>
-                    <a:bodyPr/>
-                    <a:lstStyle/>
-                    <a:p>
-                      <a:pPr marL="0" marR="0" lvl="0" indent="0" algn="l" defTabSz="914400" rtl="0" eaLnBrk="1" fontAlgn="base" latinLnBrk="0" hangingPunct="1">
-                        <a:lnSpc>
-                          <a:spcPct val="100000"/>
-                        </a:lnSpc>
-                        <a:spcBef>
-                          <a:spcPct val="0"/>
-                        </a:spcBef>
-                        <a:spcAft>
-                          <a:spcPct val="0"/>
-                        </a:spcAft>
-                        <a:buClrTx/>
-                        <a:buSzTx/>
-                        <a:buFontTx/>
-                        <a:buNone/>
-                        <a:tabLst/>
-                      </a:pPr>
-                      <a:endParaRPr kumimoji="0" lang="es-ES" sz="1800" b="0" i="0" u="none" strike="noStrike" cap="none" normalizeH="0" baseline="0" smtClean="0">
-                        <a:ln>
-                          <a:noFill/>
-                        </a:ln>
-                        <a:solidFill>
-                          <a:schemeClr val="tx1"/>
-                        </a:solidFill>
-                        <a:effectLst/>
-                        <a:latin typeface="Candara" pitchFamily="34" charset="0"/>
-                      </a:endParaRPr>
-                    </a:p>
-                  </a:txBody>
-                  <a:tcPr horzOverflow="overflow">
-                    <a:lnL w="12700" cap="flat" cmpd="sng" algn="ctr">
-                      <a:solidFill>
-                        <a:schemeClr val="accent1"/>
-                      </a:solidFill>
-                      <a:prstDash val="solid"/>
-                      <a:round/>
-                      <a:headEnd type="none" w="med" len="med"/>
-                      <a:tailEnd type="none" w="med" len="med"/>
-                    </a:lnL>
-                    <a:lnR w="12700" cap="flat" cmpd="sng" algn="ctr">
-                      <a:solidFill>
-                        <a:schemeClr val="accent1"/>
-                      </a:solidFill>
-                      <a:prstDash val="solid"/>
-                      <a:round/>
-                      <a:headEnd type="none" w="med" len="med"/>
-                      <a:tailEnd type="none" w="med" len="med"/>
-                    </a:lnR>
-                    <a:lnT w="12700" cap="flat" cmpd="sng" algn="ctr">
-                      <a:solidFill>
-                        <a:schemeClr val="accent1"/>
-                      </a:solidFill>
-                      <a:prstDash val="solid"/>
-                      <a:round/>
-                      <a:headEnd type="none" w="med" len="med"/>
-                      <a:tailEnd type="none" w="med" len="med"/>
-                    </a:lnT>
-                    <a:lnB w="12700" cap="flat" cmpd="sng" algn="ctr">
-                      <a:solidFill>
-                        <a:schemeClr val="accent1"/>
-                      </a:solidFill>
-                      <a:prstDash val="solid"/>
-                      <a:round/>
-                      <a:headEnd type="none" w="med" len="med"/>
-                      <a:tailEnd type="none" w="med" len="med"/>
-                    </a:lnB>
-                    <a:lnTlToBr>
-                      <a:noFill/>
-                    </a:lnTlToBr>
-                    <a:lnBlToTr>
-                      <a:noFill/>
-                    </a:lnBlToTr>
-                    <a:noFill/>
-                  </a:tcPr>
-                </a:tc>
-                <a:tc>
-                  <a:txBody>
-                    <a:bodyPr/>
-                    <a:lstStyle/>
-                    <a:p>
-                      <a:pPr marL="0" marR="0" lvl="0" indent="0" algn="l" defTabSz="914400" rtl="0" eaLnBrk="1" fontAlgn="base" latinLnBrk="0" hangingPunct="1">
-                        <a:lnSpc>
-                          <a:spcPct val="100000"/>
-                        </a:lnSpc>
-                        <a:spcBef>
-                          <a:spcPct val="0"/>
-                        </a:spcBef>
-                        <a:spcAft>
-                          <a:spcPct val="0"/>
-                        </a:spcAft>
-                        <a:buClrTx/>
-                        <a:buSzTx/>
-                        <a:buFontTx/>
-                        <a:buNone/>
-                        <a:tabLst/>
-                      </a:pPr>
-                      <a:endParaRPr kumimoji="0" lang="es-ES" sz="1800" b="0" i="0" u="none" strike="noStrike" cap="none" normalizeH="0" baseline="0" smtClean="0">
-                        <a:ln>
-                          <a:noFill/>
-                        </a:ln>
-                        <a:solidFill>
-                          <a:schemeClr val="tx1"/>
-                        </a:solidFill>
-                        <a:effectLst/>
-                        <a:latin typeface="Candara" pitchFamily="34" charset="0"/>
-                      </a:endParaRPr>
-                    </a:p>
-                  </a:txBody>
-                  <a:tcPr horzOverflow="overflow">
-                    <a:lnL w="12700" cap="flat" cmpd="sng" algn="ctr">
-                      <a:solidFill>
-                        <a:schemeClr val="accent1"/>
-                      </a:solidFill>
-                      <a:prstDash val="solid"/>
-                      <a:round/>
-                      <a:headEnd type="none" w="med" len="med"/>
-                      <a:tailEnd type="none" w="med" len="med"/>
-                    </a:lnL>
-                    <a:lnR w="12700" cap="flat" cmpd="sng" algn="ctr">
-                      <a:solidFill>
-                        <a:schemeClr val="accent1"/>
-                      </a:solidFill>
-                      <a:prstDash val="solid"/>
-                      <a:round/>
-                      <a:headEnd type="none" w="med" len="med"/>
-                      <a:tailEnd type="none" w="med" len="med"/>
-                    </a:lnR>
-                    <a:lnT w="12700" cap="flat" cmpd="sng" algn="ctr">
-                      <a:solidFill>
-                        <a:schemeClr val="accent1"/>
-                      </a:solidFill>
-                      <a:prstDash val="solid"/>
-                      <a:round/>
-                      <a:headEnd type="none" w="med" len="med"/>
-                      <a:tailEnd type="none" w="med" len="med"/>
-                    </a:lnT>
-                    <a:lnB w="12700" cap="flat" cmpd="sng" algn="ctr">
-                      <a:solidFill>
-                        <a:schemeClr val="accent1"/>
-                      </a:solidFill>
-                      <a:prstDash val="solid"/>
-                      <a:round/>
-                      <a:headEnd type="none" w="med" len="med"/>
-                      <a:tailEnd type="none" w="med" len="med"/>
-                    </a:lnB>
-                    <a:lnTlToBr>
-                      <a:noFill/>
-                    </a:lnTlToBr>
-                    <a:lnBlToTr>
-                      <a:noFill/>
-                    </a:lnBlToTr>
-                    <a:noFill/>
-                  </a:tcPr>
-                </a:tc>
-              </a:tr>
             </a:tbl>
           </a:graphicData>
         </a:graphic>
       </p:graphicFrame>
+      <p:pic>
+        <p:nvPicPr>
+          <p:cNvPr id="61466" name="Picture 26"/>
+          <p:cNvPicPr>
+            <a:picLocks noChangeAspect="1" noChangeArrowheads="1"/>
+          </p:cNvPicPr>
+          <p:nvPr/>
+        </p:nvPicPr>
+        <p:blipFill>
+          <a:blip r:embed="rId3"/>
+          <a:srcRect/>
+          <a:stretch>
+            <a:fillRect/>
+          </a:stretch>
+        </p:blipFill>
+        <p:spPr bwMode="auto">
+          <a:xfrm>
+            <a:off x="0" y="2205038"/>
+            <a:ext cx="3355975" cy="2008187"/>
+          </a:xfrm>
+          <a:prstGeom prst="rect">
+            <a:avLst/>
+          </a:prstGeom>
+          <a:noFill/>
+          <a:ln w="9525">
+            <a:noFill/>
+            <a:miter lim="800000"/>
+            <a:headEnd/>
+            <a:tailEnd/>
+          </a:ln>
+          <a:effectLst/>
+        </p:spPr>
+      </p:pic>
+      <p:pic>
+        <p:nvPicPr>
+          <p:cNvPr id="61467" name="Picture 27"/>
+          <p:cNvPicPr>
+            <a:picLocks noChangeAspect="1" noChangeArrowheads="1"/>
+          </p:cNvPicPr>
+          <p:nvPr/>
+        </p:nvPicPr>
+        <p:blipFill>
+          <a:blip r:embed="rId4"/>
+          <a:srcRect/>
+          <a:stretch>
+            <a:fillRect/>
+          </a:stretch>
+        </p:blipFill>
+        <p:spPr bwMode="auto">
+          <a:xfrm>
+            <a:off x="0" y="4005263"/>
+            <a:ext cx="3370263" cy="2008187"/>
+          </a:xfrm>
+          <a:prstGeom prst="rect">
+            <a:avLst/>
+          </a:prstGeom>
+          <a:noFill/>
+          <a:ln w="9525">
+            <a:noFill/>
+            <a:miter lim="800000"/>
+            <a:headEnd/>
+            <a:tailEnd/>
+          </a:ln>
+          <a:effectLst/>
+        </p:spPr>
+      </p:pic>
     </p:spTree>
   </p:cSld>
   <p:clrMapOvr>
@@ -19340,7 +22347,7 @@
 </p:sld>
 </file>
 
-<file path=ppt/slides/slide17.xml><?xml version="1.0" encoding="utf-8"?>
+<file path=ppt/slides/slide21.xml><?xml version="1.0" encoding="utf-8"?>
 <p:sld xmlns:a="http://schemas.openxmlformats.org/drawingml/2006/main" xmlns:r="http://schemas.openxmlformats.org/officeDocument/2006/relationships" xmlns:p="http://schemas.openxmlformats.org/presentationml/2006/main">
   <p:cSld>
     <p:spTree>
@@ -19359,7 +22366,7 @@
       </p:grpSpPr>
       <p:sp>
         <p:nvSpPr>
-          <p:cNvPr id="56322" name="2 Título"/>
+          <p:cNvPr id="38913" name="2 Título"/>
           <p:cNvSpPr>
             <a:spLocks noGrp="1"/>
           </p:cNvSpPr>
@@ -19397,754 +22404,7 @@
 </p:sld>
 </file>
 
-<file path=ppt/slides/slide18.xml><?xml version="1.0" encoding="utf-8"?>
-<p:sld xmlns:a="http://schemas.openxmlformats.org/drawingml/2006/main" xmlns:r="http://schemas.openxmlformats.org/officeDocument/2006/relationships" xmlns:p="http://schemas.openxmlformats.org/presentationml/2006/main">
-  <p:cSld>
-    <p:spTree>
-      <p:nvGrpSpPr>
-        <p:cNvPr id="1" name=""/>
-        <p:cNvGrpSpPr/>
-        <p:nvPr/>
-      </p:nvGrpSpPr>
-      <p:grpSpPr>
-        <a:xfrm>
-          <a:off x="0" y="0"/>
-          <a:ext cx="0" cy="0"/>
-          <a:chOff x="0" y="0"/>
-          <a:chExt cx="0" cy="0"/>
-        </a:xfrm>
-      </p:grpSpPr>
-      <p:sp>
-        <p:nvSpPr>
-          <p:cNvPr id="3" name="2 Título"/>
-          <p:cNvSpPr>
-            <a:spLocks noGrp="1"/>
-          </p:cNvSpPr>
-          <p:nvPr>
-            <p:ph type="title"/>
-          </p:nvPr>
-        </p:nvSpPr>
-        <p:spPr/>
-        <p:txBody>
-          <a:bodyPr rtlCol="0">
-            <a:normAutofit fontScale="90000"/>
-          </a:bodyPr>
-          <a:lstStyle/>
-          <a:p>
-            <a:pPr eaLnBrk="1" fontAlgn="auto" hangingPunct="1">
-              <a:spcAft>
-                <a:spcPts val="0"/>
-              </a:spcAft>
-              <a:defRPr/>
-            </a:pPr>
-            <a:r>
-              <a:rPr lang="es-PE" dirty="0"/>
-              <a:t>ESPECIFICACION </a:t>
-            </a:r>
-            <a:r>
-              <a:rPr lang="es-PE" dirty="0" smtClean="0"/>
-              <a:t>DE ENTIDADES DEL NEGOCIO</a:t>
-            </a:r>
-            <a:endParaRPr lang="es-PE" dirty="0"/>
-          </a:p>
-        </p:txBody>
-      </p:sp>
-      <p:graphicFrame>
-        <p:nvGraphicFramePr>
-          <p:cNvPr id="22552" name="Group 24"/>
-          <p:cNvGraphicFramePr>
-            <a:graphicFrameLocks noGrp="1"/>
-          </p:cNvGraphicFramePr>
-          <p:nvPr/>
-        </p:nvGraphicFramePr>
-        <p:xfrm>
-          <a:off x="323850" y="2349500"/>
-          <a:ext cx="8569325" cy="4257675"/>
-        </p:xfrm>
-        <a:graphic>
-          <a:graphicData uri="http://schemas.openxmlformats.org/drawingml/2006/table">
-            <a:tbl>
-              <a:tblPr/>
-              <a:tblGrid>
-                <a:gridCol w="2427288"/>
-                <a:gridCol w="6142037"/>
-              </a:tblGrid>
-              <a:tr h="1016000">
-                <a:tc>
-                  <a:txBody>
-                    <a:bodyPr/>
-                    <a:lstStyle/>
-                    <a:p>
-                      <a:pPr marL="0" marR="0" lvl="0" indent="0" algn="l" defTabSz="914400" rtl="0" eaLnBrk="1" fontAlgn="base" latinLnBrk="0" hangingPunct="1">
-                        <a:lnSpc>
-                          <a:spcPct val="100000"/>
-                        </a:lnSpc>
-                        <a:spcBef>
-                          <a:spcPct val="0"/>
-                        </a:spcBef>
-                        <a:spcAft>
-                          <a:spcPct val="0"/>
-                        </a:spcAft>
-                        <a:buClrTx/>
-                        <a:buSzTx/>
-                        <a:buFontTx/>
-                        <a:buNone/>
-                        <a:tabLst/>
-                      </a:pPr>
-                      <a:endParaRPr kumimoji="0" lang="es-ES" sz="1800" b="1" i="0" u="none" strike="noStrike" cap="none" normalizeH="0" baseline="0" smtClean="0">
-                        <a:ln>
-                          <a:noFill/>
-                        </a:ln>
-                        <a:solidFill>
-                          <a:schemeClr val="tx1"/>
-                        </a:solidFill>
-                        <a:effectLst/>
-                        <a:latin typeface="Candara" pitchFamily="34" charset="0"/>
-                      </a:endParaRPr>
-                    </a:p>
-                  </a:txBody>
-                  <a:tcPr horzOverflow="overflow">
-                    <a:lnL w="12700" cap="flat" cmpd="sng" algn="ctr">
-                      <a:solidFill>
-                        <a:schemeClr val="accent1"/>
-                      </a:solidFill>
-                      <a:prstDash val="solid"/>
-                      <a:round/>
-                      <a:headEnd type="none" w="med" len="med"/>
-                      <a:tailEnd type="none" w="med" len="med"/>
-                    </a:lnL>
-                    <a:lnR w="12700" cap="flat" cmpd="sng" algn="ctr">
-                      <a:solidFill>
-                        <a:schemeClr val="accent1"/>
-                      </a:solidFill>
-                      <a:prstDash val="solid"/>
-                      <a:round/>
-                      <a:headEnd type="none" w="med" len="med"/>
-                      <a:tailEnd type="none" w="med" len="med"/>
-                    </a:lnR>
-                    <a:lnT w="12700" cap="flat" cmpd="sng" algn="ctr">
-                      <a:solidFill>
-                        <a:schemeClr val="accent1"/>
-                      </a:solidFill>
-                      <a:prstDash val="solid"/>
-                      <a:round/>
-                      <a:headEnd type="none" w="med" len="med"/>
-                      <a:tailEnd type="none" w="med" len="med"/>
-                    </a:lnT>
-                    <a:lnB w="25400" cap="flat" cmpd="sng" algn="ctr">
-                      <a:solidFill>
-                        <a:schemeClr val="accent1"/>
-                      </a:solidFill>
-                      <a:prstDash val="solid"/>
-                      <a:round/>
-                      <a:headEnd type="none" w="med" len="med"/>
-                      <a:tailEnd type="none" w="med" len="med"/>
-                    </a:lnB>
-                    <a:lnTlToBr>
-                      <a:noFill/>
-                    </a:lnTlToBr>
-                    <a:lnBlToTr>
-                      <a:noFill/>
-                    </a:lnBlToTr>
-                    <a:noFill/>
-                  </a:tcPr>
-                </a:tc>
-                <a:tc>
-                  <a:txBody>
-                    <a:bodyPr/>
-                    <a:lstStyle/>
-                    <a:p>
-                      <a:pPr marL="0" marR="0" lvl="0" indent="0" algn="just" defTabSz="914400" rtl="0" eaLnBrk="1" fontAlgn="base" latinLnBrk="0" hangingPunct="1">
-                        <a:lnSpc>
-                          <a:spcPct val="100000"/>
-                        </a:lnSpc>
-                        <a:spcBef>
-                          <a:spcPct val="0"/>
-                        </a:spcBef>
-                        <a:spcAft>
-                          <a:spcPct val="0"/>
-                        </a:spcAft>
-                        <a:buClrTx/>
-                        <a:buSzTx/>
-                        <a:buFontTx/>
-                        <a:buNone/>
-                        <a:tabLst/>
-                      </a:pPr>
-                      <a:endParaRPr kumimoji="0" lang="es-ES" sz="1800" b="0" i="0" u="none" strike="noStrike" cap="none" normalizeH="0" baseline="0" smtClean="0">
-                        <a:ln>
-                          <a:noFill/>
-                        </a:ln>
-                        <a:solidFill>
-                          <a:schemeClr val="tx1"/>
-                        </a:solidFill>
-                        <a:effectLst/>
-                        <a:latin typeface="Candara" pitchFamily="34" charset="0"/>
-                      </a:endParaRPr>
-                    </a:p>
-                  </a:txBody>
-                  <a:tcPr horzOverflow="overflow">
-                    <a:lnL w="12700" cap="flat" cmpd="sng" algn="ctr">
-                      <a:solidFill>
-                        <a:schemeClr val="accent1"/>
-                      </a:solidFill>
-                      <a:prstDash val="solid"/>
-                      <a:round/>
-                      <a:headEnd type="none" w="med" len="med"/>
-                      <a:tailEnd type="none" w="med" len="med"/>
-                    </a:lnL>
-                    <a:lnR w="12700" cap="flat" cmpd="sng" algn="ctr">
-                      <a:solidFill>
-                        <a:schemeClr val="accent1"/>
-                      </a:solidFill>
-                      <a:prstDash val="solid"/>
-                      <a:round/>
-                      <a:headEnd type="none" w="med" len="med"/>
-                      <a:tailEnd type="none" w="med" len="med"/>
-                    </a:lnR>
-                    <a:lnT w="12700" cap="flat" cmpd="sng" algn="ctr">
-                      <a:solidFill>
-                        <a:schemeClr val="accent1"/>
-                      </a:solidFill>
-                      <a:prstDash val="solid"/>
-                      <a:round/>
-                      <a:headEnd type="none" w="med" len="med"/>
-                      <a:tailEnd type="none" w="med" len="med"/>
-                    </a:lnT>
-                    <a:lnB w="25400" cap="flat" cmpd="sng" algn="ctr">
-                      <a:solidFill>
-                        <a:schemeClr val="accent1"/>
-                      </a:solidFill>
-                      <a:prstDash val="solid"/>
-                      <a:round/>
-                      <a:headEnd type="none" w="med" len="med"/>
-                      <a:tailEnd type="none" w="med" len="med"/>
-                    </a:lnB>
-                    <a:lnTlToBr>
-                      <a:noFill/>
-                    </a:lnTlToBr>
-                    <a:lnBlToTr>
-                      <a:noFill/>
-                    </a:lnBlToTr>
-                    <a:noFill/>
-                  </a:tcPr>
-                </a:tc>
-              </a:tr>
-              <a:tr h="1000125">
-                <a:tc>
-                  <a:txBody>
-                    <a:bodyPr/>
-                    <a:lstStyle/>
-                    <a:p>
-                      <a:pPr marL="0" marR="0" lvl="0" indent="0" algn="l" defTabSz="914400" rtl="0" eaLnBrk="1" fontAlgn="base" latinLnBrk="0" hangingPunct="1">
-                        <a:lnSpc>
-                          <a:spcPct val="100000"/>
-                        </a:lnSpc>
-                        <a:spcBef>
-                          <a:spcPct val="0"/>
-                        </a:spcBef>
-                        <a:spcAft>
-                          <a:spcPct val="0"/>
-                        </a:spcAft>
-                        <a:buClrTx/>
-                        <a:buSzTx/>
-                        <a:buFontTx/>
-                        <a:buNone/>
-                        <a:tabLst/>
-                      </a:pPr>
-                      <a:endParaRPr kumimoji="0" lang="es-ES" sz="1800" b="0" i="0" u="none" strike="noStrike" cap="none" normalizeH="0" baseline="0" smtClean="0">
-                        <a:ln>
-                          <a:noFill/>
-                        </a:ln>
-                        <a:solidFill>
-                          <a:schemeClr val="tx1"/>
-                        </a:solidFill>
-                        <a:effectLst/>
-                        <a:latin typeface="Candara" pitchFamily="34" charset="0"/>
-                      </a:endParaRPr>
-                    </a:p>
-                  </a:txBody>
-                  <a:tcPr horzOverflow="overflow">
-                    <a:lnL w="12700" cap="flat" cmpd="sng" algn="ctr">
-                      <a:solidFill>
-                        <a:schemeClr val="accent1"/>
-                      </a:solidFill>
-                      <a:prstDash val="solid"/>
-                      <a:round/>
-                      <a:headEnd type="none" w="med" len="med"/>
-                      <a:tailEnd type="none" w="med" len="med"/>
-                    </a:lnL>
-                    <a:lnR w="12700" cap="flat" cmpd="sng" algn="ctr">
-                      <a:solidFill>
-                        <a:schemeClr val="accent1"/>
-                      </a:solidFill>
-                      <a:prstDash val="solid"/>
-                      <a:round/>
-                      <a:headEnd type="none" w="med" len="med"/>
-                      <a:tailEnd type="none" w="med" len="med"/>
-                    </a:lnR>
-                    <a:lnT w="25400" cap="flat" cmpd="sng" algn="ctr">
-                      <a:solidFill>
-                        <a:schemeClr val="accent1"/>
-                      </a:solidFill>
-                      <a:prstDash val="solid"/>
-                      <a:round/>
-                      <a:headEnd type="none" w="med" len="med"/>
-                      <a:tailEnd type="none" w="med" len="med"/>
-                    </a:lnT>
-                    <a:lnB w="12700" cap="flat" cmpd="sng" algn="ctr">
-                      <a:solidFill>
-                        <a:schemeClr val="accent1"/>
-                      </a:solidFill>
-                      <a:prstDash val="solid"/>
-                      <a:round/>
-                      <a:headEnd type="none" w="med" len="med"/>
-                      <a:tailEnd type="none" w="med" len="med"/>
-                    </a:lnB>
-                    <a:lnTlToBr>
-                      <a:noFill/>
-                    </a:lnTlToBr>
-                    <a:lnBlToTr>
-                      <a:noFill/>
-                    </a:lnBlToTr>
-                    <a:solidFill>
-                      <a:schemeClr val="accent1">
-                        <a:alpha val="20000"/>
-                      </a:schemeClr>
-                    </a:solidFill>
-                  </a:tcPr>
-                </a:tc>
-                <a:tc>
-                  <a:txBody>
-                    <a:bodyPr/>
-                    <a:lstStyle/>
-                    <a:p>
-                      <a:pPr marL="0" marR="0" lvl="0" indent="0" algn="just" defTabSz="914400" rtl="0" eaLnBrk="1" fontAlgn="base" latinLnBrk="0" hangingPunct="1">
-                        <a:lnSpc>
-                          <a:spcPct val="100000"/>
-                        </a:lnSpc>
-                        <a:spcBef>
-                          <a:spcPct val="0"/>
-                        </a:spcBef>
-                        <a:spcAft>
-                          <a:spcPct val="0"/>
-                        </a:spcAft>
-                        <a:buClrTx/>
-                        <a:buSzTx/>
-                        <a:buFontTx/>
-                        <a:buNone/>
-                        <a:tabLst/>
-                      </a:pPr>
-                      <a:endParaRPr kumimoji="0" lang="es-ES" sz="1800" b="0" i="0" u="none" strike="noStrike" cap="none" normalizeH="0" baseline="0" smtClean="0">
-                        <a:ln>
-                          <a:noFill/>
-                        </a:ln>
-                        <a:solidFill>
-                          <a:schemeClr val="tx1"/>
-                        </a:solidFill>
-                        <a:effectLst/>
-                        <a:latin typeface="Candara" pitchFamily="34" charset="0"/>
-                      </a:endParaRPr>
-                    </a:p>
-                  </a:txBody>
-                  <a:tcPr horzOverflow="overflow">
-                    <a:lnL w="12700" cap="flat" cmpd="sng" algn="ctr">
-                      <a:solidFill>
-                        <a:schemeClr val="accent1"/>
-                      </a:solidFill>
-                      <a:prstDash val="solid"/>
-                      <a:round/>
-                      <a:headEnd type="none" w="med" len="med"/>
-                      <a:tailEnd type="none" w="med" len="med"/>
-                    </a:lnL>
-                    <a:lnR w="12700" cap="flat" cmpd="sng" algn="ctr">
-                      <a:solidFill>
-                        <a:schemeClr val="accent1"/>
-                      </a:solidFill>
-                      <a:prstDash val="solid"/>
-                      <a:round/>
-                      <a:headEnd type="none" w="med" len="med"/>
-                      <a:tailEnd type="none" w="med" len="med"/>
-                    </a:lnR>
-                    <a:lnT w="25400" cap="flat" cmpd="sng" algn="ctr">
-                      <a:solidFill>
-                        <a:schemeClr val="accent1"/>
-                      </a:solidFill>
-                      <a:prstDash val="solid"/>
-                      <a:round/>
-                      <a:headEnd type="none" w="med" len="med"/>
-                      <a:tailEnd type="none" w="med" len="med"/>
-                    </a:lnT>
-                    <a:lnB w="12700" cap="flat" cmpd="sng" algn="ctr">
-                      <a:solidFill>
-                        <a:schemeClr val="accent1"/>
-                      </a:solidFill>
-                      <a:prstDash val="solid"/>
-                      <a:round/>
-                      <a:headEnd type="none" w="med" len="med"/>
-                      <a:tailEnd type="none" w="med" len="med"/>
-                    </a:lnB>
-                    <a:lnTlToBr>
-                      <a:noFill/>
-                    </a:lnTlToBr>
-                    <a:lnBlToTr>
-                      <a:noFill/>
-                    </a:lnBlToTr>
-                    <a:solidFill>
-                      <a:schemeClr val="accent1">
-                        <a:alpha val="20000"/>
-                      </a:schemeClr>
-                    </a:solidFill>
-                  </a:tcPr>
-                </a:tc>
-              </a:tr>
-              <a:tr h="1079500">
-                <a:tc>
-                  <a:txBody>
-                    <a:bodyPr/>
-                    <a:lstStyle/>
-                    <a:p>
-                      <a:pPr marL="0" marR="0" lvl="0" indent="0" algn="l" defTabSz="914400" rtl="0" eaLnBrk="1" fontAlgn="base" latinLnBrk="0" hangingPunct="1">
-                        <a:lnSpc>
-                          <a:spcPct val="100000"/>
-                        </a:lnSpc>
-                        <a:spcBef>
-                          <a:spcPct val="0"/>
-                        </a:spcBef>
-                        <a:spcAft>
-                          <a:spcPct val="0"/>
-                        </a:spcAft>
-                        <a:buClrTx/>
-                        <a:buSzTx/>
-                        <a:buFontTx/>
-                        <a:buNone/>
-                        <a:tabLst/>
-                      </a:pPr>
-                      <a:endParaRPr kumimoji="0" lang="es-ES" sz="1800" b="0" i="0" u="none" strike="noStrike" cap="none" normalizeH="0" baseline="0" smtClean="0">
-                        <a:ln>
-                          <a:noFill/>
-                        </a:ln>
-                        <a:solidFill>
-                          <a:schemeClr val="tx1"/>
-                        </a:solidFill>
-                        <a:effectLst/>
-                        <a:latin typeface="Candara" pitchFamily="34" charset="0"/>
-                      </a:endParaRPr>
-                    </a:p>
-                  </a:txBody>
-                  <a:tcPr horzOverflow="overflow">
-                    <a:lnL w="12700" cap="flat" cmpd="sng" algn="ctr">
-                      <a:solidFill>
-                        <a:schemeClr val="accent1"/>
-                      </a:solidFill>
-                      <a:prstDash val="solid"/>
-                      <a:round/>
-                      <a:headEnd type="none" w="med" len="med"/>
-                      <a:tailEnd type="none" w="med" len="med"/>
-                    </a:lnL>
-                    <a:lnR w="12700" cap="flat" cmpd="sng" algn="ctr">
-                      <a:solidFill>
-                        <a:schemeClr val="accent1"/>
-                      </a:solidFill>
-                      <a:prstDash val="solid"/>
-                      <a:round/>
-                      <a:headEnd type="none" w="med" len="med"/>
-                      <a:tailEnd type="none" w="med" len="med"/>
-                    </a:lnR>
-                    <a:lnT w="12700" cap="flat" cmpd="sng" algn="ctr">
-                      <a:solidFill>
-                        <a:schemeClr val="accent1"/>
-                      </a:solidFill>
-                      <a:prstDash val="solid"/>
-                      <a:round/>
-                      <a:headEnd type="none" w="med" len="med"/>
-                      <a:tailEnd type="none" w="med" len="med"/>
-                    </a:lnT>
-                    <a:lnB w="12700" cap="flat" cmpd="sng" algn="ctr">
-                      <a:solidFill>
-                        <a:schemeClr val="accent1"/>
-                      </a:solidFill>
-                      <a:prstDash val="solid"/>
-                      <a:round/>
-                      <a:headEnd type="none" w="med" len="med"/>
-                      <a:tailEnd type="none" w="med" len="med"/>
-                    </a:lnB>
-                    <a:lnTlToBr>
-                      <a:noFill/>
-                    </a:lnTlToBr>
-                    <a:lnBlToTr>
-                      <a:noFill/>
-                    </a:lnBlToTr>
-                    <a:noFill/>
-                  </a:tcPr>
-                </a:tc>
-                <a:tc>
-                  <a:txBody>
-                    <a:bodyPr/>
-                    <a:lstStyle/>
-                    <a:p>
-                      <a:pPr marL="0" marR="0" lvl="0" indent="0" algn="just" defTabSz="914400" rtl="0" eaLnBrk="1" fontAlgn="base" latinLnBrk="0" hangingPunct="1">
-                        <a:lnSpc>
-                          <a:spcPct val="100000"/>
-                        </a:lnSpc>
-                        <a:spcBef>
-                          <a:spcPct val="0"/>
-                        </a:spcBef>
-                        <a:spcAft>
-                          <a:spcPct val="0"/>
-                        </a:spcAft>
-                        <a:buClrTx/>
-                        <a:buSzTx/>
-                        <a:buFontTx/>
-                        <a:buNone/>
-                        <a:tabLst/>
-                      </a:pPr>
-                      <a:endParaRPr kumimoji="0" lang="es-ES" sz="1800" b="0" i="0" u="none" strike="noStrike" cap="none" normalizeH="0" baseline="0" smtClean="0">
-                        <a:ln>
-                          <a:noFill/>
-                        </a:ln>
-                        <a:solidFill>
-                          <a:schemeClr val="tx1"/>
-                        </a:solidFill>
-                        <a:effectLst/>
-                        <a:latin typeface="Candara" pitchFamily="34" charset="0"/>
-                      </a:endParaRPr>
-                    </a:p>
-                  </a:txBody>
-                  <a:tcPr horzOverflow="overflow">
-                    <a:lnL w="12700" cap="flat" cmpd="sng" algn="ctr">
-                      <a:solidFill>
-                        <a:schemeClr val="accent1"/>
-                      </a:solidFill>
-                      <a:prstDash val="solid"/>
-                      <a:round/>
-                      <a:headEnd type="none" w="med" len="med"/>
-                      <a:tailEnd type="none" w="med" len="med"/>
-                    </a:lnL>
-                    <a:lnR w="12700" cap="flat" cmpd="sng" algn="ctr">
-                      <a:solidFill>
-                        <a:schemeClr val="accent1"/>
-                      </a:solidFill>
-                      <a:prstDash val="solid"/>
-                      <a:round/>
-                      <a:headEnd type="none" w="med" len="med"/>
-                      <a:tailEnd type="none" w="med" len="med"/>
-                    </a:lnR>
-                    <a:lnT w="12700" cap="flat" cmpd="sng" algn="ctr">
-                      <a:solidFill>
-                        <a:schemeClr val="accent1"/>
-                      </a:solidFill>
-                      <a:prstDash val="solid"/>
-                      <a:round/>
-                      <a:headEnd type="none" w="med" len="med"/>
-                      <a:tailEnd type="none" w="med" len="med"/>
-                    </a:lnT>
-                    <a:lnB w="12700" cap="flat" cmpd="sng" algn="ctr">
-                      <a:solidFill>
-                        <a:schemeClr val="accent1"/>
-                      </a:solidFill>
-                      <a:prstDash val="solid"/>
-                      <a:round/>
-                      <a:headEnd type="none" w="med" len="med"/>
-                      <a:tailEnd type="none" w="med" len="med"/>
-                    </a:lnB>
-                    <a:lnTlToBr>
-                      <a:noFill/>
-                    </a:lnTlToBr>
-                    <a:lnBlToTr>
-                      <a:noFill/>
-                    </a:lnBlToTr>
-                    <a:noFill/>
-                  </a:tcPr>
-                </a:tc>
-              </a:tr>
-              <a:tr h="1162050">
-                <a:tc>
-                  <a:txBody>
-                    <a:bodyPr/>
-                    <a:lstStyle/>
-                    <a:p>
-                      <a:pPr marL="0" marR="0" lvl="0" indent="0" algn="l" defTabSz="914400" rtl="0" eaLnBrk="1" fontAlgn="base" latinLnBrk="0" hangingPunct="1">
-                        <a:lnSpc>
-                          <a:spcPct val="100000"/>
-                        </a:lnSpc>
-                        <a:spcBef>
-                          <a:spcPct val="0"/>
-                        </a:spcBef>
-                        <a:spcAft>
-                          <a:spcPct val="0"/>
-                        </a:spcAft>
-                        <a:buClrTx/>
-                        <a:buSzTx/>
-                        <a:buFontTx/>
-                        <a:buNone/>
-                        <a:tabLst/>
-                      </a:pPr>
-                      <a:endParaRPr kumimoji="0" lang="es-ES" sz="1800" b="0" i="0" u="none" strike="noStrike" cap="none" normalizeH="0" baseline="0" smtClean="0">
-                        <a:ln>
-                          <a:noFill/>
-                        </a:ln>
-                        <a:solidFill>
-                          <a:schemeClr val="tx1"/>
-                        </a:solidFill>
-                        <a:effectLst/>
-                        <a:latin typeface="Candara" pitchFamily="34" charset="0"/>
-                      </a:endParaRPr>
-                    </a:p>
-                  </a:txBody>
-                  <a:tcPr horzOverflow="overflow">
-                    <a:lnL w="12700" cap="flat" cmpd="sng" algn="ctr">
-                      <a:solidFill>
-                        <a:schemeClr val="accent1"/>
-                      </a:solidFill>
-                      <a:prstDash val="solid"/>
-                      <a:round/>
-                      <a:headEnd type="none" w="med" len="med"/>
-                      <a:tailEnd type="none" w="med" len="med"/>
-                    </a:lnL>
-                    <a:lnR w="12700" cap="flat" cmpd="sng" algn="ctr">
-                      <a:solidFill>
-                        <a:schemeClr val="accent1"/>
-                      </a:solidFill>
-                      <a:prstDash val="solid"/>
-                      <a:round/>
-                      <a:headEnd type="none" w="med" len="med"/>
-                      <a:tailEnd type="none" w="med" len="med"/>
-                    </a:lnR>
-                    <a:lnT w="12700" cap="flat" cmpd="sng" algn="ctr">
-                      <a:solidFill>
-                        <a:schemeClr val="accent1"/>
-                      </a:solidFill>
-                      <a:prstDash val="solid"/>
-                      <a:round/>
-                      <a:headEnd type="none" w="med" len="med"/>
-                      <a:tailEnd type="none" w="med" len="med"/>
-                    </a:lnT>
-                    <a:lnB w="12700" cap="flat" cmpd="sng" algn="ctr">
-                      <a:solidFill>
-                        <a:schemeClr val="accent1"/>
-                      </a:solidFill>
-                      <a:prstDash val="solid"/>
-                      <a:round/>
-                      <a:headEnd type="none" w="med" len="med"/>
-                      <a:tailEnd type="none" w="med" len="med"/>
-                    </a:lnB>
-                    <a:lnTlToBr>
-                      <a:noFill/>
-                    </a:lnTlToBr>
-                    <a:lnBlToTr>
-                      <a:noFill/>
-                    </a:lnBlToTr>
-                    <a:solidFill>
-                      <a:schemeClr val="accent1">
-                        <a:alpha val="20000"/>
-                      </a:schemeClr>
-                    </a:solidFill>
-                  </a:tcPr>
-                </a:tc>
-                <a:tc>
-                  <a:txBody>
-                    <a:bodyPr/>
-                    <a:lstStyle/>
-                    <a:p>
-                      <a:pPr marL="0" marR="0" lvl="0" indent="0" algn="just" defTabSz="914400" rtl="0" eaLnBrk="1" fontAlgn="base" latinLnBrk="0" hangingPunct="1">
-                        <a:lnSpc>
-                          <a:spcPct val="100000"/>
-                        </a:lnSpc>
-                        <a:spcBef>
-                          <a:spcPct val="0"/>
-                        </a:spcBef>
-                        <a:spcAft>
-                          <a:spcPct val="0"/>
-                        </a:spcAft>
-                        <a:buClrTx/>
-                        <a:buSzTx/>
-                        <a:buFontTx/>
-                        <a:buNone/>
-                        <a:tabLst/>
-                      </a:pPr>
-                      <a:endParaRPr kumimoji="0" lang="es-ES" sz="1800" b="0" i="0" u="none" strike="noStrike" cap="none" normalizeH="0" baseline="0" smtClean="0">
-                        <a:ln>
-                          <a:noFill/>
-                        </a:ln>
-                        <a:solidFill>
-                          <a:schemeClr val="tx1"/>
-                        </a:solidFill>
-                        <a:effectLst/>
-                        <a:latin typeface="Candara" pitchFamily="34" charset="0"/>
-                      </a:endParaRPr>
-                    </a:p>
-                  </a:txBody>
-                  <a:tcPr horzOverflow="overflow">
-                    <a:lnL w="12700" cap="flat" cmpd="sng" algn="ctr">
-                      <a:solidFill>
-                        <a:schemeClr val="accent1"/>
-                      </a:solidFill>
-                      <a:prstDash val="solid"/>
-                      <a:round/>
-                      <a:headEnd type="none" w="med" len="med"/>
-                      <a:tailEnd type="none" w="med" len="med"/>
-                    </a:lnL>
-                    <a:lnR w="12700" cap="flat" cmpd="sng" algn="ctr">
-                      <a:solidFill>
-                        <a:schemeClr val="accent1"/>
-                      </a:solidFill>
-                      <a:prstDash val="solid"/>
-                      <a:round/>
-                      <a:headEnd type="none" w="med" len="med"/>
-                      <a:tailEnd type="none" w="med" len="med"/>
-                    </a:lnR>
-                    <a:lnT w="12700" cap="flat" cmpd="sng" algn="ctr">
-                      <a:solidFill>
-                        <a:schemeClr val="accent1"/>
-                      </a:solidFill>
-                      <a:prstDash val="solid"/>
-                      <a:round/>
-                      <a:headEnd type="none" w="med" len="med"/>
-                      <a:tailEnd type="none" w="med" len="med"/>
-                    </a:lnT>
-                    <a:lnB w="12700" cap="flat" cmpd="sng" algn="ctr">
-                      <a:solidFill>
-                        <a:schemeClr val="accent1"/>
-                      </a:solidFill>
-                      <a:prstDash val="solid"/>
-                      <a:round/>
-                      <a:headEnd type="none" w="med" len="med"/>
-                      <a:tailEnd type="none" w="med" len="med"/>
-                    </a:lnB>
-                    <a:lnTlToBr>
-                      <a:noFill/>
-                    </a:lnTlToBr>
-                    <a:lnBlToTr>
-                      <a:noFill/>
-                    </a:lnBlToTr>
-                    <a:solidFill>
-                      <a:schemeClr val="accent1">
-                        <a:alpha val="20000"/>
-                      </a:schemeClr>
-                    </a:solidFill>
-                  </a:tcPr>
-                </a:tc>
-              </a:tr>
-            </a:tbl>
-          </a:graphicData>
-        </a:graphic>
-      </p:graphicFrame>
-    </p:spTree>
-  </p:cSld>
-  <p:clrMapOvr>
-    <a:masterClrMapping/>
-  </p:clrMapOvr>
-  <p:timing>
-    <p:tnLst>
-      <p:par>
-        <p:cTn id="1" dur="indefinite" restart="never" nodeType="tmRoot"/>
-      </p:par>
-    </p:tnLst>
-  </p:timing>
-</p:sld>
-</file>
-
-<file path=ppt/slides/slide19.xml><?xml version="1.0" encoding="utf-8"?>
+<file path=ppt/slides/slide22.xml><?xml version="1.0" encoding="utf-8"?>
 <p:sld xmlns:a="http://schemas.openxmlformats.org/drawingml/2006/main" xmlns:r="http://schemas.openxmlformats.org/officeDocument/2006/relationships" xmlns:p="http://schemas.openxmlformats.org/presentationml/2006/main">
   <p:cSld>
     <p:spTree>
@@ -20317,12 +22577,25 @@
                         <a:buNone/>
                         <a:tabLst/>
                       </a:pPr>
-                      <a:endParaRPr kumimoji="0" lang="es-ES" sz="1800" b="0" i="0" u="none" strike="noStrike" cap="none" normalizeH="0" baseline="0" smtClean="0">
+                      <a:r>
+                        <a:rPr kumimoji="0" lang="es-PE" sz="2000" b="0" i="0" u="none" strike="noStrike" cap="none" normalizeH="0" baseline="0" smtClean="0">
+                          <a:ln>
+                            <a:noFill/>
+                          </a:ln>
+                          <a:solidFill>
+                            <a:schemeClr val="tx2"/>
+                          </a:solidFill>
+                          <a:effectLst/>
+                          <a:latin typeface="Candara" pitchFamily="34" charset="0"/>
+                        </a:rPr>
+                        <a:t>Representa el registro de Contrato</a:t>
+                      </a:r>
+                      <a:endParaRPr kumimoji="0" lang="es-ES" sz="2000" b="0" i="0" u="none" strike="noStrike" cap="none" normalizeH="0" baseline="0" smtClean="0">
                         <a:ln>
                           <a:noFill/>
                         </a:ln>
                         <a:solidFill>
-                          <a:schemeClr val="tx1"/>
+                          <a:schemeClr val="tx2"/>
                         </a:solidFill>
                         <a:effectLst/>
                         <a:latin typeface="Candara" pitchFamily="34" charset="0"/>
@@ -20481,12 +22754,25 @@
                         <a:buNone/>
                         <a:tabLst/>
                       </a:pPr>
-                      <a:endParaRPr kumimoji="0" lang="es-ES" sz="1800" b="0" i="0" u="none" strike="noStrike" cap="none" normalizeH="0" baseline="0" smtClean="0">
+                      <a:r>
+                        <a:rPr kumimoji="0" lang="es-PE" sz="2000" b="0" i="0" u="none" strike="noStrike" cap="none" normalizeH="0" baseline="0" smtClean="0">
+                          <a:ln>
+                            <a:noFill/>
+                          </a:ln>
+                          <a:solidFill>
+                            <a:schemeClr val="tx2"/>
+                          </a:solidFill>
+                          <a:effectLst/>
+                          <a:latin typeface="Candara" pitchFamily="34" charset="0"/>
+                        </a:rPr>
+                        <a:t>Representa el registro de Adenda</a:t>
+                      </a:r>
+                      <a:endParaRPr kumimoji="0" lang="es-ES" sz="2000" b="0" i="0" u="none" strike="noStrike" cap="none" normalizeH="0" baseline="0" smtClean="0">
                         <a:ln>
                           <a:noFill/>
                         </a:ln>
                         <a:solidFill>
-                          <a:schemeClr val="tx1"/>
+                          <a:schemeClr val="tx2"/>
                         </a:solidFill>
                         <a:effectLst/>
                         <a:latin typeface="Candara" pitchFamily="34" charset="0"/>
@@ -20645,12 +22931,25 @@
                         <a:buNone/>
                         <a:tabLst/>
                       </a:pPr>
-                      <a:endParaRPr kumimoji="0" lang="es-ES" sz="1800" b="0" i="0" u="none" strike="noStrike" cap="none" normalizeH="0" baseline="0" smtClean="0">
+                      <a:r>
+                        <a:rPr kumimoji="0" lang="es-PE" sz="2000" b="0" i="0" u="none" strike="noStrike" cap="none" normalizeH="0" baseline="0" smtClean="0">
+                          <a:ln>
+                            <a:noFill/>
+                          </a:ln>
+                          <a:solidFill>
+                            <a:schemeClr val="tx2"/>
+                          </a:solidFill>
+                          <a:effectLst/>
+                          <a:latin typeface="Candara" pitchFamily="34" charset="0"/>
+                        </a:rPr>
+                        <a:t>Representa el registro de Cliente</a:t>
+                      </a:r>
+                      <a:endParaRPr kumimoji="0" lang="es-ES" sz="2000" b="0" i="0" u="none" strike="noStrike" cap="none" normalizeH="0" baseline="0" smtClean="0">
                         <a:ln>
                           <a:noFill/>
                         </a:ln>
                         <a:solidFill>
-                          <a:schemeClr val="tx1"/>
+                          <a:schemeClr val="tx2"/>
                         </a:solidFill>
                         <a:effectLst/>
                         <a:latin typeface="Candara" pitchFamily="34" charset="0"/>
@@ -20809,12 +23108,25 @@
                         <a:buNone/>
                         <a:tabLst/>
                       </a:pPr>
-                      <a:endParaRPr kumimoji="0" lang="es-ES" sz="1800" b="0" i="0" u="none" strike="noStrike" cap="none" normalizeH="0" baseline="0" smtClean="0">
+                      <a:r>
+                        <a:rPr kumimoji="0" lang="es-PE" sz="2000" b="0" i="0" u="none" strike="noStrike" cap="none" normalizeH="0" baseline="0" smtClean="0">
+                          <a:ln>
+                            <a:noFill/>
+                          </a:ln>
+                          <a:solidFill>
+                            <a:schemeClr val="tx2"/>
+                          </a:solidFill>
+                          <a:effectLst/>
+                          <a:latin typeface="Candara" pitchFamily="34" charset="0"/>
+                        </a:rPr>
+                        <a:t>Representa el registro de SLA (Acuerdos de Contrato)</a:t>
+                      </a:r>
+                      <a:endParaRPr kumimoji="0" lang="es-ES" sz="2000" b="0" i="0" u="none" strike="noStrike" cap="none" normalizeH="0" baseline="0" smtClean="0">
                         <a:ln>
                           <a:noFill/>
                         </a:ln>
                         <a:solidFill>
-                          <a:schemeClr val="tx1"/>
+                          <a:schemeClr val="tx2"/>
                         </a:solidFill>
                         <a:effectLst/>
                         <a:latin typeface="Candara" pitchFamily="34" charset="0"/>
@@ -20876,6 +23188,138 @@
           </a:graphicData>
         </a:graphic>
       </p:graphicFrame>
+      <p:pic>
+        <p:nvPicPr>
+          <p:cNvPr id="63512" name="Picture 24"/>
+          <p:cNvPicPr>
+            <a:picLocks noChangeAspect="1" noChangeArrowheads="1"/>
+          </p:cNvPicPr>
+          <p:nvPr/>
+        </p:nvPicPr>
+        <p:blipFill>
+          <a:blip r:embed="rId2"/>
+          <a:srcRect/>
+          <a:stretch>
+            <a:fillRect/>
+          </a:stretch>
+        </p:blipFill>
+        <p:spPr bwMode="auto">
+          <a:xfrm>
+            <a:off x="0" y="2262188"/>
+            <a:ext cx="3168650" cy="1382712"/>
+          </a:xfrm>
+          <a:prstGeom prst="rect">
+            <a:avLst/>
+          </a:prstGeom>
+          <a:noFill/>
+          <a:ln w="9525">
+            <a:noFill/>
+            <a:miter lim="800000"/>
+            <a:headEnd/>
+            <a:tailEnd/>
+          </a:ln>
+          <a:effectLst/>
+        </p:spPr>
+      </p:pic>
+      <p:pic>
+        <p:nvPicPr>
+          <p:cNvPr id="63513" name="Picture 25"/>
+          <p:cNvPicPr>
+            <a:picLocks noChangeAspect="1" noChangeArrowheads="1"/>
+          </p:cNvPicPr>
+          <p:nvPr/>
+        </p:nvPicPr>
+        <p:blipFill>
+          <a:blip r:embed="rId3"/>
+          <a:srcRect/>
+          <a:stretch>
+            <a:fillRect/>
+          </a:stretch>
+        </p:blipFill>
+        <p:spPr bwMode="auto">
+          <a:xfrm>
+            <a:off x="0" y="3284538"/>
+            <a:ext cx="3132138" cy="1365250"/>
+          </a:xfrm>
+          <a:prstGeom prst="rect">
+            <a:avLst/>
+          </a:prstGeom>
+          <a:noFill/>
+          <a:ln w="9525">
+            <a:noFill/>
+            <a:miter lim="800000"/>
+            <a:headEnd/>
+            <a:tailEnd/>
+          </a:ln>
+          <a:effectLst/>
+        </p:spPr>
+      </p:pic>
+      <p:pic>
+        <p:nvPicPr>
+          <p:cNvPr id="63514" name="Picture 26"/>
+          <p:cNvPicPr>
+            <a:picLocks noChangeAspect="1" noChangeArrowheads="1"/>
+          </p:cNvPicPr>
+          <p:nvPr/>
+        </p:nvPicPr>
+        <p:blipFill>
+          <a:blip r:embed="rId4"/>
+          <a:srcRect/>
+          <a:stretch>
+            <a:fillRect/>
+          </a:stretch>
+        </p:blipFill>
+        <p:spPr bwMode="auto">
+          <a:xfrm>
+            <a:off x="107950" y="4386263"/>
+            <a:ext cx="2941638" cy="1274762"/>
+          </a:xfrm>
+          <a:prstGeom prst="rect">
+            <a:avLst/>
+          </a:prstGeom>
+          <a:noFill/>
+          <a:ln w="9525">
+            <a:noFill/>
+            <a:miter lim="800000"/>
+            <a:headEnd/>
+            <a:tailEnd/>
+          </a:ln>
+          <a:effectLst/>
+        </p:spPr>
+      </p:pic>
+      <p:pic>
+        <p:nvPicPr>
+          <p:cNvPr id="63515" name="Picture 27"/>
+          <p:cNvPicPr>
+            <a:picLocks noChangeAspect="1" noChangeArrowheads="1"/>
+          </p:cNvPicPr>
+          <p:nvPr/>
+        </p:nvPicPr>
+        <p:blipFill>
+          <a:blip r:embed="rId5"/>
+          <a:srcRect/>
+          <a:stretch>
+            <a:fillRect/>
+          </a:stretch>
+        </p:blipFill>
+        <p:spPr bwMode="auto">
+          <a:xfrm>
+            <a:off x="-180975" y="5454650"/>
+            <a:ext cx="3305175" cy="1430338"/>
+          </a:xfrm>
+          <a:prstGeom prst="rect">
+            <a:avLst/>
+          </a:prstGeom>
+          <a:noFill/>
+          <a:ln w="9525">
+            <a:noFill/>
+            <a:miter lim="800000"/>
+            <a:headEnd/>
+            <a:tailEnd/>
+          </a:ln>
+          <a:effectLst/>
+        </p:spPr>
+      </p:pic>
     </p:spTree>
   </p:cSld>
   <p:clrMapOvr>
@@ -20891,32 +23335,7 @@
 </p:sld>
 </file>
 
-<file path=ppt/slides/slide2.xml><?xml version="1.0" encoding="utf-8"?>
-<p:sld xmlns:a="http://schemas.openxmlformats.org/drawingml/2006/main" xmlns:r="http://schemas.openxmlformats.org/officeDocument/2006/relationships" xmlns:p="http://schemas.openxmlformats.org/presentationml/2006/main">
-  <p:cSld>
-    <p:spTree>
-      <p:nvGrpSpPr>
-        <p:cNvPr id="1" name=""/>
-        <p:cNvGrpSpPr/>
-        <p:nvPr/>
-      </p:nvGrpSpPr>
-      <p:grpSpPr>
-        <a:xfrm>
-          <a:off x="0" y="0"/>
-          <a:ext cx="0" cy="0"/>
-          <a:chOff x="0" y="0"/>
-          <a:chExt cx="0" cy="0"/>
-        </a:xfrm>
-      </p:grpSpPr>
-    </p:spTree>
-  </p:cSld>
-  <p:clrMapOvr>
-    <a:masterClrMapping/>
-  </p:clrMapOvr>
-</p:sld>
-</file>
-
-<file path=ppt/slides/slide20.xml><?xml version="1.0" encoding="utf-8"?>
+<file path=ppt/slides/slide23.xml><?xml version="1.0" encoding="utf-8"?>
 <p:sld xmlns:a="http://schemas.openxmlformats.org/drawingml/2006/main" xmlns:r="http://schemas.openxmlformats.org/officeDocument/2006/relationships" xmlns:p="http://schemas.openxmlformats.org/presentationml/2006/main">
   <p:cSld>
     <p:spTree>
@@ -21089,12 +23508,25 @@
                         <a:buNone/>
                         <a:tabLst/>
                       </a:pPr>
-                      <a:endParaRPr kumimoji="0" lang="es-ES" sz="1800" b="0" i="0" u="none" strike="noStrike" cap="none" normalizeH="0" baseline="0" smtClean="0">
+                      <a:r>
+                        <a:rPr kumimoji="0" lang="es-PE" sz="2000" b="0" i="0" u="none" strike="noStrike" cap="none" normalizeH="0" baseline="0" smtClean="0">
+                          <a:ln>
+                            <a:noFill/>
+                          </a:ln>
+                          <a:solidFill>
+                            <a:schemeClr val="tx2"/>
+                          </a:solidFill>
+                          <a:effectLst/>
+                          <a:latin typeface="Candara" pitchFamily="34" charset="0"/>
+                        </a:rPr>
+                        <a:t>Representa el registro de la Línea de Servicio</a:t>
+                      </a:r>
+                      <a:endParaRPr kumimoji="0" lang="es-ES" sz="2000" b="0" i="0" u="none" strike="noStrike" cap="none" normalizeH="0" baseline="0" smtClean="0">
                         <a:ln>
                           <a:noFill/>
                         </a:ln>
                         <a:solidFill>
-                          <a:schemeClr val="tx1"/>
+                          <a:schemeClr val="tx2"/>
                         </a:solidFill>
                         <a:effectLst/>
                         <a:latin typeface="Candara" pitchFamily="34" charset="0"/>
@@ -21253,12 +23685,25 @@
                         <a:buNone/>
                         <a:tabLst/>
                       </a:pPr>
-                      <a:endParaRPr kumimoji="0" lang="es-ES" sz="1800" b="0" i="0" u="none" strike="noStrike" cap="none" normalizeH="0" baseline="0" smtClean="0">
+                      <a:r>
+                        <a:rPr kumimoji="0" lang="es-PE" sz="2000" b="0" i="0" u="none" strike="noStrike" cap="none" normalizeH="0" baseline="0" smtClean="0">
+                          <a:ln>
+                            <a:noFill/>
+                          </a:ln>
+                          <a:solidFill>
+                            <a:schemeClr val="tx2"/>
+                          </a:solidFill>
+                          <a:effectLst/>
+                          <a:latin typeface="Candara" pitchFamily="34" charset="0"/>
+                        </a:rPr>
+                        <a:t>Representa el registro de la Hoja de requerimiento</a:t>
+                      </a:r>
+                      <a:endParaRPr kumimoji="0" lang="es-ES" sz="2000" b="0" i="0" u="none" strike="noStrike" cap="none" normalizeH="0" baseline="0" smtClean="0">
                         <a:ln>
                           <a:noFill/>
                         </a:ln>
                         <a:solidFill>
-                          <a:schemeClr val="tx1"/>
+                          <a:schemeClr val="tx2"/>
                         </a:solidFill>
                         <a:effectLst/>
                         <a:latin typeface="Candara" pitchFamily="34" charset="0"/>
@@ -21417,12 +23862,25 @@
                         <a:buNone/>
                         <a:tabLst/>
                       </a:pPr>
-                      <a:endParaRPr kumimoji="0" lang="es-ES" sz="1800" b="0" i="0" u="none" strike="noStrike" cap="none" normalizeH="0" baseline="0" smtClean="0">
+                      <a:r>
+                        <a:rPr kumimoji="0" lang="es-PE" sz="2000" b="0" i="0" u="none" strike="noStrike" cap="none" normalizeH="0" baseline="0" smtClean="0">
+                          <a:ln>
+                            <a:noFill/>
+                          </a:ln>
+                          <a:solidFill>
+                            <a:schemeClr val="tx2"/>
+                          </a:solidFill>
+                          <a:effectLst/>
+                          <a:latin typeface="Candara" pitchFamily="34" charset="0"/>
+                        </a:rPr>
+                        <a:t>Representa el registro de la Cotización</a:t>
+                      </a:r>
+                      <a:endParaRPr kumimoji="0" lang="es-ES" sz="2000" b="0" i="0" u="none" strike="noStrike" cap="none" normalizeH="0" baseline="0" smtClean="0">
                         <a:ln>
                           <a:noFill/>
                         </a:ln>
                         <a:solidFill>
-                          <a:schemeClr val="tx1"/>
+                          <a:schemeClr val="tx2"/>
                         </a:solidFill>
                         <a:effectLst/>
                         <a:latin typeface="Candara" pitchFamily="34" charset="0"/>
@@ -21581,6 +24039,854 @@
                         <a:buNone/>
                         <a:tabLst/>
                       </a:pPr>
+                      <a:r>
+                        <a:rPr kumimoji="0" lang="es-PE" sz="2000" b="0" i="0" u="none" strike="noStrike" cap="none" normalizeH="0" baseline="0" smtClean="0">
+                          <a:ln>
+                            <a:noFill/>
+                          </a:ln>
+                          <a:solidFill>
+                            <a:schemeClr val="tx2"/>
+                          </a:solidFill>
+                          <a:effectLst/>
+                          <a:latin typeface="Candara" pitchFamily="34" charset="0"/>
+                        </a:rPr>
+                        <a:t>Representa el registro dl Informe de Cierre</a:t>
+                      </a:r>
+                      <a:endParaRPr kumimoji="0" lang="es-ES" sz="2000" b="0" i="0" u="none" strike="noStrike" cap="none" normalizeH="0" baseline="0" smtClean="0">
+                        <a:ln>
+                          <a:noFill/>
+                        </a:ln>
+                        <a:solidFill>
+                          <a:schemeClr val="tx2"/>
+                        </a:solidFill>
+                        <a:effectLst/>
+                        <a:latin typeface="Candara" pitchFamily="34" charset="0"/>
+                      </a:endParaRPr>
+                    </a:p>
+                  </a:txBody>
+                  <a:tcPr horzOverflow="overflow">
+                    <a:lnL w="12700" cap="flat" cmpd="sng" algn="ctr">
+                      <a:solidFill>
+                        <a:schemeClr val="accent1"/>
+                      </a:solidFill>
+                      <a:prstDash val="solid"/>
+                      <a:round/>
+                      <a:headEnd type="none" w="med" len="med"/>
+                      <a:tailEnd type="none" w="med" len="med"/>
+                    </a:lnL>
+                    <a:lnR w="12700" cap="flat" cmpd="sng" algn="ctr">
+                      <a:solidFill>
+                        <a:schemeClr val="accent1"/>
+                      </a:solidFill>
+                      <a:prstDash val="solid"/>
+                      <a:round/>
+                      <a:headEnd type="none" w="med" len="med"/>
+                      <a:tailEnd type="none" w="med" len="med"/>
+                    </a:lnR>
+                    <a:lnT w="12700" cap="flat" cmpd="sng" algn="ctr">
+                      <a:solidFill>
+                        <a:schemeClr val="accent1"/>
+                      </a:solidFill>
+                      <a:prstDash val="solid"/>
+                      <a:round/>
+                      <a:headEnd type="none" w="med" len="med"/>
+                      <a:tailEnd type="none" w="med" len="med"/>
+                    </a:lnT>
+                    <a:lnB w="12700" cap="flat" cmpd="sng" algn="ctr">
+                      <a:solidFill>
+                        <a:schemeClr val="accent1"/>
+                      </a:solidFill>
+                      <a:prstDash val="solid"/>
+                      <a:round/>
+                      <a:headEnd type="none" w="med" len="med"/>
+                      <a:tailEnd type="none" w="med" len="med"/>
+                    </a:lnB>
+                    <a:lnTlToBr>
+                      <a:noFill/>
+                    </a:lnTlToBr>
+                    <a:lnBlToTr>
+                      <a:noFill/>
+                    </a:lnBlToTr>
+                    <a:solidFill>
+                      <a:schemeClr val="accent1">
+                        <a:alpha val="20000"/>
+                      </a:schemeClr>
+                    </a:solidFill>
+                  </a:tcPr>
+                </a:tc>
+              </a:tr>
+            </a:tbl>
+          </a:graphicData>
+        </a:graphic>
+      </p:graphicFrame>
+      <p:pic>
+        <p:nvPicPr>
+          <p:cNvPr id="64532" name="Picture 20"/>
+          <p:cNvPicPr>
+            <a:picLocks noChangeAspect="1" noChangeArrowheads="1"/>
+          </p:cNvPicPr>
+          <p:nvPr/>
+        </p:nvPicPr>
+        <p:blipFill>
+          <a:blip r:embed="rId2"/>
+          <a:srcRect/>
+          <a:stretch>
+            <a:fillRect/>
+          </a:stretch>
+        </p:blipFill>
+        <p:spPr bwMode="auto">
+          <a:xfrm>
+            <a:off x="250825" y="2276475"/>
+            <a:ext cx="2700338" cy="1163638"/>
+          </a:xfrm>
+          <a:prstGeom prst="rect">
+            <a:avLst/>
+          </a:prstGeom>
+          <a:noFill/>
+          <a:ln w="9525">
+            <a:noFill/>
+            <a:miter lim="800000"/>
+            <a:headEnd/>
+            <a:tailEnd/>
+          </a:ln>
+          <a:effectLst/>
+        </p:spPr>
+      </p:pic>
+      <p:pic>
+        <p:nvPicPr>
+          <p:cNvPr id="64533" name="Picture 21"/>
+          <p:cNvPicPr>
+            <a:picLocks noChangeAspect="1" noChangeArrowheads="1"/>
+          </p:cNvPicPr>
+          <p:nvPr/>
+        </p:nvPicPr>
+        <p:blipFill>
+          <a:blip r:embed="rId3"/>
+          <a:srcRect/>
+          <a:stretch>
+            <a:fillRect/>
+          </a:stretch>
+        </p:blipFill>
+        <p:spPr bwMode="auto">
+          <a:xfrm>
+            <a:off x="179388" y="3284538"/>
+            <a:ext cx="2663825" cy="1143000"/>
+          </a:xfrm>
+          <a:prstGeom prst="rect">
+            <a:avLst/>
+          </a:prstGeom>
+          <a:noFill/>
+          <a:ln w="9525">
+            <a:noFill/>
+            <a:miter lim="800000"/>
+            <a:headEnd/>
+            <a:tailEnd/>
+          </a:ln>
+          <a:effectLst/>
+        </p:spPr>
+      </p:pic>
+      <p:pic>
+        <p:nvPicPr>
+          <p:cNvPr id="64534" name="Picture 22"/>
+          <p:cNvPicPr>
+            <a:picLocks noChangeAspect="1" noChangeArrowheads="1"/>
+          </p:cNvPicPr>
+          <p:nvPr/>
+        </p:nvPicPr>
+        <p:blipFill>
+          <a:blip r:embed="rId4"/>
+          <a:srcRect/>
+          <a:stretch>
+            <a:fillRect/>
+          </a:stretch>
+        </p:blipFill>
+        <p:spPr bwMode="auto">
+          <a:xfrm>
+            <a:off x="25400" y="4321175"/>
+            <a:ext cx="2962275" cy="1268413"/>
+          </a:xfrm>
+          <a:prstGeom prst="rect">
+            <a:avLst/>
+          </a:prstGeom>
+          <a:noFill/>
+          <a:ln w="9525">
+            <a:noFill/>
+            <a:miter lim="800000"/>
+            <a:headEnd/>
+            <a:tailEnd/>
+          </a:ln>
+          <a:effectLst/>
+        </p:spPr>
+      </p:pic>
+      <p:pic>
+        <p:nvPicPr>
+          <p:cNvPr id="64535" name="Picture 23"/>
+          <p:cNvPicPr>
+            <a:picLocks noChangeAspect="1" noChangeArrowheads="1"/>
+          </p:cNvPicPr>
+          <p:nvPr/>
+        </p:nvPicPr>
+        <p:blipFill>
+          <a:blip r:embed="rId5"/>
+          <a:srcRect/>
+          <a:stretch>
+            <a:fillRect/>
+          </a:stretch>
+        </p:blipFill>
+        <p:spPr bwMode="auto">
+          <a:xfrm>
+            <a:off x="-107950" y="5484813"/>
+            <a:ext cx="3114675" cy="1328737"/>
+          </a:xfrm>
+          <a:prstGeom prst="rect">
+            <a:avLst/>
+          </a:prstGeom>
+          <a:noFill/>
+          <a:ln w="9525">
+            <a:noFill/>
+            <a:miter lim="800000"/>
+            <a:headEnd/>
+            <a:tailEnd/>
+          </a:ln>
+          <a:effectLst/>
+        </p:spPr>
+      </p:pic>
+    </p:spTree>
+  </p:cSld>
+  <p:clrMapOvr>
+    <a:masterClrMapping/>
+  </p:clrMapOvr>
+  <p:timing>
+    <p:tnLst>
+      <p:par>
+        <p:cTn id="1" dur="indefinite" restart="never" nodeType="tmRoot"/>
+      </p:par>
+    </p:tnLst>
+  </p:timing>
+</p:sld>
+</file>
+
+<file path=ppt/slides/slide24.xml><?xml version="1.0" encoding="utf-8"?>
+<p:sld xmlns:a="http://schemas.openxmlformats.org/drawingml/2006/main" xmlns:r="http://schemas.openxmlformats.org/officeDocument/2006/relationships" xmlns:p="http://schemas.openxmlformats.org/presentationml/2006/main">
+  <p:cSld>
+    <p:spTree>
+      <p:nvGrpSpPr>
+        <p:cNvPr id="1" name=""/>
+        <p:cNvGrpSpPr/>
+        <p:nvPr/>
+      </p:nvGrpSpPr>
+      <p:grpSpPr>
+        <a:xfrm>
+          <a:off x="0" y="0"/>
+          <a:ext cx="0" cy="0"/>
+          <a:chOff x="0" y="0"/>
+          <a:chExt cx="0" cy="0"/>
+        </a:xfrm>
+      </p:grpSpPr>
+      <p:sp>
+        <p:nvSpPr>
+          <p:cNvPr id="3" name="2 Título"/>
+          <p:cNvSpPr>
+            <a:spLocks noGrp="1"/>
+          </p:cNvSpPr>
+          <p:nvPr>
+            <p:ph type="title" idx="4294967295"/>
+          </p:nvPr>
+        </p:nvSpPr>
+        <p:spPr/>
+        <p:txBody>
+          <a:bodyPr rtlCol="0">
+            <a:normAutofit fontScale="90000"/>
+          </a:bodyPr>
+          <a:lstStyle/>
+          <a:p>
+            <a:pPr eaLnBrk="1" fontAlgn="auto" hangingPunct="1">
+              <a:spcAft>
+                <a:spcPts val="0"/>
+              </a:spcAft>
+              <a:defRPr/>
+            </a:pPr>
+            <a:r>
+              <a:rPr lang="es-PE" dirty="0"/>
+              <a:t>ESPECIFICACION </a:t>
+            </a:r>
+            <a:r>
+              <a:rPr lang="es-PE" dirty="0" smtClean="0"/>
+              <a:t>DE ENTIDADES DEL NEGOCIO</a:t>
+            </a:r>
+            <a:endParaRPr lang="es-PE" dirty="0"/>
+          </a:p>
+        </p:txBody>
+      </p:sp>
+      <p:graphicFrame>
+        <p:nvGraphicFramePr>
+          <p:cNvPr id="22552" name="Group 24"/>
+          <p:cNvGraphicFramePr>
+            <a:graphicFrameLocks noGrp="1"/>
+          </p:cNvGraphicFramePr>
+          <p:nvPr/>
+        </p:nvGraphicFramePr>
+        <p:xfrm>
+          <a:off x="323850" y="2349500"/>
+          <a:ext cx="8569325" cy="4257675"/>
+        </p:xfrm>
+        <a:graphic>
+          <a:graphicData uri="http://schemas.openxmlformats.org/drawingml/2006/table">
+            <a:tbl>
+              <a:tblPr/>
+              <a:tblGrid>
+                <a:gridCol w="2427288"/>
+                <a:gridCol w="6142037"/>
+              </a:tblGrid>
+              <a:tr h="1016000">
+                <a:tc>
+                  <a:txBody>
+                    <a:bodyPr/>
+                    <a:lstStyle/>
+                    <a:p>
+                      <a:pPr marL="0" marR="0" lvl="0" indent="0" algn="l" defTabSz="914400" rtl="0" eaLnBrk="1" fontAlgn="base" latinLnBrk="0" hangingPunct="1">
+                        <a:lnSpc>
+                          <a:spcPct val="100000"/>
+                        </a:lnSpc>
+                        <a:spcBef>
+                          <a:spcPct val="0"/>
+                        </a:spcBef>
+                        <a:spcAft>
+                          <a:spcPct val="0"/>
+                        </a:spcAft>
+                        <a:buClrTx/>
+                        <a:buSzTx/>
+                        <a:buFontTx/>
+                        <a:buNone/>
+                        <a:tabLst/>
+                      </a:pPr>
+                      <a:endParaRPr kumimoji="0" lang="es-ES" sz="1800" b="1" i="0" u="none" strike="noStrike" cap="none" normalizeH="0" baseline="0" smtClean="0">
+                        <a:ln>
+                          <a:noFill/>
+                        </a:ln>
+                        <a:solidFill>
+                          <a:schemeClr val="tx1"/>
+                        </a:solidFill>
+                        <a:effectLst/>
+                        <a:latin typeface="Candara" pitchFamily="34" charset="0"/>
+                      </a:endParaRPr>
+                    </a:p>
+                  </a:txBody>
+                  <a:tcPr horzOverflow="overflow">
+                    <a:lnL w="12700" cap="flat" cmpd="sng" algn="ctr">
+                      <a:solidFill>
+                        <a:schemeClr val="accent1"/>
+                      </a:solidFill>
+                      <a:prstDash val="solid"/>
+                      <a:round/>
+                      <a:headEnd type="none" w="med" len="med"/>
+                      <a:tailEnd type="none" w="med" len="med"/>
+                    </a:lnL>
+                    <a:lnR w="12700" cap="flat" cmpd="sng" algn="ctr">
+                      <a:solidFill>
+                        <a:schemeClr val="accent1"/>
+                      </a:solidFill>
+                      <a:prstDash val="solid"/>
+                      <a:round/>
+                      <a:headEnd type="none" w="med" len="med"/>
+                      <a:tailEnd type="none" w="med" len="med"/>
+                    </a:lnR>
+                    <a:lnT w="12700" cap="flat" cmpd="sng" algn="ctr">
+                      <a:solidFill>
+                        <a:schemeClr val="accent1"/>
+                      </a:solidFill>
+                      <a:prstDash val="solid"/>
+                      <a:round/>
+                      <a:headEnd type="none" w="med" len="med"/>
+                      <a:tailEnd type="none" w="med" len="med"/>
+                    </a:lnT>
+                    <a:lnB w="25400" cap="flat" cmpd="sng" algn="ctr">
+                      <a:solidFill>
+                        <a:schemeClr val="accent1"/>
+                      </a:solidFill>
+                      <a:prstDash val="solid"/>
+                      <a:round/>
+                      <a:headEnd type="none" w="med" len="med"/>
+                      <a:tailEnd type="none" w="med" len="med"/>
+                    </a:lnB>
+                    <a:lnTlToBr>
+                      <a:noFill/>
+                    </a:lnTlToBr>
+                    <a:lnBlToTr>
+                      <a:noFill/>
+                    </a:lnBlToTr>
+                    <a:noFill/>
+                  </a:tcPr>
+                </a:tc>
+                <a:tc>
+                  <a:txBody>
+                    <a:bodyPr/>
+                    <a:lstStyle/>
+                    <a:p>
+                      <a:pPr marL="0" marR="0" lvl="0" indent="0" algn="just" defTabSz="914400" rtl="0" eaLnBrk="1" fontAlgn="base" latinLnBrk="0" hangingPunct="1">
+                        <a:lnSpc>
+                          <a:spcPct val="100000"/>
+                        </a:lnSpc>
+                        <a:spcBef>
+                          <a:spcPct val="0"/>
+                        </a:spcBef>
+                        <a:spcAft>
+                          <a:spcPct val="0"/>
+                        </a:spcAft>
+                        <a:buClrTx/>
+                        <a:buSzTx/>
+                        <a:buFontTx/>
+                        <a:buNone/>
+                        <a:tabLst/>
+                      </a:pPr>
+                      <a:r>
+                        <a:rPr kumimoji="0" lang="es-PE" sz="2000" b="0" i="0" u="none" strike="noStrike" cap="none" normalizeH="0" baseline="0" smtClean="0">
+                          <a:ln>
+                            <a:noFill/>
+                          </a:ln>
+                          <a:solidFill>
+                            <a:schemeClr val="tx2"/>
+                          </a:solidFill>
+                          <a:effectLst/>
+                          <a:latin typeface="Candara" pitchFamily="34" charset="0"/>
+                        </a:rPr>
+                        <a:t>Representa el registro de Buena Pro</a:t>
+                      </a:r>
+                      <a:endParaRPr kumimoji="0" lang="es-ES" sz="2000" b="0" i="0" u="none" strike="noStrike" cap="none" normalizeH="0" baseline="0" smtClean="0">
+                        <a:ln>
+                          <a:noFill/>
+                        </a:ln>
+                        <a:solidFill>
+                          <a:schemeClr val="tx2"/>
+                        </a:solidFill>
+                        <a:effectLst/>
+                        <a:latin typeface="Candara" pitchFamily="34" charset="0"/>
+                      </a:endParaRPr>
+                    </a:p>
+                  </a:txBody>
+                  <a:tcPr horzOverflow="overflow">
+                    <a:lnL w="12700" cap="flat" cmpd="sng" algn="ctr">
+                      <a:solidFill>
+                        <a:schemeClr val="accent1"/>
+                      </a:solidFill>
+                      <a:prstDash val="solid"/>
+                      <a:round/>
+                      <a:headEnd type="none" w="med" len="med"/>
+                      <a:tailEnd type="none" w="med" len="med"/>
+                    </a:lnL>
+                    <a:lnR w="12700" cap="flat" cmpd="sng" algn="ctr">
+                      <a:solidFill>
+                        <a:schemeClr val="accent1"/>
+                      </a:solidFill>
+                      <a:prstDash val="solid"/>
+                      <a:round/>
+                      <a:headEnd type="none" w="med" len="med"/>
+                      <a:tailEnd type="none" w="med" len="med"/>
+                    </a:lnR>
+                    <a:lnT w="12700" cap="flat" cmpd="sng" algn="ctr">
+                      <a:solidFill>
+                        <a:schemeClr val="accent1"/>
+                      </a:solidFill>
+                      <a:prstDash val="solid"/>
+                      <a:round/>
+                      <a:headEnd type="none" w="med" len="med"/>
+                      <a:tailEnd type="none" w="med" len="med"/>
+                    </a:lnT>
+                    <a:lnB w="25400" cap="flat" cmpd="sng" algn="ctr">
+                      <a:solidFill>
+                        <a:schemeClr val="accent1"/>
+                      </a:solidFill>
+                      <a:prstDash val="solid"/>
+                      <a:round/>
+                      <a:headEnd type="none" w="med" len="med"/>
+                      <a:tailEnd type="none" w="med" len="med"/>
+                    </a:lnB>
+                    <a:lnTlToBr>
+                      <a:noFill/>
+                    </a:lnTlToBr>
+                    <a:lnBlToTr>
+                      <a:noFill/>
+                    </a:lnBlToTr>
+                    <a:noFill/>
+                  </a:tcPr>
+                </a:tc>
+              </a:tr>
+              <a:tr h="1000125">
+                <a:tc>
+                  <a:txBody>
+                    <a:bodyPr/>
+                    <a:lstStyle/>
+                    <a:p>
+                      <a:pPr marL="0" marR="0" lvl="0" indent="0" algn="l" defTabSz="914400" rtl="0" eaLnBrk="1" fontAlgn="base" latinLnBrk="0" hangingPunct="1">
+                        <a:lnSpc>
+                          <a:spcPct val="100000"/>
+                        </a:lnSpc>
+                        <a:spcBef>
+                          <a:spcPct val="0"/>
+                        </a:spcBef>
+                        <a:spcAft>
+                          <a:spcPct val="0"/>
+                        </a:spcAft>
+                        <a:buClrTx/>
+                        <a:buSzTx/>
+                        <a:buFontTx/>
+                        <a:buNone/>
+                        <a:tabLst/>
+                      </a:pPr>
+                      <a:endParaRPr kumimoji="0" lang="es-ES" sz="1800" b="0" i="0" u="none" strike="noStrike" cap="none" normalizeH="0" baseline="0" smtClean="0">
+                        <a:ln>
+                          <a:noFill/>
+                        </a:ln>
+                        <a:solidFill>
+                          <a:schemeClr val="tx1"/>
+                        </a:solidFill>
+                        <a:effectLst/>
+                        <a:latin typeface="Candara" pitchFamily="34" charset="0"/>
+                      </a:endParaRPr>
+                    </a:p>
+                  </a:txBody>
+                  <a:tcPr horzOverflow="overflow">
+                    <a:lnL w="12700" cap="flat" cmpd="sng" algn="ctr">
+                      <a:solidFill>
+                        <a:schemeClr val="accent1"/>
+                      </a:solidFill>
+                      <a:prstDash val="solid"/>
+                      <a:round/>
+                      <a:headEnd type="none" w="med" len="med"/>
+                      <a:tailEnd type="none" w="med" len="med"/>
+                    </a:lnL>
+                    <a:lnR w="12700" cap="flat" cmpd="sng" algn="ctr">
+                      <a:solidFill>
+                        <a:schemeClr val="accent1"/>
+                      </a:solidFill>
+                      <a:prstDash val="solid"/>
+                      <a:round/>
+                      <a:headEnd type="none" w="med" len="med"/>
+                      <a:tailEnd type="none" w="med" len="med"/>
+                    </a:lnR>
+                    <a:lnT w="25400" cap="flat" cmpd="sng" algn="ctr">
+                      <a:solidFill>
+                        <a:schemeClr val="accent1"/>
+                      </a:solidFill>
+                      <a:prstDash val="solid"/>
+                      <a:round/>
+                      <a:headEnd type="none" w="med" len="med"/>
+                      <a:tailEnd type="none" w="med" len="med"/>
+                    </a:lnT>
+                    <a:lnB w="12700" cap="flat" cmpd="sng" algn="ctr">
+                      <a:solidFill>
+                        <a:schemeClr val="accent1"/>
+                      </a:solidFill>
+                      <a:prstDash val="solid"/>
+                      <a:round/>
+                      <a:headEnd type="none" w="med" len="med"/>
+                      <a:tailEnd type="none" w="med" len="med"/>
+                    </a:lnB>
+                    <a:lnTlToBr>
+                      <a:noFill/>
+                    </a:lnTlToBr>
+                    <a:lnBlToTr>
+                      <a:noFill/>
+                    </a:lnBlToTr>
+                    <a:solidFill>
+                      <a:schemeClr val="accent1">
+                        <a:alpha val="20000"/>
+                      </a:schemeClr>
+                    </a:solidFill>
+                  </a:tcPr>
+                </a:tc>
+                <a:tc>
+                  <a:txBody>
+                    <a:bodyPr/>
+                    <a:lstStyle/>
+                    <a:p>
+                      <a:pPr marL="0" marR="0" lvl="0" indent="0" algn="just" defTabSz="914400" rtl="0" eaLnBrk="1" fontAlgn="base" latinLnBrk="0" hangingPunct="1">
+                        <a:lnSpc>
+                          <a:spcPct val="100000"/>
+                        </a:lnSpc>
+                        <a:spcBef>
+                          <a:spcPct val="0"/>
+                        </a:spcBef>
+                        <a:spcAft>
+                          <a:spcPct val="0"/>
+                        </a:spcAft>
+                        <a:buClrTx/>
+                        <a:buSzTx/>
+                        <a:buFontTx/>
+                        <a:buNone/>
+                        <a:tabLst/>
+                      </a:pPr>
+                      <a:r>
+                        <a:rPr kumimoji="0" lang="es-PE" sz="2000" b="0" i="0" u="none" strike="noStrike" cap="none" normalizeH="0" baseline="0" smtClean="0">
+                          <a:ln>
+                            <a:noFill/>
+                          </a:ln>
+                          <a:solidFill>
+                            <a:schemeClr val="tx2"/>
+                          </a:solidFill>
+                          <a:effectLst/>
+                          <a:latin typeface="Candara" pitchFamily="34" charset="0"/>
+                        </a:rPr>
+                        <a:t>Representa el registro de la Solicitud de Cambio</a:t>
+                      </a:r>
+                      <a:endParaRPr kumimoji="0" lang="es-ES" sz="2000" b="0" i="0" u="none" strike="noStrike" cap="none" normalizeH="0" baseline="0" smtClean="0">
+                        <a:ln>
+                          <a:noFill/>
+                        </a:ln>
+                        <a:solidFill>
+                          <a:schemeClr val="tx2"/>
+                        </a:solidFill>
+                        <a:effectLst/>
+                        <a:latin typeface="Candara" pitchFamily="34" charset="0"/>
+                      </a:endParaRPr>
+                    </a:p>
+                  </a:txBody>
+                  <a:tcPr horzOverflow="overflow">
+                    <a:lnL w="12700" cap="flat" cmpd="sng" algn="ctr">
+                      <a:solidFill>
+                        <a:schemeClr val="accent1"/>
+                      </a:solidFill>
+                      <a:prstDash val="solid"/>
+                      <a:round/>
+                      <a:headEnd type="none" w="med" len="med"/>
+                      <a:tailEnd type="none" w="med" len="med"/>
+                    </a:lnL>
+                    <a:lnR w="12700" cap="flat" cmpd="sng" algn="ctr">
+                      <a:solidFill>
+                        <a:schemeClr val="accent1"/>
+                      </a:solidFill>
+                      <a:prstDash val="solid"/>
+                      <a:round/>
+                      <a:headEnd type="none" w="med" len="med"/>
+                      <a:tailEnd type="none" w="med" len="med"/>
+                    </a:lnR>
+                    <a:lnT w="25400" cap="flat" cmpd="sng" algn="ctr">
+                      <a:solidFill>
+                        <a:schemeClr val="accent1"/>
+                      </a:solidFill>
+                      <a:prstDash val="solid"/>
+                      <a:round/>
+                      <a:headEnd type="none" w="med" len="med"/>
+                      <a:tailEnd type="none" w="med" len="med"/>
+                    </a:lnT>
+                    <a:lnB w="12700" cap="flat" cmpd="sng" algn="ctr">
+                      <a:solidFill>
+                        <a:schemeClr val="accent1"/>
+                      </a:solidFill>
+                      <a:prstDash val="solid"/>
+                      <a:round/>
+                      <a:headEnd type="none" w="med" len="med"/>
+                      <a:tailEnd type="none" w="med" len="med"/>
+                    </a:lnB>
+                    <a:lnTlToBr>
+                      <a:noFill/>
+                    </a:lnTlToBr>
+                    <a:lnBlToTr>
+                      <a:noFill/>
+                    </a:lnBlToTr>
+                    <a:solidFill>
+                      <a:schemeClr val="accent1">
+                        <a:alpha val="20000"/>
+                      </a:schemeClr>
+                    </a:solidFill>
+                  </a:tcPr>
+                </a:tc>
+              </a:tr>
+              <a:tr h="1079500">
+                <a:tc>
+                  <a:txBody>
+                    <a:bodyPr/>
+                    <a:lstStyle/>
+                    <a:p>
+                      <a:pPr marL="0" marR="0" lvl="0" indent="0" algn="l" defTabSz="914400" rtl="0" eaLnBrk="1" fontAlgn="base" latinLnBrk="0" hangingPunct="1">
+                        <a:lnSpc>
+                          <a:spcPct val="100000"/>
+                        </a:lnSpc>
+                        <a:spcBef>
+                          <a:spcPct val="0"/>
+                        </a:spcBef>
+                        <a:spcAft>
+                          <a:spcPct val="0"/>
+                        </a:spcAft>
+                        <a:buClrTx/>
+                        <a:buSzTx/>
+                        <a:buFontTx/>
+                        <a:buNone/>
+                        <a:tabLst/>
+                      </a:pPr>
+                      <a:endParaRPr kumimoji="0" lang="es-ES" sz="1800" b="0" i="0" u="none" strike="noStrike" cap="none" normalizeH="0" baseline="0" smtClean="0">
+                        <a:ln>
+                          <a:noFill/>
+                        </a:ln>
+                        <a:solidFill>
+                          <a:schemeClr val="tx1"/>
+                        </a:solidFill>
+                        <a:effectLst/>
+                        <a:latin typeface="Candara" pitchFamily="34" charset="0"/>
+                      </a:endParaRPr>
+                    </a:p>
+                  </a:txBody>
+                  <a:tcPr horzOverflow="overflow">
+                    <a:lnL w="12700" cap="flat" cmpd="sng" algn="ctr">
+                      <a:solidFill>
+                        <a:schemeClr val="accent1"/>
+                      </a:solidFill>
+                      <a:prstDash val="solid"/>
+                      <a:round/>
+                      <a:headEnd type="none" w="med" len="med"/>
+                      <a:tailEnd type="none" w="med" len="med"/>
+                    </a:lnL>
+                    <a:lnR w="12700" cap="flat" cmpd="sng" algn="ctr">
+                      <a:solidFill>
+                        <a:schemeClr val="accent1"/>
+                      </a:solidFill>
+                      <a:prstDash val="solid"/>
+                      <a:round/>
+                      <a:headEnd type="none" w="med" len="med"/>
+                      <a:tailEnd type="none" w="med" len="med"/>
+                    </a:lnR>
+                    <a:lnT w="12700" cap="flat" cmpd="sng" algn="ctr">
+                      <a:solidFill>
+                        <a:schemeClr val="accent1"/>
+                      </a:solidFill>
+                      <a:prstDash val="solid"/>
+                      <a:round/>
+                      <a:headEnd type="none" w="med" len="med"/>
+                      <a:tailEnd type="none" w="med" len="med"/>
+                    </a:lnT>
+                    <a:lnB w="12700" cap="flat" cmpd="sng" algn="ctr">
+                      <a:solidFill>
+                        <a:schemeClr val="accent1"/>
+                      </a:solidFill>
+                      <a:prstDash val="solid"/>
+                      <a:round/>
+                      <a:headEnd type="none" w="med" len="med"/>
+                      <a:tailEnd type="none" w="med" len="med"/>
+                    </a:lnB>
+                    <a:lnTlToBr>
+                      <a:noFill/>
+                    </a:lnTlToBr>
+                    <a:lnBlToTr>
+                      <a:noFill/>
+                    </a:lnBlToTr>
+                    <a:noFill/>
+                  </a:tcPr>
+                </a:tc>
+                <a:tc>
+                  <a:txBody>
+                    <a:bodyPr/>
+                    <a:lstStyle/>
+                    <a:p>
+                      <a:pPr marL="0" marR="0" lvl="0" indent="0" algn="just" defTabSz="914400" rtl="0" eaLnBrk="1" fontAlgn="base" latinLnBrk="0" hangingPunct="1">
+                        <a:lnSpc>
+                          <a:spcPct val="100000"/>
+                        </a:lnSpc>
+                        <a:spcBef>
+                          <a:spcPct val="0"/>
+                        </a:spcBef>
+                        <a:spcAft>
+                          <a:spcPct val="0"/>
+                        </a:spcAft>
+                        <a:buClrTx/>
+                        <a:buSzTx/>
+                        <a:buFontTx/>
+                        <a:buNone/>
+                        <a:tabLst/>
+                      </a:pPr>
+                      <a:r>
+                        <a:rPr kumimoji="0" lang="es-PE" sz="2000" b="0" i="0" u="none" strike="noStrike" cap="none" normalizeH="0" baseline="0" smtClean="0">
+                          <a:ln>
+                            <a:noFill/>
+                          </a:ln>
+                          <a:solidFill>
+                            <a:schemeClr val="tx2"/>
+                          </a:solidFill>
+                          <a:effectLst/>
+                          <a:latin typeface="Candara" pitchFamily="34" charset="0"/>
+                        </a:rPr>
+                        <a:t>Representa el registro de la Solicitud de Adenda</a:t>
+                      </a:r>
+                      <a:endParaRPr kumimoji="0" lang="es-ES" sz="2000" b="0" i="0" u="none" strike="noStrike" cap="none" normalizeH="0" baseline="0" smtClean="0">
+                        <a:ln>
+                          <a:noFill/>
+                        </a:ln>
+                        <a:solidFill>
+                          <a:schemeClr val="tx2"/>
+                        </a:solidFill>
+                        <a:effectLst/>
+                        <a:latin typeface="Candara" pitchFamily="34" charset="0"/>
+                      </a:endParaRPr>
+                    </a:p>
+                  </a:txBody>
+                  <a:tcPr horzOverflow="overflow">
+                    <a:lnL w="12700" cap="flat" cmpd="sng" algn="ctr">
+                      <a:solidFill>
+                        <a:schemeClr val="accent1"/>
+                      </a:solidFill>
+                      <a:prstDash val="solid"/>
+                      <a:round/>
+                      <a:headEnd type="none" w="med" len="med"/>
+                      <a:tailEnd type="none" w="med" len="med"/>
+                    </a:lnL>
+                    <a:lnR w="12700" cap="flat" cmpd="sng" algn="ctr">
+                      <a:solidFill>
+                        <a:schemeClr val="accent1"/>
+                      </a:solidFill>
+                      <a:prstDash val="solid"/>
+                      <a:round/>
+                      <a:headEnd type="none" w="med" len="med"/>
+                      <a:tailEnd type="none" w="med" len="med"/>
+                    </a:lnR>
+                    <a:lnT w="12700" cap="flat" cmpd="sng" algn="ctr">
+                      <a:solidFill>
+                        <a:schemeClr val="accent1"/>
+                      </a:solidFill>
+                      <a:prstDash val="solid"/>
+                      <a:round/>
+                      <a:headEnd type="none" w="med" len="med"/>
+                      <a:tailEnd type="none" w="med" len="med"/>
+                    </a:lnT>
+                    <a:lnB w="12700" cap="flat" cmpd="sng" algn="ctr">
+                      <a:solidFill>
+                        <a:schemeClr val="accent1"/>
+                      </a:solidFill>
+                      <a:prstDash val="solid"/>
+                      <a:round/>
+                      <a:headEnd type="none" w="med" len="med"/>
+                      <a:tailEnd type="none" w="med" len="med"/>
+                    </a:lnB>
+                    <a:lnTlToBr>
+                      <a:noFill/>
+                    </a:lnTlToBr>
+                    <a:lnBlToTr>
+                      <a:noFill/>
+                    </a:lnBlToTr>
+                    <a:noFill/>
+                  </a:tcPr>
+                </a:tc>
+              </a:tr>
+              <a:tr h="1162050">
+                <a:tc>
+                  <a:txBody>
+                    <a:bodyPr/>
+                    <a:lstStyle/>
+                    <a:p>
+                      <a:pPr marL="0" marR="0" lvl="0" indent="0" algn="l" defTabSz="914400" rtl="0" eaLnBrk="1" fontAlgn="base" latinLnBrk="0" hangingPunct="1">
+                        <a:lnSpc>
+                          <a:spcPct val="100000"/>
+                        </a:lnSpc>
+                        <a:spcBef>
+                          <a:spcPct val="0"/>
+                        </a:spcBef>
+                        <a:spcAft>
+                          <a:spcPct val="0"/>
+                        </a:spcAft>
+                        <a:buClrTx/>
+                        <a:buSzTx/>
+                        <a:buFontTx/>
+                        <a:buNone/>
+                        <a:tabLst/>
+                      </a:pPr>
                       <a:endParaRPr kumimoji="0" lang="es-ES" sz="1800" b="0" i="0" u="none" strike="noStrike" cap="none" normalizeH="0" baseline="0" smtClean="0">
                         <a:ln>
                           <a:noFill/>
@@ -21643,11 +24949,239 @@
                     </a:solidFill>
                   </a:tcPr>
                 </a:tc>
+                <a:tc>
+                  <a:txBody>
+                    <a:bodyPr/>
+                    <a:lstStyle/>
+                    <a:p>
+                      <a:pPr marL="0" marR="0" lvl="0" indent="0" algn="just" defTabSz="914400" rtl="0" eaLnBrk="1" fontAlgn="base" latinLnBrk="0" hangingPunct="1">
+                        <a:lnSpc>
+                          <a:spcPct val="100000"/>
+                        </a:lnSpc>
+                        <a:spcBef>
+                          <a:spcPct val="0"/>
+                        </a:spcBef>
+                        <a:spcAft>
+                          <a:spcPct val="0"/>
+                        </a:spcAft>
+                        <a:buClrTx/>
+                        <a:buSzTx/>
+                        <a:buFontTx/>
+                        <a:buNone/>
+                        <a:tabLst/>
+                      </a:pPr>
+                      <a:r>
+                        <a:rPr kumimoji="0" lang="es-PE" sz="2000" b="0" i="0" u="none" strike="noStrike" cap="none" normalizeH="0" baseline="0" smtClean="0">
+                          <a:ln>
+                            <a:noFill/>
+                          </a:ln>
+                          <a:solidFill>
+                            <a:schemeClr val="tx2"/>
+                          </a:solidFill>
+                          <a:effectLst/>
+                          <a:latin typeface="Candara" pitchFamily="34" charset="0"/>
+                        </a:rPr>
+                        <a:t>Representa el registro del Servicio</a:t>
+                      </a:r>
+                      <a:endParaRPr kumimoji="0" lang="es-ES" sz="2000" b="0" i="0" u="none" strike="noStrike" cap="none" normalizeH="0" baseline="0" smtClean="0">
+                        <a:ln>
+                          <a:noFill/>
+                        </a:ln>
+                        <a:solidFill>
+                          <a:schemeClr val="tx2"/>
+                        </a:solidFill>
+                        <a:effectLst/>
+                        <a:latin typeface="Candara" pitchFamily="34" charset="0"/>
+                      </a:endParaRPr>
+                    </a:p>
+                  </a:txBody>
+                  <a:tcPr horzOverflow="overflow">
+                    <a:lnL w="12700" cap="flat" cmpd="sng" algn="ctr">
+                      <a:solidFill>
+                        <a:schemeClr val="accent1"/>
+                      </a:solidFill>
+                      <a:prstDash val="solid"/>
+                      <a:round/>
+                      <a:headEnd type="none" w="med" len="med"/>
+                      <a:tailEnd type="none" w="med" len="med"/>
+                    </a:lnL>
+                    <a:lnR w="12700" cap="flat" cmpd="sng" algn="ctr">
+                      <a:solidFill>
+                        <a:schemeClr val="accent1"/>
+                      </a:solidFill>
+                      <a:prstDash val="solid"/>
+                      <a:round/>
+                      <a:headEnd type="none" w="med" len="med"/>
+                      <a:tailEnd type="none" w="med" len="med"/>
+                    </a:lnR>
+                    <a:lnT w="12700" cap="flat" cmpd="sng" algn="ctr">
+                      <a:solidFill>
+                        <a:schemeClr val="accent1"/>
+                      </a:solidFill>
+                      <a:prstDash val="solid"/>
+                      <a:round/>
+                      <a:headEnd type="none" w="med" len="med"/>
+                      <a:tailEnd type="none" w="med" len="med"/>
+                    </a:lnT>
+                    <a:lnB w="12700" cap="flat" cmpd="sng" algn="ctr">
+                      <a:solidFill>
+                        <a:schemeClr val="accent1"/>
+                      </a:solidFill>
+                      <a:prstDash val="solid"/>
+                      <a:round/>
+                      <a:headEnd type="none" w="med" len="med"/>
+                      <a:tailEnd type="none" w="med" len="med"/>
+                    </a:lnB>
+                    <a:lnTlToBr>
+                      <a:noFill/>
+                    </a:lnTlToBr>
+                    <a:lnBlToTr>
+                      <a:noFill/>
+                    </a:lnBlToTr>
+                    <a:solidFill>
+                      <a:schemeClr val="accent1">
+                        <a:alpha val="20000"/>
+                      </a:schemeClr>
+                    </a:solidFill>
+                  </a:tcPr>
+                </a:tc>
               </a:tr>
             </a:tbl>
           </a:graphicData>
         </a:graphic>
       </p:graphicFrame>
+      <p:pic>
+        <p:nvPicPr>
+          <p:cNvPr id="65560" name="Picture 24"/>
+          <p:cNvPicPr>
+            <a:picLocks noChangeAspect="1" noChangeArrowheads="1"/>
+          </p:cNvPicPr>
+          <p:nvPr/>
+        </p:nvPicPr>
+        <p:blipFill>
+          <a:blip r:embed="rId2"/>
+          <a:srcRect/>
+          <a:stretch>
+            <a:fillRect/>
+          </a:stretch>
+        </p:blipFill>
+        <p:spPr bwMode="auto">
+          <a:xfrm>
+            <a:off x="0" y="2247900"/>
+            <a:ext cx="3125788" cy="1325563"/>
+          </a:xfrm>
+          <a:prstGeom prst="rect">
+            <a:avLst/>
+          </a:prstGeom>
+          <a:noFill/>
+          <a:ln w="9525">
+            <a:noFill/>
+            <a:miter lim="800000"/>
+            <a:headEnd/>
+            <a:tailEnd/>
+          </a:ln>
+          <a:effectLst/>
+        </p:spPr>
+      </p:pic>
+      <p:pic>
+        <p:nvPicPr>
+          <p:cNvPr id="65561" name="Picture 25"/>
+          <p:cNvPicPr>
+            <a:picLocks noChangeAspect="1" noChangeArrowheads="1"/>
+          </p:cNvPicPr>
+          <p:nvPr/>
+        </p:nvPicPr>
+        <p:blipFill>
+          <a:blip r:embed="rId3"/>
+          <a:srcRect/>
+          <a:stretch>
+            <a:fillRect/>
+          </a:stretch>
+        </p:blipFill>
+        <p:spPr bwMode="auto">
+          <a:xfrm>
+            <a:off x="34925" y="3357563"/>
+            <a:ext cx="2808288" cy="1189037"/>
+          </a:xfrm>
+          <a:prstGeom prst="rect">
+            <a:avLst/>
+          </a:prstGeom>
+          <a:noFill/>
+          <a:ln w="9525">
+            <a:noFill/>
+            <a:miter lim="800000"/>
+            <a:headEnd/>
+            <a:tailEnd/>
+          </a:ln>
+          <a:effectLst/>
+        </p:spPr>
+      </p:pic>
+      <p:pic>
+        <p:nvPicPr>
+          <p:cNvPr id="65562" name="Picture 26"/>
+          <p:cNvPicPr>
+            <a:picLocks noChangeAspect="1" noChangeArrowheads="1"/>
+          </p:cNvPicPr>
+          <p:nvPr/>
+        </p:nvPicPr>
+        <p:blipFill>
+          <a:blip r:embed="rId4"/>
+          <a:srcRect/>
+          <a:stretch>
+            <a:fillRect/>
+          </a:stretch>
+        </p:blipFill>
+        <p:spPr bwMode="auto">
+          <a:xfrm>
+            <a:off x="-74613" y="4327525"/>
+            <a:ext cx="2990851" cy="1262063"/>
+          </a:xfrm>
+          <a:prstGeom prst="rect">
+            <a:avLst/>
+          </a:prstGeom>
+          <a:noFill/>
+          <a:ln w="9525">
+            <a:noFill/>
+            <a:miter lim="800000"/>
+            <a:headEnd/>
+            <a:tailEnd/>
+          </a:ln>
+          <a:effectLst/>
+        </p:spPr>
+      </p:pic>
+      <p:pic>
+        <p:nvPicPr>
+          <p:cNvPr id="65563" name="Picture 27"/>
+          <p:cNvPicPr>
+            <a:picLocks noChangeAspect="1" noChangeArrowheads="1"/>
+          </p:cNvPicPr>
+          <p:nvPr/>
+        </p:nvPicPr>
+        <p:blipFill>
+          <a:blip r:embed="rId5"/>
+          <a:srcRect/>
+          <a:stretch>
+            <a:fillRect/>
+          </a:stretch>
+        </p:blipFill>
+        <p:spPr bwMode="auto">
+          <a:xfrm>
+            <a:off x="-180975" y="5445125"/>
+            <a:ext cx="3095625" cy="1303338"/>
+          </a:xfrm>
+          <a:prstGeom prst="rect">
+            <a:avLst/>
+          </a:prstGeom>
+          <a:noFill/>
+          <a:ln w="9525">
+            <a:noFill/>
+            <a:miter lim="800000"/>
+            <a:headEnd/>
+            <a:tailEnd/>
+          </a:ln>
+          <a:effectLst/>
+        </p:spPr>
+      </p:pic>
     </p:spTree>
   </p:cSld>
   <p:clrMapOvr>
@@ -21663,7 +25197,7 @@
 </p:sld>
 </file>
 
-<file path=ppt/slides/slide21.xml><?xml version="1.0" encoding="utf-8"?>
+<file path=ppt/slides/slide25.xml><?xml version="1.0" encoding="utf-8"?>
 <p:sld xmlns:a="http://schemas.openxmlformats.org/drawingml/2006/main" xmlns:r="http://schemas.openxmlformats.org/officeDocument/2006/relationships" xmlns:p="http://schemas.openxmlformats.org/presentationml/2006/main">
   <p:cSld>
     <p:spTree>
@@ -21682,7 +25216,7 @@
       </p:grpSpPr>
       <p:sp>
         <p:nvSpPr>
-          <p:cNvPr id="3" name="2 Título"/>
+          <p:cNvPr id="43009" name="2 Título"/>
           <p:cNvSpPr>
             <a:spLocks noGrp="1"/>
           </p:cNvSpPr>
@@ -21697,16 +25231,14 @@
           </a:xfrm>
         </p:spPr>
         <p:txBody>
-          <a:bodyPr>
-            <a:normAutofit/>
-          </a:bodyPr>
+          <a:bodyPr/>
           <a:lstStyle/>
           <a:p>
             <a:pPr eaLnBrk="1" hangingPunct="1"/>
             <a:r>
               <a:rPr lang="es-PE" sz="4000" b="1" smtClean="0">
                 <a:solidFill>
-                  <a:schemeClr val="tx1"/>
+                  <a:schemeClr val="tx2"/>
                 </a:solidFill>
               </a:rPr>
               <a:t>DIAGRAMA DE ACTIVIDADES DEL NEGOCIO</a:t>
@@ -21722,7 +25254,7 @@
 </p:sld>
 </file>
 
-<file path=ppt/slides/slide22.xml><?xml version="1.0" encoding="utf-8"?>
+<file path=ppt/slides/slide26.xml><?xml version="1.0" encoding="utf-8"?>
 <p:sld xmlns:a="http://schemas.openxmlformats.org/drawingml/2006/main" xmlns:r="http://schemas.openxmlformats.org/officeDocument/2006/relationships" xmlns:p="http://schemas.openxmlformats.org/presentationml/2006/main">
   <p:cSld>
     <p:spTree>
@@ -21741,7 +25273,7 @@
       </p:grpSpPr>
       <p:sp>
         <p:nvSpPr>
-          <p:cNvPr id="3" name="2 Título"/>
+          <p:cNvPr id="44033" name="2 Título"/>
           <p:cNvSpPr>
             <a:spLocks noGrp="1"/>
           </p:cNvSpPr>
@@ -21756,16 +25288,14 @@
           </a:xfrm>
         </p:spPr>
         <p:txBody>
-          <a:bodyPr>
-            <a:normAutofit/>
-          </a:bodyPr>
+          <a:bodyPr/>
           <a:lstStyle/>
           <a:p>
             <a:pPr eaLnBrk="1" hangingPunct="1"/>
             <a:r>
               <a:rPr lang="es-PE" sz="4000" b="1" smtClean="0">
                 <a:solidFill>
-                  <a:schemeClr val="tx1"/>
+                  <a:schemeClr val="tx2"/>
                 </a:solidFill>
               </a:rPr>
               <a:t>DIAGRAMA DE CLASES DEL ANALISIS</a:t>
@@ -21781,7 +25311,65 @@
 </p:sld>
 </file>
 
-<file path=ppt/slides/slide23.xml><?xml version="1.0" encoding="utf-8"?>
+<file path=ppt/slides/slide27.xml><?xml version="1.0" encoding="utf-8"?>
+<p:sld xmlns:a="http://schemas.openxmlformats.org/drawingml/2006/main" xmlns:r="http://schemas.openxmlformats.org/officeDocument/2006/relationships" xmlns:p="http://schemas.openxmlformats.org/presentationml/2006/main">
+  <p:cSld>
+    <p:spTree>
+      <p:nvGrpSpPr>
+        <p:cNvPr id="1" name=""/>
+        <p:cNvGrpSpPr/>
+        <p:nvPr/>
+      </p:nvGrpSpPr>
+      <p:grpSpPr>
+        <a:xfrm>
+          <a:off x="0" y="0"/>
+          <a:ext cx="0" cy="0"/>
+          <a:chOff x="0" y="0"/>
+          <a:chExt cx="0" cy="0"/>
+        </a:xfrm>
+      </p:grpSpPr>
+      <p:pic>
+        <p:nvPicPr>
+          <p:cNvPr id="70659" name="Picture 3"/>
+          <p:cNvPicPr>
+            <a:picLocks noChangeAspect="1" noChangeArrowheads="1"/>
+          </p:cNvPicPr>
+          <p:nvPr/>
+        </p:nvPicPr>
+        <p:blipFill>
+          <a:blip r:embed="rId2"/>
+          <a:srcRect/>
+          <a:stretch>
+            <a:fillRect/>
+          </a:stretch>
+        </p:blipFill>
+        <p:spPr bwMode="auto">
+          <a:xfrm>
+            <a:off x="250825" y="-817563"/>
+            <a:ext cx="9351963" cy="7675563"/>
+          </a:xfrm>
+          <a:prstGeom prst="rect">
+            <a:avLst/>
+          </a:prstGeom>
+          <a:noFill/>
+          <a:ln w="9525">
+            <a:noFill/>
+            <a:miter lim="800000"/>
+            <a:headEnd/>
+            <a:tailEnd/>
+          </a:ln>
+          <a:effectLst/>
+        </p:spPr>
+      </p:pic>
+    </p:spTree>
+  </p:cSld>
+  <p:clrMapOvr>
+    <a:masterClrMapping/>
+  </p:clrMapOvr>
+</p:sld>
+</file>
+
+<file path=ppt/slides/slide28.xml><?xml version="1.0" encoding="utf-8"?>
 <p:sld xmlns:a="http://schemas.openxmlformats.org/drawingml/2006/main" xmlns:r="http://schemas.openxmlformats.org/officeDocument/2006/relationships" xmlns:p="http://schemas.openxmlformats.org/presentationml/2006/main">
   <p:cSld>
     <p:spTree>
@@ -21800,7 +25388,64 @@
       </p:grpSpPr>
       <p:sp>
         <p:nvSpPr>
-          <p:cNvPr id="28673" name="1 Título"/>
+          <p:cNvPr id="58370" name="2 Título"/>
+          <p:cNvSpPr>
+            <a:spLocks noGrp="1"/>
+          </p:cNvSpPr>
+          <p:nvPr>
+            <p:ph type="title" idx="4294967295"/>
+          </p:nvPr>
+        </p:nvSpPr>
+        <p:spPr>
+          <a:xfrm>
+            <a:off x="611188" y="2852738"/>
+            <a:ext cx="8229600" cy="1252537"/>
+          </a:xfrm>
+        </p:spPr>
+        <p:txBody>
+          <a:bodyPr/>
+          <a:lstStyle/>
+          <a:p>
+            <a:pPr eaLnBrk="1" hangingPunct="1"/>
+            <a:r>
+              <a:rPr lang="es-PE" sz="4000" b="1" smtClean="0">
+                <a:solidFill>
+                  <a:schemeClr val="tx2"/>
+                </a:solidFill>
+              </a:rPr>
+              <a:t>CONCLUSIONES</a:t>
+            </a:r>
+          </a:p>
+        </p:txBody>
+      </p:sp>
+    </p:spTree>
+  </p:cSld>
+  <p:clrMapOvr>
+    <a:masterClrMapping/>
+  </p:clrMapOvr>
+</p:sld>
+</file>
+
+<file path=ppt/slides/slide29.xml><?xml version="1.0" encoding="utf-8"?>
+<p:sld xmlns:a="http://schemas.openxmlformats.org/drawingml/2006/main" xmlns:r="http://schemas.openxmlformats.org/officeDocument/2006/relationships" xmlns:p="http://schemas.openxmlformats.org/presentationml/2006/main">
+  <p:cSld>
+    <p:spTree>
+      <p:nvGrpSpPr>
+        <p:cNvPr id="1" name=""/>
+        <p:cNvGrpSpPr/>
+        <p:nvPr/>
+      </p:nvGrpSpPr>
+      <p:grpSpPr>
+        <a:xfrm>
+          <a:off x="0" y="0"/>
+          <a:ext cx="0" cy="0"/>
+          <a:chOff x="0" y="0"/>
+          <a:chExt cx="0" cy="0"/>
+        </a:xfrm>
+      </p:grpSpPr>
+      <p:sp>
+        <p:nvSpPr>
+          <p:cNvPr id="45057" name="1 Título"/>
           <p:cNvSpPr>
             <a:spLocks noGrp="1"/>
           </p:cNvSpPr>
@@ -21829,7 +25474,7 @@
       </p:sp>
       <p:sp>
         <p:nvSpPr>
-          <p:cNvPr id="28674" name="2 Subtítulo"/>
+          <p:cNvPr id="45058" name="2 Subtítulo"/>
           <p:cNvSpPr>
             <a:spLocks noGrp="1"/>
           </p:cNvSpPr>
@@ -21857,7 +25502,7 @@
       </p:sp>
       <p:sp>
         <p:nvSpPr>
-          <p:cNvPr id="28675" name="3 CuadroTexto"/>
+          <p:cNvPr id="45059" name="3 CuadroTexto"/>
           <p:cNvSpPr txBox="1">
             <a:spLocks noChangeArrowheads="1"/>
           </p:cNvSpPr>
@@ -21942,7 +25587,7 @@
       </p:sp>
       <p:sp>
         <p:nvSpPr>
-          <p:cNvPr id="28676" name="4 CuadroTexto"/>
+          <p:cNvPr id="45060" name="4 CuadroTexto"/>
           <p:cNvSpPr txBox="1">
             <a:spLocks noChangeArrowheads="1"/>
           </p:cNvSpPr>
@@ -22025,7 +25670,7 @@
       </p:grpSpPr>
       <p:sp>
         <p:nvSpPr>
-          <p:cNvPr id="35842" name="2 Título"/>
+          <p:cNvPr id="69634" name="2 Título"/>
           <p:cNvSpPr>
             <a:spLocks noGrp="1"/>
           </p:cNvSpPr>
@@ -22035,8 +25680,8 @@
         </p:nvSpPr>
         <p:spPr>
           <a:xfrm>
-            <a:off x="611188" y="2852738"/>
-            <a:ext cx="8229600" cy="1252537"/>
+            <a:off x="755650" y="2852738"/>
+            <a:ext cx="8085138" cy="3313112"/>
           </a:xfrm>
         </p:spPr>
         <p:txBody>
@@ -22045,12 +25690,16 @@
           <a:p>
             <a:pPr eaLnBrk="1" hangingPunct="1"/>
             <a:r>
-              <a:rPr lang="es-PE" b="1" smtClean="0">
+              <a:rPr lang="es-PE" sz="2800" b="1" smtClean="0">
                 <a:solidFill>
                   <a:schemeClr val="tx1"/>
                 </a:solidFill>
               </a:rPr>
-              <a:t>INTRODUCCION</a:t>
+              <a:t>En la actualidad, el mejoramiento de los procesos de toda organización es beneficioso para el logro de sus objetivos. Esto se logra con el uso de herramientas de modelado que permiten estructurar, diseñar y graficar los distintos procesos, subprocesos, reglas de negocio, cadena de valor, y demás componentes que permitan relacionar los artefactos de una</a:t>
+            </a:r>
+            <a:r>
+              <a:rPr lang="es-PE" sz="2800" b="1" smtClean="0"/>
+              <a:t> manera integral.</a:t>
             </a:r>
           </a:p>
         </p:txBody>
@@ -22082,7 +25731,7 @@
       </p:grpSpPr>
       <p:sp>
         <p:nvSpPr>
-          <p:cNvPr id="36866" name="2 Título"/>
+          <p:cNvPr id="18433" name="2 Título"/>
           <p:cNvSpPr>
             <a:spLocks noGrp="1"/>
           </p:cNvSpPr>
@@ -22104,7 +25753,7 @@
             <a:r>
               <a:rPr lang="es-PE" b="1" smtClean="0">
                 <a:solidFill>
-                  <a:schemeClr val="tx1"/>
+                  <a:schemeClr val="tx2"/>
                 </a:solidFill>
               </a:rPr>
               <a:t>OBJETO DE ESTUDIO</a:t>
@@ -22139,7 +25788,7 @@
       </p:grpSpPr>
       <p:sp>
         <p:nvSpPr>
-          <p:cNvPr id="37890" name="2 Título"/>
+          <p:cNvPr id="67586" name="2 Título"/>
           <p:cNvSpPr>
             <a:spLocks noGrp="1"/>
           </p:cNvSpPr>
@@ -22149,8 +25798,8 @@
         </p:nvSpPr>
         <p:spPr>
           <a:xfrm>
-            <a:off x="611188" y="2852738"/>
-            <a:ext cx="8229600" cy="1252537"/>
+            <a:off x="468313" y="2636838"/>
+            <a:ext cx="8229600" cy="3097212"/>
           </a:xfrm>
         </p:spPr>
         <p:txBody>
@@ -22159,13 +25808,18 @@
           <a:p>
             <a:pPr eaLnBrk="1" hangingPunct="1"/>
             <a:r>
-              <a:rPr lang="es-PE" b="1" smtClean="0">
+              <a:rPr lang="es-PE" sz="2800" b="1" smtClean="0">
                 <a:solidFill>
                   <a:schemeClr val="tx1"/>
                 </a:solidFill>
               </a:rPr>
-              <a:t>CAMPO DE ACCION</a:t>
+              <a:t>TMD S.A. actúa como su socio especialista en Tecnología de la información; diseñando, implementando operando y administrando la solución tecnológica; y en muchos oportunidades haciéndose responsable de procesos integrales que pueden incluir infraestructura, recursos humanos, aplicaciones, supervisión y auditoría</a:t>
             </a:r>
+            <a:r>
+              <a:rPr lang="es-ES" sz="4000" smtClean="0"/>
+              <a:t> </a:t>
+            </a:r>
+            <a:endParaRPr lang="es-PE" sz="4000" smtClean="0"/>
           </a:p>
         </p:txBody>
       </p:sp>
@@ -22196,7 +25850,7 @@
       </p:grpSpPr>
       <p:sp>
         <p:nvSpPr>
-          <p:cNvPr id="38914" name="2 Título"/>
+          <p:cNvPr id="19457" name="2 Título"/>
           <p:cNvSpPr>
             <a:spLocks noGrp="1"/>
           </p:cNvSpPr>
@@ -22218,7 +25872,121 @@
             <a:r>
               <a:rPr lang="es-PE" b="1" smtClean="0">
                 <a:solidFill>
+                  <a:schemeClr val="tx2"/>
+                </a:solidFill>
+              </a:rPr>
+              <a:t>CAMPO DE ACCION</a:t>
+            </a:r>
+          </a:p>
+        </p:txBody>
+      </p:sp>
+    </p:spTree>
+  </p:cSld>
+  <p:clrMapOvr>
+    <a:masterClrMapping/>
+  </p:clrMapOvr>
+</p:sld>
+</file>
+
+<file path=ppt/slides/slide7.xml><?xml version="1.0" encoding="utf-8"?>
+<p:sld xmlns:a="http://schemas.openxmlformats.org/drawingml/2006/main" xmlns:r="http://schemas.openxmlformats.org/officeDocument/2006/relationships" xmlns:p="http://schemas.openxmlformats.org/presentationml/2006/main">
+  <p:cSld>
+    <p:spTree>
+      <p:nvGrpSpPr>
+        <p:cNvPr id="1" name=""/>
+        <p:cNvGrpSpPr/>
+        <p:nvPr/>
+      </p:nvGrpSpPr>
+      <p:grpSpPr>
+        <a:xfrm>
+          <a:off x="0" y="0"/>
+          <a:ext cx="0" cy="0"/>
+          <a:chOff x="0" y="0"/>
+          <a:chExt cx="0" cy="0"/>
+        </a:xfrm>
+      </p:grpSpPr>
+      <p:sp>
+        <p:nvSpPr>
+          <p:cNvPr id="68610" name="2 Título"/>
+          <p:cNvSpPr>
+            <a:spLocks noGrp="1"/>
+          </p:cNvSpPr>
+          <p:nvPr>
+            <p:ph type="title" idx="4294967295"/>
+          </p:nvPr>
+        </p:nvSpPr>
+        <p:spPr>
+          <a:xfrm>
+            <a:off x="611188" y="2852738"/>
+            <a:ext cx="8229600" cy="1871662"/>
+          </a:xfrm>
+        </p:spPr>
+        <p:txBody>
+          <a:bodyPr/>
+          <a:lstStyle/>
+          <a:p>
+            <a:pPr eaLnBrk="1" hangingPunct="1"/>
+            <a:r>
+              <a:rPr lang="es-PE" sz="4000" b="1" smtClean="0">
+                <a:solidFill>
                   <a:schemeClr val="tx1"/>
+                </a:solidFill>
+              </a:rPr>
+              <a:t>El Campo del proceso de Contratos de Clientas se dentro de la Organización TMD S.A.</a:t>
+            </a:r>
+          </a:p>
+        </p:txBody>
+      </p:sp>
+    </p:spTree>
+  </p:cSld>
+  <p:clrMapOvr>
+    <a:masterClrMapping/>
+  </p:clrMapOvr>
+</p:sld>
+</file>
+
+<file path=ppt/slides/slide8.xml><?xml version="1.0" encoding="utf-8"?>
+<p:sld xmlns:a="http://schemas.openxmlformats.org/drawingml/2006/main" xmlns:r="http://schemas.openxmlformats.org/officeDocument/2006/relationships" xmlns:p="http://schemas.openxmlformats.org/presentationml/2006/main">
+  <p:cSld>
+    <p:spTree>
+      <p:nvGrpSpPr>
+        <p:cNvPr id="1" name=""/>
+        <p:cNvGrpSpPr/>
+        <p:nvPr/>
+      </p:nvGrpSpPr>
+      <p:grpSpPr>
+        <a:xfrm>
+          <a:off x="0" y="0"/>
+          <a:ext cx="0" cy="0"/>
+          <a:chOff x="0" y="0"/>
+          <a:chExt cx="0" cy="0"/>
+        </a:xfrm>
+      </p:grpSpPr>
+      <p:sp>
+        <p:nvSpPr>
+          <p:cNvPr id="20481" name="2 Título"/>
+          <p:cNvSpPr>
+            <a:spLocks noGrp="1"/>
+          </p:cNvSpPr>
+          <p:nvPr>
+            <p:ph type="title" idx="4294967295"/>
+          </p:nvPr>
+        </p:nvSpPr>
+        <p:spPr>
+          <a:xfrm>
+            <a:off x="611188" y="2852738"/>
+            <a:ext cx="8229600" cy="1252537"/>
+          </a:xfrm>
+        </p:spPr>
+        <p:txBody>
+          <a:bodyPr/>
+          <a:lstStyle/>
+          <a:p>
+            <a:pPr eaLnBrk="1" hangingPunct="1"/>
+            <a:r>
+              <a:rPr lang="es-PE" b="1" smtClean="0">
+                <a:solidFill>
+                  <a:schemeClr val="tx2"/>
                 </a:solidFill>
               </a:rPr>
               <a:t>REGLAS DE NEGOCIO</a:t>
@@ -22234,7 +26002,7 @@
 </p:sld>
 </file>
 
-<file path=ppt/slides/slide7.xml><?xml version="1.0" encoding="utf-8"?>
+<file path=ppt/slides/slide9.xml><?xml version="1.0" encoding="utf-8"?>
 <p:sld xmlns:a="http://schemas.openxmlformats.org/drawingml/2006/main" xmlns:r="http://schemas.openxmlformats.org/officeDocument/2006/relationships" xmlns:p="http://schemas.openxmlformats.org/presentationml/2006/main">
   <p:cSld>
     <p:spTree>
@@ -22407,12 +26175,25 @@
                         <a:buNone/>
                         <a:tabLst/>
                       </a:pPr>
-                      <a:endParaRPr kumimoji="0" lang="es-ES" sz="1800" b="1" i="0" u="none" strike="noStrike" cap="none" normalizeH="0" baseline="0" smtClean="0">
+                      <a:r>
+                        <a:rPr kumimoji="0" lang="es-PE" sz="2000" b="0" i="1" u="none" strike="noStrike" cap="none" normalizeH="0" baseline="0" smtClean="0">
+                          <a:ln>
+                            <a:noFill/>
+                          </a:ln>
+                          <a:solidFill>
+                            <a:schemeClr val="tx2"/>
+                          </a:solidFill>
+                          <a:effectLst/>
+                          <a:latin typeface="Candara" pitchFamily="34" charset="0"/>
+                        </a:rPr>
+                        <a:t>Se definen las siguientes líneas para los Tipos de Servicio: </a:t>
+                      </a:r>
+                      <a:endParaRPr kumimoji="0" lang="es-ES" sz="2000" b="0" i="1" u="none" strike="noStrike" cap="none" normalizeH="0" baseline="0" smtClean="0">
                         <a:ln>
                           <a:noFill/>
                         </a:ln>
                         <a:solidFill>
-                          <a:schemeClr val="tx1"/>
+                          <a:schemeClr val="tx2"/>
                         </a:solidFill>
                         <a:effectLst/>
                         <a:latin typeface="Candara" pitchFamily="34" charset="0"/>
@@ -22555,28 +26336,142 @@
                     <a:bodyPr/>
                     <a:lstStyle/>
                     <a:p>
-                      <a:pPr marL="0" marR="0" lvl="0" indent="0" algn="l" defTabSz="914400" rtl="0" eaLnBrk="1" fontAlgn="base" latinLnBrk="0" hangingPunct="1">
+                      <a:pPr marL="0" marR="0" lvl="0" indent="0" algn="l" defTabSz="914400" rtl="0" eaLnBrk="0" fontAlgn="base" latinLnBrk="0" hangingPunct="0">
                         <a:lnSpc>
                           <a:spcPct val="100000"/>
                         </a:lnSpc>
                         <a:spcBef>
-                          <a:spcPct val="0"/>
+                          <a:spcPct val="20000"/>
                         </a:spcBef>
                         <a:spcAft>
                           <a:spcPct val="0"/>
                         </a:spcAft>
-                        <a:buClrTx/>
-                        <a:buSzTx/>
-                        <a:buFontTx/>
+                        <a:buClr>
+                          <a:schemeClr val="accent1"/>
+                        </a:buClr>
+                        <a:buSzPct val="100000"/>
+                        <a:buFont typeface="Symbol" pitchFamily="18" charset="2"/>
                         <a:buNone/>
                         <a:tabLst/>
                       </a:pPr>
-                      <a:endParaRPr kumimoji="0" lang="es-ES" sz="1800" b="0" i="1" u="none" strike="noStrike" cap="none" normalizeH="0" baseline="0" smtClean="0">
+                      <a:r>
+                        <a:rPr kumimoji="0" lang="es-PE" sz="2000" b="0" i="1" u="none" strike="noStrike" cap="none" normalizeH="0" baseline="0" smtClean="0">
+                          <a:ln>
+                            <a:noFill/>
+                          </a:ln>
+                          <a:solidFill>
+                            <a:schemeClr val="tx2"/>
+                          </a:solidFill>
+                          <a:effectLst/>
+                          <a:latin typeface="Candara" pitchFamily="34" charset="0"/>
+                        </a:rPr>
+                        <a:t>Se definen las siguientes Categorías de Tipos de Cliente: </a:t>
+                      </a:r>
+                    </a:p>
+                    <a:p>
+                      <a:pPr marL="0" marR="0" lvl="0" indent="0" algn="l" defTabSz="914400" rtl="0" eaLnBrk="0" fontAlgn="base" latinLnBrk="0" hangingPunct="0">
+                        <a:lnSpc>
+                          <a:spcPct val="100000"/>
+                        </a:lnSpc>
+                        <a:spcBef>
+                          <a:spcPct val="20000"/>
+                        </a:spcBef>
+                        <a:spcAft>
+                          <a:spcPct val="0"/>
+                        </a:spcAft>
+                        <a:buClr>
+                          <a:schemeClr val="accent1"/>
+                        </a:buClr>
+                        <a:buSzPct val="100000"/>
+                        <a:buFont typeface="Symbol" pitchFamily="18" charset="2"/>
+                        <a:buNone/>
+                        <a:tabLst/>
+                      </a:pPr>
+                      <a:r>
+                        <a:rPr kumimoji="0" lang="es-PE" sz="2000" b="0" i="1" u="none" strike="noStrike" cap="none" normalizeH="0" baseline="0" smtClean="0">
+                          <a:ln>
+                            <a:noFill/>
+                          </a:ln>
+                          <a:solidFill>
+                            <a:schemeClr val="tx2"/>
+                          </a:solidFill>
+                          <a:effectLst/>
+                          <a:latin typeface="Candara" pitchFamily="34" charset="0"/>
+                        </a:rPr>
+                        <a:t>Industria y Comercio.</a:t>
+                      </a:r>
+                    </a:p>
+                    <a:p>
+                      <a:pPr marL="0" marR="0" lvl="0" indent="0" algn="l" defTabSz="914400" rtl="0" eaLnBrk="0" fontAlgn="base" latinLnBrk="0" hangingPunct="0">
+                        <a:lnSpc>
+                          <a:spcPct val="100000"/>
+                        </a:lnSpc>
+                        <a:spcBef>
+                          <a:spcPct val="20000"/>
+                        </a:spcBef>
+                        <a:spcAft>
+                          <a:spcPct val="0"/>
+                        </a:spcAft>
+                        <a:buClr>
+                          <a:schemeClr val="accent1"/>
+                        </a:buClr>
+                        <a:buSzPct val="100000"/>
+                        <a:buFont typeface="Symbol" pitchFamily="18" charset="2"/>
+                        <a:buNone/>
+                        <a:tabLst/>
+                      </a:pPr>
+                      <a:r>
+                        <a:rPr kumimoji="0" lang="es-PE" sz="2000" b="0" i="1" u="none" strike="noStrike" cap="none" normalizeH="0" baseline="0" smtClean="0">
+                          <a:ln>
+                            <a:noFill/>
+                          </a:ln>
+                          <a:solidFill>
+                            <a:schemeClr val="tx2"/>
+                          </a:solidFill>
+                          <a:effectLst/>
+                          <a:latin typeface="Candara" pitchFamily="34" charset="0"/>
+                        </a:rPr>
+                        <a:t>Banca y Finanzas.</a:t>
+                      </a:r>
+                    </a:p>
+                    <a:p>
+                      <a:pPr marL="0" marR="0" lvl="0" indent="0" algn="l" defTabSz="914400" rtl="0" eaLnBrk="0" fontAlgn="base" latinLnBrk="0" hangingPunct="0">
+                        <a:lnSpc>
+                          <a:spcPct val="100000"/>
+                        </a:lnSpc>
+                        <a:spcBef>
+                          <a:spcPct val="20000"/>
+                        </a:spcBef>
+                        <a:spcAft>
+                          <a:spcPct val="0"/>
+                        </a:spcAft>
+                        <a:buClr>
+                          <a:schemeClr val="accent1"/>
+                        </a:buClr>
+                        <a:buSzPct val="100000"/>
+                        <a:buFont typeface="Symbol" pitchFamily="18" charset="2"/>
+                        <a:buNone/>
+                        <a:tabLst/>
+                      </a:pPr>
+                      <a:r>
+                        <a:rPr kumimoji="0" lang="es-PE" sz="2000" b="0" i="1" u="none" strike="noStrike" cap="none" normalizeH="0" baseline="0" smtClean="0">
+                          <a:ln>
+                            <a:noFill/>
+                          </a:ln>
+                          <a:solidFill>
+                            <a:schemeClr val="tx2"/>
+                          </a:solidFill>
+                          <a:effectLst/>
+                          <a:latin typeface="Candara" pitchFamily="34" charset="0"/>
+                        </a:rPr>
+                        <a:t>Gobierno y Servicios públicos.</a:t>
+                      </a:r>
+                      <a:endParaRPr kumimoji="0" lang="es-ES" sz="2000" b="0" i="1" u="none" strike="noStrike" cap="none" normalizeH="0" baseline="0" smtClean="0">
                         <a:ln>
                           <a:noFill/>
                         </a:ln>
                         <a:solidFill>
-                          <a:schemeClr val="tx1"/>
+                          <a:schemeClr val="tx2"/>
                         </a:solidFill>
                         <a:effectLst/>
                         <a:latin typeface="Candara" pitchFamily="34" charset="0"/>
@@ -22735,12 +26630,38 @@
                         <a:buNone/>
                         <a:tabLst/>
                       </a:pPr>
-                      <a:endParaRPr kumimoji="0" lang="es-ES" sz="1800" b="0" i="1" u="none" strike="noStrike" cap="none" normalizeH="0" baseline="0" smtClean="0">
+                      <a:r>
+                        <a:rPr kumimoji="0" lang="es-PE" sz="2000" b="0" i="1" u="none" strike="noStrike" cap="none" normalizeH="0" baseline="0" smtClean="0">
+                          <a:ln>
+                            <a:noFill/>
+                          </a:ln>
+                          <a:solidFill>
+                            <a:schemeClr val="tx2"/>
+                          </a:solidFill>
+                          <a:effectLst/>
+                          <a:latin typeface="Candara" pitchFamily="34" charset="0"/>
+                        </a:rPr>
+                        <a:t>Se definen los siguientes Tipos de Servicio por Línea de Servicio: </a:t>
+                      </a:r>
+                      <a:r>
+                        <a:rPr kumimoji="0" lang="es-PE" sz="2000" b="1" i="1" u="none" strike="noStrike" cap="none" normalizeH="0" baseline="0" smtClean="0">
+                          <a:ln>
+                            <a:noFill/>
+                          </a:ln>
+                          <a:solidFill>
+                            <a:schemeClr val="tx2"/>
+                          </a:solidFill>
+                          <a:effectLst/>
+                          <a:latin typeface="Candara" pitchFamily="34" charset="0"/>
+                        </a:rPr>
+                        <a:t>Outsourcing de Tecnología, Software Factory, Outsourcing de Procesos, Outsourcing de Servicios de Aplicación y Servicios de Tecnología</a:t>
+                      </a:r>
+                      <a:endParaRPr kumimoji="0" lang="es-ES" sz="2000" b="1" i="1" u="none" strike="noStrike" cap="none" normalizeH="0" baseline="0" smtClean="0">
                         <a:ln>
                           <a:noFill/>
                         </a:ln>
                         <a:solidFill>
-                          <a:schemeClr val="tx1"/>
+                          <a:schemeClr val="tx2"/>
                         </a:solidFill>
                         <a:effectLst/>
                         <a:latin typeface="Candara" pitchFamily="34" charset="0"/>
@@ -22798,1164 +26719,105 @@
           </a:graphicData>
         </a:graphic>
       </p:graphicFrame>
-    </p:spTree>
-  </p:cSld>
-  <p:clrMapOvr>
-    <a:masterClrMapping/>
-  </p:clrMapOvr>
-  <p:timing>
-    <p:tnLst>
-      <p:par>
-        <p:cTn id="1" dur="indefinite" restart="never" nodeType="tmRoot"/>
-      </p:par>
-    </p:tnLst>
-  </p:timing>
-</p:sld>
-</file>
-
-<file path=ppt/slides/slide8.xml><?xml version="1.0" encoding="utf-8"?>
-<p:sld xmlns:a="http://schemas.openxmlformats.org/drawingml/2006/main" xmlns:r="http://schemas.openxmlformats.org/officeDocument/2006/relationships" xmlns:p="http://schemas.openxmlformats.org/presentationml/2006/main">
-  <p:cSld>
-    <p:spTree>
-      <p:nvGrpSpPr>
-        <p:cNvPr id="1" name=""/>
-        <p:cNvGrpSpPr/>
-        <p:nvPr/>
-      </p:nvGrpSpPr>
-      <p:grpSpPr>
-        <a:xfrm>
-          <a:off x="0" y="0"/>
-          <a:ext cx="0" cy="0"/>
-          <a:chOff x="0" y="0"/>
-          <a:chExt cx="0" cy="0"/>
-        </a:xfrm>
-      </p:grpSpPr>
-      <p:sp>
-        <p:nvSpPr>
-          <p:cNvPr id="3" name="2 Título"/>
-          <p:cNvSpPr>
-            <a:spLocks noGrp="1"/>
-          </p:cNvSpPr>
-          <p:nvPr>
-            <p:ph type="title" idx="4294967295"/>
-          </p:nvPr>
-        </p:nvSpPr>
-        <p:spPr/>
-        <p:txBody>
-          <a:bodyPr rtlCol="0">
-            <a:normAutofit fontScale="90000"/>
-          </a:bodyPr>
-          <a:lstStyle/>
-          <a:p>
-            <a:pPr eaLnBrk="1" fontAlgn="auto" hangingPunct="1">
-              <a:spcAft>
-                <a:spcPts val="0"/>
-              </a:spcAft>
-              <a:defRPr/>
-            </a:pPr>
-            <a:r>
-              <a:rPr lang="es-PE" dirty="0"/>
-              <a:t>ESPECIFICACION DE REGLAS DE </a:t>
-            </a:r>
-            <a:r>
-              <a:rPr lang="es-PE" dirty="0" smtClean="0"/>
-              <a:t>NEGOCIO (Contratos de Clientes)</a:t>
-            </a:r>
-            <a:endParaRPr lang="es-PE" dirty="0"/>
-          </a:p>
-        </p:txBody>
-      </p:sp>
-      <p:graphicFrame>
-        <p:nvGraphicFramePr>
-          <p:cNvPr id="41987" name="Group 3"/>
-          <p:cNvGraphicFramePr>
-            <a:graphicFrameLocks noGrp="1"/>
-          </p:cNvGraphicFramePr>
+      <p:pic>
+        <p:nvPicPr>
+          <p:cNvPr id="21521" name="Picture 17"/>
+          <p:cNvPicPr>
+            <a:picLocks noChangeAspect="1" noChangeArrowheads="1"/>
+          </p:cNvPicPr>
           <p:nvPr/>
-        </p:nvGraphicFramePr>
-        <p:xfrm>
-          <a:off x="323850" y="2349500"/>
-          <a:ext cx="8496300" cy="4211638"/>
-        </p:xfrm>
-        <a:graphic>
-          <a:graphicData uri="http://schemas.openxmlformats.org/drawingml/2006/table">
-            <a:tbl>
-              <a:tblPr/>
-              <a:tblGrid>
-                <a:gridCol w="2447925"/>
-                <a:gridCol w="6048375"/>
-              </a:tblGrid>
-              <a:tr h="1152525">
-                <a:tc>
-                  <a:txBody>
-                    <a:bodyPr/>
-                    <a:lstStyle/>
-                    <a:p>
-                      <a:pPr marL="0" marR="0" lvl="0" indent="0" algn="l" defTabSz="914400" rtl="0" eaLnBrk="1" fontAlgn="base" latinLnBrk="0" hangingPunct="1">
-                        <a:lnSpc>
-                          <a:spcPct val="100000"/>
-                        </a:lnSpc>
-                        <a:spcBef>
-                          <a:spcPct val="0"/>
-                        </a:spcBef>
-                        <a:spcAft>
-                          <a:spcPct val="0"/>
-                        </a:spcAft>
-                        <a:buClrTx/>
-                        <a:buSzTx/>
-                        <a:buFontTx/>
-                        <a:buNone/>
-                        <a:tabLst/>
-                      </a:pPr>
-                      <a:endParaRPr kumimoji="0" lang="es-ES" sz="1800" b="1" i="0" u="none" strike="noStrike" cap="none" normalizeH="0" baseline="0" smtClean="0">
-                        <a:ln>
-                          <a:noFill/>
-                        </a:ln>
-                        <a:solidFill>
-                          <a:schemeClr val="tx1"/>
-                        </a:solidFill>
-                        <a:effectLst/>
-                        <a:latin typeface="Candara" pitchFamily="34" charset="0"/>
-                      </a:endParaRPr>
-                    </a:p>
-                  </a:txBody>
-                  <a:tcPr horzOverflow="overflow">
-                    <a:lnL w="12700" cap="flat" cmpd="sng" algn="ctr">
-                      <a:solidFill>
-                        <a:schemeClr val="accent1"/>
-                      </a:solidFill>
-                      <a:prstDash val="solid"/>
-                      <a:round/>
-                      <a:headEnd type="none" w="med" len="med"/>
-                      <a:tailEnd type="none" w="med" len="med"/>
-                    </a:lnL>
-                    <a:lnR w="12700" cap="flat" cmpd="sng" algn="ctr">
-                      <a:solidFill>
-                        <a:schemeClr val="accent1"/>
-                      </a:solidFill>
-                      <a:prstDash val="solid"/>
-                      <a:round/>
-                      <a:headEnd type="none" w="med" len="med"/>
-                      <a:tailEnd type="none" w="med" len="med"/>
-                    </a:lnR>
-                    <a:lnT w="12700" cap="flat" cmpd="sng" algn="ctr">
-                      <a:solidFill>
-                        <a:schemeClr val="accent1"/>
-                      </a:solidFill>
-                      <a:prstDash val="solid"/>
-                      <a:round/>
-                      <a:headEnd type="none" w="med" len="med"/>
-                      <a:tailEnd type="none" w="med" len="med"/>
-                    </a:lnT>
-                    <a:lnB w="25400" cap="flat" cmpd="sng" algn="ctr">
-                      <a:solidFill>
-                        <a:schemeClr val="accent1"/>
-                      </a:solidFill>
-                      <a:prstDash val="solid"/>
-                      <a:round/>
-                      <a:headEnd type="none" w="med" len="med"/>
-                      <a:tailEnd type="none" w="med" len="med"/>
-                    </a:lnB>
-                    <a:lnTlToBr>
-                      <a:noFill/>
-                    </a:lnTlToBr>
-                    <a:lnBlToTr>
-                      <a:noFill/>
-                    </a:lnBlToTr>
-                    <a:noFill/>
-                  </a:tcPr>
-                </a:tc>
-                <a:tc>
-                  <a:txBody>
-                    <a:bodyPr/>
-                    <a:lstStyle/>
-                    <a:p>
-                      <a:pPr marL="0" marR="0" lvl="0" indent="0" algn="l" defTabSz="914400" rtl="0" eaLnBrk="1" fontAlgn="base" latinLnBrk="0" hangingPunct="1">
-                        <a:lnSpc>
-                          <a:spcPct val="100000"/>
-                        </a:lnSpc>
-                        <a:spcBef>
-                          <a:spcPct val="0"/>
-                        </a:spcBef>
-                        <a:spcAft>
-                          <a:spcPct val="0"/>
-                        </a:spcAft>
-                        <a:buClrTx/>
-                        <a:buSzTx/>
-                        <a:buFontTx/>
-                        <a:buNone/>
-                        <a:tabLst/>
-                      </a:pPr>
-                      <a:endParaRPr kumimoji="0" lang="es-ES" sz="1800" b="1" i="0" u="none" strike="noStrike" cap="none" normalizeH="0" baseline="0" smtClean="0">
-                        <a:ln>
-                          <a:noFill/>
-                        </a:ln>
-                        <a:solidFill>
-                          <a:schemeClr val="tx1"/>
-                        </a:solidFill>
-                        <a:effectLst/>
-                        <a:latin typeface="Candara" pitchFamily="34" charset="0"/>
-                      </a:endParaRPr>
-                    </a:p>
-                  </a:txBody>
-                  <a:tcPr horzOverflow="overflow">
-                    <a:lnL w="12700" cap="flat" cmpd="sng" algn="ctr">
-                      <a:solidFill>
-                        <a:schemeClr val="accent1"/>
-                      </a:solidFill>
-                      <a:prstDash val="solid"/>
-                      <a:round/>
-                      <a:headEnd type="none" w="med" len="med"/>
-                      <a:tailEnd type="none" w="med" len="med"/>
-                    </a:lnL>
-                    <a:lnR w="12700" cap="flat" cmpd="sng" algn="ctr">
-                      <a:solidFill>
-                        <a:schemeClr val="accent1"/>
-                      </a:solidFill>
-                      <a:prstDash val="solid"/>
-                      <a:round/>
-                      <a:headEnd type="none" w="med" len="med"/>
-                      <a:tailEnd type="none" w="med" len="med"/>
-                    </a:lnR>
-                    <a:lnT w="12700" cap="flat" cmpd="sng" algn="ctr">
-                      <a:solidFill>
-                        <a:schemeClr val="accent1"/>
-                      </a:solidFill>
-                      <a:prstDash val="solid"/>
-                      <a:round/>
-                      <a:headEnd type="none" w="med" len="med"/>
-                      <a:tailEnd type="none" w="med" len="med"/>
-                    </a:lnT>
-                    <a:lnB w="25400" cap="flat" cmpd="sng" algn="ctr">
-                      <a:solidFill>
-                        <a:schemeClr val="accent1"/>
-                      </a:solidFill>
-                      <a:prstDash val="solid"/>
-                      <a:round/>
-                      <a:headEnd type="none" w="med" len="med"/>
-                      <a:tailEnd type="none" w="med" len="med"/>
-                    </a:lnB>
-                    <a:lnTlToBr>
-                      <a:noFill/>
-                    </a:lnTlToBr>
-                    <a:lnBlToTr>
-                      <a:noFill/>
-                    </a:lnBlToTr>
-                    <a:noFill/>
-                  </a:tcPr>
-                </a:tc>
-              </a:tr>
-              <a:tr h="1493838">
-                <a:tc>
-                  <a:txBody>
-                    <a:bodyPr/>
-                    <a:lstStyle/>
-                    <a:p>
-                      <a:pPr marL="0" marR="0" lvl="0" indent="0" algn="l" defTabSz="914400" rtl="0" eaLnBrk="1" fontAlgn="base" latinLnBrk="0" hangingPunct="1">
-                        <a:lnSpc>
-                          <a:spcPct val="100000"/>
-                        </a:lnSpc>
-                        <a:spcBef>
-                          <a:spcPct val="0"/>
-                        </a:spcBef>
-                        <a:spcAft>
-                          <a:spcPct val="0"/>
-                        </a:spcAft>
-                        <a:buClrTx/>
-                        <a:buSzTx/>
-                        <a:buFontTx/>
-                        <a:buNone/>
-                        <a:tabLst/>
-                      </a:pPr>
-                      <a:endParaRPr kumimoji="0" lang="es-ES" sz="1800" b="0" i="0" u="none" strike="noStrike" cap="none" normalizeH="0" baseline="0" smtClean="0">
-                        <a:ln>
-                          <a:noFill/>
-                        </a:ln>
-                        <a:solidFill>
-                          <a:schemeClr val="tx1"/>
-                        </a:solidFill>
-                        <a:effectLst/>
-                        <a:latin typeface="Candara" pitchFamily="34" charset="0"/>
-                      </a:endParaRPr>
-                    </a:p>
-                  </a:txBody>
-                  <a:tcPr horzOverflow="overflow">
-                    <a:lnL w="12700" cap="flat" cmpd="sng" algn="ctr">
-                      <a:solidFill>
-                        <a:schemeClr val="accent1"/>
-                      </a:solidFill>
-                      <a:prstDash val="solid"/>
-                      <a:round/>
-                      <a:headEnd type="none" w="med" len="med"/>
-                      <a:tailEnd type="none" w="med" len="med"/>
-                    </a:lnL>
-                    <a:lnR w="12700" cap="flat" cmpd="sng" algn="ctr">
-                      <a:solidFill>
-                        <a:schemeClr val="accent1"/>
-                      </a:solidFill>
-                      <a:prstDash val="solid"/>
-                      <a:round/>
-                      <a:headEnd type="none" w="med" len="med"/>
-                      <a:tailEnd type="none" w="med" len="med"/>
-                    </a:lnR>
-                    <a:lnT w="25400" cap="flat" cmpd="sng" algn="ctr">
-                      <a:solidFill>
-                        <a:schemeClr val="accent1"/>
-                      </a:solidFill>
-                      <a:prstDash val="solid"/>
-                      <a:round/>
-                      <a:headEnd type="none" w="med" len="med"/>
-                      <a:tailEnd type="none" w="med" len="med"/>
-                    </a:lnT>
-                    <a:lnB w="12700" cap="flat" cmpd="sng" algn="ctr">
-                      <a:solidFill>
-                        <a:schemeClr val="accent1"/>
-                      </a:solidFill>
-                      <a:prstDash val="solid"/>
-                      <a:round/>
-                      <a:headEnd type="none" w="med" len="med"/>
-                      <a:tailEnd type="none" w="med" len="med"/>
-                    </a:lnB>
-                    <a:lnTlToBr>
-                      <a:noFill/>
-                    </a:lnTlToBr>
-                    <a:lnBlToTr>
-                      <a:noFill/>
-                    </a:lnBlToTr>
-                    <a:solidFill>
-                      <a:schemeClr val="accent1">
-                        <a:alpha val="20000"/>
-                      </a:schemeClr>
-                    </a:solidFill>
-                  </a:tcPr>
-                </a:tc>
-                <a:tc>
-                  <a:txBody>
-                    <a:bodyPr/>
-                    <a:lstStyle/>
-                    <a:p>
-                      <a:pPr marL="0" marR="0" lvl="0" indent="0" algn="l" defTabSz="914400" rtl="0" eaLnBrk="1" fontAlgn="base" latinLnBrk="0" hangingPunct="1">
-                        <a:lnSpc>
-                          <a:spcPct val="100000"/>
-                        </a:lnSpc>
-                        <a:spcBef>
-                          <a:spcPct val="0"/>
-                        </a:spcBef>
-                        <a:spcAft>
-                          <a:spcPct val="0"/>
-                        </a:spcAft>
-                        <a:buClrTx/>
-                        <a:buSzTx/>
-                        <a:buFontTx/>
-                        <a:buNone/>
-                        <a:tabLst/>
-                      </a:pPr>
-                      <a:endParaRPr kumimoji="0" lang="es-ES" sz="1800" b="0" i="1" u="none" strike="noStrike" cap="none" normalizeH="0" baseline="0" smtClean="0">
-                        <a:ln>
-                          <a:noFill/>
-                        </a:ln>
-                        <a:solidFill>
-                          <a:schemeClr val="tx1"/>
-                        </a:solidFill>
-                        <a:effectLst/>
-                        <a:latin typeface="Candara" pitchFamily="34" charset="0"/>
-                      </a:endParaRPr>
-                    </a:p>
-                  </a:txBody>
-                  <a:tcPr horzOverflow="overflow">
-                    <a:lnL w="12700" cap="flat" cmpd="sng" algn="ctr">
-                      <a:solidFill>
-                        <a:schemeClr val="accent1"/>
-                      </a:solidFill>
-                      <a:prstDash val="solid"/>
-                      <a:round/>
-                      <a:headEnd type="none" w="med" len="med"/>
-                      <a:tailEnd type="none" w="med" len="med"/>
-                    </a:lnL>
-                    <a:lnR w="12700" cap="flat" cmpd="sng" algn="ctr">
-                      <a:solidFill>
-                        <a:schemeClr val="accent1"/>
-                      </a:solidFill>
-                      <a:prstDash val="solid"/>
-                      <a:round/>
-                      <a:headEnd type="none" w="med" len="med"/>
-                      <a:tailEnd type="none" w="med" len="med"/>
-                    </a:lnR>
-                    <a:lnT w="25400" cap="flat" cmpd="sng" algn="ctr">
-                      <a:solidFill>
-                        <a:schemeClr val="accent1"/>
-                      </a:solidFill>
-                      <a:prstDash val="solid"/>
-                      <a:round/>
-                      <a:headEnd type="none" w="med" len="med"/>
-                      <a:tailEnd type="none" w="med" len="med"/>
-                    </a:lnT>
-                    <a:lnB w="12700" cap="flat" cmpd="sng" algn="ctr">
-                      <a:solidFill>
-                        <a:schemeClr val="accent1"/>
-                      </a:solidFill>
-                      <a:prstDash val="solid"/>
-                      <a:round/>
-                      <a:headEnd type="none" w="med" len="med"/>
-                      <a:tailEnd type="none" w="med" len="med"/>
-                    </a:lnB>
-                    <a:lnTlToBr>
-                      <a:noFill/>
-                    </a:lnTlToBr>
-                    <a:lnBlToTr>
-                      <a:noFill/>
-                    </a:lnBlToTr>
-                    <a:solidFill>
-                      <a:schemeClr val="accent1">
-                        <a:alpha val="20000"/>
-                      </a:schemeClr>
-                    </a:solidFill>
-                  </a:tcPr>
-                </a:tc>
-              </a:tr>
-              <a:tr h="1565275">
-                <a:tc>
-                  <a:txBody>
-                    <a:bodyPr/>
-                    <a:lstStyle/>
-                    <a:p>
-                      <a:pPr marL="0" marR="0" lvl="0" indent="0" algn="l" defTabSz="914400" rtl="0" eaLnBrk="1" fontAlgn="base" latinLnBrk="0" hangingPunct="1">
-                        <a:lnSpc>
-                          <a:spcPct val="100000"/>
-                        </a:lnSpc>
-                        <a:spcBef>
-                          <a:spcPct val="0"/>
-                        </a:spcBef>
-                        <a:spcAft>
-                          <a:spcPct val="0"/>
-                        </a:spcAft>
-                        <a:buClrTx/>
-                        <a:buSzTx/>
-                        <a:buFontTx/>
-                        <a:buNone/>
-                        <a:tabLst/>
-                      </a:pPr>
-                      <a:endParaRPr kumimoji="0" lang="es-ES" sz="1800" b="0" i="0" u="none" strike="noStrike" cap="none" normalizeH="0" baseline="0" smtClean="0">
-                        <a:ln>
-                          <a:noFill/>
-                        </a:ln>
-                        <a:solidFill>
-                          <a:schemeClr val="tx1"/>
-                        </a:solidFill>
-                        <a:effectLst/>
-                        <a:latin typeface="Candara" pitchFamily="34" charset="0"/>
-                      </a:endParaRPr>
-                    </a:p>
-                  </a:txBody>
-                  <a:tcPr horzOverflow="overflow">
-                    <a:lnL w="12700" cap="flat" cmpd="sng" algn="ctr">
-                      <a:solidFill>
-                        <a:schemeClr val="accent1"/>
-                      </a:solidFill>
-                      <a:prstDash val="solid"/>
-                      <a:round/>
-                      <a:headEnd type="none" w="med" len="med"/>
-                      <a:tailEnd type="none" w="med" len="med"/>
-                    </a:lnL>
-                    <a:lnR w="12700" cap="flat" cmpd="sng" algn="ctr">
-                      <a:solidFill>
-                        <a:schemeClr val="accent1"/>
-                      </a:solidFill>
-                      <a:prstDash val="solid"/>
-                      <a:round/>
-                      <a:headEnd type="none" w="med" len="med"/>
-                      <a:tailEnd type="none" w="med" len="med"/>
-                    </a:lnR>
-                    <a:lnT w="12700" cap="flat" cmpd="sng" algn="ctr">
-                      <a:solidFill>
-                        <a:schemeClr val="accent1"/>
-                      </a:solidFill>
-                      <a:prstDash val="solid"/>
-                      <a:round/>
-                      <a:headEnd type="none" w="med" len="med"/>
-                      <a:tailEnd type="none" w="med" len="med"/>
-                    </a:lnT>
-                    <a:lnB w="12700" cap="flat" cmpd="sng" algn="ctr">
-                      <a:solidFill>
-                        <a:schemeClr val="accent1"/>
-                      </a:solidFill>
-                      <a:prstDash val="solid"/>
-                      <a:round/>
-                      <a:headEnd type="none" w="med" len="med"/>
-                      <a:tailEnd type="none" w="med" len="med"/>
-                    </a:lnB>
-                    <a:lnTlToBr>
-                      <a:noFill/>
-                    </a:lnTlToBr>
-                    <a:lnBlToTr>
-                      <a:noFill/>
-                    </a:lnBlToTr>
-                    <a:noFill/>
-                  </a:tcPr>
-                </a:tc>
-                <a:tc>
-                  <a:txBody>
-                    <a:bodyPr/>
-                    <a:lstStyle/>
-                    <a:p>
-                      <a:pPr marL="0" marR="0" lvl="0" indent="0" algn="l" defTabSz="914400" rtl="0" eaLnBrk="1" fontAlgn="base" latinLnBrk="0" hangingPunct="1">
-                        <a:lnSpc>
-                          <a:spcPct val="100000"/>
-                        </a:lnSpc>
-                        <a:spcBef>
-                          <a:spcPct val="0"/>
-                        </a:spcBef>
-                        <a:spcAft>
-                          <a:spcPct val="0"/>
-                        </a:spcAft>
-                        <a:buClrTx/>
-                        <a:buSzTx/>
-                        <a:buFontTx/>
-                        <a:buNone/>
-                        <a:tabLst/>
-                      </a:pPr>
-                      <a:endParaRPr kumimoji="0" lang="es-ES" sz="1800" b="0" i="1" u="none" strike="noStrike" cap="none" normalizeH="0" baseline="0" smtClean="0">
-                        <a:ln>
-                          <a:noFill/>
-                        </a:ln>
-                        <a:solidFill>
-                          <a:schemeClr val="tx1"/>
-                        </a:solidFill>
-                        <a:effectLst/>
-                        <a:latin typeface="Candara" pitchFamily="34" charset="0"/>
-                      </a:endParaRPr>
-                    </a:p>
-                  </a:txBody>
-                  <a:tcPr horzOverflow="overflow">
-                    <a:lnL w="12700" cap="flat" cmpd="sng" algn="ctr">
-                      <a:solidFill>
-                        <a:schemeClr val="accent1"/>
-                      </a:solidFill>
-                      <a:prstDash val="solid"/>
-                      <a:round/>
-                      <a:headEnd type="none" w="med" len="med"/>
-                      <a:tailEnd type="none" w="med" len="med"/>
-                    </a:lnL>
-                    <a:lnR w="12700" cap="flat" cmpd="sng" algn="ctr">
-                      <a:solidFill>
-                        <a:schemeClr val="accent1"/>
-                      </a:solidFill>
-                      <a:prstDash val="solid"/>
-                      <a:round/>
-                      <a:headEnd type="none" w="med" len="med"/>
-                      <a:tailEnd type="none" w="med" len="med"/>
-                    </a:lnR>
-                    <a:lnT w="12700" cap="flat" cmpd="sng" algn="ctr">
-                      <a:solidFill>
-                        <a:schemeClr val="accent1"/>
-                      </a:solidFill>
-                      <a:prstDash val="solid"/>
-                      <a:round/>
-                      <a:headEnd type="none" w="med" len="med"/>
-                      <a:tailEnd type="none" w="med" len="med"/>
-                    </a:lnT>
-                    <a:lnB w="12700" cap="flat" cmpd="sng" algn="ctr">
-                      <a:solidFill>
-                        <a:schemeClr val="accent1"/>
-                      </a:solidFill>
-                      <a:prstDash val="solid"/>
-                      <a:round/>
-                      <a:headEnd type="none" w="med" len="med"/>
-                      <a:tailEnd type="none" w="med" len="med"/>
-                    </a:lnB>
-                    <a:lnTlToBr>
-                      <a:noFill/>
-                    </a:lnTlToBr>
-                    <a:lnBlToTr>
-                      <a:noFill/>
-                    </a:lnBlToTr>
-                    <a:noFill/>
-                  </a:tcPr>
-                </a:tc>
-              </a:tr>
-            </a:tbl>
-          </a:graphicData>
-        </a:graphic>
-      </p:graphicFrame>
-    </p:spTree>
-  </p:cSld>
-  <p:clrMapOvr>
-    <a:masterClrMapping/>
-  </p:clrMapOvr>
-  <p:timing>
-    <p:tnLst>
-      <p:par>
-        <p:cTn id="1" dur="indefinite" restart="never" nodeType="tmRoot"/>
-      </p:par>
-    </p:tnLst>
-  </p:timing>
-</p:sld>
-</file>
-
-<file path=ppt/slides/slide9.xml><?xml version="1.0" encoding="utf-8"?>
-<p:sld xmlns:a="http://schemas.openxmlformats.org/drawingml/2006/main" xmlns:r="http://schemas.openxmlformats.org/officeDocument/2006/relationships" xmlns:p="http://schemas.openxmlformats.org/presentationml/2006/main">
-  <p:cSld>
-    <p:spTree>
-      <p:nvGrpSpPr>
-        <p:cNvPr id="1" name=""/>
-        <p:cNvGrpSpPr/>
-        <p:nvPr/>
-      </p:nvGrpSpPr>
-      <p:grpSpPr>
-        <a:xfrm>
-          <a:off x="0" y="0"/>
-          <a:ext cx="0" cy="0"/>
-          <a:chOff x="0" y="0"/>
-          <a:chExt cx="0" cy="0"/>
-        </a:xfrm>
-      </p:grpSpPr>
-      <p:sp>
-        <p:nvSpPr>
-          <p:cNvPr id="3" name="2 Título"/>
-          <p:cNvSpPr>
-            <a:spLocks noGrp="1"/>
-          </p:cNvSpPr>
-          <p:nvPr>
-            <p:ph type="title" idx="4294967295"/>
-          </p:nvPr>
-        </p:nvSpPr>
-        <p:spPr/>
-        <p:txBody>
-          <a:bodyPr rtlCol="0">
-            <a:normAutofit fontScale="90000"/>
-          </a:bodyPr>
-          <a:lstStyle/>
-          <a:p>
-            <a:pPr eaLnBrk="1" fontAlgn="auto" hangingPunct="1">
-              <a:spcAft>
-                <a:spcPts val="0"/>
-              </a:spcAft>
-              <a:defRPr/>
-            </a:pPr>
-            <a:r>
-              <a:rPr lang="es-PE" dirty="0"/>
-              <a:t>ESPECIFICACION DE REGLAS DE </a:t>
-            </a:r>
-            <a:r>
-              <a:rPr lang="es-PE" dirty="0" smtClean="0"/>
-              <a:t>NEGOCIO (Contratos de Clientes)</a:t>
-            </a:r>
-            <a:endParaRPr lang="es-PE" dirty="0"/>
-          </a:p>
-        </p:txBody>
-      </p:sp>
-      <p:graphicFrame>
-        <p:nvGraphicFramePr>
-          <p:cNvPr id="44035" name="Group 3"/>
-          <p:cNvGraphicFramePr>
-            <a:graphicFrameLocks noGrp="1"/>
-          </p:cNvGraphicFramePr>
+        </p:nvPicPr>
+        <p:blipFill>
+          <a:blip r:embed="rId3"/>
+          <a:srcRect/>
+          <a:stretch>
+            <a:fillRect/>
+          </a:stretch>
+        </p:blipFill>
+        <p:spPr bwMode="auto">
+          <a:xfrm>
+            <a:off x="539750" y="2349500"/>
+            <a:ext cx="2338388" cy="1208088"/>
+          </a:xfrm>
+          <a:prstGeom prst="rect">
+            <a:avLst/>
+          </a:prstGeom>
+          <a:noFill/>
+          <a:ln w="9525">
+            <a:noFill/>
+            <a:miter lim="800000"/>
+            <a:headEnd/>
+            <a:tailEnd/>
+          </a:ln>
+          <a:effectLst/>
+        </p:spPr>
+      </p:pic>
+      <p:pic>
+        <p:nvPicPr>
+          <p:cNvPr id="21522" name="Picture 18"/>
+          <p:cNvPicPr>
+            <a:picLocks noChangeAspect="1" noChangeArrowheads="1"/>
+          </p:cNvPicPr>
           <p:nvPr/>
-        </p:nvGraphicFramePr>
-        <p:xfrm>
-          <a:off x="323850" y="2349500"/>
-          <a:ext cx="8496300" cy="4211638"/>
-        </p:xfrm>
-        <a:graphic>
-          <a:graphicData uri="http://schemas.openxmlformats.org/drawingml/2006/table">
-            <a:tbl>
-              <a:tblPr/>
-              <a:tblGrid>
-                <a:gridCol w="2447925"/>
-                <a:gridCol w="6048375"/>
-              </a:tblGrid>
-              <a:tr h="1152525">
-                <a:tc>
-                  <a:txBody>
-                    <a:bodyPr/>
-                    <a:lstStyle/>
-                    <a:p>
-                      <a:pPr marL="0" marR="0" lvl="0" indent="0" algn="l" defTabSz="914400" rtl="0" eaLnBrk="1" fontAlgn="base" latinLnBrk="0" hangingPunct="1">
-                        <a:lnSpc>
-                          <a:spcPct val="100000"/>
-                        </a:lnSpc>
-                        <a:spcBef>
-                          <a:spcPct val="0"/>
-                        </a:spcBef>
-                        <a:spcAft>
-                          <a:spcPct val="0"/>
-                        </a:spcAft>
-                        <a:buClrTx/>
-                        <a:buSzTx/>
-                        <a:buFontTx/>
-                        <a:buNone/>
-                        <a:tabLst/>
-                      </a:pPr>
-                      <a:endParaRPr kumimoji="0" lang="es-ES" sz="1800" b="1" i="0" u="none" strike="noStrike" cap="none" normalizeH="0" baseline="0" smtClean="0">
-                        <a:ln>
-                          <a:noFill/>
-                        </a:ln>
-                        <a:solidFill>
-                          <a:schemeClr val="tx1"/>
-                        </a:solidFill>
-                        <a:effectLst/>
-                        <a:latin typeface="Candara" pitchFamily="34" charset="0"/>
-                      </a:endParaRPr>
-                    </a:p>
-                  </a:txBody>
-                  <a:tcPr horzOverflow="overflow">
-                    <a:lnL w="12700" cap="flat" cmpd="sng" algn="ctr">
-                      <a:solidFill>
-                        <a:schemeClr val="accent1"/>
-                      </a:solidFill>
-                      <a:prstDash val="solid"/>
-                      <a:round/>
-                      <a:headEnd type="none" w="med" len="med"/>
-                      <a:tailEnd type="none" w="med" len="med"/>
-                    </a:lnL>
-                    <a:lnR w="12700" cap="flat" cmpd="sng" algn="ctr">
-                      <a:solidFill>
-                        <a:schemeClr val="accent1"/>
-                      </a:solidFill>
-                      <a:prstDash val="solid"/>
-                      <a:round/>
-                      <a:headEnd type="none" w="med" len="med"/>
-                      <a:tailEnd type="none" w="med" len="med"/>
-                    </a:lnR>
-                    <a:lnT w="12700" cap="flat" cmpd="sng" algn="ctr">
-                      <a:solidFill>
-                        <a:schemeClr val="accent1"/>
-                      </a:solidFill>
-                      <a:prstDash val="solid"/>
-                      <a:round/>
-                      <a:headEnd type="none" w="med" len="med"/>
-                      <a:tailEnd type="none" w="med" len="med"/>
-                    </a:lnT>
-                    <a:lnB w="25400" cap="flat" cmpd="sng" algn="ctr">
-                      <a:solidFill>
-                        <a:schemeClr val="accent1"/>
-                      </a:solidFill>
-                      <a:prstDash val="solid"/>
-                      <a:round/>
-                      <a:headEnd type="none" w="med" len="med"/>
-                      <a:tailEnd type="none" w="med" len="med"/>
-                    </a:lnB>
-                    <a:lnTlToBr>
-                      <a:noFill/>
-                    </a:lnTlToBr>
-                    <a:lnBlToTr>
-                      <a:noFill/>
-                    </a:lnBlToTr>
-                    <a:noFill/>
-                  </a:tcPr>
-                </a:tc>
-                <a:tc>
-                  <a:txBody>
-                    <a:bodyPr/>
-                    <a:lstStyle/>
-                    <a:p>
-                      <a:pPr marL="0" marR="0" lvl="0" indent="0" algn="l" defTabSz="914400" rtl="0" eaLnBrk="1" fontAlgn="base" latinLnBrk="0" hangingPunct="1">
-                        <a:lnSpc>
-                          <a:spcPct val="100000"/>
-                        </a:lnSpc>
-                        <a:spcBef>
-                          <a:spcPct val="0"/>
-                        </a:spcBef>
-                        <a:spcAft>
-                          <a:spcPct val="0"/>
-                        </a:spcAft>
-                        <a:buClrTx/>
-                        <a:buSzTx/>
-                        <a:buFontTx/>
-                        <a:buNone/>
-                        <a:tabLst/>
-                      </a:pPr>
-                      <a:endParaRPr kumimoji="0" lang="es-ES" sz="1800" b="1" i="0" u="none" strike="noStrike" cap="none" normalizeH="0" baseline="0" smtClean="0">
-                        <a:ln>
-                          <a:noFill/>
-                        </a:ln>
-                        <a:solidFill>
-                          <a:schemeClr val="tx1"/>
-                        </a:solidFill>
-                        <a:effectLst/>
-                        <a:latin typeface="Candara" pitchFamily="34" charset="0"/>
-                      </a:endParaRPr>
-                    </a:p>
-                  </a:txBody>
-                  <a:tcPr horzOverflow="overflow">
-                    <a:lnL w="12700" cap="flat" cmpd="sng" algn="ctr">
-                      <a:solidFill>
-                        <a:schemeClr val="accent1"/>
-                      </a:solidFill>
-                      <a:prstDash val="solid"/>
-                      <a:round/>
-                      <a:headEnd type="none" w="med" len="med"/>
-                      <a:tailEnd type="none" w="med" len="med"/>
-                    </a:lnL>
-                    <a:lnR w="12700" cap="flat" cmpd="sng" algn="ctr">
-                      <a:solidFill>
-                        <a:schemeClr val="accent1"/>
-                      </a:solidFill>
-                      <a:prstDash val="solid"/>
-                      <a:round/>
-                      <a:headEnd type="none" w="med" len="med"/>
-                      <a:tailEnd type="none" w="med" len="med"/>
-                    </a:lnR>
-                    <a:lnT w="12700" cap="flat" cmpd="sng" algn="ctr">
-                      <a:solidFill>
-                        <a:schemeClr val="accent1"/>
-                      </a:solidFill>
-                      <a:prstDash val="solid"/>
-                      <a:round/>
-                      <a:headEnd type="none" w="med" len="med"/>
-                      <a:tailEnd type="none" w="med" len="med"/>
-                    </a:lnT>
-                    <a:lnB w="25400" cap="flat" cmpd="sng" algn="ctr">
-                      <a:solidFill>
-                        <a:schemeClr val="accent1"/>
-                      </a:solidFill>
-                      <a:prstDash val="solid"/>
-                      <a:round/>
-                      <a:headEnd type="none" w="med" len="med"/>
-                      <a:tailEnd type="none" w="med" len="med"/>
-                    </a:lnB>
-                    <a:lnTlToBr>
-                      <a:noFill/>
-                    </a:lnTlToBr>
-                    <a:lnBlToTr>
-                      <a:noFill/>
-                    </a:lnBlToTr>
-                    <a:noFill/>
-                  </a:tcPr>
-                </a:tc>
-              </a:tr>
-              <a:tr h="1493838">
-                <a:tc>
-                  <a:txBody>
-                    <a:bodyPr/>
-                    <a:lstStyle/>
-                    <a:p>
-                      <a:pPr marL="0" marR="0" lvl="0" indent="0" algn="l" defTabSz="914400" rtl="0" eaLnBrk="1" fontAlgn="base" latinLnBrk="0" hangingPunct="1">
-                        <a:lnSpc>
-                          <a:spcPct val="100000"/>
-                        </a:lnSpc>
-                        <a:spcBef>
-                          <a:spcPct val="0"/>
-                        </a:spcBef>
-                        <a:spcAft>
-                          <a:spcPct val="0"/>
-                        </a:spcAft>
-                        <a:buClrTx/>
-                        <a:buSzTx/>
-                        <a:buFontTx/>
-                        <a:buNone/>
-                        <a:tabLst/>
-                      </a:pPr>
-                      <a:endParaRPr kumimoji="0" lang="es-ES" sz="1800" b="0" i="0" u="none" strike="noStrike" cap="none" normalizeH="0" baseline="0" smtClean="0">
-                        <a:ln>
-                          <a:noFill/>
-                        </a:ln>
-                        <a:solidFill>
-                          <a:schemeClr val="tx1"/>
-                        </a:solidFill>
-                        <a:effectLst/>
-                        <a:latin typeface="Candara" pitchFamily="34" charset="0"/>
-                      </a:endParaRPr>
-                    </a:p>
-                  </a:txBody>
-                  <a:tcPr horzOverflow="overflow">
-                    <a:lnL w="12700" cap="flat" cmpd="sng" algn="ctr">
-                      <a:solidFill>
-                        <a:schemeClr val="accent1"/>
-                      </a:solidFill>
-                      <a:prstDash val="solid"/>
-                      <a:round/>
-                      <a:headEnd type="none" w="med" len="med"/>
-                      <a:tailEnd type="none" w="med" len="med"/>
-                    </a:lnL>
-                    <a:lnR w="12700" cap="flat" cmpd="sng" algn="ctr">
-                      <a:solidFill>
-                        <a:schemeClr val="accent1"/>
-                      </a:solidFill>
-                      <a:prstDash val="solid"/>
-                      <a:round/>
-                      <a:headEnd type="none" w="med" len="med"/>
-                      <a:tailEnd type="none" w="med" len="med"/>
-                    </a:lnR>
-                    <a:lnT w="25400" cap="flat" cmpd="sng" algn="ctr">
-                      <a:solidFill>
-                        <a:schemeClr val="accent1"/>
-                      </a:solidFill>
-                      <a:prstDash val="solid"/>
-                      <a:round/>
-                      <a:headEnd type="none" w="med" len="med"/>
-                      <a:tailEnd type="none" w="med" len="med"/>
-                    </a:lnT>
-                    <a:lnB w="12700" cap="flat" cmpd="sng" algn="ctr">
-                      <a:solidFill>
-                        <a:schemeClr val="accent1"/>
-                      </a:solidFill>
-                      <a:prstDash val="solid"/>
-                      <a:round/>
-                      <a:headEnd type="none" w="med" len="med"/>
-                      <a:tailEnd type="none" w="med" len="med"/>
-                    </a:lnB>
-                    <a:lnTlToBr>
-                      <a:noFill/>
-                    </a:lnTlToBr>
-                    <a:lnBlToTr>
-                      <a:noFill/>
-                    </a:lnBlToTr>
-                    <a:solidFill>
-                      <a:schemeClr val="accent1">
-                        <a:alpha val="20000"/>
-                      </a:schemeClr>
-                    </a:solidFill>
-                  </a:tcPr>
-                </a:tc>
-                <a:tc>
-                  <a:txBody>
-                    <a:bodyPr/>
-                    <a:lstStyle/>
-                    <a:p>
-                      <a:pPr marL="0" marR="0" lvl="0" indent="0" algn="l" defTabSz="914400" rtl="0" eaLnBrk="1" fontAlgn="base" latinLnBrk="0" hangingPunct="1">
-                        <a:lnSpc>
-                          <a:spcPct val="100000"/>
-                        </a:lnSpc>
-                        <a:spcBef>
-                          <a:spcPct val="0"/>
-                        </a:spcBef>
-                        <a:spcAft>
-                          <a:spcPct val="0"/>
-                        </a:spcAft>
-                        <a:buClrTx/>
-                        <a:buSzTx/>
-                        <a:buFontTx/>
-                        <a:buNone/>
-                        <a:tabLst/>
-                      </a:pPr>
-                      <a:endParaRPr kumimoji="0" lang="es-ES" sz="1800" b="0" i="1" u="none" strike="noStrike" cap="none" normalizeH="0" baseline="0" smtClean="0">
-                        <a:ln>
-                          <a:noFill/>
-                        </a:ln>
-                        <a:solidFill>
-                          <a:schemeClr val="tx1"/>
-                        </a:solidFill>
-                        <a:effectLst/>
-                        <a:latin typeface="Candara" pitchFamily="34" charset="0"/>
-                      </a:endParaRPr>
-                    </a:p>
-                  </a:txBody>
-                  <a:tcPr horzOverflow="overflow">
-                    <a:lnL w="12700" cap="flat" cmpd="sng" algn="ctr">
-                      <a:solidFill>
-                        <a:schemeClr val="accent1"/>
-                      </a:solidFill>
-                      <a:prstDash val="solid"/>
-                      <a:round/>
-                      <a:headEnd type="none" w="med" len="med"/>
-                      <a:tailEnd type="none" w="med" len="med"/>
-                    </a:lnL>
-                    <a:lnR w="12700" cap="flat" cmpd="sng" algn="ctr">
-                      <a:solidFill>
-                        <a:schemeClr val="accent1"/>
-                      </a:solidFill>
-                      <a:prstDash val="solid"/>
-                      <a:round/>
-                      <a:headEnd type="none" w="med" len="med"/>
-                      <a:tailEnd type="none" w="med" len="med"/>
-                    </a:lnR>
-                    <a:lnT w="25400" cap="flat" cmpd="sng" algn="ctr">
-                      <a:solidFill>
-                        <a:schemeClr val="accent1"/>
-                      </a:solidFill>
-                      <a:prstDash val="solid"/>
-                      <a:round/>
-                      <a:headEnd type="none" w="med" len="med"/>
-                      <a:tailEnd type="none" w="med" len="med"/>
-                    </a:lnT>
-                    <a:lnB w="12700" cap="flat" cmpd="sng" algn="ctr">
-                      <a:solidFill>
-                        <a:schemeClr val="accent1"/>
-                      </a:solidFill>
-                      <a:prstDash val="solid"/>
-                      <a:round/>
-                      <a:headEnd type="none" w="med" len="med"/>
-                      <a:tailEnd type="none" w="med" len="med"/>
-                    </a:lnB>
-                    <a:lnTlToBr>
-                      <a:noFill/>
-                    </a:lnTlToBr>
-                    <a:lnBlToTr>
-                      <a:noFill/>
-                    </a:lnBlToTr>
-                    <a:solidFill>
-                      <a:schemeClr val="accent1">
-                        <a:alpha val="20000"/>
-                      </a:schemeClr>
-                    </a:solidFill>
-                  </a:tcPr>
-                </a:tc>
-              </a:tr>
-              <a:tr h="1565275">
-                <a:tc>
-                  <a:txBody>
-                    <a:bodyPr/>
-                    <a:lstStyle/>
-                    <a:p>
-                      <a:pPr marL="0" marR="0" lvl="0" indent="0" algn="l" defTabSz="914400" rtl="0" eaLnBrk="1" fontAlgn="base" latinLnBrk="0" hangingPunct="1">
-                        <a:lnSpc>
-                          <a:spcPct val="100000"/>
-                        </a:lnSpc>
-                        <a:spcBef>
-                          <a:spcPct val="0"/>
-                        </a:spcBef>
-                        <a:spcAft>
-                          <a:spcPct val="0"/>
-                        </a:spcAft>
-                        <a:buClrTx/>
-                        <a:buSzTx/>
-                        <a:buFontTx/>
-                        <a:buNone/>
-                        <a:tabLst/>
-                      </a:pPr>
-                      <a:endParaRPr kumimoji="0" lang="es-ES" sz="1800" b="0" i="0" u="none" strike="noStrike" cap="none" normalizeH="0" baseline="0" smtClean="0">
-                        <a:ln>
-                          <a:noFill/>
-                        </a:ln>
-                        <a:solidFill>
-                          <a:schemeClr val="tx1"/>
-                        </a:solidFill>
-                        <a:effectLst/>
-                        <a:latin typeface="Candara" pitchFamily="34" charset="0"/>
-                      </a:endParaRPr>
-                    </a:p>
-                  </a:txBody>
-                  <a:tcPr horzOverflow="overflow">
-                    <a:lnL w="12700" cap="flat" cmpd="sng" algn="ctr">
-                      <a:solidFill>
-                        <a:schemeClr val="accent1"/>
-                      </a:solidFill>
-                      <a:prstDash val="solid"/>
-                      <a:round/>
-                      <a:headEnd type="none" w="med" len="med"/>
-                      <a:tailEnd type="none" w="med" len="med"/>
-                    </a:lnL>
-                    <a:lnR w="12700" cap="flat" cmpd="sng" algn="ctr">
-                      <a:solidFill>
-                        <a:schemeClr val="accent1"/>
-                      </a:solidFill>
-                      <a:prstDash val="solid"/>
-                      <a:round/>
-                      <a:headEnd type="none" w="med" len="med"/>
-                      <a:tailEnd type="none" w="med" len="med"/>
-                    </a:lnR>
-                    <a:lnT w="12700" cap="flat" cmpd="sng" algn="ctr">
-                      <a:solidFill>
-                        <a:schemeClr val="accent1"/>
-                      </a:solidFill>
-                      <a:prstDash val="solid"/>
-                      <a:round/>
-                      <a:headEnd type="none" w="med" len="med"/>
-                      <a:tailEnd type="none" w="med" len="med"/>
-                    </a:lnT>
-                    <a:lnB w="12700" cap="flat" cmpd="sng" algn="ctr">
-                      <a:solidFill>
-                        <a:schemeClr val="accent1"/>
-                      </a:solidFill>
-                      <a:prstDash val="solid"/>
-                      <a:round/>
-                      <a:headEnd type="none" w="med" len="med"/>
-                      <a:tailEnd type="none" w="med" len="med"/>
-                    </a:lnB>
-                    <a:lnTlToBr>
-                      <a:noFill/>
-                    </a:lnTlToBr>
-                    <a:lnBlToTr>
-                      <a:noFill/>
-                    </a:lnBlToTr>
-                    <a:noFill/>
-                  </a:tcPr>
-                </a:tc>
-                <a:tc>
-                  <a:txBody>
-                    <a:bodyPr/>
-                    <a:lstStyle/>
-                    <a:p>
-                      <a:pPr marL="0" marR="0" lvl="0" indent="0" algn="l" defTabSz="914400" rtl="0" eaLnBrk="1" fontAlgn="base" latinLnBrk="0" hangingPunct="1">
-                        <a:lnSpc>
-                          <a:spcPct val="100000"/>
-                        </a:lnSpc>
-                        <a:spcBef>
-                          <a:spcPct val="0"/>
-                        </a:spcBef>
-                        <a:spcAft>
-                          <a:spcPct val="0"/>
-                        </a:spcAft>
-                        <a:buClrTx/>
-                        <a:buSzTx/>
-                        <a:buFontTx/>
-                        <a:buNone/>
-                        <a:tabLst/>
-                      </a:pPr>
-                      <a:endParaRPr kumimoji="0" lang="es-ES" sz="1800" b="0" i="1" u="none" strike="noStrike" cap="none" normalizeH="0" baseline="0" smtClean="0">
-                        <a:ln>
-                          <a:noFill/>
-                        </a:ln>
-                        <a:solidFill>
-                          <a:schemeClr val="tx1"/>
-                        </a:solidFill>
-                        <a:effectLst/>
-                        <a:latin typeface="Candara" pitchFamily="34" charset="0"/>
-                      </a:endParaRPr>
-                    </a:p>
-                  </a:txBody>
-                  <a:tcPr horzOverflow="overflow">
-                    <a:lnL w="12700" cap="flat" cmpd="sng" algn="ctr">
-                      <a:solidFill>
-                        <a:schemeClr val="accent1"/>
-                      </a:solidFill>
-                      <a:prstDash val="solid"/>
-                      <a:round/>
-                      <a:headEnd type="none" w="med" len="med"/>
-                      <a:tailEnd type="none" w="med" len="med"/>
-                    </a:lnL>
-                    <a:lnR w="12700" cap="flat" cmpd="sng" algn="ctr">
-                      <a:solidFill>
-                        <a:schemeClr val="accent1"/>
-                      </a:solidFill>
-                      <a:prstDash val="solid"/>
-                      <a:round/>
-                      <a:headEnd type="none" w="med" len="med"/>
-                      <a:tailEnd type="none" w="med" len="med"/>
-                    </a:lnR>
-                    <a:lnT w="12700" cap="flat" cmpd="sng" algn="ctr">
-                      <a:solidFill>
-                        <a:schemeClr val="accent1"/>
-                      </a:solidFill>
-                      <a:prstDash val="solid"/>
-                      <a:round/>
-                      <a:headEnd type="none" w="med" len="med"/>
-                      <a:tailEnd type="none" w="med" len="med"/>
-                    </a:lnT>
-                    <a:lnB w="12700" cap="flat" cmpd="sng" algn="ctr">
-                      <a:solidFill>
-                        <a:schemeClr val="accent1"/>
-                      </a:solidFill>
-                      <a:prstDash val="solid"/>
-                      <a:round/>
-                      <a:headEnd type="none" w="med" len="med"/>
-                      <a:tailEnd type="none" w="med" len="med"/>
-                    </a:lnB>
-                    <a:lnTlToBr>
-                      <a:noFill/>
-                    </a:lnTlToBr>
-                    <a:lnBlToTr>
-                      <a:noFill/>
-                    </a:lnBlToTr>
-                    <a:noFill/>
-                  </a:tcPr>
-                </a:tc>
-              </a:tr>
-            </a:tbl>
-          </a:graphicData>
-        </a:graphic>
-      </p:graphicFrame>
+        </p:nvPicPr>
+        <p:blipFill>
+          <a:blip r:embed="rId4"/>
+          <a:srcRect/>
+          <a:stretch>
+            <a:fillRect/>
+          </a:stretch>
+        </p:blipFill>
+        <p:spPr bwMode="auto">
+          <a:xfrm>
+            <a:off x="179388" y="3500438"/>
+            <a:ext cx="3035300" cy="1447800"/>
+          </a:xfrm>
+          <a:prstGeom prst="rect">
+            <a:avLst/>
+          </a:prstGeom>
+          <a:noFill/>
+          <a:ln w="9525">
+            <a:noFill/>
+            <a:miter lim="800000"/>
+            <a:headEnd/>
+            <a:tailEnd/>
+          </a:ln>
+          <a:effectLst/>
+        </p:spPr>
+      </p:pic>
+      <p:pic>
+        <p:nvPicPr>
+          <p:cNvPr id="21523" name="Picture 19"/>
+          <p:cNvPicPr>
+            <a:picLocks noChangeAspect="1" noChangeArrowheads="1"/>
+          </p:cNvPicPr>
+          <p:nvPr/>
+        </p:nvPicPr>
+        <p:blipFill>
+          <a:blip r:embed="rId5"/>
+          <a:srcRect/>
+          <a:stretch>
+            <a:fillRect/>
+          </a:stretch>
+        </p:blipFill>
+        <p:spPr bwMode="auto">
+          <a:xfrm>
+            <a:off x="179388" y="5013325"/>
+            <a:ext cx="2827337" cy="1447800"/>
+          </a:xfrm>
+          <a:prstGeom prst="rect">
+            <a:avLst/>
+          </a:prstGeom>
+          <a:noFill/>
+          <a:ln w="9525">
+            <a:noFill/>
+            <a:miter lim="800000"/>
+            <a:headEnd/>
+            <a:tailEnd/>
+          </a:ln>
+          <a:effectLst/>
+        </p:spPr>
+      </p:pic>
     </p:spTree>
   </p:cSld>
   <p:clrMapOvr>

--- a/trunk/ tsp01-contratos-clientes/ITERACION01_TP01/AUDITORIA01/PPT AUDITORIA01.pptx
+++ b/trunk/ tsp01-contratos-clientes/ITERACION01_TP01/AUDITORIA01/PPT AUDITORIA01.pptx
@@ -469,6 +469,11 @@
         </p:txBody>
       </p:sp>
     </p:spTree>
+    <p:extLst>
+      <p:ext uri="{BB962C8B-B14F-4D97-AF65-F5344CB8AC3E}">
+        <p14:creationId xmlns:p14="http://schemas.microsoft.com/office/powerpoint/2010/main" val="2054601409"/>
+      </p:ext>
+    </p:extLst>
   </p:cSld>
   <p:clrMap bg1="lt1" tx1="dk1" bg2="lt2" tx2="dk2" accent1="accent1" accent2="accent2" accent3="accent3" accent4="accent4" accent5="accent5" accent6="accent6" hlink="hlink" folHlink="folHlink"/>
   <p:notesStyle>
@@ -17163,7 +17168,7 @@
         </p:nvGraphicFramePr>
         <p:xfrm>
           <a:off x="323850" y="2060575"/>
-          <a:ext cx="8496300" cy="4662488"/>
+          <a:ext cx="8496300" cy="4663440"/>
         </p:xfrm>
         <a:graphic>
           <a:graphicData uri="http://schemas.openxmlformats.org/drawingml/2006/table">
@@ -25680,8 +25685,8 @@
         </p:nvSpPr>
         <p:spPr>
           <a:xfrm>
-            <a:off x="755650" y="2852738"/>
-            <a:ext cx="8085138" cy="3313112"/>
+            <a:off x="755650" y="2276872"/>
+            <a:ext cx="8085138" cy="3888978"/>
           </a:xfrm>
         </p:spPr>
         <p:txBody>
@@ -25690,17 +25695,46 @@
           <a:p>
             <a:pPr eaLnBrk="1" hangingPunct="1"/>
             <a:r>
+              <a:rPr lang="es-PE" sz="2800" b="1" dirty="0" smtClean="0">
+                <a:solidFill>
+                  <a:schemeClr val="tx1"/>
+                </a:solidFill>
+              </a:rPr>
+              <a:t>En la actualidad, el mejoramiento de los procesos de toda organización es beneficioso para el logro de sus objetivos. Esto se logra con el uso de herramientas de modelado que permiten estructurar, diseñar y graficar los distintos procesos, subprocesos, reglas de negocio, cadena de valor, y demás </a:t>
+            </a:r>
+            <a:r>
+              <a:rPr lang="es-PE" sz="2800" b="1" dirty="0">
+                <a:solidFill>
+                  <a:schemeClr val="tx1"/>
+                </a:solidFill>
+              </a:rPr>
+              <a:t>componentes que permitan relacionar los artefactos </a:t>
+            </a:r>
+            <a:r>
+              <a:rPr lang="es-PE" sz="2800" b="1" dirty="0">
+                <a:solidFill>
+                  <a:schemeClr val="tx1"/>
+                </a:solidFill>
+              </a:rPr>
+              <a:t>de una </a:t>
+            </a:r>
+            <a:r>
+              <a:rPr lang="es-PE" sz="2800" b="1">
+                <a:solidFill>
+                  <a:schemeClr val="tx1"/>
+                </a:solidFill>
+              </a:rPr>
+              <a:t>manera </a:t>
+            </a:r>
+            <a:r>
               <a:rPr lang="es-PE" sz="2800" b="1" smtClean="0">
                 <a:solidFill>
                   <a:schemeClr val="tx1"/>
                 </a:solidFill>
               </a:rPr>
-              <a:t>En la actualidad, el mejoramiento de los procesos de toda organización es beneficioso para el logro de sus objetivos. Esto se logra con el uso de herramientas de modelado que permiten estructurar, diseñar y graficar los distintos procesos, subprocesos, reglas de negocio, cadena de valor, y demás componentes que permitan relacionar los artefactos de una</a:t>
+              <a:t>integral</a:t>
             </a:r>
-            <a:r>
-              <a:rPr lang="es-PE" sz="2800" b="1" smtClean="0"/>
-              <a:t> manera integral.</a:t>
-            </a:r>
+            <a:endParaRPr lang="es-PE" sz="2800" b="1" dirty="0" smtClean="0"/>
           </a:p>
         </p:txBody>
       </p:sp>

--- a/trunk/ tsp01-contratos-clientes/ITERACION01_TP01/AUDITORIA01/PPT AUDITORIA01.pptx
+++ b/trunk/ tsp01-contratos-clientes/ITERACION01_TP01/AUDITORIA01/PPT AUDITORIA01.pptx
@@ -17164,11 +17164,17 @@
           <p:cNvGraphicFramePr>
             <a:graphicFrameLocks noGrp="1"/>
           </p:cNvGraphicFramePr>
-          <p:nvPr/>
+          <p:nvPr>
+            <p:extLst>
+              <p:ext uri="{D42A27DB-BD31-4B8C-83A1-F6EECF244321}">
+                <p14:modId xmlns:p14="http://schemas.microsoft.com/office/powerpoint/2010/main" val="3530996870"/>
+              </p:ext>
+            </p:extLst>
+          </p:nvPr>
         </p:nvGraphicFramePr>
         <p:xfrm>
-          <a:off x="323850" y="2060575"/>
-          <a:ext cx="8496300" cy="4663440"/>
+          <a:off x="323850" y="2166704"/>
+          <a:ext cx="8496300" cy="4358640"/>
         </p:xfrm>
         <a:graphic>
           <a:graphicData uri="http://schemas.openxmlformats.org/drawingml/2006/table">
@@ -17178,7 +17184,7 @@
                 <a:gridCol w="2447925"/>
                 <a:gridCol w="6048375"/>
               </a:tblGrid>
-              <a:tr h="1152525">
+              <a:tr h="4214624">
                 <a:tc>
                   <a:txBody>
                     <a:bodyPr/>
@@ -17200,7 +17206,7 @@
                         <a:buNone/>
                         <a:tabLst/>
                       </a:pPr>
-                      <a:endParaRPr kumimoji="0" lang="es-ES" sz="1800" b="1" i="0" u="none" strike="noStrike" cap="none" normalizeH="0" baseline="0" smtClean="0">
+                      <a:endParaRPr kumimoji="0" lang="es-ES" sz="1800" b="1" i="0" u="none" strike="noStrike" cap="none" normalizeH="0" baseline="0" dirty="0" smtClean="0">
                         <a:ln>
                           <a:noFill/>
                         </a:ln>
@@ -17279,38 +17285,7 @@
                         <a:buNone/>
                         <a:tabLst/>
                       </a:pPr>
-                      <a:r>
-                        <a:rPr kumimoji="0" lang="es-PE" sz="2000" b="0" i="1" u="none" strike="noStrike" cap="none" normalizeH="0" baseline="0" smtClean="0">
-                          <a:ln>
-                            <a:noFill/>
-                          </a:ln>
-                          <a:solidFill>
-                            <a:schemeClr val="tx2"/>
-                          </a:solidFill>
-                          <a:effectLst/>
-                          <a:latin typeface="Candara" pitchFamily="34" charset="0"/>
-                        </a:rPr>
-                        <a:t>Para la generación del Contrato se estableció el siguiente formato:</a:t>
-                      </a:r>
-                    </a:p>
-                    <a:p>
-                      <a:pPr marL="0" marR="0" lvl="0" indent="0" algn="l" defTabSz="914400" rtl="0" eaLnBrk="1" fontAlgn="base" latinLnBrk="0" hangingPunct="1">
-                        <a:lnSpc>
-                          <a:spcPct val="100000"/>
-                        </a:lnSpc>
-                        <a:spcBef>
-                          <a:spcPct val="0"/>
-                        </a:spcBef>
-                        <a:spcAft>
-                          <a:spcPct val="0"/>
-                        </a:spcAft>
-                        <a:buClrTx/>
-                        <a:buSzTx/>
-                        <a:buFontTx/>
-                        <a:buNone/>
-                        <a:tabLst/>
-                      </a:pPr>
-                      <a:endParaRPr kumimoji="0" lang="es-PE" sz="2000" b="0" i="1" u="none" strike="noStrike" cap="none" normalizeH="0" baseline="0" smtClean="0">
+                      <a:endParaRPr kumimoji="0" lang="es-PE" sz="2000" b="0" i="1" u="none" strike="noStrike" cap="none" normalizeH="0" baseline="0" dirty="0" smtClean="0">
                         <a:ln>
                           <a:noFill/>
                         </a:ln>
@@ -17338,7 +17313,46 @@
                         <a:buNone/>
                         <a:tabLst/>
                       </a:pPr>
-                      <a:endParaRPr kumimoji="0" lang="es-PE" sz="2000" b="0" i="1" u="none" strike="noStrike" cap="none" normalizeH="0" baseline="0" smtClean="0">
+                      <a:r>
+                        <a:rPr kumimoji="0" lang="es-PE" sz="2000" b="0" i="1" u="none" strike="noStrike" cap="none" normalizeH="0" baseline="0" dirty="0" smtClean="0">
+                          <a:ln>
+                            <a:noFill/>
+                          </a:ln>
+                          <a:solidFill>
+                            <a:schemeClr val="tx2"/>
+                          </a:solidFill>
+                          <a:effectLst/>
+                          <a:latin typeface="Candara" pitchFamily="34" charset="0"/>
+                        </a:rPr>
+                        <a:t>Para </a:t>
+                      </a:r>
+                      <a:r>
+                        <a:rPr kumimoji="0" lang="es-PE" sz="2000" b="0" i="1" u="none" strike="noStrike" cap="none" normalizeH="0" baseline="0" dirty="0" smtClean="0">
+                          <a:ln>
+                            <a:noFill/>
+                          </a:ln>
+                          <a:solidFill>
+                            <a:schemeClr val="tx2"/>
+                          </a:solidFill>
+                          <a:effectLst/>
+                          <a:latin typeface="Candara" pitchFamily="34" charset="0"/>
+                        </a:rPr>
+                        <a:t>la generación del Contrato se estableció el siguiente formato</a:t>
+                      </a:r>
+                      <a:r>
+                        <a:rPr kumimoji="0" lang="es-PE" sz="2000" b="0" i="1" u="none" strike="noStrike" cap="none" normalizeH="0" baseline="0" dirty="0" smtClean="0">
+                          <a:ln>
+                            <a:noFill/>
+                          </a:ln>
+                          <a:solidFill>
+                            <a:schemeClr val="tx2"/>
+                          </a:solidFill>
+                          <a:effectLst/>
+                          <a:latin typeface="Candara" pitchFamily="34" charset="0"/>
+                        </a:rPr>
+                        <a:t>:</a:t>
+                      </a:r>
+                      <a:endParaRPr kumimoji="0" lang="es-PE" sz="2000" b="0" i="1" u="none" strike="noStrike" cap="none" normalizeH="0" baseline="0" dirty="0" smtClean="0">
                         <a:ln>
                           <a:noFill/>
                         </a:ln>
@@ -17366,7 +17380,7 @@
                         <a:buNone/>
                         <a:tabLst/>
                       </a:pPr>
-                      <a:endParaRPr kumimoji="0" lang="es-PE" sz="2000" b="0" i="1" u="none" strike="noStrike" cap="none" normalizeH="0" baseline="0" smtClean="0">
+                      <a:endParaRPr kumimoji="0" lang="es-PE" sz="2000" b="0" i="1" u="none" strike="noStrike" cap="none" normalizeH="0" baseline="0" dirty="0" smtClean="0">
                         <a:ln>
                           <a:noFill/>
                         </a:ln>
@@ -17394,7 +17408,7 @@
                         <a:buNone/>
                         <a:tabLst/>
                       </a:pPr>
-                      <a:endParaRPr kumimoji="0" lang="es-PE" sz="2000" b="0" i="1" u="none" strike="noStrike" cap="none" normalizeH="0" baseline="0" smtClean="0">
+                      <a:endParaRPr kumimoji="0" lang="es-PE" sz="2000" b="0" i="1" u="none" strike="noStrike" cap="none" normalizeH="0" baseline="0" dirty="0" smtClean="0">
                         <a:ln>
                           <a:noFill/>
                         </a:ln>
@@ -17422,7 +17436,7 @@
                         <a:buNone/>
                         <a:tabLst/>
                       </a:pPr>
-                      <a:endParaRPr kumimoji="0" lang="es-PE" sz="2000" b="0" i="1" u="none" strike="noStrike" cap="none" normalizeH="0" baseline="0" smtClean="0">
+                      <a:endParaRPr kumimoji="0" lang="es-PE" sz="2000" b="0" i="1" u="none" strike="noStrike" cap="none" normalizeH="0" baseline="0" dirty="0" smtClean="0">
                         <a:ln>
                           <a:noFill/>
                         </a:ln>
@@ -17450,7 +17464,7 @@
                         <a:buNone/>
                         <a:tabLst/>
                       </a:pPr>
-                      <a:endParaRPr kumimoji="0" lang="es-PE" sz="2000" b="0" i="1" u="none" strike="noStrike" cap="none" normalizeH="0" baseline="0" smtClean="0">
+                      <a:endParaRPr kumimoji="0" lang="es-PE" sz="2000" b="0" i="1" u="none" strike="noStrike" cap="none" normalizeH="0" baseline="0" dirty="0" smtClean="0">
                         <a:ln>
                           <a:noFill/>
                         </a:ln>
@@ -17478,7 +17492,7 @@
                         <a:buNone/>
                         <a:tabLst/>
                       </a:pPr>
-                      <a:endParaRPr kumimoji="0" lang="es-PE" sz="2000" b="0" i="1" u="none" strike="noStrike" cap="none" normalizeH="0" baseline="0" smtClean="0">
+                      <a:endParaRPr kumimoji="0" lang="es-PE" sz="2000" b="0" i="1" u="none" strike="noStrike" cap="none" normalizeH="0" baseline="0" dirty="0" smtClean="0">
                         <a:ln>
                           <a:noFill/>
                         </a:ln>
@@ -17506,7 +17520,7 @@
                         <a:buNone/>
                         <a:tabLst/>
                       </a:pPr>
-                      <a:endParaRPr kumimoji="0" lang="es-PE" sz="2000" b="0" i="1" u="none" strike="noStrike" cap="none" normalizeH="0" baseline="0" smtClean="0">
+                      <a:endParaRPr kumimoji="0" lang="es-PE" sz="2000" b="0" i="1" u="none" strike="noStrike" cap="none" normalizeH="0" baseline="0" dirty="0" smtClean="0">
                         <a:ln>
                           <a:noFill/>
                         </a:ln>
@@ -17534,7 +17548,7 @@
                         <a:buNone/>
                         <a:tabLst/>
                       </a:pPr>
-                      <a:endParaRPr kumimoji="0" lang="es-PE" sz="2000" b="0" i="1" u="none" strike="noStrike" cap="none" normalizeH="0" baseline="0" smtClean="0">
+                      <a:endParaRPr kumimoji="0" lang="es-PE" sz="2000" b="0" i="1" u="none" strike="noStrike" cap="none" normalizeH="0" baseline="0" dirty="0" smtClean="0">
                         <a:ln>
                           <a:noFill/>
                         </a:ln>
@@ -17562,7 +17576,7 @@
                         <a:buNone/>
                         <a:tabLst/>
                       </a:pPr>
-                      <a:endParaRPr kumimoji="0" lang="es-PE" sz="2000" b="0" i="1" u="none" strike="noStrike" cap="none" normalizeH="0" baseline="0" smtClean="0">
+                      <a:endParaRPr kumimoji="0" lang="es-PE" sz="2000" b="0" i="1" u="none" strike="noStrike" cap="none" normalizeH="0" baseline="0" dirty="0" smtClean="0">
                         <a:ln>
                           <a:noFill/>
                         </a:ln>
@@ -17590,7 +17604,7 @@
                         <a:buNone/>
                         <a:tabLst/>
                       </a:pPr>
-                      <a:endParaRPr kumimoji="0" lang="es-PE" sz="2000" b="0" i="1" u="none" strike="noStrike" cap="none" normalizeH="0" baseline="0" smtClean="0">
+                      <a:endParaRPr kumimoji="0" lang="es-PE" sz="2000" b="0" i="1" u="none" strike="noStrike" cap="none" normalizeH="0" baseline="0" dirty="0" smtClean="0">
                         <a:ln>
                           <a:noFill/>
                         </a:ln>
@@ -17618,7 +17632,7 @@
                         <a:buNone/>
                         <a:tabLst/>
                       </a:pPr>
-                      <a:endParaRPr kumimoji="0" lang="es-PE" sz="2000" b="0" i="1" u="none" strike="noStrike" cap="none" normalizeH="0" baseline="0" smtClean="0">
+                      <a:endParaRPr kumimoji="0" lang="es-PE" sz="2000" b="0" i="1" u="none" strike="noStrike" cap="none" normalizeH="0" baseline="0" dirty="0" smtClean="0">
                         <a:ln>
                           <a:noFill/>
                         </a:ln>
@@ -17646,7 +17660,7 @@
                         <a:buNone/>
                         <a:tabLst/>
                       </a:pPr>
-                      <a:endParaRPr kumimoji="0" lang="es-PE" sz="2000" b="0" i="1" u="none" strike="noStrike" cap="none" normalizeH="0" baseline="0" smtClean="0">
+                      <a:endParaRPr kumimoji="0" lang="es-PE" sz="2000" b="0" i="1" u="none" strike="noStrike" cap="none" normalizeH="0" baseline="0" dirty="0" smtClean="0">
                         <a:ln>
                           <a:noFill/>
                         </a:ln>
@@ -17726,7 +17740,7 @@
         </p:blipFill>
         <p:spPr bwMode="auto">
           <a:xfrm>
-            <a:off x="323850" y="3716338"/>
+            <a:off x="179512" y="3737685"/>
             <a:ext cx="2833688" cy="1447800"/>
           </a:xfrm>
           <a:prstGeom prst="rect">
@@ -17848,11 +17862,17 @@
           <p:cNvGraphicFramePr>
             <a:graphicFrameLocks noGrp="1"/>
           </p:cNvGraphicFramePr>
-          <p:nvPr/>
+          <p:nvPr>
+            <p:extLst>
+              <p:ext uri="{D42A27DB-BD31-4B8C-83A1-F6EECF244321}">
+                <p14:modId xmlns:p14="http://schemas.microsoft.com/office/powerpoint/2010/main" val="2150217032"/>
+              </p:ext>
+            </p:extLst>
+          </p:nvPr>
         </p:nvGraphicFramePr>
         <p:xfrm>
-          <a:off x="323850" y="2060575"/>
-          <a:ext cx="8496300" cy="4662488"/>
+          <a:off x="323850" y="2060574"/>
+          <a:ext cx="8496300" cy="4608785"/>
         </p:xfrm>
         <a:graphic>
           <a:graphicData uri="http://schemas.openxmlformats.org/drawingml/2006/table">
@@ -17862,7 +17882,7 @@
                 <a:gridCol w="2447925"/>
                 <a:gridCol w="6048375"/>
               </a:tblGrid>
-              <a:tr h="1152525">
+              <a:tr h="4608785">
                 <a:tc>
                   <a:txBody>
                     <a:bodyPr/>
@@ -17884,7 +17904,7 @@
                         <a:buNone/>
                         <a:tabLst/>
                       </a:pPr>
-                      <a:endParaRPr kumimoji="0" lang="es-ES" sz="1800" b="1" i="0" u="none" strike="noStrike" cap="none" normalizeH="0" baseline="0" smtClean="0">
+                      <a:endParaRPr kumimoji="0" lang="es-ES" sz="1800" b="1" i="0" u="none" strike="noStrike" cap="none" normalizeH="0" baseline="0" dirty="0" smtClean="0">
                         <a:ln>
                           <a:noFill/>
                         </a:ln>
@@ -17963,38 +17983,7 @@
                         <a:buNone/>
                         <a:tabLst/>
                       </a:pPr>
-                      <a:r>
-                        <a:rPr kumimoji="0" lang="es-PE" sz="2000" b="0" i="1" u="none" strike="noStrike" cap="none" normalizeH="0" baseline="0" smtClean="0">
-                          <a:ln>
-                            <a:noFill/>
-                          </a:ln>
-                          <a:solidFill>
-                            <a:schemeClr val="tx2"/>
-                          </a:solidFill>
-                          <a:effectLst/>
-                          <a:latin typeface="Candara" pitchFamily="34" charset="0"/>
-                        </a:rPr>
-                        <a:t>Para la generación del Adenda se estableció el siguiente formato:</a:t>
-                      </a:r>
-                    </a:p>
-                    <a:p>
-                      <a:pPr marL="0" marR="0" lvl="0" indent="0" algn="l" defTabSz="914400" rtl="0" eaLnBrk="1" fontAlgn="base" latinLnBrk="0" hangingPunct="1">
-                        <a:lnSpc>
-                          <a:spcPct val="100000"/>
-                        </a:lnSpc>
-                        <a:spcBef>
-                          <a:spcPct val="0"/>
-                        </a:spcBef>
-                        <a:spcAft>
-                          <a:spcPct val="0"/>
-                        </a:spcAft>
-                        <a:buClrTx/>
-                        <a:buSzTx/>
-                        <a:buFontTx/>
-                        <a:buNone/>
-                        <a:tabLst/>
-                      </a:pPr>
-                      <a:endParaRPr kumimoji="0" lang="es-PE" sz="2000" b="0" i="1" u="none" strike="noStrike" cap="none" normalizeH="0" baseline="0" smtClean="0">
+                      <a:endParaRPr kumimoji="0" lang="es-PE" sz="2000" b="0" i="1" u="none" strike="noStrike" cap="none" normalizeH="0" baseline="0" dirty="0" smtClean="0">
                         <a:ln>
                           <a:noFill/>
                         </a:ln>
@@ -18022,7 +18011,51 @@
                         <a:buNone/>
                         <a:tabLst/>
                       </a:pPr>
-                      <a:endParaRPr kumimoji="0" lang="es-PE" sz="2000" b="0" i="1" u="none" strike="noStrike" cap="none" normalizeH="0" baseline="0" smtClean="0">
+                      <a:r>
+                        <a:rPr kumimoji="0" lang="es-PE" sz="2000" b="0" i="1" u="none" strike="noStrike" cap="none" normalizeH="0" baseline="0" dirty="0" smtClean="0">
+                          <a:ln>
+                            <a:noFill/>
+                          </a:ln>
+                          <a:solidFill>
+                            <a:schemeClr val="tx2"/>
+                          </a:solidFill>
+                          <a:effectLst/>
+                          <a:latin typeface="Candara" pitchFamily="34" charset="0"/>
+                        </a:rPr>
+                        <a:t>Para </a:t>
+                      </a:r>
+                      <a:r>
+                        <a:rPr kumimoji="0" lang="es-PE" sz="2000" b="0" i="1" u="none" strike="noStrike" cap="none" normalizeH="0" baseline="0" dirty="0" smtClean="0">
+                          <a:ln>
+                            <a:noFill/>
+                          </a:ln>
+                          <a:solidFill>
+                            <a:schemeClr val="tx2"/>
+                          </a:solidFill>
+                          <a:effectLst/>
+                          <a:latin typeface="Candara" pitchFamily="34" charset="0"/>
+                        </a:rPr>
+                        <a:t>la generación del Adenda se estableció el siguiente formato:</a:t>
+                      </a:r>
+                    </a:p>
+                    <a:p>
+                      <a:pPr marL="0" marR="0" lvl="0" indent="0" algn="l" defTabSz="914400" rtl="0" eaLnBrk="1" fontAlgn="base" latinLnBrk="0" hangingPunct="1">
+                        <a:lnSpc>
+                          <a:spcPct val="100000"/>
+                        </a:lnSpc>
+                        <a:spcBef>
+                          <a:spcPct val="0"/>
+                        </a:spcBef>
+                        <a:spcAft>
+                          <a:spcPct val="0"/>
+                        </a:spcAft>
+                        <a:buClrTx/>
+                        <a:buSzTx/>
+                        <a:buFontTx/>
+                        <a:buNone/>
+                        <a:tabLst/>
+                      </a:pPr>
+                      <a:endParaRPr kumimoji="0" lang="es-PE" sz="2000" b="0" i="1" u="none" strike="noStrike" cap="none" normalizeH="0" baseline="0" dirty="0" smtClean="0">
                         <a:ln>
                           <a:noFill/>
                         </a:ln>
@@ -18050,7 +18083,7 @@
                         <a:buNone/>
                         <a:tabLst/>
                       </a:pPr>
-                      <a:endParaRPr kumimoji="0" lang="es-PE" sz="2000" b="0" i="1" u="none" strike="noStrike" cap="none" normalizeH="0" baseline="0" smtClean="0">
+                      <a:endParaRPr kumimoji="0" lang="es-PE" sz="2000" b="0" i="1" u="none" strike="noStrike" cap="none" normalizeH="0" baseline="0" dirty="0" smtClean="0">
                         <a:ln>
                           <a:noFill/>
                         </a:ln>
@@ -18078,7 +18111,7 @@
                         <a:buNone/>
                         <a:tabLst/>
                       </a:pPr>
-                      <a:endParaRPr kumimoji="0" lang="es-PE" sz="2000" b="0" i="1" u="none" strike="noStrike" cap="none" normalizeH="0" baseline="0" smtClean="0">
+                      <a:endParaRPr kumimoji="0" lang="es-PE" sz="2000" b="0" i="1" u="none" strike="noStrike" cap="none" normalizeH="0" baseline="0" dirty="0" smtClean="0">
                         <a:ln>
                           <a:noFill/>
                         </a:ln>
@@ -18106,7 +18139,7 @@
                         <a:buNone/>
                         <a:tabLst/>
                       </a:pPr>
-                      <a:endParaRPr kumimoji="0" lang="es-PE" sz="2000" b="0" i="1" u="none" strike="noStrike" cap="none" normalizeH="0" baseline="0" smtClean="0">
+                      <a:endParaRPr kumimoji="0" lang="es-PE" sz="2000" b="0" i="1" u="none" strike="noStrike" cap="none" normalizeH="0" baseline="0" dirty="0" smtClean="0">
                         <a:ln>
                           <a:noFill/>
                         </a:ln>
@@ -18134,7 +18167,7 @@
                         <a:buNone/>
                         <a:tabLst/>
                       </a:pPr>
-                      <a:endParaRPr kumimoji="0" lang="es-PE" sz="2000" b="0" i="1" u="none" strike="noStrike" cap="none" normalizeH="0" baseline="0" smtClean="0">
+                      <a:endParaRPr kumimoji="0" lang="es-PE" sz="2000" b="0" i="1" u="none" strike="noStrike" cap="none" normalizeH="0" baseline="0" dirty="0" smtClean="0">
                         <a:ln>
                           <a:noFill/>
                         </a:ln>
@@ -18162,7 +18195,7 @@
                         <a:buNone/>
                         <a:tabLst/>
                       </a:pPr>
-                      <a:endParaRPr kumimoji="0" lang="es-PE" sz="2000" b="0" i="1" u="none" strike="noStrike" cap="none" normalizeH="0" baseline="0" smtClean="0">
+                      <a:endParaRPr kumimoji="0" lang="es-PE" sz="2000" b="0" i="1" u="none" strike="noStrike" cap="none" normalizeH="0" baseline="0" dirty="0" smtClean="0">
                         <a:ln>
                           <a:noFill/>
                         </a:ln>
@@ -18190,7 +18223,7 @@
                         <a:buNone/>
                         <a:tabLst/>
                       </a:pPr>
-                      <a:endParaRPr kumimoji="0" lang="es-PE" sz="2000" b="0" i="1" u="none" strike="noStrike" cap="none" normalizeH="0" baseline="0" smtClean="0">
+                      <a:endParaRPr kumimoji="0" lang="es-PE" sz="2000" b="0" i="1" u="none" strike="noStrike" cap="none" normalizeH="0" baseline="0" dirty="0" smtClean="0">
                         <a:ln>
                           <a:noFill/>
                         </a:ln>
@@ -18218,7 +18251,7 @@
                         <a:buNone/>
                         <a:tabLst/>
                       </a:pPr>
-                      <a:endParaRPr kumimoji="0" lang="es-PE" sz="2000" b="0" i="1" u="none" strike="noStrike" cap="none" normalizeH="0" baseline="0" smtClean="0">
+                      <a:endParaRPr kumimoji="0" lang="es-PE" sz="2000" b="0" i="1" u="none" strike="noStrike" cap="none" normalizeH="0" baseline="0" dirty="0" smtClean="0">
                         <a:ln>
                           <a:noFill/>
                         </a:ln>
@@ -18246,7 +18279,7 @@
                         <a:buNone/>
                         <a:tabLst/>
                       </a:pPr>
-                      <a:endParaRPr kumimoji="0" lang="es-PE" sz="2000" b="0" i="1" u="none" strike="noStrike" cap="none" normalizeH="0" baseline="0" smtClean="0">
+                      <a:endParaRPr kumimoji="0" lang="es-PE" sz="2000" b="0" i="1" u="none" strike="noStrike" cap="none" normalizeH="0" baseline="0" dirty="0" smtClean="0">
                         <a:ln>
                           <a:noFill/>
                         </a:ln>
@@ -18274,7 +18307,7 @@
                         <a:buNone/>
                         <a:tabLst/>
                       </a:pPr>
-                      <a:endParaRPr kumimoji="0" lang="es-PE" sz="2000" b="0" i="1" u="none" strike="noStrike" cap="none" normalizeH="0" baseline="0" smtClean="0">
+                      <a:endParaRPr kumimoji="0" lang="es-PE" sz="2000" b="0" i="1" u="none" strike="noStrike" cap="none" normalizeH="0" baseline="0" dirty="0" smtClean="0">
                         <a:ln>
                           <a:noFill/>
                         </a:ln>
@@ -18302,35 +18335,7 @@
                         <a:buNone/>
                         <a:tabLst/>
                       </a:pPr>
-                      <a:endParaRPr kumimoji="0" lang="es-PE" sz="2000" b="0" i="1" u="none" strike="noStrike" cap="none" normalizeH="0" baseline="0" smtClean="0">
-                        <a:ln>
-                          <a:noFill/>
-                        </a:ln>
-                        <a:solidFill>
-                          <a:schemeClr val="tx2"/>
-                        </a:solidFill>
-                        <a:effectLst/>
-                        <a:latin typeface="Candara" pitchFamily="34" charset="0"/>
-                      </a:endParaRPr>
-                    </a:p>
-                    <a:p>
-                      <a:pPr marL="0" marR="0" lvl="0" indent="0" algn="l" defTabSz="914400" rtl="0" eaLnBrk="1" fontAlgn="base" latinLnBrk="0" hangingPunct="1">
-                        <a:lnSpc>
-                          <a:spcPct val="100000"/>
-                        </a:lnSpc>
-                        <a:spcBef>
-                          <a:spcPct val="0"/>
-                        </a:spcBef>
-                        <a:spcAft>
-                          <a:spcPct val="0"/>
-                        </a:spcAft>
-                        <a:buClrTx/>
-                        <a:buSzTx/>
-                        <a:buFontTx/>
-                        <a:buNone/>
-                        <a:tabLst/>
-                      </a:pPr>
-                      <a:endParaRPr kumimoji="0" lang="es-PE" sz="2000" b="0" i="1" u="none" strike="noStrike" cap="none" normalizeH="0" baseline="0" smtClean="0">
+                      <a:endParaRPr kumimoji="0" lang="es-PE" sz="2000" b="0" i="1" u="none" strike="noStrike" cap="none" normalizeH="0" baseline="0" dirty="0" smtClean="0">
                         <a:ln>
                           <a:noFill/>
                         </a:ln>
@@ -18442,7 +18447,7 @@
         </p:blipFill>
         <p:spPr bwMode="auto">
           <a:xfrm>
-            <a:off x="250825" y="3716338"/>
+            <a:off x="179512" y="3716338"/>
             <a:ext cx="2840038" cy="1447800"/>
           </a:xfrm>
           <a:prstGeom prst="rect">
@@ -18531,10 +18536,16 @@
           <p:cNvGraphicFramePr>
             <a:graphicFrameLocks noGrp="1"/>
           </p:cNvGraphicFramePr>
-          <p:nvPr/>
+          <p:nvPr>
+            <p:extLst>
+              <p:ext uri="{D42A27DB-BD31-4B8C-83A1-F6EECF244321}">
+                <p14:modId xmlns:p14="http://schemas.microsoft.com/office/powerpoint/2010/main" val="2292969446"/>
+              </p:ext>
+            </p:extLst>
+          </p:nvPr>
         </p:nvGraphicFramePr>
         <p:xfrm>
-          <a:off x="323850" y="2349500"/>
+          <a:off x="323850" y="2511797"/>
           <a:ext cx="8496300" cy="1565275"/>
         </p:xfrm>
         <a:graphic>
@@ -18542,8 +18553,8 @@
             <a:tbl>
               <a:tblPr/>
               <a:tblGrid>
-                <a:gridCol w="2447925"/>
-                <a:gridCol w="6048375"/>
+                <a:gridCol w="3168030"/>
+                <a:gridCol w="5328270"/>
               </a:tblGrid>
               <a:tr h="1565275">
                 <a:tc>
@@ -18567,7 +18578,7 @@
                         <a:buNone/>
                         <a:tabLst/>
                       </a:pPr>
-                      <a:endParaRPr kumimoji="0" lang="es-ES" sz="1800" b="0" i="0" u="none" strike="noStrike" cap="none" normalizeH="0" baseline="0" smtClean="0">
+                      <a:endParaRPr kumimoji="0" lang="es-ES" sz="1800" b="0" i="0" u="none" strike="noStrike" cap="none" normalizeH="0" baseline="0" dirty="0" smtClean="0">
                         <a:ln>
                           <a:noFill/>
                         </a:ln>
@@ -18647,7 +18658,7 @@
                         <a:tabLst/>
                       </a:pPr>
                       <a:r>
-                        <a:rPr kumimoji="0" lang="es-PE" sz="2000" b="0" i="1" u="none" strike="noStrike" cap="none" normalizeH="0" baseline="0" smtClean="0">
+                        <a:rPr kumimoji="0" lang="es-PE" sz="2000" b="0" i="1" u="none" strike="noStrike" cap="none" normalizeH="0" baseline="0" dirty="0" smtClean="0">
                           <a:ln>
                             <a:noFill/>
                           </a:ln>
@@ -18659,7 +18670,7 @@
                         </a:rPr>
                         <a:t>La frecuencia de Seguimiento individual a los contratos se debe realizar de manera mensual.</a:t>
                       </a:r>
-                      <a:endParaRPr kumimoji="0" lang="es-ES" sz="2000" b="0" i="1" u="none" strike="noStrike" cap="none" normalizeH="0" baseline="0" smtClean="0">
+                      <a:endParaRPr kumimoji="0" lang="es-ES" sz="2000" b="0" i="1" u="none" strike="noStrike" cap="none" normalizeH="0" baseline="0" dirty="0" smtClean="0">
                         <a:ln>
                           <a:noFill/>
                         </a:ln>
@@ -18739,7 +18750,7 @@
         </p:blipFill>
         <p:spPr bwMode="auto">
           <a:xfrm>
-            <a:off x="0" y="2492375"/>
+            <a:off x="91579" y="2701280"/>
             <a:ext cx="3616325" cy="1447800"/>
           </a:xfrm>
           <a:prstGeom prst="rect">
@@ -18828,11 +18839,17 @@
           <p:cNvGraphicFramePr>
             <a:graphicFrameLocks noGrp="1"/>
           </p:cNvGraphicFramePr>
-          <p:nvPr/>
+          <p:nvPr>
+            <p:extLst>
+              <p:ext uri="{D42A27DB-BD31-4B8C-83A1-F6EECF244321}">
+                <p14:modId xmlns:p14="http://schemas.microsoft.com/office/powerpoint/2010/main" val="3192214281"/>
+              </p:ext>
+            </p:extLst>
+          </p:nvPr>
         </p:nvGraphicFramePr>
         <p:xfrm>
-          <a:off x="323850" y="2349500"/>
-          <a:ext cx="8496300" cy="4211638"/>
+          <a:off x="323850" y="2420887"/>
+          <a:ext cx="8496300" cy="4176464"/>
         </p:xfrm>
         <a:graphic>
           <a:graphicData uri="http://schemas.openxmlformats.org/drawingml/2006/table">
@@ -18842,7 +18859,7 @@
                 <a:gridCol w="2447925"/>
                 <a:gridCol w="6048375"/>
               </a:tblGrid>
-              <a:tr h="1152525">
+              <a:tr h="1290243">
                 <a:tc>
                   <a:txBody>
                     <a:bodyPr/>
@@ -18864,7 +18881,7 @@
                         <a:buNone/>
                         <a:tabLst/>
                       </a:pPr>
-                      <a:endParaRPr kumimoji="0" lang="es-ES" sz="1800" b="1" i="0" u="none" strike="noStrike" cap="none" normalizeH="0" baseline="0" smtClean="0">
+                      <a:endParaRPr kumimoji="0" lang="es-ES" sz="1800" b="1" i="0" u="none" strike="noStrike" cap="none" normalizeH="0" baseline="0" dirty="0" smtClean="0">
                         <a:ln>
                           <a:noFill/>
                         </a:ln>
@@ -18944,7 +18961,7 @@
                         <a:tabLst/>
                       </a:pPr>
                       <a:r>
-                        <a:rPr kumimoji="0" lang="es-PE" sz="1800" b="0" i="1" u="none" strike="noStrike" cap="none" normalizeH="0" baseline="0" smtClean="0">
+                        <a:rPr kumimoji="0" lang="es-PE" sz="1800" b="0" i="1" u="none" strike="noStrike" cap="none" normalizeH="0" baseline="0" dirty="0" smtClean="0">
                           <a:ln>
                             <a:noFill/>
                           </a:ln>
@@ -18956,7 +18973,7 @@
                         </a:rPr>
                         <a:t>Si un cliente tiene un contrato por un servicio, no se deberá generar otro contrato por el mismo servicio mientras haya uno vigente.</a:t>
                       </a:r>
-                      <a:endParaRPr kumimoji="0" lang="es-ES" sz="1800" b="0" i="1" u="none" strike="noStrike" cap="none" normalizeH="0" baseline="0" smtClean="0">
+                      <a:endParaRPr kumimoji="0" lang="es-ES" sz="1800" b="0" i="1" u="none" strike="noStrike" cap="none" normalizeH="0" baseline="0" dirty="0" smtClean="0">
                         <a:ln>
                           <a:noFill/>
                         </a:ln>
@@ -19015,7 +19032,7 @@
                   </a:tcPr>
                 </a:tc>
               </a:tr>
-              <a:tr h="1493838">
+              <a:tr h="1409411">
                 <a:tc>
                   <a:txBody>
                     <a:bodyPr/>
@@ -19196,7 +19213,7 @@
                   </a:tcPr>
                 </a:tc>
               </a:tr>
-              <a:tr h="1565275">
+              <a:tr h="1476810">
                 <a:tc>
                   <a:txBody>
                     <a:bodyPr/>
@@ -19298,7 +19315,7 @@
                         <a:tabLst/>
                       </a:pPr>
                       <a:r>
-                        <a:rPr kumimoji="0" lang="es-PE" sz="1800" b="0" i="1" u="none" strike="noStrike" cap="none" normalizeH="0" baseline="0" smtClean="0">
+                        <a:rPr kumimoji="0" lang="es-PE" sz="1800" b="0" i="1" u="none" strike="noStrike" cap="none" normalizeH="0" baseline="0" dirty="0" smtClean="0">
                           <a:ln>
                             <a:noFill/>
                           </a:ln>
@@ -19310,7 +19327,7 @@
                         </a:rPr>
                         <a:t>Si existe una polémica con el contrato de un cliente no se deberá generar ningún otro contrato al mismo cliente hasta solucionar la polémica.</a:t>
                       </a:r>
-                      <a:endParaRPr kumimoji="0" lang="es-ES" sz="1800" b="0" i="1" u="none" strike="noStrike" cap="none" normalizeH="0" baseline="0" smtClean="0">
+                      <a:endParaRPr kumimoji="0" lang="es-ES" sz="1800" b="0" i="1" u="none" strike="noStrike" cap="none" normalizeH="0" baseline="0" dirty="0" smtClean="0">
                         <a:ln>
                           <a:noFill/>
                         </a:ln>
@@ -19390,7 +19407,7 @@
         </p:blipFill>
         <p:spPr bwMode="auto">
           <a:xfrm>
-            <a:off x="179388" y="2276475"/>
+            <a:off x="179388" y="2420888"/>
             <a:ext cx="2857500" cy="1447800"/>
           </a:xfrm>
           <a:prstGeom prst="rect">
@@ -19423,7 +19440,7 @@
         </p:blipFill>
         <p:spPr bwMode="auto">
           <a:xfrm>
-            <a:off x="179388" y="3500438"/>
+            <a:off x="195982" y="3857600"/>
             <a:ext cx="2863850" cy="1371600"/>
           </a:xfrm>
           <a:prstGeom prst="rect">
@@ -19456,7 +19473,7 @@
         </p:blipFill>
         <p:spPr bwMode="auto">
           <a:xfrm>
-            <a:off x="179388" y="5013325"/>
+            <a:off x="179388" y="5221560"/>
             <a:ext cx="2906712" cy="1447800"/>
           </a:xfrm>
           <a:prstGeom prst="rect">
@@ -19545,19 +19562,25 @@
           <p:cNvGraphicFramePr>
             <a:graphicFrameLocks noGrp="1"/>
           </p:cNvGraphicFramePr>
-          <p:nvPr/>
+          <p:nvPr>
+            <p:extLst>
+              <p:ext uri="{D42A27DB-BD31-4B8C-83A1-F6EECF244321}">
+                <p14:modId xmlns:p14="http://schemas.microsoft.com/office/powerpoint/2010/main" val="2398614119"/>
+              </p:ext>
+            </p:extLst>
+          </p:nvPr>
         </p:nvGraphicFramePr>
         <p:xfrm>
           <a:off x="250825" y="1916113"/>
-          <a:ext cx="8496300" cy="4770437"/>
+          <a:ext cx="8496300" cy="4765675"/>
         </p:xfrm>
         <a:graphic>
           <a:graphicData uri="http://schemas.openxmlformats.org/drawingml/2006/table">
             <a:tbl>
               <a:tblPr/>
               <a:tblGrid>
-                <a:gridCol w="2447925"/>
-                <a:gridCol w="6048375"/>
+                <a:gridCol w="2664991"/>
+                <a:gridCol w="5831309"/>
               </a:tblGrid>
               <a:tr h="1368425">
                 <a:tc>
@@ -19581,7 +19604,7 @@
                         <a:buNone/>
                         <a:tabLst/>
                       </a:pPr>
-                      <a:endParaRPr kumimoji="0" lang="es-ES" sz="1800" b="1" i="0" u="none" strike="noStrike" cap="none" normalizeH="0" baseline="0" smtClean="0">
+                      <a:endParaRPr kumimoji="0" lang="es-ES" sz="1800" b="1" i="0" u="none" strike="noStrike" cap="none" normalizeH="0" baseline="0" dirty="0" smtClean="0">
                         <a:ln>
                           <a:noFill/>
                         </a:ln>
@@ -19663,7 +19686,7 @@
                         <a:tabLst/>
                       </a:pPr>
                       <a:r>
-                        <a:rPr kumimoji="0" lang="es-PE" sz="1800" b="0" i="1" u="none" strike="noStrike" cap="none" normalizeH="0" baseline="0" smtClean="0">
+                        <a:rPr kumimoji="0" lang="es-PE" sz="1800" b="0" i="1" u="none" strike="noStrike" cap="none" normalizeH="0" baseline="0" dirty="0" smtClean="0">
                           <a:ln>
                             <a:noFill/>
                           </a:ln>
@@ -19696,7 +19719,7 @@
                         <a:tabLst/>
                       </a:pPr>
                       <a:r>
-                        <a:rPr kumimoji="0" lang="es-PE" sz="1800" b="0" i="1" u="none" strike="noStrike" cap="none" normalizeH="0" baseline="0" smtClean="0">
+                        <a:rPr kumimoji="0" lang="es-PE" sz="1800" b="0" i="1" u="none" strike="noStrike" cap="none" normalizeH="0" baseline="0" dirty="0" smtClean="0">
                           <a:ln>
                             <a:noFill/>
                           </a:ln>
@@ -19710,7 +19733,7 @@
                       </a:r>
                     </a:p>
                     <a:p>
-                      <a:pPr marL="0" marR="0" lvl="0" indent="0" algn="l" defTabSz="914400" rtl="0" eaLnBrk="0" fontAlgn="base" latinLnBrk="0" hangingPunct="0">
+                      <a:pPr marL="0" marR="0" lvl="0" indent="0" algn="just" defTabSz="914400" rtl="0" eaLnBrk="0" fontAlgn="base" latinLnBrk="0" hangingPunct="0">
                         <a:lnSpc>
                           <a:spcPct val="100000"/>
                         </a:lnSpc>
@@ -19729,7 +19752,7 @@
                         <a:tabLst/>
                       </a:pPr>
                       <a:r>
-                        <a:rPr kumimoji="0" lang="es-PE" sz="1800" b="0" i="1" u="none" strike="noStrike" cap="none" normalizeH="0" baseline="0" smtClean="0">
+                        <a:rPr kumimoji="0" lang="es-PE" sz="1800" b="0" i="1" u="none" strike="noStrike" cap="none" normalizeH="0" baseline="0" dirty="0" smtClean="0">
                           <a:ln>
                             <a:noFill/>
                           </a:ln>
@@ -19739,9 +19762,35 @@
                           <a:effectLst/>
                           <a:latin typeface="Candara" pitchFamily="34" charset="0"/>
                         </a:rPr>
-                        <a:t>Prestación de servicio con suministro de repuestos, Servicio prestado, Mantenimiento Integral, Mantenimiento preventivo, Mantenimiento correctivo y Outsourcing.</a:t>
+                        <a:t>Prestación de servicio con suministro de repuestos, Servicio prestado, Mantenimiento Integral, Mantenimiento preventivo, Mantenimiento correctivo y </a:t>
                       </a:r>
-                      <a:endParaRPr kumimoji="0" lang="es-ES" sz="1800" b="0" i="1" u="none" strike="noStrike" cap="none" normalizeH="0" baseline="0" smtClean="0">
+                      <a:r>
+                        <a:rPr kumimoji="0" lang="es-PE" sz="1800" b="0" i="1" u="none" strike="noStrike" cap="none" normalizeH="0" baseline="0" dirty="0" err="1" smtClean="0">
+                          <a:ln>
+                            <a:noFill/>
+                          </a:ln>
+                          <a:solidFill>
+                            <a:schemeClr val="tx2"/>
+                          </a:solidFill>
+                          <a:effectLst/>
+                          <a:latin typeface="Candara" pitchFamily="34" charset="0"/>
+                        </a:rPr>
+                        <a:t>Outsourcing</a:t>
+                      </a:r>
+                      <a:r>
+                        <a:rPr kumimoji="0" lang="es-PE" sz="1800" b="0" i="1" u="none" strike="noStrike" cap="none" normalizeH="0" baseline="0" dirty="0" smtClean="0">
+                          <a:ln>
+                            <a:noFill/>
+                          </a:ln>
+                          <a:solidFill>
+                            <a:schemeClr val="tx2"/>
+                          </a:solidFill>
+                          <a:effectLst/>
+                          <a:latin typeface="Candara" pitchFamily="34" charset="0"/>
+                        </a:rPr>
+                        <a:t>.</a:t>
+                      </a:r>
+                      <a:endParaRPr kumimoji="0" lang="es-ES" sz="1800" b="0" i="1" u="none" strike="noStrike" cap="none" normalizeH="0" baseline="0" dirty="0" smtClean="0">
                         <a:ln>
                           <a:noFill/>
                         </a:ln>
@@ -19908,7 +19957,7 @@
                         <a:tabLst/>
                       </a:pPr>
                       <a:r>
-                        <a:rPr kumimoji="0" lang="es-PE" sz="1800" b="0" i="1" u="none" strike="noStrike" cap="none" normalizeH="0" baseline="0" smtClean="0">
+                        <a:rPr kumimoji="0" lang="es-PE" sz="1800" b="0" i="1" u="none" strike="noStrike" cap="none" normalizeH="0" baseline="0" dirty="0" smtClean="0">
                           <a:ln>
                             <a:noFill/>
                           </a:ln>
@@ -19941,7 +19990,7 @@
                         <a:tabLst/>
                       </a:pPr>
                       <a:r>
-                        <a:rPr kumimoji="0" lang="es-PE" sz="1800" b="0" i="1" u="none" strike="noStrike" cap="none" normalizeH="0" baseline="0" smtClean="0">
+                        <a:rPr kumimoji="0" lang="es-PE" sz="1800" b="0" i="1" u="none" strike="noStrike" cap="none" normalizeH="0" baseline="0" dirty="0" smtClean="0">
                           <a:ln>
                             <a:noFill/>
                           </a:ln>
@@ -19974,7 +20023,7 @@
                         <a:tabLst/>
                       </a:pPr>
                       <a:r>
-                        <a:rPr kumimoji="0" lang="es-PE" sz="1800" b="0" i="1" u="none" strike="noStrike" cap="none" normalizeH="0" baseline="0" smtClean="0">
+                        <a:rPr kumimoji="0" lang="es-PE" sz="1800" b="0" i="1" u="none" strike="noStrike" cap="none" normalizeH="0" baseline="0" dirty="0" smtClean="0">
                           <a:ln>
                             <a:noFill/>
                           </a:ln>
@@ -20007,7 +20056,7 @@
                         <a:tabLst/>
                       </a:pPr>
                       <a:r>
-                        <a:rPr kumimoji="0" lang="es-PE" sz="1800" b="0" i="1" u="none" strike="noStrike" cap="none" normalizeH="0" baseline="0" smtClean="0">
+                        <a:rPr kumimoji="0" lang="es-PE" sz="1800" b="0" i="1" u="none" strike="noStrike" cap="none" normalizeH="0" baseline="0" dirty="0" smtClean="0">
                           <a:ln>
                             <a:noFill/>
                           </a:ln>
@@ -20019,7 +20068,7 @@
                         </a:rPr>
                         <a:t>Confidencialidad.</a:t>
                       </a:r>
-                      <a:endParaRPr kumimoji="0" lang="es-ES" sz="1800" b="0" i="1" u="none" strike="noStrike" cap="none" normalizeH="0" baseline="0" smtClean="0">
+                      <a:endParaRPr kumimoji="0" lang="es-ES" sz="1800" b="0" i="1" u="none" strike="noStrike" cap="none" normalizeH="0" baseline="0" dirty="0" smtClean="0">
                         <a:ln>
                           <a:noFill/>
                         </a:ln>
@@ -20184,7 +20233,7 @@
                         <a:tabLst/>
                       </a:pPr>
                       <a:r>
-                        <a:rPr kumimoji="0" lang="es-PE" sz="1800" b="0" i="1" u="none" strike="noStrike" cap="none" normalizeH="0" baseline="0" smtClean="0">
+                        <a:rPr kumimoji="0" lang="es-PE" sz="1800" b="0" i="1" u="none" strike="noStrike" cap="none" normalizeH="0" baseline="0" dirty="0" smtClean="0">
                           <a:ln>
                             <a:noFill/>
                           </a:ln>
@@ -20196,7 +20245,7 @@
                         </a:rPr>
                         <a:t>El número de Adendas a generarse dependerán del Tipo de Contrato.</a:t>
                       </a:r>
-                      <a:endParaRPr kumimoji="0" lang="es-ES" sz="1800" b="0" i="1" u="none" strike="noStrike" cap="none" normalizeH="0" baseline="0" smtClean="0">
+                      <a:endParaRPr kumimoji="0" lang="es-ES" sz="1800" b="0" i="1" u="none" strike="noStrike" cap="none" normalizeH="0" baseline="0" dirty="0" smtClean="0">
                         <a:ln>
                           <a:noFill/>
                         </a:ln>
@@ -20276,7 +20325,7 @@
         </p:blipFill>
         <p:spPr bwMode="auto">
           <a:xfrm>
-            <a:off x="250825" y="2205038"/>
+            <a:off x="140419" y="2132856"/>
             <a:ext cx="2919413" cy="1447800"/>
           </a:xfrm>
           <a:prstGeom prst="rect">
@@ -20309,7 +20358,7 @@
         </p:blipFill>
         <p:spPr bwMode="auto">
           <a:xfrm>
-            <a:off x="250825" y="3500438"/>
+            <a:off x="134069" y="3637384"/>
             <a:ext cx="2925763" cy="1447800"/>
           </a:xfrm>
           <a:prstGeom prst="rect">
@@ -20342,7 +20391,7 @@
         </p:blipFill>
         <p:spPr bwMode="auto">
           <a:xfrm>
-            <a:off x="0" y="5013325"/>
+            <a:off x="3448" y="5293568"/>
             <a:ext cx="3200400" cy="1447800"/>
           </a:xfrm>
           <a:prstGeom prst="rect">
@@ -20431,11 +20480,17 @@
           <p:cNvGraphicFramePr>
             <a:graphicFrameLocks noGrp="1"/>
           </p:cNvGraphicFramePr>
-          <p:nvPr/>
+          <p:nvPr>
+            <p:extLst>
+              <p:ext uri="{D42A27DB-BD31-4B8C-83A1-F6EECF244321}">
+                <p14:modId xmlns:p14="http://schemas.microsoft.com/office/powerpoint/2010/main" val="4221051426"/>
+              </p:ext>
+            </p:extLst>
+          </p:nvPr>
         </p:nvGraphicFramePr>
         <p:xfrm>
           <a:off x="323850" y="2349500"/>
-          <a:ext cx="8496300" cy="4211638"/>
+          <a:ext cx="8496300" cy="4247852"/>
         </p:xfrm>
         <a:graphic>
           <a:graphicData uri="http://schemas.openxmlformats.org/drawingml/2006/table">
@@ -20445,7 +20500,7 @@
                 <a:gridCol w="2447925"/>
                 <a:gridCol w="6048375"/>
               </a:tblGrid>
-              <a:tr h="1152525">
+              <a:tr h="1367532">
                 <a:tc>
                   <a:txBody>
                     <a:bodyPr/>
@@ -20467,7 +20522,7 @@
                         <a:buNone/>
                         <a:tabLst/>
                       </a:pPr>
-                      <a:endParaRPr kumimoji="0" lang="es-ES" sz="1800" b="1" i="0" u="none" strike="noStrike" cap="none" normalizeH="0" baseline="0" smtClean="0">
+                      <a:endParaRPr kumimoji="0" lang="es-ES" sz="1800" b="1" i="0" u="none" strike="noStrike" cap="none" normalizeH="0" baseline="0" dirty="0" smtClean="0">
                         <a:ln>
                           <a:noFill/>
                         </a:ln>
@@ -20547,7 +20602,7 @@
                         <a:tabLst/>
                       </a:pPr>
                       <a:r>
-                        <a:rPr kumimoji="0" lang="es-PE" sz="1800" b="0" i="1" u="none" strike="noStrike" cap="none" normalizeH="0" baseline="0" smtClean="0">
+                        <a:rPr kumimoji="0" lang="es-PE" sz="1800" b="0" i="1" u="none" strike="noStrike" cap="none" normalizeH="0" baseline="0" dirty="0" smtClean="0">
                           <a:ln>
                             <a:noFill/>
                           </a:ln>
@@ -20559,7 +20614,7 @@
                         </a:rPr>
                         <a:t>El contrato se origina a partir de un requerimiento, el cual será gestionado por el Gestor de Requerimientos.</a:t>
                       </a:r>
-                      <a:endParaRPr kumimoji="0" lang="es-ES" sz="1800" b="0" i="1" u="none" strike="noStrike" cap="none" normalizeH="0" baseline="0" smtClean="0">
+                      <a:endParaRPr kumimoji="0" lang="es-ES" sz="1800" b="0" i="1" u="none" strike="noStrike" cap="none" normalizeH="0" baseline="0" dirty="0" smtClean="0">
                         <a:ln>
                           <a:noFill/>
                         </a:ln>
@@ -20799,7 +20854,7 @@
                   </a:tcPr>
                 </a:tc>
               </a:tr>
-              <a:tr h="1565275">
+              <a:tr h="1386482">
                 <a:tc>
                   <a:txBody>
                     <a:bodyPr/>
@@ -20901,7 +20956,7 @@
                         <a:tabLst/>
                       </a:pPr>
                       <a:r>
-                        <a:rPr kumimoji="0" lang="es-PE" sz="1800" b="0" i="1" u="none" strike="noStrike" cap="none" normalizeH="0" baseline="0" smtClean="0">
+                        <a:rPr kumimoji="0" lang="es-PE" sz="1800" b="0" i="1" u="none" strike="noStrike" cap="none" normalizeH="0" baseline="0" dirty="0" smtClean="0">
                           <a:ln>
                             <a:noFill/>
                           </a:ln>
@@ -20913,7 +20968,7 @@
                         </a:rPr>
                         <a:t>El cliente puede solicitar pruebas de concepto del producto por un máximo de 3 iteraciones.</a:t>
                       </a:r>
-                      <a:endParaRPr kumimoji="0" lang="es-ES" sz="1800" b="0" i="1" u="none" strike="noStrike" cap="none" normalizeH="0" baseline="0" smtClean="0">
+                      <a:endParaRPr kumimoji="0" lang="es-ES" sz="1800" b="0" i="1" u="none" strike="noStrike" cap="none" normalizeH="0" baseline="0" dirty="0" smtClean="0">
                         <a:ln>
                           <a:noFill/>
                         </a:ln>
@@ -20993,7 +21048,7 @@
         </p:blipFill>
         <p:spPr bwMode="auto">
           <a:xfrm>
-            <a:off x="34925" y="2276475"/>
+            <a:off x="188615" y="2341240"/>
             <a:ext cx="2943225" cy="1447800"/>
           </a:xfrm>
           <a:prstGeom prst="rect">
@@ -21026,7 +21081,7 @@
         </p:blipFill>
         <p:spPr bwMode="auto">
           <a:xfrm>
-            <a:off x="179388" y="3573463"/>
+            <a:off x="179388" y="3709392"/>
             <a:ext cx="2913062" cy="1447800"/>
           </a:xfrm>
           <a:prstGeom prst="rect">
@@ -21059,7 +21114,7 @@
         </p:blipFill>
         <p:spPr bwMode="auto">
           <a:xfrm>
-            <a:off x="250825" y="5084763"/>
+            <a:off x="250825" y="5221560"/>
             <a:ext cx="2778125" cy="1447800"/>
           </a:xfrm>
           <a:prstGeom prst="rect">
@@ -21129,7 +21184,7 @@
           <a:p>
             <a:pPr eaLnBrk="1" hangingPunct="1"/>
             <a:r>
-              <a:rPr lang="es-PE" sz="4000" b="1" smtClean="0">
+              <a:rPr lang="es-PE" sz="4000" b="1" dirty="0" smtClean="0">
                 <a:solidFill>
                   <a:schemeClr val="tx2"/>
                 </a:solidFill>
@@ -21244,9 +21299,9 @@
           <a:p>
             <a:pPr eaLnBrk="1" hangingPunct="1"/>
             <a:r>
-              <a:rPr lang="es-PE" b="1" smtClean="0">
+              <a:rPr lang="es-PE" sz="4000" b="1" dirty="0">
                 <a:solidFill>
-                  <a:schemeClr val="tx1"/>
+                  <a:schemeClr val="tx2"/>
                 </a:solidFill>
               </a:rPr>
               <a:t>TRABAJADORES DE NEGOCIO</a:t>
@@ -21292,7 +21347,7 @@
         <p:spPr/>
         <p:txBody>
           <a:bodyPr>
-            <a:normAutofit/>
+            <a:normAutofit fontScale="90000"/>
           </a:bodyPr>
           <a:lstStyle/>
           <a:p>
@@ -21310,11 +21365,17 @@
           <p:cNvGraphicFramePr>
             <a:graphicFrameLocks noGrp="1"/>
           </p:cNvGraphicFramePr>
-          <p:nvPr/>
+          <p:nvPr>
+            <p:extLst>
+              <p:ext uri="{D42A27DB-BD31-4B8C-83A1-F6EECF244321}">
+                <p14:modId xmlns:p14="http://schemas.microsoft.com/office/powerpoint/2010/main" val="2539414179"/>
+              </p:ext>
+            </p:extLst>
+          </p:nvPr>
         </p:nvGraphicFramePr>
         <p:xfrm>
-          <a:off x="323850" y="2349500"/>
-          <a:ext cx="8496300" cy="3816350"/>
+          <a:off x="323850" y="2427510"/>
+          <a:ext cx="8496300" cy="4025826"/>
         </p:xfrm>
         <a:graphic>
           <a:graphicData uri="http://schemas.openxmlformats.org/drawingml/2006/table">
@@ -21324,7 +21385,7 @@
                 <a:gridCol w="2447925"/>
                 <a:gridCol w="6048375"/>
               </a:tblGrid>
-              <a:tr h="1662113">
+              <a:tr h="1871588">
                 <a:tc>
                   <a:txBody>
                     <a:bodyPr/>
@@ -21346,7 +21407,7 @@
                         <a:buNone/>
                         <a:tabLst/>
                       </a:pPr>
-                      <a:endParaRPr kumimoji="0" lang="es-ES" sz="1800" b="1" i="0" u="none" strike="noStrike" cap="none" normalizeH="0" baseline="0" smtClean="0">
+                      <a:endParaRPr kumimoji="0" lang="es-ES" sz="1800" b="1" i="0" u="none" strike="noStrike" cap="none" normalizeH="0" baseline="0" dirty="0" smtClean="0">
                         <a:ln>
                           <a:noFill/>
                         </a:ln>
@@ -21409,7 +21470,7 @@
                     <a:bodyPr/>
                     <a:lstStyle/>
                     <a:p>
-                      <a:pPr marL="0" marR="0" lvl="0" indent="0" algn="l" defTabSz="914400" rtl="0" eaLnBrk="1" fontAlgn="base" latinLnBrk="0" hangingPunct="1">
+                      <a:pPr marL="0" marR="0" lvl="0" indent="0" algn="just" defTabSz="914400" rtl="0" eaLnBrk="1" fontAlgn="base" latinLnBrk="0" hangingPunct="1">
                         <a:lnSpc>
                           <a:spcPct val="100000"/>
                         </a:lnSpc>
@@ -21426,7 +21487,7 @@
                         <a:tabLst/>
                       </a:pPr>
                       <a:r>
-                        <a:rPr kumimoji="0" lang="es-PE" sz="2000" b="0" i="1" u="none" strike="noStrike" cap="none" normalizeH="0" baseline="0" smtClean="0">
+                        <a:rPr kumimoji="0" lang="es-PE" sz="2000" b="0" i="1" u="none" strike="noStrike" cap="none" normalizeH="0" baseline="0" dirty="0" smtClean="0">
                           <a:ln>
                             <a:noFill/>
                           </a:ln>
@@ -21438,7 +21499,7 @@
                         </a:rPr>
                         <a:t>Responsable de realizar las actividades comerciales de la Organización. Como: Elaboración de Propuesta (s) económica(s), y participa en la elaboración de Hojas de Requerimientos Cotización(es) así como dar mantenimiento a la información de los Clientes.</a:t>
                       </a:r>
-                      <a:endParaRPr kumimoji="0" lang="es-ES" sz="2000" b="0" i="1" u="none" strike="noStrike" cap="none" normalizeH="0" baseline="0" smtClean="0">
+                      <a:endParaRPr kumimoji="0" lang="es-ES" sz="2000" b="0" i="1" u="none" strike="noStrike" cap="none" normalizeH="0" baseline="0" dirty="0" smtClean="0">
                         <a:ln>
                           <a:noFill/>
                         </a:ln>
@@ -21586,7 +21647,7 @@
                     <a:bodyPr/>
                     <a:lstStyle/>
                     <a:p>
-                      <a:pPr marL="0" marR="0" lvl="0" indent="0" algn="l" defTabSz="914400" rtl="0" eaLnBrk="1" fontAlgn="base" latinLnBrk="0" hangingPunct="1">
+                      <a:pPr marL="0" marR="0" lvl="0" indent="0" algn="just" defTabSz="914400" rtl="0" eaLnBrk="1" fontAlgn="base" latinLnBrk="0" hangingPunct="1">
                         <a:lnSpc>
                           <a:spcPct val="100000"/>
                         </a:lnSpc>
@@ -21603,7 +21664,7 @@
                         <a:tabLst/>
                       </a:pPr>
                       <a:r>
-                        <a:rPr kumimoji="0" lang="es-PE" sz="2000" b="0" i="0" u="none" strike="noStrike" cap="none" normalizeH="0" baseline="0" smtClean="0">
+                        <a:rPr kumimoji="0" lang="es-PE" sz="2000" b="0" i="0" u="none" strike="noStrike" cap="none" normalizeH="0" baseline="0" dirty="0" smtClean="0">
                           <a:ln>
                             <a:noFill/>
                           </a:ln>
@@ -21615,7 +21676,7 @@
                         </a:rPr>
                         <a:t>Responsable de Generar las establecerlas cláusulas del Contrato, los roles y responsabilidades, analizar los Riesgos Contractuales, generar el contrato y la revisión del cumplimientos de los acuerdos establecidos.</a:t>
                       </a:r>
-                      <a:endParaRPr kumimoji="0" lang="es-ES" sz="2000" b="0" i="0" u="none" strike="noStrike" cap="none" normalizeH="0" baseline="0" smtClean="0">
+                      <a:endParaRPr kumimoji="0" lang="es-ES" sz="2000" b="0" i="0" u="none" strike="noStrike" cap="none" normalizeH="0" baseline="0" dirty="0" smtClean="0">
                         <a:ln>
                           <a:noFill/>
                         </a:ln>
@@ -21699,7 +21760,7 @@
         </p:blipFill>
         <p:spPr bwMode="auto">
           <a:xfrm>
-            <a:off x="0" y="2276475"/>
+            <a:off x="-36512" y="2428924"/>
             <a:ext cx="3325813" cy="2008188"/>
           </a:xfrm>
           <a:prstGeom prst="rect">
@@ -21732,7 +21793,7 @@
         </p:blipFill>
         <p:spPr bwMode="auto">
           <a:xfrm>
-            <a:off x="0" y="4149725"/>
+            <a:off x="-36512" y="4373140"/>
             <a:ext cx="3340100" cy="2008188"/>
           </a:xfrm>
           <a:prstGeom prst="rect">
@@ -21802,7 +21863,7 @@
           <a:p>
             <a:pPr eaLnBrk="1" hangingPunct="1"/>
             <a:r>
-              <a:rPr lang="es-PE" b="1" smtClean="0">
+              <a:rPr lang="es-PE" b="1" dirty="0" smtClean="0">
                 <a:solidFill>
                   <a:schemeClr val="tx2"/>
                 </a:solidFill>
@@ -21850,7 +21911,7 @@
         <p:spPr/>
         <p:txBody>
           <a:bodyPr>
-            <a:normAutofit/>
+            <a:normAutofit fontScale="90000"/>
           </a:bodyPr>
           <a:lstStyle/>
           <a:p>
@@ -21868,11 +21929,17 @@
           <p:cNvGraphicFramePr>
             <a:graphicFrameLocks noGrp="1"/>
           </p:cNvGraphicFramePr>
-          <p:nvPr/>
+          <p:nvPr>
+            <p:extLst>
+              <p:ext uri="{D42A27DB-BD31-4B8C-83A1-F6EECF244321}">
+                <p14:modId xmlns:p14="http://schemas.microsoft.com/office/powerpoint/2010/main" val="624332026"/>
+              </p:ext>
+            </p:extLst>
+          </p:nvPr>
         </p:nvGraphicFramePr>
         <p:xfrm>
-          <a:off x="323850" y="2349500"/>
-          <a:ext cx="8496300" cy="3687763"/>
+          <a:off x="323850" y="2548597"/>
+          <a:ext cx="8496300" cy="3889782"/>
         </p:xfrm>
         <a:graphic>
           <a:graphicData uri="http://schemas.openxmlformats.org/drawingml/2006/table">
@@ -21882,7 +21949,7 @@
                 <a:gridCol w="2447925"/>
                 <a:gridCol w="6048375"/>
               </a:tblGrid>
-              <a:tr h="1598613">
+              <a:tr h="1816507">
                 <a:tc>
                   <a:txBody>
                     <a:bodyPr/>
@@ -21904,7 +21971,7 @@
                         <a:buNone/>
                         <a:tabLst/>
                       </a:pPr>
-                      <a:endParaRPr kumimoji="0" lang="es-ES" sz="1800" b="1" i="0" u="none" strike="noStrike" cap="none" normalizeH="0" baseline="0" smtClean="0">
+                      <a:endParaRPr kumimoji="0" lang="es-ES" sz="1800" b="1" i="0" u="none" strike="noStrike" cap="none" normalizeH="0" baseline="0" dirty="0" smtClean="0">
                         <a:ln>
                           <a:noFill/>
                         </a:ln>
@@ -21967,7 +22034,7 @@
                     <a:bodyPr/>
                     <a:lstStyle/>
                     <a:p>
-                      <a:pPr marL="0" marR="0" lvl="0" indent="0" algn="l" defTabSz="914400" rtl="0" eaLnBrk="1" fontAlgn="base" latinLnBrk="0" hangingPunct="1">
+                      <a:pPr marL="0" marR="0" lvl="0" indent="0" algn="just" defTabSz="914400" rtl="0" eaLnBrk="1" fontAlgn="base" latinLnBrk="0" hangingPunct="1">
                         <a:lnSpc>
                           <a:spcPct val="100000"/>
                         </a:lnSpc>
@@ -21984,7 +22051,7 @@
                         <a:tabLst/>
                       </a:pPr>
                       <a:r>
-                        <a:rPr kumimoji="0" lang="es-PE" sz="2000" b="0" i="1" u="none" strike="noStrike" cap="none" normalizeH="0" baseline="0" smtClean="0">
+                        <a:rPr kumimoji="0" lang="es-PE" sz="2000" b="0" i="1" u="none" strike="noStrike" cap="none" normalizeH="0" baseline="0" dirty="0" smtClean="0">
                           <a:ln>
                             <a:noFill/>
                           </a:ln>
@@ -21997,7 +22064,7 @@
                         <a:t>Responsable de revisar las cláusulas de los Contratos y Adendas y dar su conformidad sobre ellas, así como también la revisión y aprobación de las cotizaciones que se le presente cuando es un cliente privado.</a:t>
                       </a:r>
                       <a:r>
-                        <a:rPr kumimoji="0" lang="es-ES" sz="2000" b="0" i="0" u="none" strike="noStrike" cap="none" normalizeH="0" baseline="0" smtClean="0">
+                        <a:rPr kumimoji="0" lang="es-ES" sz="2000" b="0" i="0" u="none" strike="noStrike" cap="none" normalizeH="0" baseline="0" dirty="0" smtClean="0">
                           <a:ln>
                             <a:noFill/>
                           </a:ln>
@@ -22027,7 +22094,7 @@
                         <a:buNone/>
                         <a:tabLst/>
                       </a:pPr>
-                      <a:endParaRPr kumimoji="0" lang="es-ES" sz="2000" b="0" i="1" u="none" strike="noStrike" cap="none" normalizeH="0" baseline="0" smtClean="0">
+                      <a:endParaRPr kumimoji="0" lang="es-ES" sz="2000" b="0" i="1" u="none" strike="noStrike" cap="none" normalizeH="0" baseline="0" dirty="0" smtClean="0">
                         <a:ln>
                           <a:noFill/>
                         </a:ln>
@@ -22175,7 +22242,7 @@
                     <a:bodyPr/>
                     <a:lstStyle/>
                     <a:p>
-                      <a:pPr marL="0" marR="0" lvl="0" indent="0" algn="l" defTabSz="914400" rtl="0" eaLnBrk="1" fontAlgn="base" latinLnBrk="0" hangingPunct="1">
+                      <a:pPr marL="0" marR="0" lvl="0" indent="0" algn="just" defTabSz="914400" rtl="0" eaLnBrk="1" fontAlgn="base" latinLnBrk="0" hangingPunct="1">
                         <a:lnSpc>
                           <a:spcPct val="100000"/>
                         </a:lnSpc>
@@ -22192,7 +22259,7 @@
                         <a:tabLst/>
                       </a:pPr>
                       <a:r>
-                        <a:rPr kumimoji="0" lang="es-PE" sz="2000" b="0" i="1" u="none" strike="noStrike" cap="none" normalizeH="0" baseline="0" smtClean="0">
+                        <a:rPr kumimoji="0" lang="es-PE" sz="2000" b="0" i="1" u="none" strike="noStrike" cap="none" normalizeH="0" baseline="0" dirty="0" smtClean="0">
                           <a:ln>
                             <a:noFill/>
                           </a:ln>
@@ -22204,7 +22271,7 @@
                         </a:rPr>
                         <a:t>Responsable de evaluar la Hoja de requerimientos y Solicitud de Adenda a fin de generar el Contrato y/o Adenda.</a:t>
                       </a:r>
-                      <a:endParaRPr kumimoji="0" lang="es-ES" sz="2000" b="0" i="1" u="none" strike="noStrike" cap="none" normalizeH="0" baseline="0" smtClean="0">
+                      <a:endParaRPr kumimoji="0" lang="es-ES" sz="2000" b="0" i="1" u="none" strike="noStrike" cap="none" normalizeH="0" baseline="0" dirty="0" smtClean="0">
                         <a:ln>
                           <a:noFill/>
                         </a:ln>
@@ -22288,7 +22355,7 @@
         </p:blipFill>
         <p:spPr bwMode="auto">
           <a:xfrm>
-            <a:off x="0" y="2205038"/>
+            <a:off x="-108520" y="2572941"/>
             <a:ext cx="3355975" cy="2008187"/>
           </a:xfrm>
           <a:prstGeom prst="rect">
@@ -22321,7 +22388,7 @@
         </p:blipFill>
         <p:spPr bwMode="auto">
           <a:xfrm>
-            <a:off x="0" y="4005263"/>
+            <a:off x="-108520" y="4517157"/>
             <a:ext cx="3370263" cy="2008187"/>
           </a:xfrm>
           <a:prstGeom prst="rect">
@@ -22391,9 +22458,9 @@
           <a:p>
             <a:pPr eaLnBrk="1" hangingPunct="1"/>
             <a:r>
-              <a:rPr lang="es-PE" b="1" smtClean="0">
+              <a:rPr lang="es-PE" sz="4000" b="1" dirty="0">
                 <a:solidFill>
-                  <a:schemeClr val="tx1"/>
+                  <a:schemeClr val="tx2"/>
                 </a:solidFill>
               </a:rPr>
               <a:t>ENTIDADES DE NEGOCIO</a:t>
@@ -22467,11 +22534,17 @@
           <p:cNvGraphicFramePr>
             <a:graphicFrameLocks noGrp="1"/>
           </p:cNvGraphicFramePr>
-          <p:nvPr/>
+          <p:nvPr>
+            <p:extLst>
+              <p:ext uri="{D42A27DB-BD31-4B8C-83A1-F6EECF244321}">
+                <p14:modId xmlns:p14="http://schemas.microsoft.com/office/powerpoint/2010/main" val="2152338612"/>
+              </p:ext>
+            </p:extLst>
+          </p:nvPr>
         </p:nvGraphicFramePr>
         <p:xfrm>
-          <a:off x="323850" y="2349500"/>
-          <a:ext cx="8569325" cy="4257675"/>
+          <a:off x="323850" y="2276873"/>
+          <a:ext cx="8569325" cy="4330302"/>
         </p:xfrm>
         <a:graphic>
           <a:graphicData uri="http://schemas.openxmlformats.org/drawingml/2006/table">
@@ -22481,7 +22554,7 @@
                 <a:gridCol w="2427288"/>
                 <a:gridCol w="6142037"/>
               </a:tblGrid>
-              <a:tr h="1016000">
+              <a:tr h="1033331">
                 <a:tc>
                   <a:txBody>
                     <a:bodyPr/>
@@ -22503,7 +22576,7 @@
                         <a:buNone/>
                         <a:tabLst/>
                       </a:pPr>
-                      <a:endParaRPr kumimoji="0" lang="es-ES" sz="1800" b="1" i="0" u="none" strike="noStrike" cap="none" normalizeH="0" baseline="0" smtClean="0">
+                      <a:endParaRPr kumimoji="0" lang="es-ES" sz="1800" b="1" i="0" u="none" strike="noStrike" cap="none" normalizeH="0" baseline="0" dirty="0" smtClean="0">
                         <a:ln>
                           <a:noFill/>
                         </a:ln>
@@ -22583,7 +22656,7 @@
                         <a:tabLst/>
                       </a:pPr>
                       <a:r>
-                        <a:rPr kumimoji="0" lang="es-PE" sz="2000" b="0" i="0" u="none" strike="noStrike" cap="none" normalizeH="0" baseline="0" smtClean="0">
+                        <a:rPr kumimoji="0" lang="es-PE" sz="2000" b="0" i="0" u="none" strike="noStrike" cap="none" normalizeH="0" baseline="0" dirty="0" smtClean="0">
                           <a:ln>
                             <a:noFill/>
                           </a:ln>
@@ -22595,7 +22668,7 @@
                         </a:rPr>
                         <a:t>Representa el registro de Contrato</a:t>
                       </a:r>
-                      <a:endParaRPr kumimoji="0" lang="es-ES" sz="2000" b="0" i="0" u="none" strike="noStrike" cap="none" normalizeH="0" baseline="0" smtClean="0">
+                      <a:endParaRPr kumimoji="0" lang="es-ES" sz="2000" b="0" i="0" u="none" strike="noStrike" cap="none" normalizeH="0" baseline="0" dirty="0" smtClean="0">
                         <a:ln>
                           <a:noFill/>
                         </a:ln>
@@ -22654,7 +22727,7 @@
                   </a:tcPr>
                 </a:tc>
               </a:tr>
-              <a:tr h="1000125">
+              <a:tr h="1017185">
                 <a:tc>
                   <a:txBody>
                     <a:bodyPr/>
@@ -22835,7 +22908,7 @@
                   </a:tcPr>
                 </a:tc>
               </a:tr>
-              <a:tr h="1079500">
+              <a:tr h="1097914">
                 <a:tc>
                   <a:txBody>
                     <a:bodyPr/>
@@ -22937,7 +23010,7 @@
                         <a:tabLst/>
                       </a:pPr>
                       <a:r>
-                        <a:rPr kumimoji="0" lang="es-PE" sz="2000" b="0" i="0" u="none" strike="noStrike" cap="none" normalizeH="0" baseline="0" smtClean="0">
+                        <a:rPr kumimoji="0" lang="es-PE" sz="2000" b="0" i="0" u="none" strike="noStrike" cap="none" normalizeH="0" baseline="0" dirty="0" smtClean="0">
                           <a:ln>
                             <a:noFill/>
                           </a:ln>
@@ -22949,7 +23022,7 @@
                         </a:rPr>
                         <a:t>Representa el registro de Cliente</a:t>
                       </a:r>
-                      <a:endParaRPr kumimoji="0" lang="es-ES" sz="2000" b="0" i="0" u="none" strike="noStrike" cap="none" normalizeH="0" baseline="0" smtClean="0">
+                      <a:endParaRPr kumimoji="0" lang="es-ES" sz="2000" b="0" i="0" u="none" strike="noStrike" cap="none" normalizeH="0" baseline="0" dirty="0" smtClean="0">
                         <a:ln>
                           <a:noFill/>
                         </a:ln>
@@ -23008,7 +23081,7 @@
                   </a:tcPr>
                 </a:tc>
               </a:tr>
-              <a:tr h="1162050">
+              <a:tr h="1181872">
                 <a:tc>
                   <a:txBody>
                     <a:bodyPr/>
@@ -23114,7 +23187,7 @@
                         <a:tabLst/>
                       </a:pPr>
                       <a:r>
-                        <a:rPr kumimoji="0" lang="es-PE" sz="2000" b="0" i="0" u="none" strike="noStrike" cap="none" normalizeH="0" baseline="0" smtClean="0">
+                        <a:rPr kumimoji="0" lang="es-PE" sz="2000" b="0" i="0" u="none" strike="noStrike" cap="none" normalizeH="0" baseline="0" dirty="0" smtClean="0">
                           <a:ln>
                             <a:noFill/>
                           </a:ln>
@@ -23126,7 +23199,7 @@
                         </a:rPr>
                         <a:t>Representa el registro de SLA (Acuerdos de Contrato)</a:t>
                       </a:r>
-                      <a:endParaRPr kumimoji="0" lang="es-ES" sz="2000" b="0" i="0" u="none" strike="noStrike" cap="none" normalizeH="0" baseline="0" smtClean="0">
+                      <a:endParaRPr kumimoji="0" lang="es-ES" sz="2000" b="0" i="0" u="none" strike="noStrike" cap="none" normalizeH="0" baseline="0" dirty="0" smtClean="0">
                         <a:ln>
                           <a:noFill/>
                         </a:ln>
@@ -23210,8 +23283,8 @@
         </p:blipFill>
         <p:spPr bwMode="auto">
           <a:xfrm>
-            <a:off x="0" y="2262188"/>
-            <a:ext cx="3168650" cy="1382712"/>
+            <a:off x="82252" y="2204864"/>
+            <a:ext cx="3049588" cy="1330757"/>
           </a:xfrm>
           <a:prstGeom prst="rect">
             <a:avLst/>
@@ -23243,8 +23316,8 @@
         </p:blipFill>
         <p:spPr bwMode="auto">
           <a:xfrm>
-            <a:off x="0" y="3284538"/>
-            <a:ext cx="3132138" cy="1365250"/>
+            <a:off x="144016" y="3284984"/>
+            <a:ext cx="2915816" cy="1270959"/>
           </a:xfrm>
           <a:prstGeom prst="rect">
             <a:avLst/>
@@ -23276,8 +23349,8 @@
         </p:blipFill>
         <p:spPr bwMode="auto">
           <a:xfrm>
-            <a:off x="107950" y="4386263"/>
-            <a:ext cx="2941638" cy="1274762"/>
+            <a:off x="179958" y="4365104"/>
+            <a:ext cx="2807866" cy="1216792"/>
           </a:xfrm>
           <a:prstGeom prst="rect">
             <a:avLst/>
@@ -23309,8 +23382,8 @@
         </p:blipFill>
         <p:spPr bwMode="auto">
           <a:xfrm>
-            <a:off x="-180975" y="5454650"/>
-            <a:ext cx="3305175" cy="1430338"/>
+            <a:off x="52933" y="5480957"/>
+            <a:ext cx="3078907" cy="1332419"/>
           </a:xfrm>
           <a:prstGeom prst="rect">
             <a:avLst/>
@@ -23434,7 +23507,7 @@
                         <a:buNone/>
                         <a:tabLst/>
                       </a:pPr>
-                      <a:endParaRPr kumimoji="0" lang="es-ES" sz="1800" b="1" i="0" u="none" strike="noStrike" cap="none" normalizeH="0" baseline="0" smtClean="0">
+                      <a:endParaRPr kumimoji="0" lang="es-ES" sz="1800" b="1" i="0" u="none" strike="noStrike" cap="none" normalizeH="0" baseline="0" dirty="0" smtClean="0">
                         <a:ln>
                           <a:noFill/>
                         </a:ln>
@@ -24045,7 +24118,7 @@
                         <a:tabLst/>
                       </a:pPr>
                       <a:r>
-                        <a:rPr kumimoji="0" lang="es-PE" sz="2000" b="0" i="0" u="none" strike="noStrike" cap="none" normalizeH="0" baseline="0" smtClean="0">
+                        <a:rPr kumimoji="0" lang="es-PE" sz="2000" b="0" i="0" u="none" strike="noStrike" cap="none" normalizeH="0" baseline="0" dirty="0" smtClean="0">
                           <a:ln>
                             <a:noFill/>
                           </a:ln>
@@ -24057,7 +24130,7 @@
                         </a:rPr>
                         <a:t>Representa el registro dl Informe de Cierre</a:t>
                       </a:r>
-                      <a:endParaRPr kumimoji="0" lang="es-ES" sz="2000" b="0" i="0" u="none" strike="noStrike" cap="none" normalizeH="0" baseline="0" smtClean="0">
+                      <a:endParaRPr kumimoji="0" lang="es-ES" sz="2000" b="0" i="0" u="none" strike="noStrike" cap="none" normalizeH="0" baseline="0" dirty="0" smtClean="0">
                         <a:ln>
                           <a:noFill/>
                         </a:ln>
@@ -24141,7 +24214,7 @@
         </p:blipFill>
         <p:spPr bwMode="auto">
           <a:xfrm>
-            <a:off x="250825" y="2276475"/>
+            <a:off x="179512" y="2337370"/>
             <a:ext cx="2700338" cy="1163638"/>
           </a:xfrm>
           <a:prstGeom prst="rect">
@@ -24174,7 +24247,7 @@
         </p:blipFill>
         <p:spPr bwMode="auto">
           <a:xfrm>
-            <a:off x="179388" y="3284538"/>
+            <a:off x="179388" y="3366120"/>
             <a:ext cx="2663825" cy="1143000"/>
           </a:xfrm>
           <a:prstGeom prst="rect">
@@ -24207,7 +24280,7 @@
         </p:blipFill>
         <p:spPr bwMode="auto">
           <a:xfrm>
-            <a:off x="25400" y="4321175"/>
+            <a:off x="25400" y="4392835"/>
             <a:ext cx="2962275" cy="1268413"/>
           </a:xfrm>
           <a:prstGeom prst="rect">
@@ -24240,7 +24313,7 @@
         </p:blipFill>
         <p:spPr bwMode="auto">
           <a:xfrm>
-            <a:off x="-107950" y="5484813"/>
+            <a:off x="-54843" y="5484813"/>
             <a:ext cx="3114675" cy="1328737"/>
           </a:xfrm>
           <a:prstGeom prst="rect">
@@ -24329,11 +24402,17 @@
           <p:cNvGraphicFramePr>
             <a:graphicFrameLocks noGrp="1"/>
           </p:cNvGraphicFramePr>
-          <p:nvPr/>
+          <p:nvPr>
+            <p:extLst>
+              <p:ext uri="{D42A27DB-BD31-4B8C-83A1-F6EECF244321}">
+                <p14:modId xmlns:p14="http://schemas.microsoft.com/office/powerpoint/2010/main" val="2636306854"/>
+              </p:ext>
+            </p:extLst>
+          </p:nvPr>
         </p:nvGraphicFramePr>
         <p:xfrm>
-          <a:off x="323850" y="2349500"/>
-          <a:ext cx="8569325" cy="4257675"/>
+          <a:off x="323850" y="2349501"/>
+          <a:ext cx="8569325" cy="4272872"/>
         </p:xfrm>
         <a:graphic>
           <a:graphicData uri="http://schemas.openxmlformats.org/drawingml/2006/table">
@@ -24343,7 +24422,7 @@
                 <a:gridCol w="2427288"/>
                 <a:gridCol w="6142037"/>
               </a:tblGrid>
-              <a:tr h="1016000">
+              <a:tr h="1079499">
                 <a:tc>
                   <a:txBody>
                     <a:bodyPr/>
@@ -24516,7 +24595,7 @@
                   </a:tcPr>
                 </a:tc>
               </a:tr>
-              <a:tr h="1000125">
+              <a:tr h="1008112">
                 <a:tc>
                   <a:txBody>
                     <a:bodyPr/>
@@ -24697,7 +24776,7 @@
                   </a:tcPr>
                 </a:tc>
               </a:tr>
-              <a:tr h="1079500">
+              <a:tr h="1080120">
                 <a:tc>
                   <a:txBody>
                     <a:bodyPr/>
@@ -24870,7 +24949,7 @@
                   </a:tcPr>
                 </a:tc>
               </a:tr>
-              <a:tr h="1162050">
+              <a:tr h="1105141">
                 <a:tc>
                   <a:txBody>
                     <a:bodyPr/>
@@ -24976,7 +25055,7 @@
                         <a:tabLst/>
                       </a:pPr>
                       <a:r>
-                        <a:rPr kumimoji="0" lang="es-PE" sz="2000" b="0" i="0" u="none" strike="noStrike" cap="none" normalizeH="0" baseline="0" smtClean="0">
+                        <a:rPr kumimoji="0" lang="es-PE" sz="2000" b="0" i="0" u="none" strike="noStrike" cap="none" normalizeH="0" baseline="0" dirty="0" smtClean="0">
                           <a:ln>
                             <a:noFill/>
                           </a:ln>
@@ -24988,7 +25067,7 @@
                         </a:rPr>
                         <a:t>Representa el registro del Servicio</a:t>
                       </a:r>
-                      <a:endParaRPr kumimoji="0" lang="es-ES" sz="2000" b="0" i="0" u="none" strike="noStrike" cap="none" normalizeH="0" baseline="0" smtClean="0">
+                      <a:endParaRPr kumimoji="0" lang="es-ES" sz="2000" b="0" i="0" u="none" strike="noStrike" cap="none" normalizeH="0" baseline="0" dirty="0" smtClean="0">
                         <a:ln>
                           <a:noFill/>
                         </a:ln>
@@ -25072,7 +25151,7 @@
         </p:blipFill>
         <p:spPr bwMode="auto">
           <a:xfrm>
-            <a:off x="0" y="2247900"/>
+            <a:off x="0" y="2319461"/>
             <a:ext cx="3125788" cy="1325563"/>
           </a:xfrm>
           <a:prstGeom prst="rect">
@@ -25105,7 +25184,7 @@
         </p:blipFill>
         <p:spPr bwMode="auto">
           <a:xfrm>
-            <a:off x="34925" y="3357563"/>
+            <a:off x="179536" y="3392091"/>
             <a:ext cx="2808288" cy="1189037"/>
           </a:xfrm>
           <a:prstGeom prst="rect">
@@ -25138,7 +25217,7 @@
         </p:blipFill>
         <p:spPr bwMode="auto">
           <a:xfrm>
-            <a:off x="-74613" y="4327525"/>
+            <a:off x="107504" y="4399185"/>
             <a:ext cx="2990851" cy="1262063"/>
           </a:xfrm>
           <a:prstGeom prst="rect">
@@ -25171,7 +25250,7 @@
         </p:blipFill>
         <p:spPr bwMode="auto">
           <a:xfrm>
-            <a:off x="-180975" y="5445125"/>
+            <a:off x="36215" y="5510038"/>
             <a:ext cx="3095625" cy="1303338"/>
           </a:xfrm>
           <a:prstGeom prst="rect">
@@ -25256,6 +25335,13 @@
   <p:clrMapOvr>
     <a:masterClrMapping/>
   </p:clrMapOvr>
+  <p:timing>
+    <p:tnLst>
+      <p:par>
+        <p:cTn id="1" dur="indefinite" restart="never" nodeType="tmRoot"/>
+      </p:par>
+    </p:tnLst>
+  </p:timing>
 </p:sld>
 </file>
 
@@ -25298,7 +25384,7 @@
           <a:p>
             <a:pPr eaLnBrk="1" hangingPunct="1"/>
             <a:r>
-              <a:rPr lang="es-PE" sz="4000" b="1" smtClean="0">
+              <a:rPr lang="es-PE" sz="4000" b="1" dirty="0" smtClean="0">
                 <a:solidFill>
                   <a:schemeClr val="tx2"/>
                 </a:solidFill>
@@ -25621,7 +25707,7 @@
           <a:lstStyle/>
           <a:p>
             <a:r>
-              <a:rPr lang="es-PE" sz="5400">
+              <a:rPr lang="es-PE" sz="5400" dirty="0">
                 <a:solidFill>
                   <a:schemeClr val="bg1"/>
                 </a:solidFill>
@@ -25630,7 +25716,7 @@
               <a:t>GRACIAS </a:t>
             </a:r>
             <a:r>
-              <a:rPr lang="es-PE" sz="4800">
+              <a:rPr lang="es-PE" sz="4800" dirty="0">
                 <a:solidFill>
                   <a:schemeClr val="bg1"/>
                 </a:solidFill>
@@ -25685,7 +25771,7 @@
         </p:nvSpPr>
         <p:spPr>
           <a:xfrm>
-            <a:off x="755650" y="2276872"/>
+            <a:off x="539552" y="2564904"/>
             <a:ext cx="8085138" cy="3888978"/>
           </a:xfrm>
         </p:spPr>
@@ -25695,46 +25781,45 @@
           <a:p>
             <a:pPr eaLnBrk="1" hangingPunct="1"/>
             <a:r>
-              <a:rPr lang="es-PE" sz="2800" b="1" dirty="0" smtClean="0">
+              <a:rPr lang="es-PE" sz="2800" b="1" dirty="0">
                 <a:solidFill>
-                  <a:schemeClr val="tx1"/>
+                  <a:schemeClr val="tx2"/>
                 </a:solidFill>
               </a:rPr>
-              <a:t>En la actualidad, el mejoramiento de los procesos de toda organización es beneficioso para el logro de sus objetivos. Esto se logra con el uso de herramientas de modelado que permiten estructurar, diseñar y graficar los distintos procesos, subprocesos, reglas de negocio, cadena de valor, y demás </a:t>
+              <a:t>En l</a:t>
             </a:r>
             <a:r>
               <a:rPr lang="es-PE" sz="2800" b="1" dirty="0">
                 <a:solidFill>
-                  <a:schemeClr val="tx1"/>
+                  <a:schemeClr val="tx2"/>
                 </a:solidFill>
               </a:rPr>
-              <a:t>componentes que permitan relacionar los artefactos </a:t>
+              <a:t>a </a:t>
             </a:r>
             <a:r>
               <a:rPr lang="es-PE" sz="2800" b="1" dirty="0">
                 <a:solidFill>
-                  <a:schemeClr val="tx1"/>
+                  <a:schemeClr val="tx2"/>
                 </a:solidFill>
               </a:rPr>
-              <a:t>de una </a:t>
+              <a:t>actualidad, el mejoramiento de los procesos de toda organización es beneficioso para el logro de sus objetivos. Esto se logra con el uso de herramientas de modelado que permiten estructurar, diseñar y graficar los distintos procesos, subprocesos, reglas de negocio, cadena de valor, y demás </a:t>
             </a:r>
             <a:r>
-              <a:rPr lang="es-PE" sz="2800" b="1">
+              <a:rPr lang="es-PE" sz="2800" b="1" dirty="0">
                 <a:solidFill>
-                  <a:schemeClr val="tx1"/>
+                  <a:schemeClr val="tx2"/>
                 </a:solidFill>
               </a:rPr>
-              <a:t>manera </a:t>
+              <a:t>componentes que permitan relacionar los artefactos de una manera </a:t>
             </a:r>
             <a:r>
-              <a:rPr lang="es-PE" sz="2800" b="1" smtClean="0">
+              <a:rPr lang="es-PE" sz="2800" b="1" dirty="0">
                 <a:solidFill>
-                  <a:schemeClr val="tx1"/>
+                  <a:schemeClr val="tx2"/>
                 </a:solidFill>
               </a:rPr>
               <a:t>integral</a:t>
             </a:r>
-            <a:endParaRPr lang="es-PE" sz="2800" b="1" dirty="0" smtClean="0"/>
           </a:p>
         </p:txBody>
       </p:sp>
@@ -25785,7 +25870,7 @@
           <a:p>
             <a:pPr eaLnBrk="1" hangingPunct="1"/>
             <a:r>
-              <a:rPr lang="es-PE" b="1" smtClean="0">
+              <a:rPr lang="es-PE" b="1" dirty="0" smtClean="0">
                 <a:solidFill>
                   <a:schemeClr val="tx2"/>
                 </a:solidFill>
@@ -25833,7 +25918,7 @@
         <p:spPr>
           <a:xfrm>
             <a:off x="468313" y="2636838"/>
-            <a:ext cx="8229600" cy="3097212"/>
+            <a:ext cx="8229600" cy="3600474"/>
           </a:xfrm>
         </p:spPr>
         <p:txBody>
@@ -25842,18 +25927,34 @@
           <a:p>
             <a:pPr eaLnBrk="1" hangingPunct="1"/>
             <a:r>
-              <a:rPr lang="es-PE" sz="2800" b="1" smtClean="0">
+              <a:rPr lang="es-PE" sz="2800" b="1" dirty="0">
                 <a:solidFill>
-                  <a:schemeClr val="tx1"/>
+                  <a:schemeClr val="tx2"/>
                 </a:solidFill>
               </a:rPr>
-              <a:t>TMD S.A. actúa como su socio especialista en Tecnología de la información; diseñando, implementando operando y administrando la solución tecnológica; y en muchos oportunidades haciéndose responsable de procesos integrales que pueden incluir infraestructura, recursos humanos, aplicaciones, supervisión y auditoría</a:t>
+              <a:t>TMD S.A. actúa como su socio especialista en Tecnología de la información; diseñando, implementando operando y administrando la solución tecnológica; y en muchos oportunidades haciéndose responsable de procesos integrales que pueden incluir infraestructura, recursos humanos, </a:t>
             </a:r>
             <a:r>
-              <a:rPr lang="es-ES" sz="4000" smtClean="0"/>
+              <a:rPr lang="es-PE" sz="2800" b="1" dirty="0">
+                <a:solidFill>
+                  <a:schemeClr val="tx2"/>
+                </a:solidFill>
+              </a:rPr>
+              <a:t>aplicaciones, supervisión y auditoría</a:t>
+            </a:r>
+            <a:r>
+              <a:rPr lang="es-ES" sz="2800" b="1" dirty="0">
+                <a:solidFill>
+                  <a:schemeClr val="tx2"/>
+                </a:solidFill>
+              </a:rPr>
               <a:t> </a:t>
             </a:r>
-            <a:endParaRPr lang="es-PE" sz="4000" smtClean="0"/>
+            <a:endParaRPr lang="es-PE" sz="2800" b="1" dirty="0">
+              <a:solidFill>
+                <a:schemeClr val="tx2"/>
+              </a:solidFill>
+            </a:endParaRPr>
           </a:p>
         </p:txBody>
       </p:sp>
@@ -25961,9 +26062,9 @@
           <a:p>
             <a:pPr eaLnBrk="1" hangingPunct="1"/>
             <a:r>
-              <a:rPr lang="es-PE" sz="4000" b="1" smtClean="0">
+              <a:rPr lang="es-PE" sz="3600" b="1" dirty="0">
                 <a:solidFill>
-                  <a:schemeClr val="tx1"/>
+                  <a:schemeClr val="tx2"/>
                 </a:solidFill>
               </a:rPr>
               <a:t>El Campo del proceso de Contratos de Clientas se dentro de la Organización TMD S.A.</a:t>
@@ -26094,7 +26195,13 @@
           <p:cNvGraphicFramePr>
             <a:graphicFrameLocks noGrp="1"/>
           </p:cNvGraphicFramePr>
-          <p:nvPr/>
+          <p:nvPr>
+            <p:extLst>
+              <p:ext uri="{D42A27DB-BD31-4B8C-83A1-F6EECF244321}">
+                <p14:modId xmlns:p14="http://schemas.microsoft.com/office/powerpoint/2010/main" val="1572184485"/>
+              </p:ext>
+            </p:extLst>
+          </p:nvPr>
         </p:nvGraphicFramePr>
         <p:xfrm>
           <a:off x="323850" y="2349500"/>
@@ -26130,7 +26237,7 @@
                         <a:buNone/>
                         <a:tabLst/>
                       </a:pPr>
-                      <a:endParaRPr kumimoji="0" lang="es-ES" sz="1800" b="1" i="0" u="none" strike="noStrike" cap="none" normalizeH="0" baseline="0" smtClean="0">
+                      <a:endParaRPr kumimoji="0" lang="es-ES" sz="1800" b="1" i="0" u="none" strike="noStrike" cap="none" normalizeH="0" baseline="0" dirty="0" smtClean="0">
                         <a:ln>
                           <a:noFill/>
                         </a:ln>
@@ -26210,7 +26317,7 @@
                         <a:tabLst/>
                       </a:pPr>
                       <a:r>
-                        <a:rPr kumimoji="0" lang="es-PE" sz="2000" b="0" i="1" u="none" strike="noStrike" cap="none" normalizeH="0" baseline="0" smtClean="0">
+                        <a:rPr kumimoji="0" lang="es-PE" sz="2000" b="0" i="1" u="none" strike="noStrike" kern="1200" cap="none" normalizeH="0" baseline="0" smtClean="0">
                           <a:ln>
                             <a:noFill/>
                           </a:ln>
@@ -26219,10 +26326,12 @@
                           </a:solidFill>
                           <a:effectLst/>
                           <a:latin typeface="Candara" pitchFamily="34" charset="0"/>
+                          <a:ea typeface="+mn-ea"/>
+                          <a:cs typeface="+mn-cs"/>
                         </a:rPr>
                         <a:t>Se definen las siguientes líneas para los Tipos de Servicio: </a:t>
                       </a:r>
-                      <a:endParaRPr kumimoji="0" lang="es-ES" sz="2000" b="0" i="1" u="none" strike="noStrike" cap="none" normalizeH="0" baseline="0" smtClean="0">
+                      <a:endParaRPr kumimoji="0" lang="es-ES" sz="2000" b="0" i="1" u="none" strike="noStrike" kern="1200" cap="none" normalizeH="0" baseline="0" smtClean="0">
                         <a:ln>
                           <a:noFill/>
                         </a:ln>
@@ -26231,6 +26340,8 @@
                         </a:solidFill>
                         <a:effectLst/>
                         <a:latin typeface="Candara" pitchFamily="34" charset="0"/>
+                        <a:ea typeface="+mn-ea"/>
+                        <a:cs typeface="+mn-cs"/>
                       </a:endParaRPr>
                     </a:p>
                   </a:txBody>
@@ -26389,7 +26500,7 @@
                         <a:tabLst/>
                       </a:pPr>
                       <a:r>
-                        <a:rPr kumimoji="0" lang="es-PE" sz="2000" b="0" i="1" u="none" strike="noStrike" cap="none" normalizeH="0" baseline="0" smtClean="0">
+                        <a:rPr kumimoji="0" lang="es-PE" sz="2000" b="0" i="1" u="none" strike="noStrike" kern="1200" cap="none" normalizeH="0" baseline="0" dirty="0" smtClean="0">
                           <a:ln>
                             <a:noFill/>
                           </a:ln>
@@ -26398,12 +26509,14 @@
                           </a:solidFill>
                           <a:effectLst/>
                           <a:latin typeface="Candara" pitchFamily="34" charset="0"/>
+                          <a:ea typeface="+mn-ea"/>
+                          <a:cs typeface="+mn-cs"/>
                         </a:rPr>
                         <a:t>Se definen las siguientes Categorías de Tipos de Cliente: </a:t>
                       </a:r>
                     </a:p>
                     <a:p>
-                      <a:pPr marL="0" marR="0" lvl="0" indent="0" algn="l" defTabSz="914400" rtl="0" eaLnBrk="0" fontAlgn="base" latinLnBrk="0" hangingPunct="0">
+                      <a:pPr marL="342900" marR="0" lvl="0" indent="-342900" algn="l" defTabSz="914400" rtl="0" eaLnBrk="0" fontAlgn="base" latinLnBrk="0" hangingPunct="0">
                         <a:lnSpc>
                           <a:spcPct val="100000"/>
                         </a:lnSpc>
@@ -26417,12 +26530,12 @@
                           <a:schemeClr val="accent1"/>
                         </a:buClr>
                         <a:buSzPct val="100000"/>
-                        <a:buFont typeface="Symbol" pitchFamily="18" charset="2"/>
-                        <a:buNone/>
+                        <a:buFont typeface="Arial" pitchFamily="34" charset="0"/>
+                        <a:buChar char="•"/>
                         <a:tabLst/>
                       </a:pPr>
                       <a:r>
-                        <a:rPr kumimoji="0" lang="es-PE" sz="2000" b="0" i="1" u="none" strike="noStrike" cap="none" normalizeH="0" baseline="0" smtClean="0">
+                        <a:rPr kumimoji="0" lang="es-PE" sz="2000" b="0" i="1" u="none" strike="noStrike" kern="1200" cap="none" normalizeH="0" baseline="0" dirty="0" smtClean="0">
                           <a:ln>
                             <a:noFill/>
                           </a:ln>
@@ -26431,12 +26544,14 @@
                           </a:solidFill>
                           <a:effectLst/>
                           <a:latin typeface="Candara" pitchFamily="34" charset="0"/>
+                          <a:ea typeface="+mn-ea"/>
+                          <a:cs typeface="+mn-cs"/>
                         </a:rPr>
                         <a:t>Industria y Comercio.</a:t>
                       </a:r>
                     </a:p>
                     <a:p>
-                      <a:pPr marL="0" marR="0" lvl="0" indent="0" algn="l" defTabSz="914400" rtl="0" eaLnBrk="0" fontAlgn="base" latinLnBrk="0" hangingPunct="0">
+                      <a:pPr marL="342900" marR="0" lvl="0" indent="-342900" algn="l" defTabSz="914400" rtl="0" eaLnBrk="0" fontAlgn="base" latinLnBrk="0" hangingPunct="0">
                         <a:lnSpc>
                           <a:spcPct val="100000"/>
                         </a:lnSpc>
@@ -26450,12 +26565,12 @@
                           <a:schemeClr val="accent1"/>
                         </a:buClr>
                         <a:buSzPct val="100000"/>
-                        <a:buFont typeface="Symbol" pitchFamily="18" charset="2"/>
-                        <a:buNone/>
+                        <a:buFont typeface="Arial" pitchFamily="34" charset="0"/>
+                        <a:buChar char="•"/>
                         <a:tabLst/>
                       </a:pPr>
                       <a:r>
-                        <a:rPr kumimoji="0" lang="es-PE" sz="2000" b="0" i="1" u="none" strike="noStrike" cap="none" normalizeH="0" baseline="0" smtClean="0">
+                        <a:rPr kumimoji="0" lang="es-PE" sz="2000" b="0" i="1" u="none" strike="noStrike" kern="1200" cap="none" normalizeH="0" baseline="0" dirty="0" smtClean="0">
                           <a:ln>
                             <a:noFill/>
                           </a:ln>
@@ -26464,12 +26579,14 @@
                           </a:solidFill>
                           <a:effectLst/>
                           <a:latin typeface="Candara" pitchFamily="34" charset="0"/>
+                          <a:ea typeface="+mn-ea"/>
+                          <a:cs typeface="+mn-cs"/>
                         </a:rPr>
                         <a:t>Banca y Finanzas.</a:t>
                       </a:r>
                     </a:p>
                     <a:p>
-                      <a:pPr marL="0" marR="0" lvl="0" indent="0" algn="l" defTabSz="914400" rtl="0" eaLnBrk="0" fontAlgn="base" latinLnBrk="0" hangingPunct="0">
+                      <a:pPr marL="342900" marR="0" lvl="0" indent="-342900" algn="l" defTabSz="914400" rtl="0" eaLnBrk="0" fontAlgn="base" latinLnBrk="0" hangingPunct="0">
                         <a:lnSpc>
                           <a:spcPct val="100000"/>
                         </a:lnSpc>
@@ -26483,12 +26600,12 @@
                           <a:schemeClr val="accent1"/>
                         </a:buClr>
                         <a:buSzPct val="100000"/>
-                        <a:buFont typeface="Symbol" pitchFamily="18" charset="2"/>
-                        <a:buNone/>
+                        <a:buFont typeface="Arial" pitchFamily="34" charset="0"/>
+                        <a:buChar char="•"/>
                         <a:tabLst/>
                       </a:pPr>
                       <a:r>
-                        <a:rPr kumimoji="0" lang="es-PE" sz="2000" b="0" i="1" u="none" strike="noStrike" cap="none" normalizeH="0" baseline="0" smtClean="0">
+                        <a:rPr kumimoji="0" lang="es-PE" sz="2000" b="0" i="1" u="none" strike="noStrike" kern="1200" cap="none" normalizeH="0" baseline="0" dirty="0" smtClean="0">
                           <a:ln>
                             <a:noFill/>
                           </a:ln>
@@ -26497,10 +26614,12 @@
                           </a:solidFill>
                           <a:effectLst/>
                           <a:latin typeface="Candara" pitchFamily="34" charset="0"/>
+                          <a:ea typeface="+mn-ea"/>
+                          <a:cs typeface="+mn-cs"/>
                         </a:rPr>
                         <a:t>Gobierno y Servicios públicos.</a:t>
                       </a:r>
-                      <a:endParaRPr kumimoji="0" lang="es-ES" sz="2000" b="0" i="1" u="none" strike="noStrike" cap="none" normalizeH="0" baseline="0" smtClean="0">
+                      <a:endParaRPr kumimoji="0" lang="es-ES" sz="2000" b="0" i="1" u="none" strike="noStrike" kern="1200" cap="none" normalizeH="0" baseline="0" dirty="0" smtClean="0">
                         <a:ln>
                           <a:noFill/>
                         </a:ln>
@@ -26509,6 +26628,8 @@
                         </a:solidFill>
                         <a:effectLst/>
                         <a:latin typeface="Candara" pitchFamily="34" charset="0"/>
+                        <a:ea typeface="+mn-ea"/>
+                        <a:cs typeface="+mn-cs"/>
                       </a:endParaRPr>
                     </a:p>
                   </a:txBody>
@@ -26665,7 +26786,7 @@
                         <a:tabLst/>
                       </a:pPr>
                       <a:r>
-                        <a:rPr kumimoji="0" lang="es-PE" sz="2000" b="0" i="1" u="none" strike="noStrike" cap="none" normalizeH="0" baseline="0" smtClean="0">
+                        <a:rPr kumimoji="0" lang="es-PE" sz="2000" b="0" i="1" u="none" strike="noStrike" kern="1200" cap="none" normalizeH="0" baseline="0" dirty="0" smtClean="0">
                           <a:ln>
                             <a:noFill/>
                           </a:ln>
@@ -26674,11 +26795,13 @@
                           </a:solidFill>
                           <a:effectLst/>
                           <a:latin typeface="Candara" pitchFamily="34" charset="0"/>
+                          <a:ea typeface="+mn-ea"/>
+                          <a:cs typeface="+mn-cs"/>
                         </a:rPr>
                         <a:t>Se definen los siguientes Tipos de Servicio por Línea de Servicio: </a:t>
                       </a:r>
                       <a:r>
-                        <a:rPr kumimoji="0" lang="es-PE" sz="2000" b="1" i="1" u="none" strike="noStrike" cap="none" normalizeH="0" baseline="0" smtClean="0">
+                        <a:rPr kumimoji="0" lang="es-PE" sz="2000" b="1" i="1" u="none" strike="noStrike" kern="1200" cap="none" normalizeH="0" baseline="0" dirty="0" err="1" smtClean="0">
                           <a:ln>
                             <a:noFill/>
                           </a:ln>
@@ -26687,10 +26810,87 @@
                           </a:solidFill>
                           <a:effectLst/>
                           <a:latin typeface="Candara" pitchFamily="34" charset="0"/>
+                          <a:ea typeface="+mn-ea"/>
+                          <a:cs typeface="+mn-cs"/>
                         </a:rPr>
-                        <a:t>Outsourcing de Tecnología, Software Factory, Outsourcing de Procesos, Outsourcing de Servicios de Aplicación y Servicios de Tecnología</a:t>
+                        <a:t>Outsourcing</a:t>
                       </a:r>
-                      <a:endParaRPr kumimoji="0" lang="es-ES" sz="2000" b="1" i="1" u="none" strike="noStrike" cap="none" normalizeH="0" baseline="0" smtClean="0">
+                      <a:r>
+                        <a:rPr kumimoji="0" lang="es-PE" sz="2000" b="1" i="1" u="none" strike="noStrike" kern="1200" cap="none" normalizeH="0" baseline="0" dirty="0" smtClean="0">
+                          <a:ln>
+                            <a:noFill/>
+                          </a:ln>
+                          <a:solidFill>
+                            <a:schemeClr val="tx2"/>
+                          </a:solidFill>
+                          <a:effectLst/>
+                          <a:latin typeface="Candara" pitchFamily="34" charset="0"/>
+                          <a:ea typeface="+mn-ea"/>
+                          <a:cs typeface="+mn-cs"/>
+                        </a:rPr>
+                        <a:t> de Tecnología, Software Factory, </a:t>
+                      </a:r>
+                      <a:r>
+                        <a:rPr kumimoji="0" lang="es-PE" sz="2000" b="1" i="1" u="none" strike="noStrike" kern="1200" cap="none" normalizeH="0" baseline="0" dirty="0" err="1" smtClean="0">
+                          <a:ln>
+                            <a:noFill/>
+                          </a:ln>
+                          <a:solidFill>
+                            <a:schemeClr val="tx2"/>
+                          </a:solidFill>
+                          <a:effectLst/>
+                          <a:latin typeface="Candara" pitchFamily="34" charset="0"/>
+                          <a:ea typeface="+mn-ea"/>
+                          <a:cs typeface="+mn-cs"/>
+                        </a:rPr>
+                        <a:t>Outsourcing</a:t>
+                      </a:r>
+                      <a:r>
+                        <a:rPr kumimoji="0" lang="es-PE" sz="2000" b="1" i="1" u="none" strike="noStrike" kern="1200" cap="none" normalizeH="0" baseline="0" dirty="0" smtClean="0">
+                          <a:ln>
+                            <a:noFill/>
+                          </a:ln>
+                          <a:solidFill>
+                            <a:schemeClr val="tx2"/>
+                          </a:solidFill>
+                          <a:effectLst/>
+                          <a:latin typeface="Candara" pitchFamily="34" charset="0"/>
+                          <a:ea typeface="+mn-ea"/>
+                          <a:cs typeface="+mn-cs"/>
+                        </a:rPr>
+                        <a:t> de Procesos, </a:t>
+                      </a:r>
+                      <a:r>
+                        <a:rPr kumimoji="0" lang="es-PE" sz="2000" b="1" i="1" u="none" strike="noStrike" kern="1200" cap="none" normalizeH="0" baseline="0" dirty="0" err="1" smtClean="0">
+                          <a:ln>
+                            <a:noFill/>
+                          </a:ln>
+                          <a:solidFill>
+                            <a:schemeClr val="tx2"/>
+                          </a:solidFill>
+                          <a:effectLst/>
+                          <a:latin typeface="Candara" pitchFamily="34" charset="0"/>
+                          <a:ea typeface="+mn-ea"/>
+                          <a:cs typeface="+mn-cs"/>
+                        </a:rPr>
+                        <a:t>Outsourcing</a:t>
+                      </a:r>
+                      <a:r>
+                        <a:rPr kumimoji="0" lang="es-PE" sz="2000" b="1" i="1" u="none" strike="noStrike" kern="1200" cap="none" normalizeH="0" baseline="0" dirty="0" smtClean="0">
+                          <a:ln>
+                            <a:noFill/>
+                          </a:ln>
+                          <a:solidFill>
+                            <a:schemeClr val="tx2"/>
+                          </a:solidFill>
+                          <a:effectLst/>
+                          <a:latin typeface="Candara" pitchFamily="34" charset="0"/>
+                          <a:ea typeface="+mn-ea"/>
+                          <a:cs typeface="+mn-cs"/>
+                        </a:rPr>
+                        <a:t> de Servicios de Aplicación y Servicios de Tecnología</a:t>
+                      </a:r>
+                      <a:endParaRPr kumimoji="0" lang="es-ES" sz="2000" b="1" i="1" u="none" strike="noStrike" kern="1200" cap="none" normalizeH="0" baseline="0" dirty="0" smtClean="0">
                         <a:ln>
                           <a:noFill/>
                         </a:ln>
@@ -26699,6 +26899,8 @@
                         </a:solidFill>
                         <a:effectLst/>
                         <a:latin typeface="Candara" pitchFamily="34" charset="0"/>
+                        <a:ea typeface="+mn-ea"/>
+                        <a:cs typeface="+mn-cs"/>
                       </a:endParaRPr>
                     </a:p>
                   </a:txBody>
@@ -26770,8 +26972,8 @@
         </p:blipFill>
         <p:spPr bwMode="auto">
           <a:xfrm>
-            <a:off x="539750" y="2349500"/>
-            <a:ext cx="2338388" cy="1208088"/>
+            <a:off x="251520" y="2397237"/>
+            <a:ext cx="2554610" cy="1319795"/>
           </a:xfrm>
           <a:prstGeom prst="rect">
             <a:avLst/>
@@ -26803,7 +27005,7 @@
         </p:blipFill>
         <p:spPr bwMode="auto">
           <a:xfrm>
-            <a:off x="179388" y="3500438"/>
+            <a:off x="35496" y="3565376"/>
             <a:ext cx="3035300" cy="1447800"/>
           </a:xfrm>
           <a:prstGeom prst="rect">
@@ -26836,7 +27038,7 @@
         </p:blipFill>
         <p:spPr bwMode="auto">
           <a:xfrm>
-            <a:off x="179388" y="5013325"/>
+            <a:off x="179388" y="5149552"/>
             <a:ext cx="2827337" cy="1447800"/>
           </a:xfrm>
           <a:prstGeom prst="rect">
